--- a/IntroToReinforcementLearning_IndabaX2022_001.pptx
+++ b/IntroToReinforcementLearning_IndabaX2022_001.pptx
@@ -5,7 +5,7 @@
     <p:sldMasterId id="2147483749" r:id="rId1"/>
   </p:sldMasterIdLst>
   <p:notesMasterIdLst>
-    <p:notesMasterId r:id="rId18"/>
+    <p:notesMasterId r:id="rId20"/>
   </p:notesMasterIdLst>
   <p:sldIdLst>
     <p:sldId id="256" r:id="rId2"/>
@@ -13,17 +13,19 @@
     <p:sldId id="258" r:id="rId4"/>
     <p:sldId id="259" r:id="rId5"/>
     <p:sldId id="262" r:id="rId6"/>
-    <p:sldId id="263" r:id="rId7"/>
-    <p:sldId id="265" r:id="rId8"/>
-    <p:sldId id="264" r:id="rId9"/>
-    <p:sldId id="267" r:id="rId10"/>
-    <p:sldId id="268" r:id="rId11"/>
-    <p:sldId id="269" r:id="rId12"/>
-    <p:sldId id="272" r:id="rId13"/>
-    <p:sldId id="266" r:id="rId14"/>
-    <p:sldId id="271" r:id="rId15"/>
-    <p:sldId id="260" r:id="rId16"/>
-    <p:sldId id="261" r:id="rId17"/>
+    <p:sldId id="275" r:id="rId7"/>
+    <p:sldId id="263" r:id="rId8"/>
+    <p:sldId id="265" r:id="rId9"/>
+    <p:sldId id="264" r:id="rId10"/>
+    <p:sldId id="267" r:id="rId11"/>
+    <p:sldId id="268" r:id="rId12"/>
+    <p:sldId id="274" r:id="rId13"/>
+    <p:sldId id="269" r:id="rId14"/>
+    <p:sldId id="272" r:id="rId15"/>
+    <p:sldId id="266" r:id="rId16"/>
+    <p:sldId id="271" r:id="rId17"/>
+    <p:sldId id="260" r:id="rId18"/>
+    <p:sldId id="261" r:id="rId19"/>
   </p:sldIdLst>
   <p:sldSz cx="12192000" cy="6858000"/>
   <p:notesSz cx="6858000" cy="9144000"/>
@@ -1046,47 +1048,932 @@
 </dgm:colorsDef>
 </file>
 
+<file path=ppt/diagrams/colors2.xml><?xml version="1.0" encoding="utf-8"?>
+<dgm:colorsDef xmlns:dgm="http://schemas.openxmlformats.org/drawingml/2006/diagram" xmlns:a="http://schemas.openxmlformats.org/drawingml/2006/main" uniqueId="urn:microsoft.com/office/officeart/2018/5/colors/Iconchunking_neutralbg_colorful1">
+  <dgm:title val=""/>
+  <dgm:desc val=""/>
+  <dgm:catLst>
+    <dgm:cat type="colorful" pri="10100"/>
+  </dgm:catLst>
+  <dgm:styleLbl name="node0">
+    <dgm:fillClrLst meth="repeat">
+      <a:schemeClr val="accent1"/>
+    </dgm:fillClrLst>
+    <dgm:linClrLst meth="repeat">
+      <a:schemeClr val="lt1"/>
+    </dgm:linClrLst>
+    <dgm:effectClrLst/>
+    <dgm:txLinClrLst/>
+    <dgm:txFillClrLst/>
+    <dgm:txEffectClrLst/>
+  </dgm:styleLbl>
+  <dgm:styleLbl name="node1">
+    <dgm:fillClrLst meth="repeat">
+      <a:schemeClr val="accent2"/>
+      <a:schemeClr val="accent3"/>
+      <a:schemeClr val="accent4"/>
+      <a:schemeClr val="accent5"/>
+      <a:schemeClr val="accent6"/>
+    </dgm:fillClrLst>
+    <dgm:linClrLst meth="repeat">
+      <a:schemeClr val="lt1">
+        <a:alpha val="0"/>
+      </a:schemeClr>
+    </dgm:linClrLst>
+    <dgm:effectClrLst/>
+    <dgm:txLinClrLst/>
+    <dgm:txFillClrLst/>
+    <dgm:txEffectClrLst/>
+  </dgm:styleLbl>
+  <dgm:styleLbl name="alignNode1">
+    <dgm:fillClrLst meth="repeat">
+      <a:schemeClr val="accent2"/>
+      <a:schemeClr val="accent3"/>
+      <a:schemeClr val="accent4"/>
+      <a:schemeClr val="accent5"/>
+      <a:schemeClr val="accent6"/>
+    </dgm:fillClrLst>
+    <dgm:linClrLst meth="repeat">
+      <a:schemeClr val="accent2"/>
+      <a:schemeClr val="accent3"/>
+      <a:schemeClr val="accent4"/>
+      <a:schemeClr val="accent5"/>
+      <a:schemeClr val="accent6"/>
+    </dgm:linClrLst>
+    <dgm:effectClrLst/>
+    <dgm:txLinClrLst/>
+    <dgm:txFillClrLst/>
+    <dgm:txEffectClrLst/>
+  </dgm:styleLbl>
+  <dgm:styleLbl name="lnNode1">
+    <dgm:fillClrLst meth="repeat">
+      <a:schemeClr val="accent2"/>
+      <a:schemeClr val="accent3"/>
+      <a:schemeClr val="accent4"/>
+      <a:schemeClr val="accent5"/>
+      <a:schemeClr val="accent6"/>
+    </dgm:fillClrLst>
+    <dgm:linClrLst meth="repeat">
+      <a:schemeClr val="lt1"/>
+    </dgm:linClrLst>
+    <dgm:effectClrLst/>
+    <dgm:txLinClrLst/>
+    <dgm:txFillClrLst/>
+    <dgm:txEffectClrLst/>
+  </dgm:styleLbl>
+  <dgm:styleLbl name="vennNode1">
+    <dgm:fillClrLst meth="repeat">
+      <a:schemeClr val="accent2">
+        <a:alpha val="50000"/>
+      </a:schemeClr>
+      <a:schemeClr val="accent3">
+        <a:alpha val="50000"/>
+      </a:schemeClr>
+      <a:schemeClr val="accent4">
+        <a:alpha val="50000"/>
+      </a:schemeClr>
+      <a:schemeClr val="accent5">
+        <a:alpha val="50000"/>
+      </a:schemeClr>
+      <a:schemeClr val="accent6">
+        <a:alpha val="50000"/>
+      </a:schemeClr>
+    </dgm:fillClrLst>
+    <dgm:linClrLst meth="repeat">
+      <a:schemeClr val="lt1"/>
+    </dgm:linClrLst>
+    <dgm:effectClrLst/>
+    <dgm:txLinClrLst/>
+    <dgm:txFillClrLst/>
+    <dgm:txEffectClrLst/>
+  </dgm:styleLbl>
+  <dgm:styleLbl name="node2">
+    <dgm:fillClrLst>
+      <a:schemeClr val="accent2"/>
+    </dgm:fillClrLst>
+    <dgm:linClrLst meth="repeat">
+      <a:schemeClr val="lt1"/>
+    </dgm:linClrLst>
+    <dgm:effectClrLst/>
+    <dgm:txLinClrLst/>
+    <dgm:txFillClrLst/>
+    <dgm:txEffectClrLst/>
+  </dgm:styleLbl>
+  <dgm:styleLbl name="node3">
+    <dgm:fillClrLst>
+      <a:schemeClr val="accent3"/>
+    </dgm:fillClrLst>
+    <dgm:linClrLst meth="repeat">
+      <a:schemeClr val="lt1"/>
+    </dgm:linClrLst>
+    <dgm:effectClrLst/>
+    <dgm:txLinClrLst/>
+    <dgm:txFillClrLst/>
+    <dgm:txEffectClrLst/>
+  </dgm:styleLbl>
+  <dgm:styleLbl name="node4">
+    <dgm:fillClrLst>
+      <a:schemeClr val="accent4"/>
+    </dgm:fillClrLst>
+    <dgm:linClrLst meth="repeat">
+      <a:schemeClr val="lt1"/>
+    </dgm:linClrLst>
+    <dgm:effectClrLst/>
+    <dgm:txLinClrLst/>
+    <dgm:txFillClrLst/>
+    <dgm:txEffectClrLst/>
+  </dgm:styleLbl>
+  <dgm:styleLbl name="fgImgPlace1">
+    <dgm:fillClrLst meth="repeat">
+      <a:schemeClr val="accent2">
+        <a:tint val="50000"/>
+      </a:schemeClr>
+      <a:schemeClr val="accent3">
+        <a:tint val="50000"/>
+      </a:schemeClr>
+      <a:schemeClr val="accent4">
+        <a:tint val="50000"/>
+      </a:schemeClr>
+      <a:schemeClr val="accent5">
+        <a:tint val="50000"/>
+      </a:schemeClr>
+      <a:schemeClr val="accent6">
+        <a:tint val="50000"/>
+      </a:schemeClr>
+    </dgm:fillClrLst>
+    <dgm:linClrLst meth="repeat">
+      <a:schemeClr val="lt1"/>
+    </dgm:linClrLst>
+    <dgm:effectClrLst/>
+    <dgm:txLinClrLst/>
+    <dgm:txFillClrLst meth="repeat">
+      <a:schemeClr val="lt1"/>
+    </dgm:txFillClrLst>
+    <dgm:txEffectClrLst/>
+  </dgm:styleLbl>
+  <dgm:styleLbl name="alignImgPlace1">
+    <dgm:fillClrLst>
+      <a:schemeClr val="accent1">
+        <a:tint val="50000"/>
+      </a:schemeClr>
+      <a:schemeClr val="accent2">
+        <a:tint val="20000"/>
+      </a:schemeClr>
+    </dgm:fillClrLst>
+    <dgm:linClrLst meth="repeat">
+      <a:schemeClr val="lt1"/>
+    </dgm:linClrLst>
+    <dgm:effectClrLst/>
+    <dgm:txLinClrLst/>
+    <dgm:txFillClrLst meth="repeat">
+      <a:schemeClr val="lt1"/>
+    </dgm:txFillClrLst>
+    <dgm:txEffectClrLst/>
+  </dgm:styleLbl>
+  <dgm:styleLbl name="bgImgPlace1">
+    <dgm:fillClrLst>
+      <a:schemeClr val="accent1">
+        <a:tint val="50000"/>
+      </a:schemeClr>
+      <a:schemeClr val="accent2">
+        <a:tint val="20000"/>
+      </a:schemeClr>
+    </dgm:fillClrLst>
+    <dgm:linClrLst meth="repeat">
+      <a:schemeClr val="lt1"/>
+    </dgm:linClrLst>
+    <dgm:effectClrLst/>
+    <dgm:txLinClrLst/>
+    <dgm:txFillClrLst meth="repeat">
+      <a:schemeClr val="lt1"/>
+    </dgm:txFillClrLst>
+    <dgm:txEffectClrLst/>
+  </dgm:styleLbl>
+  <dgm:styleLbl name="sibTrans2D1">
+    <dgm:fillClrLst meth="repeat">
+      <a:schemeClr val="accent2"/>
+      <a:schemeClr val="accent3"/>
+      <a:schemeClr val="accent4"/>
+      <a:schemeClr val="accent5"/>
+      <a:schemeClr val="accent6"/>
+    </dgm:fillClrLst>
+    <dgm:linClrLst meth="cycle">
+      <a:schemeClr val="lt1"/>
+    </dgm:linClrLst>
+    <dgm:effectClrLst/>
+    <dgm:txLinClrLst/>
+    <dgm:txFillClrLst/>
+    <dgm:txEffectClrLst/>
+  </dgm:styleLbl>
+  <dgm:styleLbl name="fgSibTrans2D1">
+    <dgm:fillClrLst meth="repeat">
+      <a:schemeClr val="accent2"/>
+      <a:schemeClr val="accent3"/>
+      <a:schemeClr val="accent4"/>
+      <a:schemeClr val="accent5"/>
+      <a:schemeClr val="accent6"/>
+    </dgm:fillClrLst>
+    <dgm:linClrLst meth="cycle">
+      <a:schemeClr val="lt1"/>
+    </dgm:linClrLst>
+    <dgm:effectClrLst/>
+    <dgm:txLinClrLst/>
+    <dgm:txFillClrLst meth="repeat">
+      <a:schemeClr val="lt1"/>
+    </dgm:txFillClrLst>
+    <dgm:txEffectClrLst/>
+  </dgm:styleLbl>
+  <dgm:styleLbl name="bgSibTrans2D1">
+    <dgm:fillClrLst meth="repeat">
+      <a:schemeClr val="accent2"/>
+      <a:schemeClr val="accent3"/>
+      <a:schemeClr val="accent4"/>
+      <a:schemeClr val="accent5"/>
+      <a:schemeClr val="accent6"/>
+    </dgm:fillClrLst>
+    <dgm:linClrLst meth="cycle">
+      <a:schemeClr val="lt1"/>
+    </dgm:linClrLst>
+    <dgm:effectClrLst/>
+    <dgm:txLinClrLst/>
+    <dgm:txFillClrLst meth="repeat">
+      <a:schemeClr val="lt1"/>
+    </dgm:txFillClrLst>
+    <dgm:txEffectClrLst/>
+  </dgm:styleLbl>
+  <dgm:styleLbl name="sibTrans1D1">
+    <dgm:fillClrLst meth="repeat">
+      <a:schemeClr val="accent2"/>
+      <a:schemeClr val="accent3"/>
+      <a:schemeClr val="accent4"/>
+      <a:schemeClr val="accent5"/>
+      <a:schemeClr val="accent6"/>
+    </dgm:fillClrLst>
+    <dgm:linClrLst meth="repeat">
+      <a:schemeClr val="accent2"/>
+      <a:schemeClr val="accent3"/>
+      <a:schemeClr val="accent4"/>
+      <a:schemeClr val="accent5"/>
+      <a:schemeClr val="accent6"/>
+    </dgm:linClrLst>
+    <dgm:effectClrLst/>
+    <dgm:txLinClrLst/>
+    <dgm:txFillClrLst meth="repeat">
+      <a:schemeClr val="tx1"/>
+    </dgm:txFillClrLst>
+    <dgm:txEffectClrLst/>
+  </dgm:styleLbl>
+  <dgm:styleLbl name="callout">
+    <dgm:fillClrLst meth="repeat">
+      <a:schemeClr val="accent2"/>
+    </dgm:fillClrLst>
+    <dgm:linClrLst meth="repeat">
+      <a:schemeClr val="accent2">
+        <a:tint val="50000"/>
+      </a:schemeClr>
+    </dgm:linClrLst>
+    <dgm:effectClrLst/>
+    <dgm:txLinClrLst/>
+    <dgm:txFillClrLst meth="repeat">
+      <a:schemeClr val="tx1"/>
+    </dgm:txFillClrLst>
+    <dgm:txEffectClrLst/>
+  </dgm:styleLbl>
+  <dgm:styleLbl name="asst0">
+    <dgm:fillClrLst meth="repeat">
+      <a:schemeClr val="accent1"/>
+    </dgm:fillClrLst>
+    <dgm:linClrLst meth="repeat">
+      <a:schemeClr val="lt1"/>
+    </dgm:linClrLst>
+    <dgm:effectClrLst/>
+    <dgm:txLinClrLst/>
+    <dgm:txFillClrLst/>
+    <dgm:txEffectClrLst/>
+  </dgm:styleLbl>
+  <dgm:styleLbl name="asst1">
+    <dgm:fillClrLst meth="repeat">
+      <a:schemeClr val="accent2"/>
+    </dgm:fillClrLst>
+    <dgm:linClrLst meth="repeat">
+      <a:schemeClr val="lt1"/>
+    </dgm:linClrLst>
+    <dgm:effectClrLst/>
+    <dgm:txLinClrLst/>
+    <dgm:txFillClrLst/>
+    <dgm:txEffectClrLst/>
+  </dgm:styleLbl>
+  <dgm:styleLbl name="asst2">
+    <dgm:fillClrLst>
+      <a:schemeClr val="accent3"/>
+    </dgm:fillClrLst>
+    <dgm:linClrLst meth="repeat">
+      <a:schemeClr val="lt1"/>
+    </dgm:linClrLst>
+    <dgm:effectClrLst/>
+    <dgm:txLinClrLst/>
+    <dgm:txFillClrLst/>
+    <dgm:txEffectClrLst/>
+  </dgm:styleLbl>
+  <dgm:styleLbl name="asst3">
+    <dgm:fillClrLst>
+      <a:schemeClr val="accent4"/>
+    </dgm:fillClrLst>
+    <dgm:linClrLst meth="repeat">
+      <a:schemeClr val="lt1"/>
+    </dgm:linClrLst>
+    <dgm:effectClrLst/>
+    <dgm:txLinClrLst/>
+    <dgm:txFillClrLst/>
+    <dgm:txEffectClrLst/>
+  </dgm:styleLbl>
+  <dgm:styleLbl name="asst4">
+    <dgm:fillClrLst>
+      <a:schemeClr val="accent5"/>
+    </dgm:fillClrLst>
+    <dgm:linClrLst meth="repeat">
+      <a:schemeClr val="lt1"/>
+    </dgm:linClrLst>
+    <dgm:effectClrLst/>
+    <dgm:txLinClrLst/>
+    <dgm:txFillClrLst/>
+    <dgm:txEffectClrLst/>
+  </dgm:styleLbl>
+  <dgm:styleLbl name="parChTrans2D1">
+    <dgm:fillClrLst meth="repeat">
+      <a:schemeClr val="accent2"/>
+    </dgm:fillClrLst>
+    <dgm:linClrLst meth="repeat">
+      <a:schemeClr val="lt1"/>
+    </dgm:linClrLst>
+    <dgm:effectClrLst/>
+    <dgm:txLinClrLst/>
+    <dgm:txFillClrLst meth="repeat">
+      <a:schemeClr val="lt1"/>
+    </dgm:txFillClrLst>
+    <dgm:txEffectClrLst/>
+  </dgm:styleLbl>
+  <dgm:styleLbl name="parChTrans2D2">
+    <dgm:fillClrLst meth="repeat">
+      <a:schemeClr val="accent3"/>
+    </dgm:fillClrLst>
+    <dgm:linClrLst meth="repeat">
+      <a:schemeClr val="lt1"/>
+    </dgm:linClrLst>
+    <dgm:effectClrLst/>
+    <dgm:txLinClrLst/>
+    <dgm:txFillClrLst/>
+    <dgm:txEffectClrLst/>
+  </dgm:styleLbl>
+  <dgm:styleLbl name="parChTrans2D3">
+    <dgm:fillClrLst meth="repeat">
+      <a:schemeClr val="accent4"/>
+    </dgm:fillClrLst>
+    <dgm:linClrLst meth="repeat">
+      <a:schemeClr val="lt1"/>
+    </dgm:linClrLst>
+    <dgm:effectClrLst/>
+    <dgm:txLinClrLst/>
+    <dgm:txFillClrLst/>
+    <dgm:txEffectClrLst/>
+  </dgm:styleLbl>
+  <dgm:styleLbl name="parChTrans2D4">
+    <dgm:fillClrLst meth="repeat">
+      <a:schemeClr val="accent5"/>
+    </dgm:fillClrLst>
+    <dgm:linClrLst meth="repeat">
+      <a:schemeClr val="lt1"/>
+    </dgm:linClrLst>
+    <dgm:effectClrLst/>
+    <dgm:txLinClrLst/>
+    <dgm:txFillClrLst meth="repeat">
+      <a:schemeClr val="lt1"/>
+    </dgm:txFillClrLst>
+    <dgm:txEffectClrLst/>
+  </dgm:styleLbl>
+  <dgm:styleLbl name="parChTrans1D1">
+    <dgm:fillClrLst meth="repeat">
+      <a:schemeClr val="accent2"/>
+    </dgm:fillClrLst>
+    <dgm:linClrLst meth="repeat">
+      <a:schemeClr val="accent1"/>
+    </dgm:linClrLst>
+    <dgm:effectClrLst/>
+    <dgm:txLinClrLst/>
+    <dgm:txFillClrLst meth="repeat">
+      <a:schemeClr val="tx1"/>
+    </dgm:txFillClrLst>
+    <dgm:txEffectClrLst/>
+  </dgm:styleLbl>
+  <dgm:styleLbl name="parChTrans1D2">
+    <dgm:fillClrLst meth="repeat">
+      <a:schemeClr val="accent3">
+        <a:tint val="90000"/>
+      </a:schemeClr>
+    </dgm:fillClrLst>
+    <dgm:linClrLst meth="repeat">
+      <a:schemeClr val="accent2"/>
+    </dgm:linClrLst>
+    <dgm:effectClrLst/>
+    <dgm:txLinClrLst/>
+    <dgm:txFillClrLst meth="repeat">
+      <a:schemeClr val="tx1"/>
+    </dgm:txFillClrLst>
+    <dgm:txEffectClrLst/>
+  </dgm:styleLbl>
+  <dgm:styleLbl name="parChTrans1D3">
+    <dgm:fillClrLst meth="repeat">
+      <a:schemeClr val="accent4">
+        <a:tint val="70000"/>
+      </a:schemeClr>
+    </dgm:fillClrLst>
+    <dgm:linClrLst meth="repeat">
+      <a:schemeClr val="accent3"/>
+    </dgm:linClrLst>
+    <dgm:effectClrLst/>
+    <dgm:txLinClrLst/>
+    <dgm:txFillClrLst meth="repeat">
+      <a:schemeClr val="tx1"/>
+    </dgm:txFillClrLst>
+    <dgm:txEffectClrLst/>
+  </dgm:styleLbl>
+  <dgm:styleLbl name="parChTrans1D4">
+    <dgm:fillClrLst meth="repeat">
+      <a:schemeClr val="accent5">
+        <a:tint val="50000"/>
+      </a:schemeClr>
+    </dgm:fillClrLst>
+    <dgm:linClrLst meth="repeat">
+      <a:schemeClr val="accent4"/>
+    </dgm:linClrLst>
+    <dgm:effectClrLst/>
+    <dgm:txLinClrLst/>
+    <dgm:txFillClrLst meth="repeat">
+      <a:schemeClr val="tx1"/>
+    </dgm:txFillClrLst>
+    <dgm:txEffectClrLst/>
+  </dgm:styleLbl>
+  <dgm:styleLbl name="fgAcc1">
+    <dgm:fillClrLst meth="repeat">
+      <a:schemeClr val="lt1">
+        <a:alpha val="90000"/>
+      </a:schemeClr>
+    </dgm:fillClrLst>
+    <dgm:linClrLst meth="repeat">
+      <a:schemeClr val="accent2"/>
+      <a:schemeClr val="accent3"/>
+      <a:schemeClr val="accent4"/>
+      <a:schemeClr val="accent5"/>
+      <a:schemeClr val="accent6"/>
+    </dgm:linClrLst>
+    <dgm:effectClrLst/>
+    <dgm:txLinClrLst/>
+    <dgm:txFillClrLst meth="repeat">
+      <a:schemeClr val="dk1"/>
+    </dgm:txFillClrLst>
+    <dgm:txEffectClrLst/>
+  </dgm:styleLbl>
+  <dgm:styleLbl name="conFgAcc1">
+    <dgm:fillClrLst meth="repeat">
+      <a:schemeClr val="lt1">
+        <a:alpha val="90000"/>
+      </a:schemeClr>
+    </dgm:fillClrLst>
+    <dgm:linClrLst meth="repeat">
+      <a:schemeClr val="accent2"/>
+      <a:schemeClr val="accent3"/>
+      <a:schemeClr val="accent4"/>
+      <a:schemeClr val="accent5"/>
+      <a:schemeClr val="accent6"/>
+    </dgm:linClrLst>
+    <dgm:effectClrLst/>
+    <dgm:txLinClrLst/>
+    <dgm:txFillClrLst meth="repeat">
+      <a:schemeClr val="dk1"/>
+    </dgm:txFillClrLst>
+    <dgm:txEffectClrLst/>
+  </dgm:styleLbl>
+  <dgm:styleLbl name="alignAcc1">
+    <dgm:fillClrLst meth="repeat">
+      <a:schemeClr val="lt1">
+        <a:alpha val="90000"/>
+      </a:schemeClr>
+    </dgm:fillClrLst>
+    <dgm:linClrLst meth="repeat">
+      <a:schemeClr val="accent2"/>
+      <a:schemeClr val="accent3"/>
+      <a:schemeClr val="accent4"/>
+      <a:schemeClr val="accent5"/>
+      <a:schemeClr val="accent6"/>
+    </dgm:linClrLst>
+    <dgm:effectClrLst/>
+    <dgm:txLinClrLst/>
+    <dgm:txFillClrLst meth="repeat">
+      <a:schemeClr val="dk1"/>
+    </dgm:txFillClrLst>
+    <dgm:txEffectClrLst/>
+  </dgm:styleLbl>
+  <dgm:styleLbl name="trAlignAcc1">
+    <dgm:fillClrLst meth="repeat">
+      <a:schemeClr val="lt1">
+        <a:alpha val="40000"/>
+      </a:schemeClr>
+    </dgm:fillClrLst>
+    <dgm:linClrLst meth="repeat">
+      <a:schemeClr val="accent1"/>
+    </dgm:linClrLst>
+    <dgm:effectClrLst/>
+    <dgm:txLinClrLst/>
+    <dgm:txFillClrLst meth="repeat">
+      <a:schemeClr val="dk1"/>
+    </dgm:txFillClrLst>
+    <dgm:txEffectClrLst/>
+  </dgm:styleLbl>
+  <dgm:styleLbl name="bgAcc1">
+    <dgm:fillClrLst meth="repeat">
+      <a:schemeClr val="lt1">
+        <a:alpha val="90000"/>
+      </a:schemeClr>
+    </dgm:fillClrLst>
+    <dgm:linClrLst meth="repeat">
+      <a:schemeClr val="accent2"/>
+      <a:schemeClr val="accent3"/>
+      <a:schemeClr val="accent4"/>
+      <a:schemeClr val="accent5"/>
+      <a:schemeClr val="accent6"/>
+    </dgm:linClrLst>
+    <dgm:effectClrLst/>
+    <dgm:txLinClrLst/>
+    <dgm:txFillClrLst meth="repeat">
+      <a:schemeClr val="dk1"/>
+    </dgm:txFillClrLst>
+    <dgm:txEffectClrLst/>
+  </dgm:styleLbl>
+  <dgm:styleLbl name="solidFgAcc1">
+    <dgm:fillClrLst meth="repeat">
+      <a:schemeClr val="lt1"/>
+    </dgm:fillClrLst>
+    <dgm:linClrLst meth="repeat">
+      <a:schemeClr val="accent2"/>
+      <a:schemeClr val="accent3"/>
+      <a:schemeClr val="accent4"/>
+      <a:schemeClr val="accent5"/>
+      <a:schemeClr val="accent6"/>
+    </dgm:linClrLst>
+    <dgm:effectClrLst/>
+    <dgm:txLinClrLst/>
+    <dgm:txFillClrLst meth="repeat">
+      <a:schemeClr val="dk1"/>
+    </dgm:txFillClrLst>
+    <dgm:txEffectClrLst/>
+  </dgm:styleLbl>
+  <dgm:styleLbl name="solidAlignAcc1">
+    <dgm:fillClrLst meth="repeat">
+      <a:schemeClr val="lt1"/>
+    </dgm:fillClrLst>
+    <dgm:linClrLst meth="repeat">
+      <a:schemeClr val="accent2"/>
+      <a:schemeClr val="accent3"/>
+      <a:schemeClr val="accent4"/>
+      <a:schemeClr val="accent5"/>
+      <a:schemeClr val="accent6"/>
+    </dgm:linClrLst>
+    <dgm:effectClrLst/>
+    <dgm:txLinClrLst/>
+    <dgm:txFillClrLst meth="repeat">
+      <a:schemeClr val="dk1"/>
+    </dgm:txFillClrLst>
+    <dgm:txEffectClrLst/>
+  </dgm:styleLbl>
+  <dgm:styleLbl name="solidBgAcc1">
+    <dgm:fillClrLst meth="repeat">
+      <a:schemeClr val="lt1"/>
+    </dgm:fillClrLst>
+    <dgm:linClrLst meth="repeat">
+      <a:schemeClr val="accent2"/>
+      <a:schemeClr val="accent3"/>
+      <a:schemeClr val="accent4"/>
+      <a:schemeClr val="accent5"/>
+      <a:schemeClr val="accent6"/>
+    </dgm:linClrLst>
+    <dgm:effectClrLst/>
+    <dgm:txLinClrLst/>
+    <dgm:txFillClrLst meth="repeat">
+      <a:schemeClr val="dk1"/>
+    </dgm:txFillClrLst>
+    <dgm:txEffectClrLst/>
+  </dgm:styleLbl>
+  <dgm:styleLbl name="fgAccFollowNode1">
+    <dgm:fillClrLst meth="repeat">
+      <a:schemeClr val="accent2">
+        <a:tint val="40000"/>
+        <a:alpha val="90000"/>
+      </a:schemeClr>
+      <a:schemeClr val="accent3">
+        <a:tint val="40000"/>
+        <a:alpha val="90000"/>
+      </a:schemeClr>
+      <a:schemeClr val="accent4">
+        <a:tint val="40000"/>
+        <a:alpha val="90000"/>
+      </a:schemeClr>
+      <a:schemeClr val="accent5">
+        <a:tint val="40000"/>
+        <a:alpha val="90000"/>
+      </a:schemeClr>
+      <a:schemeClr val="accent6">
+        <a:tint val="40000"/>
+        <a:alpha val="90000"/>
+      </a:schemeClr>
+    </dgm:fillClrLst>
+    <dgm:linClrLst meth="repeat">
+      <a:schemeClr val="accent2">
+        <a:tint val="40000"/>
+        <a:alpha val="90000"/>
+      </a:schemeClr>
+      <a:schemeClr val="accent3">
+        <a:tint val="40000"/>
+        <a:alpha val="90000"/>
+      </a:schemeClr>
+      <a:schemeClr val="accent4">
+        <a:tint val="40000"/>
+        <a:alpha val="90000"/>
+      </a:schemeClr>
+      <a:schemeClr val="accent5">
+        <a:tint val="40000"/>
+        <a:alpha val="90000"/>
+      </a:schemeClr>
+      <a:schemeClr val="accent6">
+        <a:tint val="40000"/>
+        <a:alpha val="90000"/>
+      </a:schemeClr>
+    </dgm:linClrLst>
+    <dgm:effectClrLst/>
+    <dgm:txLinClrLst/>
+    <dgm:txFillClrLst meth="repeat">
+      <a:schemeClr val="dk1"/>
+    </dgm:txFillClrLst>
+    <dgm:txEffectClrLst/>
+  </dgm:styleLbl>
+  <dgm:styleLbl name="alignAccFollowNode1">
+    <dgm:fillClrLst meth="repeat">
+      <a:schemeClr val="accent2">
+        <a:tint val="40000"/>
+        <a:alpha val="90000"/>
+      </a:schemeClr>
+      <a:schemeClr val="accent3">
+        <a:tint val="40000"/>
+        <a:alpha val="90000"/>
+      </a:schemeClr>
+      <a:schemeClr val="accent4">
+        <a:tint val="40000"/>
+        <a:alpha val="90000"/>
+      </a:schemeClr>
+      <a:schemeClr val="accent5">
+        <a:tint val="40000"/>
+        <a:alpha val="90000"/>
+      </a:schemeClr>
+      <a:schemeClr val="accent6">
+        <a:tint val="40000"/>
+        <a:alpha val="90000"/>
+      </a:schemeClr>
+    </dgm:fillClrLst>
+    <dgm:linClrLst meth="repeat">
+      <a:schemeClr val="accent2">
+        <a:tint val="40000"/>
+        <a:alpha val="90000"/>
+      </a:schemeClr>
+      <a:schemeClr val="accent3">
+        <a:tint val="40000"/>
+        <a:alpha val="90000"/>
+      </a:schemeClr>
+      <a:schemeClr val="accent4">
+        <a:tint val="40000"/>
+        <a:alpha val="90000"/>
+      </a:schemeClr>
+      <a:schemeClr val="accent5">
+        <a:tint val="40000"/>
+        <a:alpha val="90000"/>
+      </a:schemeClr>
+      <a:schemeClr val="accent6">
+        <a:tint val="40000"/>
+        <a:alpha val="90000"/>
+      </a:schemeClr>
+    </dgm:linClrLst>
+    <dgm:effectClrLst/>
+    <dgm:txLinClrLst/>
+    <dgm:txFillClrLst meth="repeat">
+      <a:schemeClr val="dk1"/>
+    </dgm:txFillClrLst>
+    <dgm:txEffectClrLst/>
+  </dgm:styleLbl>
+  <dgm:styleLbl name="bgAccFollowNode1">
+    <dgm:fillClrLst meth="repeat">
+      <a:schemeClr val="accent2">
+        <a:tint val="40000"/>
+        <a:alpha val="90000"/>
+      </a:schemeClr>
+      <a:schemeClr val="accent3">
+        <a:tint val="40000"/>
+        <a:alpha val="90000"/>
+      </a:schemeClr>
+      <a:schemeClr val="accent4">
+        <a:tint val="40000"/>
+        <a:alpha val="90000"/>
+      </a:schemeClr>
+      <a:schemeClr val="accent5">
+        <a:tint val="40000"/>
+        <a:alpha val="90000"/>
+      </a:schemeClr>
+      <a:schemeClr val="accent6">
+        <a:tint val="40000"/>
+        <a:alpha val="90000"/>
+      </a:schemeClr>
+    </dgm:fillClrLst>
+    <dgm:linClrLst meth="repeat">
+      <a:schemeClr val="accent2">
+        <a:tint val="40000"/>
+        <a:alpha val="90000"/>
+      </a:schemeClr>
+      <a:schemeClr val="accent3">
+        <a:tint val="40000"/>
+        <a:alpha val="90000"/>
+      </a:schemeClr>
+      <a:schemeClr val="accent4">
+        <a:tint val="40000"/>
+        <a:alpha val="90000"/>
+      </a:schemeClr>
+      <a:schemeClr val="accent5">
+        <a:tint val="40000"/>
+        <a:alpha val="90000"/>
+      </a:schemeClr>
+      <a:schemeClr val="accent6">
+        <a:tint val="40000"/>
+        <a:alpha val="90000"/>
+      </a:schemeClr>
+    </dgm:linClrLst>
+    <dgm:effectClrLst/>
+    <dgm:txLinClrLst/>
+    <dgm:txFillClrLst meth="repeat">
+      <a:schemeClr val="dk1"/>
+    </dgm:txFillClrLst>
+    <dgm:txEffectClrLst/>
+  </dgm:styleLbl>
+  <dgm:styleLbl name="fgAcc0">
+    <dgm:fillClrLst meth="repeat">
+      <a:schemeClr val="lt1">
+        <a:alpha val="90000"/>
+      </a:schemeClr>
+    </dgm:fillClrLst>
+    <dgm:linClrLst>
+      <a:schemeClr val="accent1"/>
+    </dgm:linClrLst>
+    <dgm:effectClrLst/>
+    <dgm:txLinClrLst/>
+    <dgm:txFillClrLst meth="repeat">
+      <a:schemeClr val="dk1"/>
+    </dgm:txFillClrLst>
+    <dgm:txEffectClrLst/>
+  </dgm:styleLbl>
+  <dgm:styleLbl name="fgAcc2">
+    <dgm:fillClrLst meth="repeat">
+      <a:schemeClr val="lt1">
+        <a:alpha val="90000"/>
+      </a:schemeClr>
+    </dgm:fillClrLst>
+    <dgm:linClrLst>
+      <a:schemeClr val="accent2"/>
+    </dgm:linClrLst>
+    <dgm:effectClrLst/>
+    <dgm:txLinClrLst/>
+    <dgm:txFillClrLst meth="repeat">
+      <a:schemeClr val="dk1"/>
+    </dgm:txFillClrLst>
+    <dgm:txEffectClrLst/>
+  </dgm:styleLbl>
+  <dgm:styleLbl name="fgAcc3">
+    <dgm:fillClrLst meth="repeat">
+      <a:schemeClr val="lt1">
+        <a:alpha val="90000"/>
+      </a:schemeClr>
+    </dgm:fillClrLst>
+    <dgm:linClrLst>
+      <a:schemeClr val="accent3"/>
+    </dgm:linClrLst>
+    <dgm:effectClrLst/>
+    <dgm:txLinClrLst/>
+    <dgm:txFillClrLst meth="repeat">
+      <a:schemeClr val="dk1"/>
+    </dgm:txFillClrLst>
+    <dgm:txEffectClrLst/>
+  </dgm:styleLbl>
+  <dgm:styleLbl name="fgAcc4">
+    <dgm:fillClrLst meth="repeat">
+      <a:schemeClr val="lt1">
+        <a:alpha val="90000"/>
+      </a:schemeClr>
+    </dgm:fillClrLst>
+    <dgm:linClrLst>
+      <a:schemeClr val="accent4"/>
+    </dgm:linClrLst>
+    <dgm:effectClrLst/>
+    <dgm:txLinClrLst/>
+    <dgm:txFillClrLst meth="repeat">
+      <a:schemeClr val="dk1"/>
+    </dgm:txFillClrLst>
+    <dgm:txEffectClrLst/>
+  </dgm:styleLbl>
+  <dgm:styleLbl name="bgShp">
+    <dgm:fillClrLst meth="repeat">
+      <a:schemeClr val="bg1">
+        <a:lumMod val="95000"/>
+      </a:schemeClr>
+    </dgm:fillClrLst>
+    <dgm:linClrLst meth="repeat">
+      <a:schemeClr val="dk1"/>
+    </dgm:linClrLst>
+    <dgm:effectClrLst/>
+    <dgm:txLinClrLst/>
+    <dgm:txFillClrLst meth="repeat">
+      <a:schemeClr val="dk1"/>
+    </dgm:txFillClrLst>
+    <dgm:txEffectClrLst/>
+  </dgm:styleLbl>
+  <dgm:styleLbl name="dkBgShp">
+    <dgm:fillClrLst meth="repeat">
+      <a:schemeClr val="accent2">
+        <a:shade val="90000"/>
+      </a:schemeClr>
+    </dgm:fillClrLst>
+    <dgm:linClrLst meth="repeat">
+      <a:schemeClr val="dk1"/>
+    </dgm:linClrLst>
+    <dgm:effectClrLst/>
+    <dgm:txLinClrLst/>
+    <dgm:txFillClrLst meth="repeat">
+      <a:schemeClr val="lt1"/>
+    </dgm:txFillClrLst>
+    <dgm:txEffectClrLst/>
+  </dgm:styleLbl>
+  <dgm:styleLbl name="trBgShp">
+    <dgm:fillClrLst meth="repeat">
+      <a:schemeClr val="accent1">
+        <a:tint val="50000"/>
+        <a:alpha val="40000"/>
+      </a:schemeClr>
+    </dgm:fillClrLst>
+    <dgm:linClrLst meth="repeat">
+      <a:schemeClr val="accent2"/>
+    </dgm:linClrLst>
+    <dgm:effectClrLst/>
+    <dgm:txLinClrLst/>
+    <dgm:txFillClrLst meth="repeat">
+      <a:schemeClr val="lt1"/>
+    </dgm:txFillClrLst>
+    <dgm:txEffectClrLst/>
+  </dgm:styleLbl>
+  <dgm:styleLbl name="fgShp">
+    <dgm:fillClrLst meth="repeat">
+      <a:schemeClr val="accent2">
+        <a:tint val="40000"/>
+      </a:schemeClr>
+    </dgm:fillClrLst>
+    <dgm:linClrLst meth="repeat">
+      <a:schemeClr val="lt1"/>
+    </dgm:linClrLst>
+    <dgm:effectClrLst/>
+    <dgm:txLinClrLst/>
+    <dgm:txFillClrLst meth="repeat">
+      <a:schemeClr val="dk1"/>
+    </dgm:txFillClrLst>
+    <dgm:txEffectClrLst/>
+  </dgm:styleLbl>
+  <dgm:styleLbl name="revTx">
+    <dgm:fillClrLst meth="repeat">
+      <a:schemeClr val="lt1">
+        <a:alpha val="0"/>
+      </a:schemeClr>
+    </dgm:fillClrLst>
+    <dgm:linClrLst meth="repeat">
+      <a:schemeClr val="dk1">
+        <a:alpha val="0"/>
+      </a:schemeClr>
+    </dgm:linClrLst>
+    <dgm:effectClrLst/>
+    <dgm:txLinClrLst/>
+    <dgm:txFillClrLst meth="repeat">
+      <a:schemeClr val="tx1"/>
+    </dgm:txFillClrLst>
+    <dgm:txEffectClrLst/>
+  </dgm:styleLbl>
+</dgm:colorsDef>
+</file>
+
 <file path=ppt/diagrams/data1.xml><?xml version="1.0" encoding="utf-8"?>
 <dgm:dataModel xmlns:dgm="http://schemas.openxmlformats.org/drawingml/2006/diagram" xmlns:a="http://schemas.openxmlformats.org/drawingml/2006/main">
   <dgm:ptLst>
     <dgm:pt modelId="{B3AD0FD0-A390-4429-9602-879F1421B4FE}" type="doc">
       <dgm:prSet loTypeId="urn:microsoft.com/office/officeart/2018/2/layout/IconVerticalSolidList" loCatId="icon" qsTypeId="urn:microsoft.com/office/officeart/2005/8/quickstyle/simple1" qsCatId="simple" csTypeId="urn:microsoft.com/office/officeart/2018/5/colors/Iconchunking_neutralbg_colorful1" csCatId="colorful" phldr="1"/>
-      <dgm:spPr/>
-      <dgm:t>
-        <a:bodyPr/>
-        <a:lstStyle/>
-        <a:p>
-          <a:endParaRPr lang="en-US"/>
-        </a:p>
-      </dgm:t>
-    </dgm:pt>
-    <dgm:pt modelId="{139EA09C-A0BA-4342-BB8F-94B340E87707}">
-      <dgm:prSet/>
-      <dgm:spPr/>
-      <dgm:t>
-        <a:bodyPr/>
-        <a:lstStyle/>
-        <a:p>
-          <a:r>
-            <a:rPr lang="en-US"/>
-            <a:t>Agent –</a:t>
-          </a:r>
-        </a:p>
-      </dgm:t>
-    </dgm:pt>
-    <dgm:pt modelId="{EBD164B7-AC46-4D56-A1E8-504FF460B9E8}" type="parTrans" cxnId="{307E94DD-C9FC-44F2-8548-6D54627291E0}">
-      <dgm:prSet/>
-      <dgm:spPr/>
-      <dgm:t>
-        <a:bodyPr/>
-        <a:lstStyle/>
-        <a:p>
-          <a:endParaRPr lang="en-US"/>
-        </a:p>
-      </dgm:t>
-    </dgm:pt>
-    <dgm:pt modelId="{4C6EEE82-05D1-4956-BE6F-E3B28C30CC2C}" type="sibTrans" cxnId="{307E94DD-C9FC-44F2-8548-6D54627291E0}">
-      <dgm:prSet/>
       <dgm:spPr/>
       <dgm:t>
         <a:bodyPr/>
@@ -1103,8 +1990,13 @@
         <a:bodyPr/>
         <a:lstStyle/>
         <a:p>
+          <a:pPr>
+            <a:lnSpc>
+              <a:spcPct val="100000"/>
+            </a:lnSpc>
+          </a:pPr>
           <a:r>
-            <a:rPr lang="en-US"/>
+            <a:rPr lang="en-US" dirty="0"/>
             <a:t>Action - </a:t>
           </a:r>
         </a:p>
@@ -1132,42 +2024,6 @@
         </a:p>
       </dgm:t>
     </dgm:pt>
-    <dgm:pt modelId="{36B8DB61-9AE5-46A4-93C6-B4EC7D800DEB}">
-      <dgm:prSet/>
-      <dgm:spPr/>
-      <dgm:t>
-        <a:bodyPr/>
-        <a:lstStyle/>
-        <a:p>
-          <a:r>
-            <a:rPr lang="en-US"/>
-            <a:t>Environment - </a:t>
-          </a:r>
-        </a:p>
-      </dgm:t>
-    </dgm:pt>
-    <dgm:pt modelId="{DCBC0036-1778-464B-8850-FD165391B4EB}" type="parTrans" cxnId="{31F2DD89-6AEE-4568-AF70-9414F673F427}">
-      <dgm:prSet/>
-      <dgm:spPr/>
-      <dgm:t>
-        <a:bodyPr/>
-        <a:lstStyle/>
-        <a:p>
-          <a:endParaRPr lang="en-US"/>
-        </a:p>
-      </dgm:t>
-    </dgm:pt>
-    <dgm:pt modelId="{3B819D9A-DEC7-4D74-B550-FA2D91CAE6CF}" type="sibTrans" cxnId="{31F2DD89-6AEE-4568-AF70-9414F673F427}">
-      <dgm:prSet/>
-      <dgm:spPr/>
-      <dgm:t>
-        <a:bodyPr/>
-        <a:lstStyle/>
-        <a:p>
-          <a:endParaRPr lang="en-US"/>
-        </a:p>
-      </dgm:t>
-    </dgm:pt>
     <dgm:pt modelId="{7597A4CC-ADCE-4FAC-9509-E9FF29161980}">
       <dgm:prSet/>
       <dgm:spPr/>
@@ -1175,8 +2031,13 @@
         <a:bodyPr/>
         <a:lstStyle/>
         <a:p>
+          <a:pPr>
+            <a:lnSpc>
+              <a:spcPct val="100000"/>
+            </a:lnSpc>
+          </a:pPr>
           <a:r>
-            <a:rPr lang="en-US"/>
+            <a:rPr lang="en-US" dirty="0"/>
             <a:t>Reward - </a:t>
           </a:r>
         </a:p>
@@ -1211,9 +2072,14 @@
         <a:bodyPr/>
         <a:lstStyle/>
         <a:p>
+          <a:pPr>
+            <a:lnSpc>
+              <a:spcPct val="100000"/>
+            </a:lnSpc>
+          </a:pPr>
           <a:r>
-            <a:rPr lang="en-US"/>
-            <a:t>State – </a:t>
+            <a:rPr lang="en-US" dirty="0"/>
+            <a:t>Policy - </a:t>
           </a:r>
         </a:p>
       </dgm:t>
@@ -1241,15 +2107,20 @@
       </dgm:t>
     </dgm:pt>
     <dgm:pt modelId="{35E3556C-AA05-4310-8B99-58D51553EAE7}">
-      <dgm:prSet/>
+      <dgm:prSet custT="1"/>
       <dgm:spPr/>
       <dgm:t>
         <a:bodyPr/>
         <a:lstStyle/>
         <a:p>
+          <a:pPr>
+            <a:lnSpc>
+              <a:spcPct val="100000"/>
+            </a:lnSpc>
+          </a:pPr>
           <a:r>
-            <a:rPr lang="en-US" dirty="0"/>
-            <a:t>Goal: The agent must take actions on the environment such that the sum of the rewards for those actions shall be maximized through repeated interactions.</a:t>
+            <a:rPr lang="en-US" sz="1200" dirty="0"/>
+            <a:t>Value Function - </a:t>
           </a:r>
         </a:p>
       </dgm:t>
@@ -1285,16 +2156,453 @@
       </dgm:prSet>
       <dgm:spPr/>
     </dgm:pt>
+    <dgm:pt modelId="{F8F7AFD0-6D7E-4E0F-A944-56E14733E094}" type="pres">
+      <dgm:prSet presAssocID="{557ABEA0-8421-4995-93F8-C7A18D336638}" presName="compNode" presStyleCnt="0"/>
+      <dgm:spPr/>
+    </dgm:pt>
+    <dgm:pt modelId="{BF65D48F-4A46-424D-9BF1-827D481E2828}" type="pres">
+      <dgm:prSet presAssocID="{557ABEA0-8421-4995-93F8-C7A18D336638}" presName="bgRect" presStyleLbl="bgShp" presStyleIdx="0" presStyleCnt="4"/>
+      <dgm:spPr/>
+    </dgm:pt>
+    <dgm:pt modelId="{E91C433B-F4F6-404B-B5B8-B8BFEA0196C1}" type="pres">
+      <dgm:prSet presAssocID="{557ABEA0-8421-4995-93F8-C7A18D336638}" presName="iconRect" presStyleLbl="node1" presStyleIdx="0" presStyleCnt="4"/>
+      <dgm:spPr>
+        <a:blipFill>
+          <a:blip xmlns:r="http://schemas.openxmlformats.org/officeDocument/2006/relationships" r:embed="rId1">
+            <a:extLst>
+              <a:ext uri="{28A0092B-C50C-407E-A947-70E740481C1C}">
+                <a14:useLocalDpi xmlns:a14="http://schemas.microsoft.com/office/drawing/2010/main" val="0"/>
+              </a:ext>
+              <a:ext uri="{96DAC541-7B7A-43D3-8B79-37D633B846F1}">
+                <asvg:svgBlip xmlns:asvg="http://schemas.microsoft.com/office/drawing/2016/SVG/main" r:embed="rId2"/>
+              </a:ext>
+            </a:extLst>
+          </a:blip>
+          <a:stretch>
+            <a:fillRect/>
+          </a:stretch>
+        </a:blipFill>
+        <a:ln>
+          <a:noFill/>
+        </a:ln>
+      </dgm:spPr>
+      <dgm:extLst>
+        <a:ext uri="{E40237B7-FDA0-4F09-8148-C483321AD2D9}">
+          <dgm14:cNvPr xmlns:dgm14="http://schemas.microsoft.com/office/drawing/2010/diagram" id="0" name="" descr="Clapper board"/>
+        </a:ext>
+      </dgm:extLst>
+    </dgm:pt>
+    <dgm:pt modelId="{B80ED2A2-CF5A-47C1-9670-C56F31036620}" type="pres">
+      <dgm:prSet presAssocID="{557ABEA0-8421-4995-93F8-C7A18D336638}" presName="spaceRect" presStyleCnt="0"/>
+      <dgm:spPr/>
+    </dgm:pt>
+    <dgm:pt modelId="{22FF6F3E-030A-4A95-9094-AA90FD96F252}" type="pres">
+      <dgm:prSet presAssocID="{557ABEA0-8421-4995-93F8-C7A18D336638}" presName="parTx" presStyleLbl="revTx" presStyleIdx="0" presStyleCnt="4">
+        <dgm:presLayoutVars>
+          <dgm:chMax val="0"/>
+          <dgm:chPref val="0"/>
+        </dgm:presLayoutVars>
+      </dgm:prSet>
+      <dgm:spPr/>
+    </dgm:pt>
+    <dgm:pt modelId="{FA40324A-08F4-45F8-B39D-9C7379C690BD}" type="pres">
+      <dgm:prSet presAssocID="{7AAD94BA-84D9-4A96-96A1-E9DA83642F5A}" presName="sibTrans" presStyleCnt="0"/>
+      <dgm:spPr/>
+    </dgm:pt>
+    <dgm:pt modelId="{90C18886-F1C1-4529-B55D-699BA6503795}" type="pres">
+      <dgm:prSet presAssocID="{7597A4CC-ADCE-4FAC-9509-E9FF29161980}" presName="compNode" presStyleCnt="0"/>
+      <dgm:spPr/>
+    </dgm:pt>
+    <dgm:pt modelId="{C63C37E9-37AD-4118-BCD2-48248076E51F}" type="pres">
+      <dgm:prSet presAssocID="{7597A4CC-ADCE-4FAC-9509-E9FF29161980}" presName="bgRect" presStyleLbl="bgShp" presStyleIdx="1" presStyleCnt="4"/>
+      <dgm:spPr/>
+    </dgm:pt>
+    <dgm:pt modelId="{40332760-E426-4AE1-AA11-589AA33B2952}" type="pres">
+      <dgm:prSet presAssocID="{7597A4CC-ADCE-4FAC-9509-E9FF29161980}" presName="iconRect" presStyleLbl="node1" presStyleIdx="1" presStyleCnt="4"/>
+      <dgm:spPr>
+        <a:blipFill>
+          <a:blip xmlns:r="http://schemas.openxmlformats.org/officeDocument/2006/relationships" r:embed="rId3">
+            <a:extLst>
+              <a:ext uri="{28A0092B-C50C-407E-A947-70E740481C1C}">
+                <a14:useLocalDpi xmlns:a14="http://schemas.microsoft.com/office/drawing/2010/main" val="0"/>
+              </a:ext>
+              <a:ext uri="{96DAC541-7B7A-43D3-8B79-37D633B846F1}">
+                <asvg:svgBlip xmlns:asvg="http://schemas.microsoft.com/office/drawing/2016/SVG/main" r:embed="rId4"/>
+              </a:ext>
+            </a:extLst>
+          </a:blip>
+          <a:stretch>
+            <a:fillRect/>
+          </a:stretch>
+        </a:blipFill>
+        <a:ln>
+          <a:noFill/>
+        </a:ln>
+      </dgm:spPr>
+      <dgm:extLst>
+        <a:ext uri="{E40237B7-FDA0-4F09-8148-C483321AD2D9}">
+          <dgm14:cNvPr xmlns:dgm14="http://schemas.microsoft.com/office/drawing/2010/diagram" id="0" name="" descr="Wreath"/>
+        </a:ext>
+      </dgm:extLst>
+    </dgm:pt>
+    <dgm:pt modelId="{EDAEBABD-1A43-405D-AA41-B2E892294794}" type="pres">
+      <dgm:prSet presAssocID="{7597A4CC-ADCE-4FAC-9509-E9FF29161980}" presName="spaceRect" presStyleCnt="0"/>
+      <dgm:spPr/>
+    </dgm:pt>
+    <dgm:pt modelId="{61407434-9C7D-4D24-BCA5-949A5F141D02}" type="pres">
+      <dgm:prSet presAssocID="{7597A4CC-ADCE-4FAC-9509-E9FF29161980}" presName="parTx" presStyleLbl="revTx" presStyleIdx="1" presStyleCnt="4">
+        <dgm:presLayoutVars>
+          <dgm:chMax val="0"/>
+          <dgm:chPref val="0"/>
+        </dgm:presLayoutVars>
+      </dgm:prSet>
+      <dgm:spPr/>
+    </dgm:pt>
+    <dgm:pt modelId="{60676390-7204-471B-91BE-21DFFDC5A394}" type="pres">
+      <dgm:prSet presAssocID="{73075599-A4A2-4EC4-8203-926BD9A56E3C}" presName="sibTrans" presStyleCnt="0"/>
+      <dgm:spPr/>
+    </dgm:pt>
+    <dgm:pt modelId="{76AB496F-C3F4-4194-93DC-3D56A5025C63}" type="pres">
+      <dgm:prSet presAssocID="{E97DFEE1-E1F5-4D6D-B1D0-48209F37DCC1}" presName="compNode" presStyleCnt="0"/>
+      <dgm:spPr/>
+    </dgm:pt>
+    <dgm:pt modelId="{6C407EF4-863B-4808-AEF5-500F65BDA273}" type="pres">
+      <dgm:prSet presAssocID="{E97DFEE1-E1F5-4D6D-B1D0-48209F37DCC1}" presName="bgRect" presStyleLbl="bgShp" presStyleIdx="2" presStyleCnt="4"/>
+      <dgm:spPr/>
+    </dgm:pt>
+    <dgm:pt modelId="{9D80C427-0631-4AFF-819D-CE05172E9054}" type="pres">
+      <dgm:prSet presAssocID="{E97DFEE1-E1F5-4D6D-B1D0-48209F37DCC1}" presName="iconRect" presStyleLbl="node1" presStyleIdx="2" presStyleCnt="4"/>
+      <dgm:spPr>
+        <a:blipFill>
+          <a:blip xmlns:r="http://schemas.openxmlformats.org/officeDocument/2006/relationships" r:embed="rId5">
+            <a:extLst>
+              <a:ext uri="{28A0092B-C50C-407E-A947-70E740481C1C}">
+                <a14:useLocalDpi xmlns:a14="http://schemas.microsoft.com/office/drawing/2010/main" val="0"/>
+              </a:ext>
+              <a:ext uri="{96DAC541-7B7A-43D3-8B79-37D633B846F1}">
+                <asvg:svgBlip xmlns:asvg="http://schemas.microsoft.com/office/drawing/2016/SVG/main" r:embed="rId6"/>
+              </a:ext>
+            </a:extLst>
+          </a:blip>
+          <a:stretch>
+            <a:fillRect/>
+          </a:stretch>
+        </a:blipFill>
+        <a:ln>
+          <a:noFill/>
+        </a:ln>
+      </dgm:spPr>
+      <dgm:extLst>
+        <a:ext uri="{E40237B7-FDA0-4F09-8148-C483321AD2D9}">
+          <dgm14:cNvPr xmlns:dgm14="http://schemas.microsoft.com/office/drawing/2010/diagram" id="0" name="" descr="Helicopter"/>
+        </a:ext>
+      </dgm:extLst>
+    </dgm:pt>
+    <dgm:pt modelId="{09AF03D4-0701-451C-9B00-6F3E35AEF99A}" type="pres">
+      <dgm:prSet presAssocID="{E97DFEE1-E1F5-4D6D-B1D0-48209F37DCC1}" presName="spaceRect" presStyleCnt="0"/>
+      <dgm:spPr/>
+    </dgm:pt>
+    <dgm:pt modelId="{417CF4EE-2FDB-4739-A8A6-40DDA06C85FB}" type="pres">
+      <dgm:prSet presAssocID="{E97DFEE1-E1F5-4D6D-B1D0-48209F37DCC1}" presName="parTx" presStyleLbl="revTx" presStyleIdx="2" presStyleCnt="4">
+        <dgm:presLayoutVars>
+          <dgm:chMax val="0"/>
+          <dgm:chPref val="0"/>
+        </dgm:presLayoutVars>
+      </dgm:prSet>
+      <dgm:spPr/>
+    </dgm:pt>
+    <dgm:pt modelId="{92352B90-0120-FD47-9A35-B70728D677D7}" type="pres">
+      <dgm:prSet presAssocID="{76C6169C-367A-4519-988C-C48AA3D61F7D}" presName="sibTrans" presStyleCnt="0"/>
+      <dgm:spPr/>
+    </dgm:pt>
+    <dgm:pt modelId="{BCF77FBA-F32D-C04A-8923-A78B4B28C192}" type="pres">
+      <dgm:prSet presAssocID="{35E3556C-AA05-4310-8B99-58D51553EAE7}" presName="compNode" presStyleCnt="0"/>
+      <dgm:spPr/>
+    </dgm:pt>
+    <dgm:pt modelId="{19543978-6401-8E40-BAC1-AEB056A1420D}" type="pres">
+      <dgm:prSet presAssocID="{35E3556C-AA05-4310-8B99-58D51553EAE7}" presName="bgRect" presStyleLbl="bgShp" presStyleIdx="3" presStyleCnt="4"/>
+      <dgm:spPr/>
+    </dgm:pt>
+    <dgm:pt modelId="{2F56E318-B0F2-9E4F-9187-E8DD17398758}" type="pres">
+      <dgm:prSet presAssocID="{35E3556C-AA05-4310-8B99-58D51553EAE7}" presName="iconRect" presStyleLbl="node1" presStyleIdx="3" presStyleCnt="4"/>
+      <dgm:spPr>
+        <a:blipFill>
+          <a:blip xmlns:r="http://schemas.openxmlformats.org/officeDocument/2006/relationships" r:embed="rId7">
+            <a:extLst>
+              <a:ext uri="{28A0092B-C50C-407E-A947-70E740481C1C}">
+                <a14:useLocalDpi xmlns:a14="http://schemas.microsoft.com/office/drawing/2010/main" val="0"/>
+              </a:ext>
+              <a:ext uri="{96DAC541-7B7A-43D3-8B79-37D633B846F1}">
+                <asvg:svgBlip xmlns:asvg="http://schemas.microsoft.com/office/drawing/2016/SVG/main" r:embed="rId8"/>
+              </a:ext>
+            </a:extLst>
+          </a:blip>
+          <a:stretch>
+            <a:fillRect/>
+          </a:stretch>
+        </a:blipFill>
+      </dgm:spPr>
+      <dgm:extLst>
+        <a:ext uri="{E40237B7-FDA0-4F09-8148-C483321AD2D9}">
+          <dgm14:cNvPr xmlns:dgm14="http://schemas.microsoft.com/office/drawing/2010/diagram" id="0" name="" descr="Target"/>
+        </a:ext>
+      </dgm:extLst>
+    </dgm:pt>
+    <dgm:pt modelId="{C0C341B7-F18F-854A-87D2-D972B8C65E43}" type="pres">
+      <dgm:prSet presAssocID="{35E3556C-AA05-4310-8B99-58D51553EAE7}" presName="spaceRect" presStyleCnt="0"/>
+      <dgm:spPr/>
+    </dgm:pt>
+    <dgm:pt modelId="{0F48FE75-9537-4D41-A5E5-CED0F7BAFFD6}" type="pres">
+      <dgm:prSet presAssocID="{35E3556C-AA05-4310-8B99-58D51553EAE7}" presName="parTx" presStyleLbl="revTx" presStyleIdx="3" presStyleCnt="4">
+        <dgm:presLayoutVars>
+          <dgm:chMax val="0"/>
+          <dgm:chPref val="0"/>
+        </dgm:presLayoutVars>
+      </dgm:prSet>
+      <dgm:spPr/>
+    </dgm:pt>
+  </dgm:ptLst>
+  <dgm:cxnLst>
+    <dgm:cxn modelId="{B539AA34-3128-4610-84C2-5BB274E2C5FE}" type="presOf" srcId="{B3AD0FD0-A390-4429-9602-879F1421B4FE}" destId="{0326A6F0-1699-4BF6-9E08-C095472F462F}" srcOrd="0" destOrd="0" presId="urn:microsoft.com/office/officeart/2018/2/layout/IconVerticalSolidList"/>
+    <dgm:cxn modelId="{449FD951-ED8E-4306-A0FE-D0FF04164F92}" srcId="{B3AD0FD0-A390-4429-9602-879F1421B4FE}" destId="{7597A4CC-ADCE-4FAC-9509-E9FF29161980}" srcOrd="1" destOrd="0" parTransId="{AD0F0459-5481-4615-B2A4-8560BB5EEB58}" sibTransId="{73075599-A4A2-4EC4-8203-926BD9A56E3C}"/>
+    <dgm:cxn modelId="{D72D8757-50A0-4E24-8F7A-D561B0E9ABEC}" srcId="{B3AD0FD0-A390-4429-9602-879F1421B4FE}" destId="{557ABEA0-8421-4995-93F8-C7A18D336638}" srcOrd="0" destOrd="0" parTransId="{9BB38480-D076-4B17-974D-F8A065E20FE5}" sibTransId="{7AAD94BA-84D9-4A96-96A1-E9DA83642F5A}"/>
+    <dgm:cxn modelId="{EB435868-7FDA-4237-BDB1-AED9D5AD4B3B}" srcId="{B3AD0FD0-A390-4429-9602-879F1421B4FE}" destId="{35E3556C-AA05-4310-8B99-58D51553EAE7}" srcOrd="3" destOrd="0" parTransId="{510B3200-55A2-439F-9357-8850EE00BC4E}" sibTransId="{76A0E1BF-55F9-4095-BA78-C3C6C9DDA7D1}"/>
+    <dgm:cxn modelId="{15B4C369-539D-2F49-A61E-7D53991E7E1A}" type="presOf" srcId="{7597A4CC-ADCE-4FAC-9509-E9FF29161980}" destId="{61407434-9C7D-4D24-BCA5-949A5F141D02}" srcOrd="0" destOrd="0" presId="urn:microsoft.com/office/officeart/2018/2/layout/IconVerticalSolidList"/>
+    <dgm:cxn modelId="{50E84EA4-E1E0-F147-A20D-28ABB3F6A103}" type="presOf" srcId="{35E3556C-AA05-4310-8B99-58D51553EAE7}" destId="{0F48FE75-9537-4D41-A5E5-CED0F7BAFFD6}" srcOrd="0" destOrd="0" presId="urn:microsoft.com/office/officeart/2018/2/layout/IconVerticalSolidList"/>
+    <dgm:cxn modelId="{B74ACEC3-6DA9-C341-A08F-D117307857B0}" type="presOf" srcId="{E97DFEE1-E1F5-4D6D-B1D0-48209F37DCC1}" destId="{417CF4EE-2FDB-4739-A8A6-40DDA06C85FB}" srcOrd="0" destOrd="0" presId="urn:microsoft.com/office/officeart/2018/2/layout/IconVerticalSolidList"/>
+    <dgm:cxn modelId="{7E9703D0-F44C-474A-B917-F1DFF867E720}" srcId="{B3AD0FD0-A390-4429-9602-879F1421B4FE}" destId="{E97DFEE1-E1F5-4D6D-B1D0-48209F37DCC1}" srcOrd="2" destOrd="0" parTransId="{48FB9C3B-2422-483B-A697-55CDB2B353D9}" sibTransId="{76C6169C-367A-4519-988C-C48AA3D61F7D}"/>
+    <dgm:cxn modelId="{708BC6D5-443F-0445-9CAC-F39226FC4AA8}" type="presOf" srcId="{557ABEA0-8421-4995-93F8-C7A18D336638}" destId="{22FF6F3E-030A-4A95-9094-AA90FD96F252}" srcOrd="0" destOrd="0" presId="urn:microsoft.com/office/officeart/2018/2/layout/IconVerticalSolidList"/>
+    <dgm:cxn modelId="{5ABE824A-54BE-CE4F-A8C9-0AA586D1AE9A}" type="presParOf" srcId="{0326A6F0-1699-4BF6-9E08-C095472F462F}" destId="{F8F7AFD0-6D7E-4E0F-A944-56E14733E094}" srcOrd="0" destOrd="0" presId="urn:microsoft.com/office/officeart/2018/2/layout/IconVerticalSolidList"/>
+    <dgm:cxn modelId="{01ED5B58-9DFD-4842-908A-C5237507F850}" type="presParOf" srcId="{F8F7AFD0-6D7E-4E0F-A944-56E14733E094}" destId="{BF65D48F-4A46-424D-9BF1-827D481E2828}" srcOrd="0" destOrd="0" presId="urn:microsoft.com/office/officeart/2018/2/layout/IconVerticalSolidList"/>
+    <dgm:cxn modelId="{412A1061-8DF1-3E42-A975-2475F59B591D}" type="presParOf" srcId="{F8F7AFD0-6D7E-4E0F-A944-56E14733E094}" destId="{E91C433B-F4F6-404B-B5B8-B8BFEA0196C1}" srcOrd="1" destOrd="0" presId="urn:microsoft.com/office/officeart/2018/2/layout/IconVerticalSolidList"/>
+    <dgm:cxn modelId="{62D18960-285B-E04D-9AFE-ABA8E044968A}" type="presParOf" srcId="{F8F7AFD0-6D7E-4E0F-A944-56E14733E094}" destId="{B80ED2A2-CF5A-47C1-9670-C56F31036620}" srcOrd="2" destOrd="0" presId="urn:microsoft.com/office/officeart/2018/2/layout/IconVerticalSolidList"/>
+    <dgm:cxn modelId="{24431011-DD62-B54A-A7A9-AB36A2A96C3B}" type="presParOf" srcId="{F8F7AFD0-6D7E-4E0F-A944-56E14733E094}" destId="{22FF6F3E-030A-4A95-9094-AA90FD96F252}" srcOrd="3" destOrd="0" presId="urn:microsoft.com/office/officeart/2018/2/layout/IconVerticalSolidList"/>
+    <dgm:cxn modelId="{B2870077-E062-9746-8124-6EDE5FEBBBDA}" type="presParOf" srcId="{0326A6F0-1699-4BF6-9E08-C095472F462F}" destId="{FA40324A-08F4-45F8-B39D-9C7379C690BD}" srcOrd="1" destOrd="0" presId="urn:microsoft.com/office/officeart/2018/2/layout/IconVerticalSolidList"/>
+    <dgm:cxn modelId="{A0B0DD2F-55B1-5D49-8D78-A0654134A31B}" type="presParOf" srcId="{0326A6F0-1699-4BF6-9E08-C095472F462F}" destId="{90C18886-F1C1-4529-B55D-699BA6503795}" srcOrd="2" destOrd="0" presId="urn:microsoft.com/office/officeart/2018/2/layout/IconVerticalSolidList"/>
+    <dgm:cxn modelId="{C5E8544E-3009-0548-8F0F-C26A0BF92B68}" type="presParOf" srcId="{90C18886-F1C1-4529-B55D-699BA6503795}" destId="{C63C37E9-37AD-4118-BCD2-48248076E51F}" srcOrd="0" destOrd="0" presId="urn:microsoft.com/office/officeart/2018/2/layout/IconVerticalSolidList"/>
+    <dgm:cxn modelId="{AC2A6BDE-CCA8-0D45-B1BB-63E7044AA826}" type="presParOf" srcId="{90C18886-F1C1-4529-B55D-699BA6503795}" destId="{40332760-E426-4AE1-AA11-589AA33B2952}" srcOrd="1" destOrd="0" presId="urn:microsoft.com/office/officeart/2018/2/layout/IconVerticalSolidList"/>
+    <dgm:cxn modelId="{50BAAABE-3781-7941-B4BB-CD2A907479A4}" type="presParOf" srcId="{90C18886-F1C1-4529-B55D-699BA6503795}" destId="{EDAEBABD-1A43-405D-AA41-B2E892294794}" srcOrd="2" destOrd="0" presId="urn:microsoft.com/office/officeart/2018/2/layout/IconVerticalSolidList"/>
+    <dgm:cxn modelId="{0076941A-DBA3-0C4B-8683-20CBC4FABFCE}" type="presParOf" srcId="{90C18886-F1C1-4529-B55D-699BA6503795}" destId="{61407434-9C7D-4D24-BCA5-949A5F141D02}" srcOrd="3" destOrd="0" presId="urn:microsoft.com/office/officeart/2018/2/layout/IconVerticalSolidList"/>
+    <dgm:cxn modelId="{F6B9A310-65E4-3546-8AAD-7AC833950B15}" type="presParOf" srcId="{0326A6F0-1699-4BF6-9E08-C095472F462F}" destId="{60676390-7204-471B-91BE-21DFFDC5A394}" srcOrd="3" destOrd="0" presId="urn:microsoft.com/office/officeart/2018/2/layout/IconVerticalSolidList"/>
+    <dgm:cxn modelId="{B0C1A37A-1C71-CD43-BBA8-2EFCF2670F25}" type="presParOf" srcId="{0326A6F0-1699-4BF6-9E08-C095472F462F}" destId="{76AB496F-C3F4-4194-93DC-3D56A5025C63}" srcOrd="4" destOrd="0" presId="urn:microsoft.com/office/officeart/2018/2/layout/IconVerticalSolidList"/>
+    <dgm:cxn modelId="{4448AD67-48DD-B848-848F-F779C231F438}" type="presParOf" srcId="{76AB496F-C3F4-4194-93DC-3D56A5025C63}" destId="{6C407EF4-863B-4808-AEF5-500F65BDA273}" srcOrd="0" destOrd="0" presId="urn:microsoft.com/office/officeart/2018/2/layout/IconVerticalSolidList"/>
+    <dgm:cxn modelId="{4532E1FB-19A6-1947-84EC-D665C4BEE99E}" type="presParOf" srcId="{76AB496F-C3F4-4194-93DC-3D56A5025C63}" destId="{9D80C427-0631-4AFF-819D-CE05172E9054}" srcOrd="1" destOrd="0" presId="urn:microsoft.com/office/officeart/2018/2/layout/IconVerticalSolidList"/>
+    <dgm:cxn modelId="{672EA7ED-0006-A549-BEB4-CF25BD546FF4}" type="presParOf" srcId="{76AB496F-C3F4-4194-93DC-3D56A5025C63}" destId="{09AF03D4-0701-451C-9B00-6F3E35AEF99A}" srcOrd="2" destOrd="0" presId="urn:microsoft.com/office/officeart/2018/2/layout/IconVerticalSolidList"/>
+    <dgm:cxn modelId="{AF9C0C72-CA42-044C-8926-EC519369B381}" type="presParOf" srcId="{76AB496F-C3F4-4194-93DC-3D56A5025C63}" destId="{417CF4EE-2FDB-4739-A8A6-40DDA06C85FB}" srcOrd="3" destOrd="0" presId="urn:microsoft.com/office/officeart/2018/2/layout/IconVerticalSolidList"/>
+    <dgm:cxn modelId="{FB2F6DEF-39EC-CD48-A081-536AA69E69C9}" type="presParOf" srcId="{0326A6F0-1699-4BF6-9E08-C095472F462F}" destId="{92352B90-0120-FD47-9A35-B70728D677D7}" srcOrd="5" destOrd="0" presId="urn:microsoft.com/office/officeart/2018/2/layout/IconVerticalSolidList"/>
+    <dgm:cxn modelId="{450CDDD2-686C-834F-86FE-F2CE85EA2144}" type="presParOf" srcId="{0326A6F0-1699-4BF6-9E08-C095472F462F}" destId="{BCF77FBA-F32D-C04A-8923-A78B4B28C192}" srcOrd="6" destOrd="0" presId="urn:microsoft.com/office/officeart/2018/2/layout/IconVerticalSolidList"/>
+    <dgm:cxn modelId="{3BB0067D-5140-6140-B6AB-8E6C5A99BE65}" type="presParOf" srcId="{BCF77FBA-F32D-C04A-8923-A78B4B28C192}" destId="{19543978-6401-8E40-BAC1-AEB056A1420D}" srcOrd="0" destOrd="0" presId="urn:microsoft.com/office/officeart/2018/2/layout/IconVerticalSolidList"/>
+    <dgm:cxn modelId="{12DE9712-F1C3-5A48-8C28-5F2BD2A269E8}" type="presParOf" srcId="{BCF77FBA-F32D-C04A-8923-A78B4B28C192}" destId="{2F56E318-B0F2-9E4F-9187-E8DD17398758}" srcOrd="1" destOrd="0" presId="urn:microsoft.com/office/officeart/2018/2/layout/IconVerticalSolidList"/>
+    <dgm:cxn modelId="{5329EC0A-0B8E-1A44-844F-FEBEBDE9AD31}" type="presParOf" srcId="{BCF77FBA-F32D-C04A-8923-A78B4B28C192}" destId="{C0C341B7-F18F-854A-87D2-D972B8C65E43}" srcOrd="2" destOrd="0" presId="urn:microsoft.com/office/officeart/2018/2/layout/IconVerticalSolidList"/>
+    <dgm:cxn modelId="{782D320E-D64B-C84E-A069-B77064EB6EB0}" type="presParOf" srcId="{BCF77FBA-F32D-C04A-8923-A78B4B28C192}" destId="{0F48FE75-9537-4D41-A5E5-CED0F7BAFFD6}" srcOrd="3" destOrd="0" presId="urn:microsoft.com/office/officeart/2018/2/layout/IconVerticalSolidList"/>
+  </dgm:cxnLst>
+  <dgm:bg/>
+  <dgm:whole/>
+  <dgm:extLst>
+    <a:ext uri="http://schemas.microsoft.com/office/drawing/2008/diagram">
+      <dsp:dataModelExt xmlns:dsp="http://schemas.microsoft.com/office/drawing/2008/diagram" relId="rId6" minVer="http://schemas.openxmlformats.org/drawingml/2006/diagram"/>
+    </a:ext>
+  </dgm:extLst>
+</dgm:dataModel>
+</file>
+
+<file path=ppt/diagrams/data2.xml><?xml version="1.0" encoding="utf-8"?>
+<dgm:dataModel xmlns:dgm="http://schemas.openxmlformats.org/drawingml/2006/diagram" xmlns:a="http://schemas.openxmlformats.org/drawingml/2006/main">
+  <dgm:ptLst>
+    <dgm:pt modelId="{B3AD0FD0-A390-4429-9602-879F1421B4FE}" type="doc">
+      <dgm:prSet loTypeId="urn:microsoft.com/office/officeart/2018/2/layout/IconVerticalSolidList" loCatId="icon" qsTypeId="urn:microsoft.com/office/officeart/2005/8/quickstyle/simple1" qsCatId="simple" csTypeId="urn:microsoft.com/office/officeart/2018/5/colors/Iconchunking_neutralbg_colorful1" csCatId="colorful" phldr="1"/>
+      <dgm:spPr/>
+      <dgm:t>
+        <a:bodyPr/>
+        <a:lstStyle/>
+        <a:p>
+          <a:endParaRPr lang="en-US"/>
+        </a:p>
+      </dgm:t>
+    </dgm:pt>
+    <dgm:pt modelId="{139EA09C-A0BA-4342-BB8F-94B340E87707}">
+      <dgm:prSet/>
+      <dgm:spPr/>
+      <dgm:t>
+        <a:bodyPr/>
+        <a:lstStyle/>
+        <a:p>
+          <a:pPr>
+            <a:lnSpc>
+              <a:spcPct val="100000"/>
+            </a:lnSpc>
+          </a:pPr>
+          <a:r>
+            <a:rPr lang="en-US" dirty="0"/>
+            <a:t>Agent – A mathematical object that is able to take an action in an environment based on constraints and retain an experience matrix</a:t>
+          </a:r>
+        </a:p>
+      </dgm:t>
+    </dgm:pt>
+    <dgm:pt modelId="{EBD164B7-AC46-4D56-A1E8-504FF460B9E8}" type="parTrans" cxnId="{307E94DD-C9FC-44F2-8548-6D54627291E0}">
+      <dgm:prSet/>
+      <dgm:spPr/>
+      <dgm:t>
+        <a:bodyPr/>
+        <a:lstStyle/>
+        <a:p>
+          <a:endParaRPr lang="en-US"/>
+        </a:p>
+      </dgm:t>
+    </dgm:pt>
+    <dgm:pt modelId="{4C6EEE82-05D1-4956-BE6F-E3B28C30CC2C}" type="sibTrans" cxnId="{307E94DD-C9FC-44F2-8548-6D54627291E0}">
+      <dgm:prSet/>
+      <dgm:spPr/>
+      <dgm:t>
+        <a:bodyPr/>
+        <a:lstStyle/>
+        <a:p>
+          <a:endParaRPr lang="en-US"/>
+        </a:p>
+      </dgm:t>
+    </dgm:pt>
+    <dgm:pt modelId="{36B8DB61-9AE5-46A4-93C6-B4EC7D800DEB}">
+      <dgm:prSet/>
+      <dgm:spPr/>
+      <dgm:t>
+        <a:bodyPr/>
+        <a:lstStyle/>
+        <a:p>
+          <a:pPr>
+            <a:lnSpc>
+              <a:spcPct val="100000"/>
+            </a:lnSpc>
+          </a:pPr>
+          <a:r>
+            <a:rPr lang="en-US" dirty="0"/>
+            <a:t>Environment – Global term used for the model representing the problem space along with its constraints.</a:t>
+          </a:r>
+        </a:p>
+      </dgm:t>
+    </dgm:pt>
+    <dgm:pt modelId="{DCBC0036-1778-464B-8850-FD165391B4EB}" type="parTrans" cxnId="{31F2DD89-6AEE-4568-AF70-9414F673F427}">
+      <dgm:prSet/>
+      <dgm:spPr/>
+      <dgm:t>
+        <a:bodyPr/>
+        <a:lstStyle/>
+        <a:p>
+          <a:endParaRPr lang="en-US"/>
+        </a:p>
+      </dgm:t>
+    </dgm:pt>
+    <dgm:pt modelId="{3B819D9A-DEC7-4D74-B550-FA2D91CAE6CF}" type="sibTrans" cxnId="{31F2DD89-6AEE-4568-AF70-9414F673F427}">
+      <dgm:prSet/>
+      <dgm:spPr/>
+      <dgm:t>
+        <a:bodyPr/>
+        <a:lstStyle/>
+        <a:p>
+          <a:endParaRPr lang="en-US"/>
+        </a:p>
+      </dgm:t>
+    </dgm:pt>
+    <dgm:pt modelId="{35E3556C-AA05-4310-8B99-58D51553EAE7}">
+      <dgm:prSet custT="1"/>
+      <dgm:spPr/>
+      <dgm:t>
+        <a:bodyPr/>
+        <a:lstStyle/>
+        <a:p>
+          <a:pPr>
+            <a:lnSpc>
+              <a:spcPct val="100000"/>
+            </a:lnSpc>
+          </a:pPr>
+          <a:r>
+            <a:rPr lang="en-US" sz="1200" dirty="0"/>
+            <a:t>Goal - The agent must take actions on the environment such that the sum of the rewards for those actions shall be maximized through repeated interactions.</a:t>
+          </a:r>
+        </a:p>
+      </dgm:t>
+    </dgm:pt>
+    <dgm:pt modelId="{510B3200-55A2-439F-9357-8850EE00BC4E}" type="parTrans" cxnId="{EB435868-7FDA-4237-BDB1-AED9D5AD4B3B}">
+      <dgm:prSet/>
+      <dgm:spPr/>
+      <dgm:t>
+        <a:bodyPr/>
+        <a:lstStyle/>
+        <a:p>
+          <a:endParaRPr lang="en-US"/>
+        </a:p>
+      </dgm:t>
+    </dgm:pt>
+    <dgm:pt modelId="{76A0E1BF-55F9-4095-BA78-C3C6C9DDA7D1}" type="sibTrans" cxnId="{EB435868-7FDA-4237-BDB1-AED9D5AD4B3B}">
+      <dgm:prSet/>
+      <dgm:spPr/>
+      <dgm:t>
+        <a:bodyPr/>
+        <a:lstStyle/>
+        <a:p>
+          <a:endParaRPr lang="en-US"/>
+        </a:p>
+      </dgm:t>
+    </dgm:pt>
+    <dgm:pt modelId="{1B332FB7-71AA-6E43-9B6F-CCA344F2F157}">
+      <dgm:prSet/>
+      <dgm:spPr/>
+      <dgm:t>
+        <a:bodyPr/>
+        <a:lstStyle/>
+        <a:p>
+          <a:pPr>
+            <a:lnSpc>
+              <a:spcPct val="100000"/>
+            </a:lnSpc>
+          </a:pPr>
+          <a:r>
+            <a:rPr lang="en-US" dirty="0"/>
+            <a:t>State – A discrete instance of the environment</a:t>
+          </a:r>
+        </a:p>
+      </dgm:t>
+    </dgm:pt>
+    <dgm:pt modelId="{11BF563E-3ACF-6B4D-BB5A-008F8C97B35F}" type="parTrans" cxnId="{448170CA-6F9D-EE4D-A49D-723A3325D008}">
+      <dgm:prSet/>
+      <dgm:spPr/>
+      <dgm:t>
+        <a:bodyPr/>
+        <a:lstStyle/>
+        <a:p>
+          <a:endParaRPr lang="en-GB"/>
+        </a:p>
+      </dgm:t>
+    </dgm:pt>
+    <dgm:pt modelId="{0DF8D1CD-5C34-A146-A10E-0DB03E537930}" type="sibTrans" cxnId="{448170CA-6F9D-EE4D-A49D-723A3325D008}">
+      <dgm:prSet/>
+      <dgm:spPr/>
+      <dgm:t>
+        <a:bodyPr/>
+        <a:lstStyle/>
+        <a:p>
+          <a:endParaRPr lang="en-GB"/>
+        </a:p>
+      </dgm:t>
+    </dgm:pt>
+    <dgm:pt modelId="{0326A6F0-1699-4BF6-9E08-C095472F462F}" type="pres">
+      <dgm:prSet presAssocID="{B3AD0FD0-A390-4429-9602-879F1421B4FE}" presName="root" presStyleCnt="0">
+        <dgm:presLayoutVars>
+          <dgm:dir/>
+          <dgm:resizeHandles val="exact"/>
+        </dgm:presLayoutVars>
+      </dgm:prSet>
+      <dgm:spPr/>
+    </dgm:pt>
     <dgm:pt modelId="{86736703-334C-4037-9C25-1F140E000634}" type="pres">
       <dgm:prSet presAssocID="{139EA09C-A0BA-4342-BB8F-94B340E87707}" presName="compNode" presStyleCnt="0"/>
       <dgm:spPr/>
     </dgm:pt>
     <dgm:pt modelId="{71244E3B-228C-4A4F-A897-4519B20C0EA3}" type="pres">
-      <dgm:prSet presAssocID="{139EA09C-A0BA-4342-BB8F-94B340E87707}" presName="bgRect" presStyleLbl="bgShp" presStyleIdx="0" presStyleCnt="6"/>
+      <dgm:prSet presAssocID="{139EA09C-A0BA-4342-BB8F-94B340E87707}" presName="bgRect" presStyleLbl="bgShp" presStyleIdx="0" presStyleCnt="4"/>
       <dgm:spPr/>
     </dgm:pt>
     <dgm:pt modelId="{41AD5101-5E97-46D9-872C-A4D05D64A4FC}" type="pres">
-      <dgm:prSet presAssocID="{139EA09C-A0BA-4342-BB8F-94B340E87707}" presName="iconRect" presStyleLbl="node1" presStyleIdx="0" presStyleCnt="6"/>
+      <dgm:prSet presAssocID="{139EA09C-A0BA-4342-BB8F-94B340E87707}" presName="iconRect" presStyleLbl="node1" presStyleIdx="0" presStyleCnt="4"/>
       <dgm:spPr>
         <a:blipFill>
           <a:blip xmlns:r="http://schemas.openxmlformats.org/officeDocument/2006/relationships" r:embed="rId1">
@@ -1326,7 +2634,7 @@
       <dgm:spPr/>
     </dgm:pt>
     <dgm:pt modelId="{8BD2A0B1-4FA1-408C-9D3C-0AFC7E22669D}" type="pres">
-      <dgm:prSet presAssocID="{139EA09C-A0BA-4342-BB8F-94B340E87707}" presName="parTx" presStyleLbl="revTx" presStyleIdx="0" presStyleCnt="6">
+      <dgm:prSet presAssocID="{139EA09C-A0BA-4342-BB8F-94B340E87707}" presName="parTx" presStyleLbl="revTx" presStyleIdx="0" presStyleCnt="4">
         <dgm:presLayoutVars>
           <dgm:chMax val="0"/>
           <dgm:chPref val="0"/>
@@ -1338,78 +2646,25 @@
       <dgm:prSet presAssocID="{4C6EEE82-05D1-4956-BE6F-E3B28C30CC2C}" presName="sibTrans" presStyleCnt="0"/>
       <dgm:spPr/>
     </dgm:pt>
-    <dgm:pt modelId="{F8F7AFD0-6D7E-4E0F-A944-56E14733E094}" type="pres">
-      <dgm:prSet presAssocID="{557ABEA0-8421-4995-93F8-C7A18D336638}" presName="compNode" presStyleCnt="0"/>
-      <dgm:spPr/>
-    </dgm:pt>
-    <dgm:pt modelId="{BF65D48F-4A46-424D-9BF1-827D481E2828}" type="pres">
-      <dgm:prSet presAssocID="{557ABEA0-8421-4995-93F8-C7A18D336638}" presName="bgRect" presStyleLbl="bgShp" presStyleIdx="1" presStyleCnt="6"/>
-      <dgm:spPr/>
-    </dgm:pt>
-    <dgm:pt modelId="{E91C433B-F4F6-404B-B5B8-B8BFEA0196C1}" type="pres">
-      <dgm:prSet presAssocID="{557ABEA0-8421-4995-93F8-C7A18D336638}" presName="iconRect" presStyleLbl="node1" presStyleIdx="1" presStyleCnt="6"/>
-      <dgm:spPr>
-        <a:blipFill>
-          <a:blip xmlns:r="http://schemas.openxmlformats.org/officeDocument/2006/relationships" r:embed="rId3">
-            <a:extLst>
-              <a:ext uri="{28A0092B-C50C-407E-A947-70E740481C1C}">
-                <a14:useLocalDpi xmlns:a14="http://schemas.microsoft.com/office/drawing/2010/main" val="0"/>
-              </a:ext>
-              <a:ext uri="{96DAC541-7B7A-43D3-8B79-37D633B846F1}">
-                <asvg:svgBlip xmlns:asvg="http://schemas.microsoft.com/office/drawing/2016/SVG/main" r:embed="rId4"/>
-              </a:ext>
-            </a:extLst>
-          </a:blip>
-          <a:stretch>
-            <a:fillRect/>
-          </a:stretch>
-        </a:blipFill>
-        <a:ln>
-          <a:noFill/>
-        </a:ln>
-      </dgm:spPr>
-      <dgm:extLst>
-        <a:ext uri="{E40237B7-FDA0-4F09-8148-C483321AD2D9}">
-          <dgm14:cNvPr xmlns:dgm14="http://schemas.microsoft.com/office/drawing/2010/diagram" id="0" name="" descr="Clapper board"/>
-        </a:ext>
-      </dgm:extLst>
-    </dgm:pt>
-    <dgm:pt modelId="{B80ED2A2-CF5A-47C1-9670-C56F31036620}" type="pres">
-      <dgm:prSet presAssocID="{557ABEA0-8421-4995-93F8-C7A18D336638}" presName="spaceRect" presStyleCnt="0"/>
-      <dgm:spPr/>
-    </dgm:pt>
-    <dgm:pt modelId="{22FF6F3E-030A-4A95-9094-AA90FD96F252}" type="pres">
-      <dgm:prSet presAssocID="{557ABEA0-8421-4995-93F8-C7A18D336638}" presName="parTx" presStyleLbl="revTx" presStyleIdx="1" presStyleCnt="6">
-        <dgm:presLayoutVars>
-          <dgm:chMax val="0"/>
-          <dgm:chPref val="0"/>
-        </dgm:presLayoutVars>
-      </dgm:prSet>
-      <dgm:spPr/>
-    </dgm:pt>
-    <dgm:pt modelId="{FA40324A-08F4-45F8-B39D-9C7379C690BD}" type="pres">
-      <dgm:prSet presAssocID="{7AAD94BA-84D9-4A96-96A1-E9DA83642F5A}" presName="sibTrans" presStyleCnt="0"/>
-      <dgm:spPr/>
-    </dgm:pt>
     <dgm:pt modelId="{974FFE10-F452-4DE4-91DD-00F445C4D87B}" type="pres">
       <dgm:prSet presAssocID="{36B8DB61-9AE5-46A4-93C6-B4EC7D800DEB}" presName="compNode" presStyleCnt="0"/>
       <dgm:spPr/>
     </dgm:pt>
     <dgm:pt modelId="{3B951233-789B-43AC-BA78-B705726F5CC6}" type="pres">
-      <dgm:prSet presAssocID="{36B8DB61-9AE5-46A4-93C6-B4EC7D800DEB}" presName="bgRect" presStyleLbl="bgShp" presStyleIdx="2" presStyleCnt="6"/>
+      <dgm:prSet presAssocID="{36B8DB61-9AE5-46A4-93C6-B4EC7D800DEB}" presName="bgRect" presStyleLbl="bgShp" presStyleIdx="1" presStyleCnt="4"/>
       <dgm:spPr/>
     </dgm:pt>
     <dgm:pt modelId="{4813FD47-364B-4B27-BF7F-2487D42DEDB1}" type="pres">
-      <dgm:prSet presAssocID="{36B8DB61-9AE5-46A4-93C6-B4EC7D800DEB}" presName="iconRect" presStyleLbl="node1" presStyleIdx="2" presStyleCnt="6"/>
+      <dgm:prSet presAssocID="{36B8DB61-9AE5-46A4-93C6-B4EC7D800DEB}" presName="iconRect" presStyleLbl="node1" presStyleIdx="1" presStyleCnt="4"/>
       <dgm:spPr>
         <a:blipFill>
-          <a:blip xmlns:r="http://schemas.openxmlformats.org/officeDocument/2006/relationships" r:embed="rId5">
+          <a:blip xmlns:r="http://schemas.openxmlformats.org/officeDocument/2006/relationships" r:embed="rId3">
             <a:extLst>
               <a:ext uri="{28A0092B-C50C-407E-A947-70E740481C1C}">
                 <a14:useLocalDpi xmlns:a14="http://schemas.microsoft.com/office/drawing/2010/main" val="0"/>
               </a:ext>
               <a:ext uri="{96DAC541-7B7A-43D3-8B79-37D633B846F1}">
-                <asvg:svgBlip xmlns:asvg="http://schemas.microsoft.com/office/drawing/2016/SVG/main" r:embed="rId6"/>
+                <asvg:svgBlip xmlns:asvg="http://schemas.microsoft.com/office/drawing/2016/SVG/main" r:embed="rId4"/>
               </a:ext>
             </a:extLst>
           </a:blip>
@@ -1432,7 +2687,7 @@
       <dgm:spPr/>
     </dgm:pt>
     <dgm:pt modelId="{6670C448-1A8C-4C67-85B8-6C5A89B1EA12}" type="pres">
-      <dgm:prSet presAssocID="{36B8DB61-9AE5-46A4-93C6-B4EC7D800DEB}" presName="parTx" presStyleLbl="revTx" presStyleIdx="2" presStyleCnt="6">
+      <dgm:prSet presAssocID="{36B8DB61-9AE5-46A4-93C6-B4EC7D800DEB}" presName="parTx" presStyleLbl="revTx" presStyleIdx="1" presStyleCnt="4">
         <dgm:presLayoutVars>
           <dgm:chMax val="0"/>
           <dgm:chPref val="0"/>
@@ -1444,48 +2699,24 @@
       <dgm:prSet presAssocID="{3B819D9A-DEC7-4D74-B550-FA2D91CAE6CF}" presName="sibTrans" presStyleCnt="0"/>
       <dgm:spPr/>
     </dgm:pt>
-    <dgm:pt modelId="{90C18886-F1C1-4529-B55D-699BA6503795}" type="pres">
-      <dgm:prSet presAssocID="{7597A4CC-ADCE-4FAC-9509-E9FF29161980}" presName="compNode" presStyleCnt="0"/>
+    <dgm:pt modelId="{07237648-D3DD-844E-84D1-44B2C664383D}" type="pres">
+      <dgm:prSet presAssocID="{1B332FB7-71AA-6E43-9B6F-CCA344F2F157}" presName="compNode" presStyleCnt="0"/>
       <dgm:spPr/>
     </dgm:pt>
-    <dgm:pt modelId="{C63C37E9-37AD-4118-BCD2-48248076E51F}" type="pres">
-      <dgm:prSet presAssocID="{7597A4CC-ADCE-4FAC-9509-E9FF29161980}" presName="bgRect" presStyleLbl="bgShp" presStyleIdx="3" presStyleCnt="6"/>
+    <dgm:pt modelId="{ED7B8574-B33F-6F4B-B3E0-E56321535C64}" type="pres">
+      <dgm:prSet presAssocID="{1B332FB7-71AA-6E43-9B6F-CCA344F2F157}" presName="bgRect" presStyleLbl="bgShp" presStyleIdx="2" presStyleCnt="4"/>
       <dgm:spPr/>
     </dgm:pt>
-    <dgm:pt modelId="{40332760-E426-4AE1-AA11-589AA33B2952}" type="pres">
-      <dgm:prSet presAssocID="{7597A4CC-ADCE-4FAC-9509-E9FF29161980}" presName="iconRect" presStyleLbl="node1" presStyleIdx="3" presStyleCnt="6"/>
-      <dgm:spPr>
-        <a:blipFill>
-          <a:blip xmlns:r="http://schemas.openxmlformats.org/officeDocument/2006/relationships" r:embed="rId7">
-            <a:extLst>
-              <a:ext uri="{28A0092B-C50C-407E-A947-70E740481C1C}">
-                <a14:useLocalDpi xmlns:a14="http://schemas.microsoft.com/office/drawing/2010/main" val="0"/>
-              </a:ext>
-              <a:ext uri="{96DAC541-7B7A-43D3-8B79-37D633B846F1}">
-                <asvg:svgBlip xmlns:asvg="http://schemas.microsoft.com/office/drawing/2016/SVG/main" r:embed="rId8"/>
-              </a:ext>
-            </a:extLst>
-          </a:blip>
-          <a:stretch>
-            <a:fillRect/>
-          </a:stretch>
-        </a:blipFill>
-        <a:ln>
-          <a:noFill/>
-        </a:ln>
-      </dgm:spPr>
-      <dgm:extLst>
-        <a:ext uri="{E40237B7-FDA0-4F09-8148-C483321AD2D9}">
-          <dgm14:cNvPr xmlns:dgm14="http://schemas.microsoft.com/office/drawing/2010/diagram" id="0" name="" descr="Wreath"/>
-        </a:ext>
-      </dgm:extLst>
-    </dgm:pt>
-    <dgm:pt modelId="{EDAEBABD-1A43-405D-AA41-B2E892294794}" type="pres">
-      <dgm:prSet presAssocID="{7597A4CC-ADCE-4FAC-9509-E9FF29161980}" presName="spaceRect" presStyleCnt="0"/>
+    <dgm:pt modelId="{D35C8D3A-B9A7-254F-8C9A-03EA4CCCAB85}" type="pres">
+      <dgm:prSet presAssocID="{1B332FB7-71AA-6E43-9B6F-CCA344F2F157}" presName="iconRect" presStyleLbl="node1" presStyleIdx="2" presStyleCnt="4"/>
       <dgm:spPr/>
     </dgm:pt>
-    <dgm:pt modelId="{61407434-9C7D-4D24-BCA5-949A5F141D02}" type="pres">
-      <dgm:prSet presAssocID="{7597A4CC-ADCE-4FAC-9509-E9FF29161980}" presName="parTx" presStyleLbl="revTx" presStyleIdx="3" presStyleCnt="6">
+    <dgm:pt modelId="{C1DF2927-B2F1-3248-BF83-274C6CCC53D7}" type="pres">
+      <dgm:prSet presAssocID="{1B332FB7-71AA-6E43-9B6F-CCA344F2F157}" presName="spaceRect" presStyleCnt="0"/>
+      <dgm:spPr/>
+    </dgm:pt>
+    <dgm:pt modelId="{80EDE25A-881F-6049-908D-987A105D350E}" type="pres">
+      <dgm:prSet presAssocID="{1B332FB7-71AA-6E43-9B6F-CCA344F2F157}" presName="parTx" presStyleLbl="revTx" presStyleIdx="2" presStyleCnt="4">
         <dgm:presLayoutVars>
           <dgm:chMax val="0"/>
           <dgm:chPref val="0"/>
@@ -1493,29 +2724,29 @@
       </dgm:prSet>
       <dgm:spPr/>
     </dgm:pt>
-    <dgm:pt modelId="{60676390-7204-471B-91BE-21DFFDC5A394}" type="pres">
-      <dgm:prSet presAssocID="{73075599-A4A2-4EC4-8203-926BD9A56E3C}" presName="sibTrans" presStyleCnt="0"/>
+    <dgm:pt modelId="{9DDF4065-A5E1-7146-B874-3F8A216BE58E}" type="pres">
+      <dgm:prSet presAssocID="{0DF8D1CD-5C34-A146-A10E-0DB03E537930}" presName="sibTrans" presStyleCnt="0"/>
       <dgm:spPr/>
     </dgm:pt>
-    <dgm:pt modelId="{76AB496F-C3F4-4194-93DC-3D56A5025C63}" type="pres">
-      <dgm:prSet presAssocID="{E97DFEE1-E1F5-4D6D-B1D0-48209F37DCC1}" presName="compNode" presStyleCnt="0"/>
+    <dgm:pt modelId="{BCF77FBA-F32D-C04A-8923-A78B4B28C192}" type="pres">
+      <dgm:prSet presAssocID="{35E3556C-AA05-4310-8B99-58D51553EAE7}" presName="compNode" presStyleCnt="0"/>
       <dgm:spPr/>
     </dgm:pt>
-    <dgm:pt modelId="{6C407EF4-863B-4808-AEF5-500F65BDA273}" type="pres">
-      <dgm:prSet presAssocID="{E97DFEE1-E1F5-4D6D-B1D0-48209F37DCC1}" presName="bgRect" presStyleLbl="bgShp" presStyleIdx="4" presStyleCnt="6"/>
+    <dgm:pt modelId="{19543978-6401-8E40-BAC1-AEB056A1420D}" type="pres">
+      <dgm:prSet presAssocID="{35E3556C-AA05-4310-8B99-58D51553EAE7}" presName="bgRect" presStyleLbl="bgShp" presStyleIdx="3" presStyleCnt="4"/>
       <dgm:spPr/>
     </dgm:pt>
-    <dgm:pt modelId="{9D80C427-0631-4AFF-819D-CE05172E9054}" type="pres">
-      <dgm:prSet presAssocID="{E97DFEE1-E1F5-4D6D-B1D0-48209F37DCC1}" presName="iconRect" presStyleLbl="node1" presStyleIdx="4" presStyleCnt="6"/>
+    <dgm:pt modelId="{2F56E318-B0F2-9E4F-9187-E8DD17398758}" type="pres">
+      <dgm:prSet presAssocID="{35E3556C-AA05-4310-8B99-58D51553EAE7}" presName="iconRect" presStyleLbl="node1" presStyleIdx="3" presStyleCnt="4"/>
       <dgm:spPr>
         <a:blipFill>
-          <a:blip xmlns:r="http://schemas.openxmlformats.org/officeDocument/2006/relationships" r:embed="rId9">
+          <a:blip xmlns:r="http://schemas.openxmlformats.org/officeDocument/2006/relationships" r:embed="rId5">
             <a:extLst>
               <a:ext uri="{28A0092B-C50C-407E-A947-70E740481C1C}">
                 <a14:useLocalDpi xmlns:a14="http://schemas.microsoft.com/office/drawing/2010/main" val="0"/>
               </a:ext>
               <a:ext uri="{96DAC541-7B7A-43D3-8B79-37D633B846F1}">
-                <asvg:svgBlip xmlns:asvg="http://schemas.microsoft.com/office/drawing/2016/SVG/main" r:embed="rId10"/>
+                <asvg:svgBlip xmlns:asvg="http://schemas.microsoft.com/office/drawing/2016/SVG/main" r:embed="rId6"/>
               </a:ext>
             </a:extLst>
           </a:blip>
@@ -1523,62 +2754,6 @@
             <a:fillRect/>
           </a:stretch>
         </a:blipFill>
-        <a:ln>
-          <a:noFill/>
-        </a:ln>
-      </dgm:spPr>
-      <dgm:extLst>
-        <a:ext uri="{E40237B7-FDA0-4F09-8148-C483321AD2D9}">
-          <dgm14:cNvPr xmlns:dgm14="http://schemas.microsoft.com/office/drawing/2010/diagram" id="0" name="" descr="Helicopter"/>
-        </a:ext>
-      </dgm:extLst>
-    </dgm:pt>
-    <dgm:pt modelId="{09AF03D4-0701-451C-9B00-6F3E35AEF99A}" type="pres">
-      <dgm:prSet presAssocID="{E97DFEE1-E1F5-4D6D-B1D0-48209F37DCC1}" presName="spaceRect" presStyleCnt="0"/>
-      <dgm:spPr/>
-    </dgm:pt>
-    <dgm:pt modelId="{417CF4EE-2FDB-4739-A8A6-40DDA06C85FB}" type="pres">
-      <dgm:prSet presAssocID="{E97DFEE1-E1F5-4D6D-B1D0-48209F37DCC1}" presName="parTx" presStyleLbl="revTx" presStyleIdx="4" presStyleCnt="6">
-        <dgm:presLayoutVars>
-          <dgm:chMax val="0"/>
-          <dgm:chPref val="0"/>
-        </dgm:presLayoutVars>
-      </dgm:prSet>
-      <dgm:spPr/>
-    </dgm:pt>
-    <dgm:pt modelId="{DCCAA992-131E-4B28-8BBF-A2633079FD22}" type="pres">
-      <dgm:prSet presAssocID="{76C6169C-367A-4519-988C-C48AA3D61F7D}" presName="sibTrans" presStyleCnt="0"/>
-      <dgm:spPr/>
-    </dgm:pt>
-    <dgm:pt modelId="{9F5FB218-A26A-4779-B718-592550BD804A}" type="pres">
-      <dgm:prSet presAssocID="{35E3556C-AA05-4310-8B99-58D51553EAE7}" presName="compNode" presStyleCnt="0"/>
-      <dgm:spPr/>
-    </dgm:pt>
-    <dgm:pt modelId="{46A25F87-0444-4404-AFFB-9985BF5F44D8}" type="pres">
-      <dgm:prSet presAssocID="{35E3556C-AA05-4310-8B99-58D51553EAE7}" presName="bgRect" presStyleLbl="bgShp" presStyleIdx="5" presStyleCnt="6"/>
-      <dgm:spPr/>
-    </dgm:pt>
-    <dgm:pt modelId="{D7B8801E-257D-4C5D-981E-9594E166639B}" type="pres">
-      <dgm:prSet presAssocID="{35E3556C-AA05-4310-8B99-58D51553EAE7}" presName="iconRect" presStyleLbl="node1" presStyleIdx="5" presStyleCnt="6"/>
-      <dgm:spPr>
-        <a:blipFill>
-          <a:blip xmlns:r="http://schemas.openxmlformats.org/officeDocument/2006/relationships" r:embed="rId11">
-            <a:extLst>
-              <a:ext uri="{28A0092B-C50C-407E-A947-70E740481C1C}">
-                <a14:useLocalDpi xmlns:a14="http://schemas.microsoft.com/office/drawing/2010/main" val="0"/>
-              </a:ext>
-              <a:ext uri="{96DAC541-7B7A-43D3-8B79-37D633B846F1}">
-                <asvg:svgBlip xmlns:asvg="http://schemas.microsoft.com/office/drawing/2016/SVG/main" r:embed="rId12"/>
-              </a:ext>
-            </a:extLst>
-          </a:blip>
-          <a:stretch>
-            <a:fillRect/>
-          </a:stretch>
-        </a:blipFill>
-        <a:ln>
-          <a:noFill/>
-        </a:ln>
       </dgm:spPr>
       <dgm:extLst>
         <a:ext uri="{E40237B7-FDA0-4F09-8148-C483321AD2D9}">
@@ -1586,12 +2761,12 @@
         </a:ext>
       </dgm:extLst>
     </dgm:pt>
-    <dgm:pt modelId="{631E42A3-D1D5-4B21-B38B-2B62D374A649}" type="pres">
+    <dgm:pt modelId="{C0C341B7-F18F-854A-87D2-D972B8C65E43}" type="pres">
       <dgm:prSet presAssocID="{35E3556C-AA05-4310-8B99-58D51553EAE7}" presName="spaceRect" presStyleCnt="0"/>
       <dgm:spPr/>
     </dgm:pt>
-    <dgm:pt modelId="{60AF4B1C-68C1-43D8-B160-D277D2E1C293}" type="pres">
-      <dgm:prSet presAssocID="{35E3556C-AA05-4310-8B99-58D51553EAE7}" presName="parTx" presStyleLbl="revTx" presStyleIdx="5" presStyleCnt="6">
+    <dgm:pt modelId="{0F48FE75-9537-4D41-A5E5-CED0F7BAFFD6}" type="pres">
+      <dgm:prSet presAssocID="{35E3556C-AA05-4310-8B99-58D51553EAE7}" presName="parTx" presStyleLbl="revTx" presStyleIdx="3" presStyleCnt="4">
         <dgm:presLayoutVars>
           <dgm:chMax val="0"/>
           <dgm:chPref val="0"/>
@@ -1601,66 +2776,678 @@
     </dgm:pt>
   </dgm:ptLst>
   <dgm:cxnLst>
-    <dgm:cxn modelId="{4B90AC1F-D6F7-47F8-94AB-16544202642B}" type="presOf" srcId="{E97DFEE1-E1F5-4D6D-B1D0-48209F37DCC1}" destId="{417CF4EE-2FDB-4739-A8A6-40DDA06C85FB}" srcOrd="0" destOrd="0" presId="urn:microsoft.com/office/officeart/2018/2/layout/IconVerticalSolidList"/>
-    <dgm:cxn modelId="{B479B32E-1DE2-4CEC-A469-0E559EA9E7B4}" type="presOf" srcId="{557ABEA0-8421-4995-93F8-C7A18D336638}" destId="{22FF6F3E-030A-4A95-9094-AA90FD96F252}" srcOrd="0" destOrd="0" presId="urn:microsoft.com/office/officeart/2018/2/layout/IconVerticalSolidList"/>
     <dgm:cxn modelId="{B539AA34-3128-4610-84C2-5BB274E2C5FE}" type="presOf" srcId="{B3AD0FD0-A390-4429-9602-879F1421B4FE}" destId="{0326A6F0-1699-4BF6-9E08-C095472F462F}" srcOrd="0" destOrd="0" presId="urn:microsoft.com/office/officeart/2018/2/layout/IconVerticalSolidList"/>
-    <dgm:cxn modelId="{DD24123F-AEF9-4A7D-A57C-FB69F43F1106}" type="presOf" srcId="{36B8DB61-9AE5-46A4-93C6-B4EC7D800DEB}" destId="{6670C448-1A8C-4C67-85B8-6C5A89B1EA12}" srcOrd="0" destOrd="0" presId="urn:microsoft.com/office/officeart/2018/2/layout/IconVerticalSolidList"/>
-    <dgm:cxn modelId="{449FD951-ED8E-4306-A0FE-D0FF04164F92}" srcId="{B3AD0FD0-A390-4429-9602-879F1421B4FE}" destId="{7597A4CC-ADCE-4FAC-9509-E9FF29161980}" srcOrd="3" destOrd="0" parTransId="{AD0F0459-5481-4615-B2A4-8560BB5EEB58}" sibTransId="{73075599-A4A2-4EC4-8203-926BD9A56E3C}"/>
-    <dgm:cxn modelId="{D72D8757-50A0-4E24-8F7A-D561B0E9ABEC}" srcId="{B3AD0FD0-A390-4429-9602-879F1421B4FE}" destId="{557ABEA0-8421-4995-93F8-C7A18D336638}" srcOrd="1" destOrd="0" parTransId="{9BB38480-D076-4B17-974D-F8A065E20FE5}" sibTransId="{7AAD94BA-84D9-4A96-96A1-E9DA83642F5A}"/>
-    <dgm:cxn modelId="{EB435868-7FDA-4237-BDB1-AED9D5AD4B3B}" srcId="{B3AD0FD0-A390-4429-9602-879F1421B4FE}" destId="{35E3556C-AA05-4310-8B99-58D51553EAE7}" srcOrd="5" destOrd="0" parTransId="{510B3200-55A2-439F-9357-8850EE00BC4E}" sibTransId="{76A0E1BF-55F9-4095-BA78-C3C6C9DDA7D1}"/>
-    <dgm:cxn modelId="{4DC6B875-FA3E-4703-902E-3A762AE4EA8C}" type="presOf" srcId="{7597A4CC-ADCE-4FAC-9509-E9FF29161980}" destId="{61407434-9C7D-4D24-BCA5-949A5F141D02}" srcOrd="0" destOrd="0" presId="urn:microsoft.com/office/officeart/2018/2/layout/IconVerticalSolidList"/>
-    <dgm:cxn modelId="{31F2DD89-6AEE-4568-AF70-9414F673F427}" srcId="{B3AD0FD0-A390-4429-9602-879F1421B4FE}" destId="{36B8DB61-9AE5-46A4-93C6-B4EC7D800DEB}" srcOrd="2" destOrd="0" parTransId="{DCBC0036-1778-464B-8850-FD165391B4EB}" sibTransId="{3B819D9A-DEC7-4D74-B550-FA2D91CAE6CF}"/>
-    <dgm:cxn modelId="{7E9703D0-F44C-474A-B917-F1DFF867E720}" srcId="{B3AD0FD0-A390-4429-9602-879F1421B4FE}" destId="{E97DFEE1-E1F5-4D6D-B1D0-48209F37DCC1}" srcOrd="4" destOrd="0" parTransId="{48FB9C3B-2422-483B-A697-55CDB2B353D9}" sibTransId="{76C6169C-367A-4519-988C-C48AA3D61F7D}"/>
-    <dgm:cxn modelId="{E9C95BDB-56DD-4C72-AA6C-AE6655F449EE}" type="presOf" srcId="{139EA09C-A0BA-4342-BB8F-94B340E87707}" destId="{8BD2A0B1-4FA1-408C-9D3C-0AFC7E22669D}" srcOrd="0" destOrd="0" presId="urn:microsoft.com/office/officeart/2018/2/layout/IconVerticalSolidList"/>
+    <dgm:cxn modelId="{EB435868-7FDA-4237-BDB1-AED9D5AD4B3B}" srcId="{B3AD0FD0-A390-4429-9602-879F1421B4FE}" destId="{35E3556C-AA05-4310-8B99-58D51553EAE7}" srcOrd="3" destOrd="0" parTransId="{510B3200-55A2-439F-9357-8850EE00BC4E}" sibTransId="{76A0E1BF-55F9-4095-BA78-C3C6C9DDA7D1}"/>
+    <dgm:cxn modelId="{3CED8970-5791-2241-B63E-808B993353C5}" type="presOf" srcId="{1B332FB7-71AA-6E43-9B6F-CCA344F2F157}" destId="{80EDE25A-881F-6049-908D-987A105D350E}" srcOrd="0" destOrd="0" presId="urn:microsoft.com/office/officeart/2018/2/layout/IconVerticalSolidList"/>
+    <dgm:cxn modelId="{31F2DD89-6AEE-4568-AF70-9414F673F427}" srcId="{B3AD0FD0-A390-4429-9602-879F1421B4FE}" destId="{36B8DB61-9AE5-46A4-93C6-B4EC7D800DEB}" srcOrd="1" destOrd="0" parTransId="{DCBC0036-1778-464B-8850-FD165391B4EB}" sibTransId="{3B819D9A-DEC7-4D74-B550-FA2D91CAE6CF}"/>
+    <dgm:cxn modelId="{61FF3A9E-A464-9C43-B31F-8C57852ED9C1}" type="presOf" srcId="{36B8DB61-9AE5-46A4-93C6-B4EC7D800DEB}" destId="{6670C448-1A8C-4C67-85B8-6C5A89B1EA12}" srcOrd="0" destOrd="0" presId="urn:microsoft.com/office/officeart/2018/2/layout/IconVerticalSolidList"/>
+    <dgm:cxn modelId="{50E84EA4-E1E0-F147-A20D-28ABB3F6A103}" type="presOf" srcId="{35E3556C-AA05-4310-8B99-58D51553EAE7}" destId="{0F48FE75-9537-4D41-A5E5-CED0F7BAFFD6}" srcOrd="0" destOrd="0" presId="urn:microsoft.com/office/officeart/2018/2/layout/IconVerticalSolidList"/>
+    <dgm:cxn modelId="{C85023B5-682C-8A49-BC14-CA498460253D}" type="presOf" srcId="{139EA09C-A0BA-4342-BB8F-94B340E87707}" destId="{8BD2A0B1-4FA1-408C-9D3C-0AFC7E22669D}" srcOrd="0" destOrd="0" presId="urn:microsoft.com/office/officeart/2018/2/layout/IconVerticalSolidList"/>
+    <dgm:cxn modelId="{448170CA-6F9D-EE4D-A49D-723A3325D008}" srcId="{B3AD0FD0-A390-4429-9602-879F1421B4FE}" destId="{1B332FB7-71AA-6E43-9B6F-CCA344F2F157}" srcOrd="2" destOrd="0" parTransId="{11BF563E-3ACF-6B4D-BB5A-008F8C97B35F}" sibTransId="{0DF8D1CD-5C34-A146-A10E-0DB03E537930}"/>
     <dgm:cxn modelId="{307E94DD-C9FC-44F2-8548-6D54627291E0}" srcId="{B3AD0FD0-A390-4429-9602-879F1421B4FE}" destId="{139EA09C-A0BA-4342-BB8F-94B340E87707}" srcOrd="0" destOrd="0" parTransId="{EBD164B7-AC46-4D56-A1E8-504FF460B9E8}" sibTransId="{4C6EEE82-05D1-4956-BE6F-E3B28C30CC2C}"/>
-    <dgm:cxn modelId="{4776A5E5-3264-45BF-9484-5F6058B5D416}" type="presOf" srcId="{35E3556C-AA05-4310-8B99-58D51553EAE7}" destId="{60AF4B1C-68C1-43D8-B160-D277D2E1C293}" srcOrd="0" destOrd="0" presId="urn:microsoft.com/office/officeart/2018/2/layout/IconVerticalSolidList"/>
-    <dgm:cxn modelId="{0B40E941-9A11-4890-97BC-45191EC415AE}" type="presParOf" srcId="{0326A6F0-1699-4BF6-9E08-C095472F462F}" destId="{86736703-334C-4037-9C25-1F140E000634}" srcOrd="0" destOrd="0" presId="urn:microsoft.com/office/officeart/2018/2/layout/IconVerticalSolidList"/>
-    <dgm:cxn modelId="{CBEC2B7B-C923-454D-A1B4-A75063AC10C1}" type="presParOf" srcId="{86736703-334C-4037-9C25-1F140E000634}" destId="{71244E3B-228C-4A4F-A897-4519B20C0EA3}" srcOrd="0" destOrd="0" presId="urn:microsoft.com/office/officeart/2018/2/layout/IconVerticalSolidList"/>
-    <dgm:cxn modelId="{EA3C32CA-3C44-4297-BFD0-16BF5DBED719}" type="presParOf" srcId="{86736703-334C-4037-9C25-1F140E000634}" destId="{41AD5101-5E97-46D9-872C-A4D05D64A4FC}" srcOrd="1" destOrd="0" presId="urn:microsoft.com/office/officeart/2018/2/layout/IconVerticalSolidList"/>
-    <dgm:cxn modelId="{660D9DBC-5C3B-4D2B-9DDA-304941C984FC}" type="presParOf" srcId="{86736703-334C-4037-9C25-1F140E000634}" destId="{29BA197B-54C5-4220-B6AC-B0A2AEFAA6EF}" srcOrd="2" destOrd="0" presId="urn:microsoft.com/office/officeart/2018/2/layout/IconVerticalSolidList"/>
-    <dgm:cxn modelId="{1F2D198B-8E88-479B-8863-1D919AE853C3}" type="presParOf" srcId="{86736703-334C-4037-9C25-1F140E000634}" destId="{8BD2A0B1-4FA1-408C-9D3C-0AFC7E22669D}" srcOrd="3" destOrd="0" presId="urn:microsoft.com/office/officeart/2018/2/layout/IconVerticalSolidList"/>
-    <dgm:cxn modelId="{CFA0790E-E9C5-4397-81AC-64AD8F98573D}" type="presParOf" srcId="{0326A6F0-1699-4BF6-9E08-C095472F462F}" destId="{6852EA41-CF42-43E3-A0E5-925322BE476B}" srcOrd="1" destOrd="0" presId="urn:microsoft.com/office/officeart/2018/2/layout/IconVerticalSolidList"/>
-    <dgm:cxn modelId="{344FE974-EBBF-4710-89B8-994C1E257F83}" type="presParOf" srcId="{0326A6F0-1699-4BF6-9E08-C095472F462F}" destId="{F8F7AFD0-6D7E-4E0F-A944-56E14733E094}" srcOrd="2" destOrd="0" presId="urn:microsoft.com/office/officeart/2018/2/layout/IconVerticalSolidList"/>
-    <dgm:cxn modelId="{88BB05FE-7E43-4CC1-9D91-7D5000A4C0E8}" type="presParOf" srcId="{F8F7AFD0-6D7E-4E0F-A944-56E14733E094}" destId="{BF65D48F-4A46-424D-9BF1-827D481E2828}" srcOrd="0" destOrd="0" presId="urn:microsoft.com/office/officeart/2018/2/layout/IconVerticalSolidList"/>
-    <dgm:cxn modelId="{EC5341CA-7575-4BC3-A89B-2C0B7E14CE26}" type="presParOf" srcId="{F8F7AFD0-6D7E-4E0F-A944-56E14733E094}" destId="{E91C433B-F4F6-404B-B5B8-B8BFEA0196C1}" srcOrd="1" destOrd="0" presId="urn:microsoft.com/office/officeart/2018/2/layout/IconVerticalSolidList"/>
-    <dgm:cxn modelId="{39224BC4-6F42-4E69-8E3D-96839AC4F047}" type="presParOf" srcId="{F8F7AFD0-6D7E-4E0F-A944-56E14733E094}" destId="{B80ED2A2-CF5A-47C1-9670-C56F31036620}" srcOrd="2" destOrd="0" presId="urn:microsoft.com/office/officeart/2018/2/layout/IconVerticalSolidList"/>
-    <dgm:cxn modelId="{19A9FDF6-A2FB-4E15-9904-E63FF067F2F0}" type="presParOf" srcId="{F8F7AFD0-6D7E-4E0F-A944-56E14733E094}" destId="{22FF6F3E-030A-4A95-9094-AA90FD96F252}" srcOrd="3" destOrd="0" presId="urn:microsoft.com/office/officeart/2018/2/layout/IconVerticalSolidList"/>
-    <dgm:cxn modelId="{187C607C-BD57-4DAE-AF6C-6D74DB1212FF}" type="presParOf" srcId="{0326A6F0-1699-4BF6-9E08-C095472F462F}" destId="{FA40324A-08F4-45F8-B39D-9C7379C690BD}" srcOrd="3" destOrd="0" presId="urn:microsoft.com/office/officeart/2018/2/layout/IconVerticalSolidList"/>
-    <dgm:cxn modelId="{86D03D9E-9ADC-495F-BE94-B31901BF0CEE}" type="presParOf" srcId="{0326A6F0-1699-4BF6-9E08-C095472F462F}" destId="{974FFE10-F452-4DE4-91DD-00F445C4D87B}" srcOrd="4" destOrd="0" presId="urn:microsoft.com/office/officeart/2018/2/layout/IconVerticalSolidList"/>
-    <dgm:cxn modelId="{D0BBC9FE-665E-41BE-BA96-DBD12891408F}" type="presParOf" srcId="{974FFE10-F452-4DE4-91DD-00F445C4D87B}" destId="{3B951233-789B-43AC-BA78-B705726F5CC6}" srcOrd="0" destOrd="0" presId="urn:microsoft.com/office/officeart/2018/2/layout/IconVerticalSolidList"/>
-    <dgm:cxn modelId="{4FA63889-5BC1-4A88-901D-FD777DFE9D01}" type="presParOf" srcId="{974FFE10-F452-4DE4-91DD-00F445C4D87B}" destId="{4813FD47-364B-4B27-BF7F-2487D42DEDB1}" srcOrd="1" destOrd="0" presId="urn:microsoft.com/office/officeart/2018/2/layout/IconVerticalSolidList"/>
-    <dgm:cxn modelId="{E41504B7-754C-4714-AEF3-ADC75AE3BD46}" type="presParOf" srcId="{974FFE10-F452-4DE4-91DD-00F445C4D87B}" destId="{46600B92-0C27-4F74-BCB8-C09252E9DF66}" srcOrd="2" destOrd="0" presId="urn:microsoft.com/office/officeart/2018/2/layout/IconVerticalSolidList"/>
-    <dgm:cxn modelId="{5F60447C-BE3F-4A1A-B797-C5C7B093E73F}" type="presParOf" srcId="{974FFE10-F452-4DE4-91DD-00F445C4D87B}" destId="{6670C448-1A8C-4C67-85B8-6C5A89B1EA12}" srcOrd="3" destOrd="0" presId="urn:microsoft.com/office/officeart/2018/2/layout/IconVerticalSolidList"/>
-    <dgm:cxn modelId="{4EC705C8-4A08-41B1-B0A8-4E7D7B7021F3}" type="presParOf" srcId="{0326A6F0-1699-4BF6-9E08-C095472F462F}" destId="{52F48481-E544-4D2C-9EA9-B1B302FB16B6}" srcOrd="5" destOrd="0" presId="urn:microsoft.com/office/officeart/2018/2/layout/IconVerticalSolidList"/>
-    <dgm:cxn modelId="{AC70928B-4F97-4F17-B5DB-778A7CB679AD}" type="presParOf" srcId="{0326A6F0-1699-4BF6-9E08-C095472F462F}" destId="{90C18886-F1C1-4529-B55D-699BA6503795}" srcOrd="6" destOrd="0" presId="urn:microsoft.com/office/officeart/2018/2/layout/IconVerticalSolidList"/>
-    <dgm:cxn modelId="{C0AA77EE-FA0C-4FBB-A205-B42B6D2D7412}" type="presParOf" srcId="{90C18886-F1C1-4529-B55D-699BA6503795}" destId="{C63C37E9-37AD-4118-BCD2-48248076E51F}" srcOrd="0" destOrd="0" presId="urn:microsoft.com/office/officeart/2018/2/layout/IconVerticalSolidList"/>
-    <dgm:cxn modelId="{4E976F0E-34D6-46E4-8CC8-318F92EEA574}" type="presParOf" srcId="{90C18886-F1C1-4529-B55D-699BA6503795}" destId="{40332760-E426-4AE1-AA11-589AA33B2952}" srcOrd="1" destOrd="0" presId="urn:microsoft.com/office/officeart/2018/2/layout/IconVerticalSolidList"/>
-    <dgm:cxn modelId="{B6852B01-9BD3-4A6C-A452-5140722C9112}" type="presParOf" srcId="{90C18886-F1C1-4529-B55D-699BA6503795}" destId="{EDAEBABD-1A43-405D-AA41-B2E892294794}" srcOrd="2" destOrd="0" presId="urn:microsoft.com/office/officeart/2018/2/layout/IconVerticalSolidList"/>
-    <dgm:cxn modelId="{6A3C7703-CABC-45D5-92E1-CD10A0447B56}" type="presParOf" srcId="{90C18886-F1C1-4529-B55D-699BA6503795}" destId="{61407434-9C7D-4D24-BCA5-949A5F141D02}" srcOrd="3" destOrd="0" presId="urn:microsoft.com/office/officeart/2018/2/layout/IconVerticalSolidList"/>
-    <dgm:cxn modelId="{98BDD61F-94FD-41F2-81FF-49CC35CC53E1}" type="presParOf" srcId="{0326A6F0-1699-4BF6-9E08-C095472F462F}" destId="{60676390-7204-471B-91BE-21DFFDC5A394}" srcOrd="7" destOrd="0" presId="urn:microsoft.com/office/officeart/2018/2/layout/IconVerticalSolidList"/>
-    <dgm:cxn modelId="{30A3B8A3-8535-4E48-B11A-0C8D90D08B5A}" type="presParOf" srcId="{0326A6F0-1699-4BF6-9E08-C095472F462F}" destId="{76AB496F-C3F4-4194-93DC-3D56A5025C63}" srcOrd="8" destOrd="0" presId="urn:microsoft.com/office/officeart/2018/2/layout/IconVerticalSolidList"/>
-    <dgm:cxn modelId="{A5D278F4-C24B-4FF0-A91D-47A4AEB7C5CA}" type="presParOf" srcId="{76AB496F-C3F4-4194-93DC-3D56A5025C63}" destId="{6C407EF4-863B-4808-AEF5-500F65BDA273}" srcOrd="0" destOrd="0" presId="urn:microsoft.com/office/officeart/2018/2/layout/IconVerticalSolidList"/>
-    <dgm:cxn modelId="{7DB889EA-AA58-4A4E-8AE3-73C6D70B108C}" type="presParOf" srcId="{76AB496F-C3F4-4194-93DC-3D56A5025C63}" destId="{9D80C427-0631-4AFF-819D-CE05172E9054}" srcOrd="1" destOrd="0" presId="urn:microsoft.com/office/officeart/2018/2/layout/IconVerticalSolidList"/>
-    <dgm:cxn modelId="{50834B93-B502-479B-9D22-B8CB24330D46}" type="presParOf" srcId="{76AB496F-C3F4-4194-93DC-3D56A5025C63}" destId="{09AF03D4-0701-451C-9B00-6F3E35AEF99A}" srcOrd="2" destOrd="0" presId="urn:microsoft.com/office/officeart/2018/2/layout/IconVerticalSolidList"/>
-    <dgm:cxn modelId="{6518E5AD-41A3-4830-91EF-82A8A5CBFD2E}" type="presParOf" srcId="{76AB496F-C3F4-4194-93DC-3D56A5025C63}" destId="{417CF4EE-2FDB-4739-A8A6-40DDA06C85FB}" srcOrd="3" destOrd="0" presId="urn:microsoft.com/office/officeart/2018/2/layout/IconVerticalSolidList"/>
-    <dgm:cxn modelId="{103E109F-26A0-4FC8-8051-6360F5B303D6}" type="presParOf" srcId="{0326A6F0-1699-4BF6-9E08-C095472F462F}" destId="{DCCAA992-131E-4B28-8BBF-A2633079FD22}" srcOrd="9" destOrd="0" presId="urn:microsoft.com/office/officeart/2018/2/layout/IconVerticalSolidList"/>
-    <dgm:cxn modelId="{858316B8-938F-44AC-B115-C08C5B68043E}" type="presParOf" srcId="{0326A6F0-1699-4BF6-9E08-C095472F462F}" destId="{9F5FB218-A26A-4779-B718-592550BD804A}" srcOrd="10" destOrd="0" presId="urn:microsoft.com/office/officeart/2018/2/layout/IconVerticalSolidList"/>
-    <dgm:cxn modelId="{E3506E7A-C871-479F-B184-0BA0B12ADF94}" type="presParOf" srcId="{9F5FB218-A26A-4779-B718-592550BD804A}" destId="{46A25F87-0444-4404-AFFB-9985BF5F44D8}" srcOrd="0" destOrd="0" presId="urn:microsoft.com/office/officeart/2018/2/layout/IconVerticalSolidList"/>
-    <dgm:cxn modelId="{AC34F1E1-54CD-4C76-9907-9295C030E208}" type="presParOf" srcId="{9F5FB218-A26A-4779-B718-592550BD804A}" destId="{D7B8801E-257D-4C5D-981E-9594E166639B}" srcOrd="1" destOrd="0" presId="urn:microsoft.com/office/officeart/2018/2/layout/IconVerticalSolidList"/>
-    <dgm:cxn modelId="{347EEBD5-A3DD-4D26-A44C-7087BBBE24E7}" type="presParOf" srcId="{9F5FB218-A26A-4779-B718-592550BD804A}" destId="{631E42A3-D1D5-4B21-B38B-2B62D374A649}" srcOrd="2" destOrd="0" presId="urn:microsoft.com/office/officeart/2018/2/layout/IconVerticalSolidList"/>
-    <dgm:cxn modelId="{00666707-A218-499C-903A-0F57D6E7C832}" type="presParOf" srcId="{9F5FB218-A26A-4779-B718-592550BD804A}" destId="{60AF4B1C-68C1-43D8-B160-D277D2E1C293}" srcOrd="3" destOrd="0" presId="urn:microsoft.com/office/officeart/2018/2/layout/IconVerticalSolidList"/>
+    <dgm:cxn modelId="{C8F27A9D-7645-094A-AFB8-EC70C5C19D71}" type="presParOf" srcId="{0326A6F0-1699-4BF6-9E08-C095472F462F}" destId="{86736703-334C-4037-9C25-1F140E000634}" srcOrd="0" destOrd="0" presId="urn:microsoft.com/office/officeart/2018/2/layout/IconVerticalSolidList"/>
+    <dgm:cxn modelId="{1AE287B9-DA4B-E44D-8243-9D5AA3941CD4}" type="presParOf" srcId="{86736703-334C-4037-9C25-1F140E000634}" destId="{71244E3B-228C-4A4F-A897-4519B20C0EA3}" srcOrd="0" destOrd="0" presId="urn:microsoft.com/office/officeart/2018/2/layout/IconVerticalSolidList"/>
+    <dgm:cxn modelId="{F1BF7838-B5EA-F845-8B55-A93CFA99C596}" type="presParOf" srcId="{86736703-334C-4037-9C25-1F140E000634}" destId="{41AD5101-5E97-46D9-872C-A4D05D64A4FC}" srcOrd="1" destOrd="0" presId="urn:microsoft.com/office/officeart/2018/2/layout/IconVerticalSolidList"/>
+    <dgm:cxn modelId="{1E4E07E1-2B8D-1A46-BD4A-BADAEE540505}" type="presParOf" srcId="{86736703-334C-4037-9C25-1F140E000634}" destId="{29BA197B-54C5-4220-B6AC-B0A2AEFAA6EF}" srcOrd="2" destOrd="0" presId="urn:microsoft.com/office/officeart/2018/2/layout/IconVerticalSolidList"/>
+    <dgm:cxn modelId="{66F0A44A-3D87-A545-B494-AAF4F9ED0369}" type="presParOf" srcId="{86736703-334C-4037-9C25-1F140E000634}" destId="{8BD2A0B1-4FA1-408C-9D3C-0AFC7E22669D}" srcOrd="3" destOrd="0" presId="urn:microsoft.com/office/officeart/2018/2/layout/IconVerticalSolidList"/>
+    <dgm:cxn modelId="{E0452362-E896-A343-A8C0-8E690414C689}" type="presParOf" srcId="{0326A6F0-1699-4BF6-9E08-C095472F462F}" destId="{6852EA41-CF42-43E3-A0E5-925322BE476B}" srcOrd="1" destOrd="0" presId="urn:microsoft.com/office/officeart/2018/2/layout/IconVerticalSolidList"/>
+    <dgm:cxn modelId="{4CBEEC25-803A-E445-9851-8D4C34E84DC9}" type="presParOf" srcId="{0326A6F0-1699-4BF6-9E08-C095472F462F}" destId="{974FFE10-F452-4DE4-91DD-00F445C4D87B}" srcOrd="2" destOrd="0" presId="urn:microsoft.com/office/officeart/2018/2/layout/IconVerticalSolidList"/>
+    <dgm:cxn modelId="{3F005C32-A0E7-ED4A-9D48-79E4F334F0B9}" type="presParOf" srcId="{974FFE10-F452-4DE4-91DD-00F445C4D87B}" destId="{3B951233-789B-43AC-BA78-B705726F5CC6}" srcOrd="0" destOrd="0" presId="urn:microsoft.com/office/officeart/2018/2/layout/IconVerticalSolidList"/>
+    <dgm:cxn modelId="{86031FFB-0B92-8649-9EC7-7F1B60A45C4B}" type="presParOf" srcId="{974FFE10-F452-4DE4-91DD-00F445C4D87B}" destId="{4813FD47-364B-4B27-BF7F-2487D42DEDB1}" srcOrd="1" destOrd="0" presId="urn:microsoft.com/office/officeart/2018/2/layout/IconVerticalSolidList"/>
+    <dgm:cxn modelId="{EE226DA5-9F91-324E-A7DA-81EB5561AFFB}" type="presParOf" srcId="{974FFE10-F452-4DE4-91DD-00F445C4D87B}" destId="{46600B92-0C27-4F74-BCB8-C09252E9DF66}" srcOrd="2" destOrd="0" presId="urn:microsoft.com/office/officeart/2018/2/layout/IconVerticalSolidList"/>
+    <dgm:cxn modelId="{74D1FF43-3A97-534B-AC4E-77C557373288}" type="presParOf" srcId="{974FFE10-F452-4DE4-91DD-00F445C4D87B}" destId="{6670C448-1A8C-4C67-85B8-6C5A89B1EA12}" srcOrd="3" destOrd="0" presId="urn:microsoft.com/office/officeart/2018/2/layout/IconVerticalSolidList"/>
+    <dgm:cxn modelId="{766C6250-A46F-5946-83A2-81AFB35C3ECE}" type="presParOf" srcId="{0326A6F0-1699-4BF6-9E08-C095472F462F}" destId="{52F48481-E544-4D2C-9EA9-B1B302FB16B6}" srcOrd="3" destOrd="0" presId="urn:microsoft.com/office/officeart/2018/2/layout/IconVerticalSolidList"/>
+    <dgm:cxn modelId="{465A5B1F-1089-4843-9BCC-688704FF6511}" type="presParOf" srcId="{0326A6F0-1699-4BF6-9E08-C095472F462F}" destId="{07237648-D3DD-844E-84D1-44B2C664383D}" srcOrd="4" destOrd="0" presId="urn:microsoft.com/office/officeart/2018/2/layout/IconVerticalSolidList"/>
+    <dgm:cxn modelId="{0CFD21C4-EFDB-434A-886C-440ADBFFB537}" type="presParOf" srcId="{07237648-D3DD-844E-84D1-44B2C664383D}" destId="{ED7B8574-B33F-6F4B-B3E0-E56321535C64}" srcOrd="0" destOrd="0" presId="urn:microsoft.com/office/officeart/2018/2/layout/IconVerticalSolidList"/>
+    <dgm:cxn modelId="{DC723917-D380-A64F-A843-53F95642D403}" type="presParOf" srcId="{07237648-D3DD-844E-84D1-44B2C664383D}" destId="{D35C8D3A-B9A7-254F-8C9A-03EA4CCCAB85}" srcOrd="1" destOrd="0" presId="urn:microsoft.com/office/officeart/2018/2/layout/IconVerticalSolidList"/>
+    <dgm:cxn modelId="{1A30E93D-367A-1945-A09C-D2B70B3D82E5}" type="presParOf" srcId="{07237648-D3DD-844E-84D1-44B2C664383D}" destId="{C1DF2927-B2F1-3248-BF83-274C6CCC53D7}" srcOrd="2" destOrd="0" presId="urn:microsoft.com/office/officeart/2018/2/layout/IconVerticalSolidList"/>
+    <dgm:cxn modelId="{59933961-872E-D148-B9BE-6133863B62BA}" type="presParOf" srcId="{07237648-D3DD-844E-84D1-44B2C664383D}" destId="{80EDE25A-881F-6049-908D-987A105D350E}" srcOrd="3" destOrd="0" presId="urn:microsoft.com/office/officeart/2018/2/layout/IconVerticalSolidList"/>
+    <dgm:cxn modelId="{3CD5F366-67FB-DF46-8185-E0EA92B81D64}" type="presParOf" srcId="{0326A6F0-1699-4BF6-9E08-C095472F462F}" destId="{9DDF4065-A5E1-7146-B874-3F8A216BE58E}" srcOrd="5" destOrd="0" presId="urn:microsoft.com/office/officeart/2018/2/layout/IconVerticalSolidList"/>
+    <dgm:cxn modelId="{450CDDD2-686C-834F-86FE-F2CE85EA2144}" type="presParOf" srcId="{0326A6F0-1699-4BF6-9E08-C095472F462F}" destId="{BCF77FBA-F32D-C04A-8923-A78B4B28C192}" srcOrd="6" destOrd="0" presId="urn:microsoft.com/office/officeart/2018/2/layout/IconVerticalSolidList"/>
+    <dgm:cxn modelId="{3BB0067D-5140-6140-B6AB-8E6C5A99BE65}" type="presParOf" srcId="{BCF77FBA-F32D-C04A-8923-A78B4B28C192}" destId="{19543978-6401-8E40-BAC1-AEB056A1420D}" srcOrd="0" destOrd="0" presId="urn:microsoft.com/office/officeart/2018/2/layout/IconVerticalSolidList"/>
+    <dgm:cxn modelId="{12DE9712-F1C3-5A48-8C28-5F2BD2A269E8}" type="presParOf" srcId="{BCF77FBA-F32D-C04A-8923-A78B4B28C192}" destId="{2F56E318-B0F2-9E4F-9187-E8DD17398758}" srcOrd="1" destOrd="0" presId="urn:microsoft.com/office/officeart/2018/2/layout/IconVerticalSolidList"/>
+    <dgm:cxn modelId="{5329EC0A-0B8E-1A44-844F-FEBEBDE9AD31}" type="presParOf" srcId="{BCF77FBA-F32D-C04A-8923-A78B4B28C192}" destId="{C0C341B7-F18F-854A-87D2-D972B8C65E43}" srcOrd="2" destOrd="0" presId="urn:microsoft.com/office/officeart/2018/2/layout/IconVerticalSolidList"/>
+    <dgm:cxn modelId="{782D320E-D64B-C84E-A069-B77064EB6EB0}" type="presParOf" srcId="{BCF77FBA-F32D-C04A-8923-A78B4B28C192}" destId="{0F48FE75-9537-4D41-A5E5-CED0F7BAFFD6}" srcOrd="3" destOrd="0" presId="urn:microsoft.com/office/officeart/2018/2/layout/IconVerticalSolidList"/>
   </dgm:cxnLst>
   <dgm:bg/>
   <dgm:whole/>
   <dgm:extLst>
     <a:ext uri="http://schemas.microsoft.com/office/drawing/2008/diagram">
-      <dsp:dataModelExt xmlns:dsp="http://schemas.microsoft.com/office/drawing/2008/diagram" relId="rId8" minVer="http://schemas.openxmlformats.org/drawingml/2006/diagram"/>
+      <dsp:dataModelExt xmlns:dsp="http://schemas.microsoft.com/office/drawing/2008/diagram" relId="rId11" minVer="http://schemas.openxmlformats.org/drawingml/2006/diagram"/>
     </a:ext>
   </dgm:extLst>
 </dgm:dataModel>
 </file>
 
 <file path=ppt/diagrams/drawing1.xml><?xml version="1.0" encoding="utf-8"?>
+<dsp:drawing xmlns:dgm="http://schemas.openxmlformats.org/drawingml/2006/diagram" xmlns:dsp="http://schemas.microsoft.com/office/drawing/2008/diagram" xmlns:a="http://schemas.openxmlformats.org/drawingml/2006/main">
+  <dsp:spTree>
+    <dsp:nvGrpSpPr>
+      <dsp:cNvPr id="0" name=""/>
+      <dsp:cNvGrpSpPr/>
+    </dsp:nvGrpSpPr>
+    <dsp:grpSpPr/>
+    <dsp:sp modelId="{BF65D48F-4A46-424D-9BF1-827D481E2828}">
+      <dsp:nvSpPr>
+        <dsp:cNvPr id="0" name=""/>
+        <dsp:cNvSpPr/>
+      </dsp:nvSpPr>
+      <dsp:spPr>
+        <a:xfrm>
+          <a:off x="0" y="2188"/>
+          <a:ext cx="5392217" cy="1109000"/>
+        </a:xfrm>
+        <a:prstGeom prst="roundRect">
+          <a:avLst>
+            <a:gd name="adj" fmla="val 10000"/>
+          </a:avLst>
+        </a:prstGeom>
+        <a:solidFill>
+          <a:schemeClr val="bg1">
+            <a:lumMod val="95000"/>
+            <a:hueOff val="0"/>
+            <a:satOff val="0"/>
+            <a:lumOff val="0"/>
+            <a:alphaOff val="0"/>
+          </a:schemeClr>
+        </a:solidFill>
+        <a:ln>
+          <a:noFill/>
+        </a:ln>
+        <a:effectLst/>
+      </dsp:spPr>
+      <dsp:style>
+        <a:lnRef idx="0">
+          <a:scrgbClr r="0" g="0" b="0"/>
+        </a:lnRef>
+        <a:fillRef idx="1">
+          <a:scrgbClr r="0" g="0" b="0"/>
+        </a:fillRef>
+        <a:effectRef idx="0">
+          <a:scrgbClr r="0" g="0" b="0"/>
+        </a:effectRef>
+        <a:fontRef idx="minor"/>
+      </dsp:style>
+    </dsp:sp>
+    <dsp:sp modelId="{E91C433B-F4F6-404B-B5B8-B8BFEA0196C1}">
+      <dsp:nvSpPr>
+        <dsp:cNvPr id="0" name=""/>
+        <dsp:cNvSpPr/>
+      </dsp:nvSpPr>
+      <dsp:spPr>
+        <a:xfrm>
+          <a:off x="335472" y="251713"/>
+          <a:ext cx="609950" cy="609950"/>
+        </a:xfrm>
+        <a:prstGeom prst="rect">
+          <a:avLst/>
+        </a:prstGeom>
+        <a:blipFill>
+          <a:blip xmlns:r="http://schemas.openxmlformats.org/officeDocument/2006/relationships" r:embed="rId1">
+            <a:extLst>
+              <a:ext uri="{28A0092B-C50C-407E-A947-70E740481C1C}">
+                <a14:useLocalDpi xmlns:a14="http://schemas.microsoft.com/office/drawing/2010/main" val="0"/>
+              </a:ext>
+              <a:ext uri="{96DAC541-7B7A-43D3-8B79-37D633B846F1}">
+                <asvg:svgBlip xmlns:asvg="http://schemas.microsoft.com/office/drawing/2016/SVG/main" r:embed="rId2"/>
+              </a:ext>
+            </a:extLst>
+          </a:blip>
+          <a:stretch>
+            <a:fillRect/>
+          </a:stretch>
+        </a:blipFill>
+        <a:ln w="12700" cap="flat" cmpd="sng" algn="ctr">
+          <a:noFill/>
+          <a:prstDash val="solid"/>
+          <a:miter lim="800000"/>
+        </a:ln>
+        <a:effectLst/>
+      </dsp:spPr>
+      <dsp:style>
+        <a:lnRef idx="2">
+          <a:scrgbClr r="0" g="0" b="0"/>
+        </a:lnRef>
+        <a:fillRef idx="1">
+          <a:scrgbClr r="0" g="0" b="0"/>
+        </a:fillRef>
+        <a:effectRef idx="0">
+          <a:scrgbClr r="0" g="0" b="0"/>
+        </a:effectRef>
+        <a:fontRef idx="minor">
+          <a:schemeClr val="lt1"/>
+        </a:fontRef>
+      </dsp:style>
+    </dsp:sp>
+    <dsp:sp modelId="{22FF6F3E-030A-4A95-9094-AA90FD96F252}">
+      <dsp:nvSpPr>
+        <dsp:cNvPr id="0" name=""/>
+        <dsp:cNvSpPr/>
+      </dsp:nvSpPr>
+      <dsp:spPr>
+        <a:xfrm>
+          <a:off x="1280895" y="2188"/>
+          <a:ext cx="4111322" cy="1109000"/>
+        </a:xfrm>
+        <a:prstGeom prst="rect">
+          <a:avLst/>
+        </a:prstGeom>
+        <a:noFill/>
+        <a:ln>
+          <a:noFill/>
+        </a:ln>
+        <a:effectLst/>
+      </dsp:spPr>
+      <dsp:style>
+        <a:lnRef idx="0">
+          <a:scrgbClr r="0" g="0" b="0"/>
+        </a:lnRef>
+        <a:fillRef idx="0">
+          <a:scrgbClr r="0" g="0" b="0"/>
+        </a:fillRef>
+        <a:effectRef idx="0">
+          <a:scrgbClr r="0" g="0" b="0"/>
+        </a:effectRef>
+        <a:fontRef idx="minor"/>
+      </dsp:style>
+      <dsp:txBody>
+        <a:bodyPr spcFirstLastPara="0" vert="horz" wrap="square" lIns="117369" tIns="117369" rIns="117369" bIns="117369" numCol="1" spcCol="1270" anchor="ctr" anchorCtr="0">
+          <a:noAutofit/>
+        </a:bodyPr>
+        <a:lstStyle/>
+        <a:p>
+          <a:pPr marL="0" lvl="0" indent="0" algn="l" defTabSz="977900">
+            <a:lnSpc>
+              <a:spcPct val="100000"/>
+            </a:lnSpc>
+            <a:spcBef>
+              <a:spcPct val="0"/>
+            </a:spcBef>
+            <a:spcAft>
+              <a:spcPct val="35000"/>
+            </a:spcAft>
+            <a:buNone/>
+          </a:pPr>
+          <a:r>
+            <a:rPr lang="en-US" sz="2200" kern="1200" dirty="0"/>
+            <a:t>Action - </a:t>
+          </a:r>
+        </a:p>
+      </dsp:txBody>
+      <dsp:txXfrm>
+        <a:off x="1280895" y="2188"/>
+        <a:ext cx="4111322" cy="1109000"/>
+      </dsp:txXfrm>
+    </dsp:sp>
+    <dsp:sp modelId="{C63C37E9-37AD-4118-BCD2-48248076E51F}">
+      <dsp:nvSpPr>
+        <dsp:cNvPr id="0" name=""/>
+        <dsp:cNvSpPr/>
+      </dsp:nvSpPr>
+      <dsp:spPr>
+        <a:xfrm>
+          <a:off x="0" y="1388438"/>
+          <a:ext cx="5392217" cy="1109000"/>
+        </a:xfrm>
+        <a:prstGeom prst="roundRect">
+          <a:avLst>
+            <a:gd name="adj" fmla="val 10000"/>
+          </a:avLst>
+        </a:prstGeom>
+        <a:solidFill>
+          <a:schemeClr val="bg1">
+            <a:lumMod val="95000"/>
+            <a:hueOff val="0"/>
+            <a:satOff val="0"/>
+            <a:lumOff val="0"/>
+            <a:alphaOff val="0"/>
+          </a:schemeClr>
+        </a:solidFill>
+        <a:ln>
+          <a:noFill/>
+        </a:ln>
+        <a:effectLst/>
+      </dsp:spPr>
+      <dsp:style>
+        <a:lnRef idx="0">
+          <a:scrgbClr r="0" g="0" b="0"/>
+        </a:lnRef>
+        <a:fillRef idx="1">
+          <a:scrgbClr r="0" g="0" b="0"/>
+        </a:fillRef>
+        <a:effectRef idx="0">
+          <a:scrgbClr r="0" g="0" b="0"/>
+        </a:effectRef>
+        <a:fontRef idx="minor"/>
+      </dsp:style>
+    </dsp:sp>
+    <dsp:sp modelId="{40332760-E426-4AE1-AA11-589AA33B2952}">
+      <dsp:nvSpPr>
+        <dsp:cNvPr id="0" name=""/>
+        <dsp:cNvSpPr/>
+      </dsp:nvSpPr>
+      <dsp:spPr>
+        <a:xfrm>
+          <a:off x="335472" y="1637963"/>
+          <a:ext cx="609950" cy="609950"/>
+        </a:xfrm>
+        <a:prstGeom prst="rect">
+          <a:avLst/>
+        </a:prstGeom>
+        <a:blipFill>
+          <a:blip xmlns:r="http://schemas.openxmlformats.org/officeDocument/2006/relationships" r:embed="rId3">
+            <a:extLst>
+              <a:ext uri="{28A0092B-C50C-407E-A947-70E740481C1C}">
+                <a14:useLocalDpi xmlns:a14="http://schemas.microsoft.com/office/drawing/2010/main" val="0"/>
+              </a:ext>
+              <a:ext uri="{96DAC541-7B7A-43D3-8B79-37D633B846F1}">
+                <asvg:svgBlip xmlns:asvg="http://schemas.microsoft.com/office/drawing/2016/SVG/main" r:embed="rId4"/>
+              </a:ext>
+            </a:extLst>
+          </a:blip>
+          <a:stretch>
+            <a:fillRect/>
+          </a:stretch>
+        </a:blipFill>
+        <a:ln w="12700" cap="flat" cmpd="sng" algn="ctr">
+          <a:noFill/>
+          <a:prstDash val="solid"/>
+          <a:miter lim="800000"/>
+        </a:ln>
+        <a:effectLst/>
+      </dsp:spPr>
+      <dsp:style>
+        <a:lnRef idx="2">
+          <a:scrgbClr r="0" g="0" b="0"/>
+        </a:lnRef>
+        <a:fillRef idx="1">
+          <a:scrgbClr r="0" g="0" b="0"/>
+        </a:fillRef>
+        <a:effectRef idx="0">
+          <a:scrgbClr r="0" g="0" b="0"/>
+        </a:effectRef>
+        <a:fontRef idx="minor">
+          <a:schemeClr val="lt1"/>
+        </a:fontRef>
+      </dsp:style>
+    </dsp:sp>
+    <dsp:sp modelId="{61407434-9C7D-4D24-BCA5-949A5F141D02}">
+      <dsp:nvSpPr>
+        <dsp:cNvPr id="0" name=""/>
+        <dsp:cNvSpPr/>
+      </dsp:nvSpPr>
+      <dsp:spPr>
+        <a:xfrm>
+          <a:off x="1280895" y="1388438"/>
+          <a:ext cx="4111322" cy="1109000"/>
+        </a:xfrm>
+        <a:prstGeom prst="rect">
+          <a:avLst/>
+        </a:prstGeom>
+        <a:noFill/>
+        <a:ln>
+          <a:noFill/>
+        </a:ln>
+        <a:effectLst/>
+      </dsp:spPr>
+      <dsp:style>
+        <a:lnRef idx="0">
+          <a:scrgbClr r="0" g="0" b="0"/>
+        </a:lnRef>
+        <a:fillRef idx="0">
+          <a:scrgbClr r="0" g="0" b="0"/>
+        </a:fillRef>
+        <a:effectRef idx="0">
+          <a:scrgbClr r="0" g="0" b="0"/>
+        </a:effectRef>
+        <a:fontRef idx="minor"/>
+      </dsp:style>
+      <dsp:txBody>
+        <a:bodyPr spcFirstLastPara="0" vert="horz" wrap="square" lIns="117369" tIns="117369" rIns="117369" bIns="117369" numCol="1" spcCol="1270" anchor="ctr" anchorCtr="0">
+          <a:noAutofit/>
+        </a:bodyPr>
+        <a:lstStyle/>
+        <a:p>
+          <a:pPr marL="0" lvl="0" indent="0" algn="l" defTabSz="977900">
+            <a:lnSpc>
+              <a:spcPct val="100000"/>
+            </a:lnSpc>
+            <a:spcBef>
+              <a:spcPct val="0"/>
+            </a:spcBef>
+            <a:spcAft>
+              <a:spcPct val="35000"/>
+            </a:spcAft>
+            <a:buNone/>
+          </a:pPr>
+          <a:r>
+            <a:rPr lang="en-US" sz="2200" kern="1200" dirty="0"/>
+            <a:t>Reward - </a:t>
+          </a:r>
+        </a:p>
+      </dsp:txBody>
+      <dsp:txXfrm>
+        <a:off x="1280895" y="1388438"/>
+        <a:ext cx="4111322" cy="1109000"/>
+      </dsp:txXfrm>
+    </dsp:sp>
+    <dsp:sp modelId="{6C407EF4-863B-4808-AEF5-500F65BDA273}">
+      <dsp:nvSpPr>
+        <dsp:cNvPr id="0" name=""/>
+        <dsp:cNvSpPr/>
+      </dsp:nvSpPr>
+      <dsp:spPr>
+        <a:xfrm>
+          <a:off x="0" y="2774688"/>
+          <a:ext cx="5392217" cy="1109000"/>
+        </a:xfrm>
+        <a:prstGeom prst="roundRect">
+          <a:avLst>
+            <a:gd name="adj" fmla="val 10000"/>
+          </a:avLst>
+        </a:prstGeom>
+        <a:solidFill>
+          <a:schemeClr val="bg1">
+            <a:lumMod val="95000"/>
+            <a:hueOff val="0"/>
+            <a:satOff val="0"/>
+            <a:lumOff val="0"/>
+            <a:alphaOff val="0"/>
+          </a:schemeClr>
+        </a:solidFill>
+        <a:ln>
+          <a:noFill/>
+        </a:ln>
+        <a:effectLst/>
+      </dsp:spPr>
+      <dsp:style>
+        <a:lnRef idx="0">
+          <a:scrgbClr r="0" g="0" b="0"/>
+        </a:lnRef>
+        <a:fillRef idx="1">
+          <a:scrgbClr r="0" g="0" b="0"/>
+        </a:fillRef>
+        <a:effectRef idx="0">
+          <a:scrgbClr r="0" g="0" b="0"/>
+        </a:effectRef>
+        <a:fontRef idx="minor"/>
+      </dsp:style>
+    </dsp:sp>
+    <dsp:sp modelId="{9D80C427-0631-4AFF-819D-CE05172E9054}">
+      <dsp:nvSpPr>
+        <dsp:cNvPr id="0" name=""/>
+        <dsp:cNvSpPr/>
+      </dsp:nvSpPr>
+      <dsp:spPr>
+        <a:xfrm>
+          <a:off x="335472" y="3024213"/>
+          <a:ext cx="609950" cy="609950"/>
+        </a:xfrm>
+        <a:prstGeom prst="rect">
+          <a:avLst/>
+        </a:prstGeom>
+        <a:blipFill>
+          <a:blip xmlns:r="http://schemas.openxmlformats.org/officeDocument/2006/relationships" r:embed="rId5">
+            <a:extLst>
+              <a:ext uri="{28A0092B-C50C-407E-A947-70E740481C1C}">
+                <a14:useLocalDpi xmlns:a14="http://schemas.microsoft.com/office/drawing/2010/main" val="0"/>
+              </a:ext>
+              <a:ext uri="{96DAC541-7B7A-43D3-8B79-37D633B846F1}">
+                <asvg:svgBlip xmlns:asvg="http://schemas.microsoft.com/office/drawing/2016/SVG/main" r:embed="rId6"/>
+              </a:ext>
+            </a:extLst>
+          </a:blip>
+          <a:stretch>
+            <a:fillRect/>
+          </a:stretch>
+        </a:blipFill>
+        <a:ln w="12700" cap="flat" cmpd="sng" algn="ctr">
+          <a:noFill/>
+          <a:prstDash val="solid"/>
+          <a:miter lim="800000"/>
+        </a:ln>
+        <a:effectLst/>
+      </dsp:spPr>
+      <dsp:style>
+        <a:lnRef idx="2">
+          <a:scrgbClr r="0" g="0" b="0"/>
+        </a:lnRef>
+        <a:fillRef idx="1">
+          <a:scrgbClr r="0" g="0" b="0"/>
+        </a:fillRef>
+        <a:effectRef idx="0">
+          <a:scrgbClr r="0" g="0" b="0"/>
+        </a:effectRef>
+        <a:fontRef idx="minor">
+          <a:schemeClr val="lt1"/>
+        </a:fontRef>
+      </dsp:style>
+    </dsp:sp>
+    <dsp:sp modelId="{417CF4EE-2FDB-4739-A8A6-40DDA06C85FB}">
+      <dsp:nvSpPr>
+        <dsp:cNvPr id="0" name=""/>
+        <dsp:cNvSpPr/>
+      </dsp:nvSpPr>
+      <dsp:spPr>
+        <a:xfrm>
+          <a:off x="1280895" y="2774688"/>
+          <a:ext cx="4111322" cy="1109000"/>
+        </a:xfrm>
+        <a:prstGeom prst="rect">
+          <a:avLst/>
+        </a:prstGeom>
+        <a:noFill/>
+        <a:ln>
+          <a:noFill/>
+        </a:ln>
+        <a:effectLst/>
+      </dsp:spPr>
+      <dsp:style>
+        <a:lnRef idx="0">
+          <a:scrgbClr r="0" g="0" b="0"/>
+        </a:lnRef>
+        <a:fillRef idx="0">
+          <a:scrgbClr r="0" g="0" b="0"/>
+        </a:fillRef>
+        <a:effectRef idx="0">
+          <a:scrgbClr r="0" g="0" b="0"/>
+        </a:effectRef>
+        <a:fontRef idx="minor"/>
+      </dsp:style>
+      <dsp:txBody>
+        <a:bodyPr spcFirstLastPara="0" vert="horz" wrap="square" lIns="117369" tIns="117369" rIns="117369" bIns="117369" numCol="1" spcCol="1270" anchor="ctr" anchorCtr="0">
+          <a:noAutofit/>
+        </a:bodyPr>
+        <a:lstStyle/>
+        <a:p>
+          <a:pPr marL="0" lvl="0" indent="0" algn="l" defTabSz="977900">
+            <a:lnSpc>
+              <a:spcPct val="100000"/>
+            </a:lnSpc>
+            <a:spcBef>
+              <a:spcPct val="0"/>
+            </a:spcBef>
+            <a:spcAft>
+              <a:spcPct val="35000"/>
+            </a:spcAft>
+            <a:buNone/>
+          </a:pPr>
+          <a:r>
+            <a:rPr lang="en-US" sz="2200" kern="1200" dirty="0"/>
+            <a:t>Policy - </a:t>
+          </a:r>
+        </a:p>
+      </dsp:txBody>
+      <dsp:txXfrm>
+        <a:off x="1280895" y="2774688"/>
+        <a:ext cx="4111322" cy="1109000"/>
+      </dsp:txXfrm>
+    </dsp:sp>
+    <dsp:sp modelId="{19543978-6401-8E40-BAC1-AEB056A1420D}">
+      <dsp:nvSpPr>
+        <dsp:cNvPr id="0" name=""/>
+        <dsp:cNvSpPr/>
+      </dsp:nvSpPr>
+      <dsp:spPr>
+        <a:xfrm>
+          <a:off x="0" y="4160938"/>
+          <a:ext cx="5392217" cy="1109000"/>
+        </a:xfrm>
+        <a:prstGeom prst="roundRect">
+          <a:avLst>
+            <a:gd name="adj" fmla="val 10000"/>
+          </a:avLst>
+        </a:prstGeom>
+        <a:solidFill>
+          <a:schemeClr val="bg1">
+            <a:lumMod val="95000"/>
+            <a:hueOff val="0"/>
+            <a:satOff val="0"/>
+            <a:lumOff val="0"/>
+            <a:alphaOff val="0"/>
+          </a:schemeClr>
+        </a:solidFill>
+        <a:ln>
+          <a:noFill/>
+        </a:ln>
+        <a:effectLst/>
+      </dsp:spPr>
+      <dsp:style>
+        <a:lnRef idx="0">
+          <a:scrgbClr r="0" g="0" b="0"/>
+        </a:lnRef>
+        <a:fillRef idx="1">
+          <a:scrgbClr r="0" g="0" b="0"/>
+        </a:fillRef>
+        <a:effectRef idx="0">
+          <a:scrgbClr r="0" g="0" b="0"/>
+        </a:effectRef>
+        <a:fontRef idx="minor"/>
+      </dsp:style>
+    </dsp:sp>
+    <dsp:sp modelId="{2F56E318-B0F2-9E4F-9187-E8DD17398758}">
+      <dsp:nvSpPr>
+        <dsp:cNvPr id="0" name=""/>
+        <dsp:cNvSpPr/>
+      </dsp:nvSpPr>
+      <dsp:spPr>
+        <a:xfrm>
+          <a:off x="335472" y="4410463"/>
+          <a:ext cx="609950" cy="609950"/>
+        </a:xfrm>
+        <a:prstGeom prst="rect">
+          <a:avLst/>
+        </a:prstGeom>
+        <a:blipFill>
+          <a:blip xmlns:r="http://schemas.openxmlformats.org/officeDocument/2006/relationships" r:embed="rId7">
+            <a:extLst>
+              <a:ext uri="{28A0092B-C50C-407E-A947-70E740481C1C}">
+                <a14:useLocalDpi xmlns:a14="http://schemas.microsoft.com/office/drawing/2010/main" val="0"/>
+              </a:ext>
+              <a:ext uri="{96DAC541-7B7A-43D3-8B79-37D633B846F1}">
+                <asvg:svgBlip xmlns:asvg="http://schemas.microsoft.com/office/drawing/2016/SVG/main" r:embed="rId8"/>
+              </a:ext>
+            </a:extLst>
+          </a:blip>
+          <a:stretch>
+            <a:fillRect/>
+          </a:stretch>
+        </a:blipFill>
+        <a:ln w="12700" cap="flat" cmpd="sng" algn="ctr">
+          <a:solidFill>
+            <a:schemeClr val="lt1">
+              <a:alpha val="0"/>
+              <a:hueOff val="0"/>
+              <a:satOff val="0"/>
+              <a:lumOff val="0"/>
+              <a:alphaOff val="0"/>
+            </a:schemeClr>
+          </a:solidFill>
+          <a:prstDash val="solid"/>
+          <a:miter lim="800000"/>
+        </a:ln>
+        <a:effectLst/>
+      </dsp:spPr>
+      <dsp:style>
+        <a:lnRef idx="2">
+          <a:scrgbClr r="0" g="0" b="0"/>
+        </a:lnRef>
+        <a:fillRef idx="1">
+          <a:scrgbClr r="0" g="0" b="0"/>
+        </a:fillRef>
+        <a:effectRef idx="0">
+          <a:scrgbClr r="0" g="0" b="0"/>
+        </a:effectRef>
+        <a:fontRef idx="minor">
+          <a:schemeClr val="lt1"/>
+        </a:fontRef>
+      </dsp:style>
+    </dsp:sp>
+    <dsp:sp modelId="{0F48FE75-9537-4D41-A5E5-CED0F7BAFFD6}">
+      <dsp:nvSpPr>
+        <dsp:cNvPr id="0" name=""/>
+        <dsp:cNvSpPr/>
+      </dsp:nvSpPr>
+      <dsp:spPr>
+        <a:xfrm>
+          <a:off x="1280895" y="4160938"/>
+          <a:ext cx="4111322" cy="1109000"/>
+        </a:xfrm>
+        <a:prstGeom prst="rect">
+          <a:avLst/>
+        </a:prstGeom>
+        <a:noFill/>
+        <a:ln>
+          <a:noFill/>
+        </a:ln>
+        <a:effectLst/>
+      </dsp:spPr>
+      <dsp:style>
+        <a:lnRef idx="0">
+          <a:scrgbClr r="0" g="0" b="0"/>
+        </a:lnRef>
+        <a:fillRef idx="0">
+          <a:scrgbClr r="0" g="0" b="0"/>
+        </a:fillRef>
+        <a:effectRef idx="0">
+          <a:scrgbClr r="0" g="0" b="0"/>
+        </a:effectRef>
+        <a:fontRef idx="minor"/>
+      </dsp:style>
+      <dsp:txBody>
+        <a:bodyPr spcFirstLastPara="0" vert="horz" wrap="square" lIns="117369" tIns="117369" rIns="117369" bIns="117369" numCol="1" spcCol="1270" anchor="ctr" anchorCtr="0">
+          <a:noAutofit/>
+        </a:bodyPr>
+        <a:lstStyle/>
+        <a:p>
+          <a:pPr marL="0" lvl="0" indent="0" algn="l" defTabSz="533400">
+            <a:lnSpc>
+              <a:spcPct val="100000"/>
+            </a:lnSpc>
+            <a:spcBef>
+              <a:spcPct val="0"/>
+            </a:spcBef>
+            <a:spcAft>
+              <a:spcPct val="35000"/>
+            </a:spcAft>
+            <a:buNone/>
+          </a:pPr>
+          <a:r>
+            <a:rPr lang="en-US" sz="1200" kern="1200" dirty="0"/>
+            <a:t>Value Function - </a:t>
+          </a:r>
+        </a:p>
+      </dsp:txBody>
+      <dsp:txXfrm>
+        <a:off x="1280895" y="4160938"/>
+        <a:ext cx="4111322" cy="1109000"/>
+      </dsp:txXfrm>
+    </dsp:sp>
+  </dsp:spTree>
+</dsp:drawing>
+</file>
+
+<file path=ppt/diagrams/drawing2.xml><?xml version="1.0" encoding="utf-8"?>
 <dsp:drawing xmlns:dgm="http://schemas.openxmlformats.org/drawingml/2006/diagram" xmlns:dsp="http://schemas.microsoft.com/office/drawing/2008/diagram" xmlns:a="http://schemas.openxmlformats.org/drawingml/2006/main">
   <dsp:spTree>
     <dsp:nvGrpSpPr>
@@ -1675,8 +3462,8 @@
       </dsp:nvSpPr>
       <dsp:spPr>
         <a:xfrm>
-          <a:off x="0" y="4117"/>
-          <a:ext cx="5392217" cy="657726"/>
+          <a:off x="0" y="1661"/>
+          <a:ext cx="5392217" cy="841853"/>
         </a:xfrm>
         <a:prstGeom prst="roundRect">
           <a:avLst>
@@ -1717,8 +3504,8 @@
       </dsp:nvSpPr>
       <dsp:spPr>
         <a:xfrm>
-          <a:off x="198962" y="152106"/>
-          <a:ext cx="362103" cy="361749"/>
+          <a:off x="254660" y="191078"/>
+          <a:ext cx="463019" cy="463019"/>
         </a:xfrm>
         <a:prstGeom prst="rect">
           <a:avLst/>
@@ -1767,8 +3554,8 @@
       </dsp:nvSpPr>
       <dsp:spPr>
         <a:xfrm>
-          <a:off x="760028" y="4117"/>
-          <a:ext cx="4609169" cy="698834"/>
+          <a:off x="972340" y="1661"/>
+          <a:ext cx="4419877" cy="841853"/>
         </a:xfrm>
         <a:prstGeom prst="rect">
           <a:avLst/>
@@ -1792,14 +3579,14 @@
         <a:fontRef idx="minor"/>
       </dsp:style>
       <dsp:txBody>
-        <a:bodyPr spcFirstLastPara="0" vert="horz" wrap="square" lIns="73960" tIns="73960" rIns="73960" bIns="73960" numCol="1" spcCol="1270" anchor="ctr" anchorCtr="0">
+        <a:bodyPr spcFirstLastPara="0" vert="horz" wrap="square" lIns="89096" tIns="89096" rIns="89096" bIns="89096" numCol="1" spcCol="1270" anchor="ctr" anchorCtr="0">
           <a:noAutofit/>
         </a:bodyPr>
         <a:lstStyle/>
         <a:p>
           <a:pPr marL="0" lvl="0" indent="0" algn="l" defTabSz="622300">
             <a:lnSpc>
-              <a:spcPct val="90000"/>
+              <a:spcPct val="100000"/>
             </a:lnSpc>
             <a:spcBef>
               <a:spcPct val="0"/>
@@ -1810,166 +3597,14 @@
             <a:buNone/>
           </a:pPr>
           <a:r>
-            <a:rPr lang="en-US" sz="1400" kern="1200"/>
-            <a:t>Agent –</a:t>
+            <a:rPr lang="en-US" sz="1400" kern="1200" dirty="0"/>
+            <a:t>Agent – A mathematical object that is able to take an action in an environment based on constraints and retain an experience matrix</a:t>
           </a:r>
         </a:p>
       </dsp:txBody>
       <dsp:txXfrm>
-        <a:off x="760028" y="4117"/>
-        <a:ext cx="4609169" cy="698834"/>
-      </dsp:txXfrm>
-    </dsp:sp>
-    <dsp:sp modelId="{BF65D48F-4A46-424D-9BF1-827D481E2828}">
-      <dsp:nvSpPr>
-        <dsp:cNvPr id="0" name=""/>
-        <dsp:cNvSpPr/>
-      </dsp:nvSpPr>
-      <dsp:spPr>
-        <a:xfrm>
-          <a:off x="0" y="877661"/>
-          <a:ext cx="5392217" cy="657726"/>
-        </a:xfrm>
-        <a:prstGeom prst="roundRect">
-          <a:avLst>
-            <a:gd name="adj" fmla="val 10000"/>
-          </a:avLst>
-        </a:prstGeom>
-        <a:solidFill>
-          <a:schemeClr val="bg1">
-            <a:lumMod val="95000"/>
-            <a:hueOff val="0"/>
-            <a:satOff val="0"/>
-            <a:lumOff val="0"/>
-            <a:alphaOff val="0"/>
-          </a:schemeClr>
-        </a:solidFill>
-        <a:ln>
-          <a:noFill/>
-        </a:ln>
-        <a:effectLst/>
-      </dsp:spPr>
-      <dsp:style>
-        <a:lnRef idx="0">
-          <a:scrgbClr r="0" g="0" b="0"/>
-        </a:lnRef>
-        <a:fillRef idx="1">
-          <a:scrgbClr r="0" g="0" b="0"/>
-        </a:fillRef>
-        <a:effectRef idx="0">
-          <a:scrgbClr r="0" g="0" b="0"/>
-        </a:effectRef>
-        <a:fontRef idx="minor"/>
-      </dsp:style>
-    </dsp:sp>
-    <dsp:sp modelId="{E91C433B-F4F6-404B-B5B8-B8BFEA0196C1}">
-      <dsp:nvSpPr>
-        <dsp:cNvPr id="0" name=""/>
-        <dsp:cNvSpPr/>
-      </dsp:nvSpPr>
-      <dsp:spPr>
-        <a:xfrm>
-          <a:off x="198962" y="1025649"/>
-          <a:ext cx="362103" cy="361749"/>
-        </a:xfrm>
-        <a:prstGeom prst="rect">
-          <a:avLst/>
-        </a:prstGeom>
-        <a:blipFill>
-          <a:blip xmlns:r="http://schemas.openxmlformats.org/officeDocument/2006/relationships" r:embed="rId3">
-            <a:extLst>
-              <a:ext uri="{28A0092B-C50C-407E-A947-70E740481C1C}">
-                <a14:useLocalDpi xmlns:a14="http://schemas.microsoft.com/office/drawing/2010/main" val="0"/>
-              </a:ext>
-              <a:ext uri="{96DAC541-7B7A-43D3-8B79-37D633B846F1}">
-                <asvg:svgBlip xmlns:asvg="http://schemas.microsoft.com/office/drawing/2016/SVG/main" r:embed="rId4"/>
-              </a:ext>
-            </a:extLst>
-          </a:blip>
-          <a:stretch>
-            <a:fillRect/>
-          </a:stretch>
-        </a:blipFill>
-        <a:ln w="12700" cap="flat" cmpd="sng" algn="ctr">
-          <a:noFill/>
-          <a:prstDash val="solid"/>
-          <a:miter lim="800000"/>
-        </a:ln>
-        <a:effectLst/>
-      </dsp:spPr>
-      <dsp:style>
-        <a:lnRef idx="2">
-          <a:scrgbClr r="0" g="0" b="0"/>
-        </a:lnRef>
-        <a:fillRef idx="1">
-          <a:scrgbClr r="0" g="0" b="0"/>
-        </a:fillRef>
-        <a:effectRef idx="0">
-          <a:scrgbClr r="0" g="0" b="0"/>
-        </a:effectRef>
-        <a:fontRef idx="minor">
-          <a:schemeClr val="lt1"/>
-        </a:fontRef>
-      </dsp:style>
-    </dsp:sp>
-    <dsp:sp modelId="{22FF6F3E-030A-4A95-9094-AA90FD96F252}">
-      <dsp:nvSpPr>
-        <dsp:cNvPr id="0" name=""/>
-        <dsp:cNvSpPr/>
-      </dsp:nvSpPr>
-      <dsp:spPr>
-        <a:xfrm>
-          <a:off x="760028" y="877661"/>
-          <a:ext cx="4609169" cy="698834"/>
-        </a:xfrm>
-        <a:prstGeom prst="rect">
-          <a:avLst/>
-        </a:prstGeom>
-        <a:noFill/>
-        <a:ln>
-          <a:noFill/>
-        </a:ln>
-        <a:effectLst/>
-      </dsp:spPr>
-      <dsp:style>
-        <a:lnRef idx="0">
-          <a:scrgbClr r="0" g="0" b="0"/>
-        </a:lnRef>
-        <a:fillRef idx="0">
-          <a:scrgbClr r="0" g="0" b="0"/>
-        </a:fillRef>
-        <a:effectRef idx="0">
-          <a:scrgbClr r="0" g="0" b="0"/>
-        </a:effectRef>
-        <a:fontRef idx="minor"/>
-      </dsp:style>
-      <dsp:txBody>
-        <a:bodyPr spcFirstLastPara="0" vert="horz" wrap="square" lIns="73960" tIns="73960" rIns="73960" bIns="73960" numCol="1" spcCol="1270" anchor="ctr" anchorCtr="0">
-          <a:noAutofit/>
-        </a:bodyPr>
-        <a:lstStyle/>
-        <a:p>
-          <a:pPr marL="0" lvl="0" indent="0" algn="l" defTabSz="622300">
-            <a:lnSpc>
-              <a:spcPct val="90000"/>
-            </a:lnSpc>
-            <a:spcBef>
-              <a:spcPct val="0"/>
-            </a:spcBef>
-            <a:spcAft>
-              <a:spcPct val="35000"/>
-            </a:spcAft>
-            <a:buNone/>
-          </a:pPr>
-          <a:r>
-            <a:rPr lang="en-US" sz="1400" kern="1200"/>
-            <a:t>Action - </a:t>
-          </a:r>
-        </a:p>
-      </dsp:txBody>
-      <dsp:txXfrm>
-        <a:off x="760028" y="877661"/>
-        <a:ext cx="4609169" cy="698834"/>
+        <a:off x="972340" y="1661"/>
+        <a:ext cx="4419877" cy="841853"/>
       </dsp:txXfrm>
     </dsp:sp>
     <dsp:sp modelId="{3B951233-789B-43AC-BA78-B705726F5CC6}">
@@ -1979,8 +3614,8 @@
       </dsp:nvSpPr>
       <dsp:spPr>
         <a:xfrm>
-          <a:off x="0" y="1751204"/>
-          <a:ext cx="5392217" cy="657726"/>
+          <a:off x="0" y="1053978"/>
+          <a:ext cx="5392217" cy="841853"/>
         </a:xfrm>
         <a:prstGeom prst="roundRect">
           <a:avLst>
@@ -2021,20 +3656,20 @@
       </dsp:nvSpPr>
       <dsp:spPr>
         <a:xfrm>
-          <a:off x="198962" y="1899193"/>
-          <a:ext cx="362103" cy="361749"/>
+          <a:off x="254660" y="1243395"/>
+          <a:ext cx="463019" cy="463019"/>
         </a:xfrm>
         <a:prstGeom prst="rect">
           <a:avLst/>
         </a:prstGeom>
         <a:blipFill>
-          <a:blip xmlns:r="http://schemas.openxmlformats.org/officeDocument/2006/relationships" r:embed="rId5">
+          <a:blip xmlns:r="http://schemas.openxmlformats.org/officeDocument/2006/relationships" r:embed="rId3">
             <a:extLst>
               <a:ext uri="{28A0092B-C50C-407E-A947-70E740481C1C}">
                 <a14:useLocalDpi xmlns:a14="http://schemas.microsoft.com/office/drawing/2010/main" val="0"/>
               </a:ext>
               <a:ext uri="{96DAC541-7B7A-43D3-8B79-37D633B846F1}">
-                <asvg:svgBlip xmlns:asvg="http://schemas.microsoft.com/office/drawing/2016/SVG/main" r:embed="rId6"/>
+                <asvg:svgBlip xmlns:asvg="http://schemas.microsoft.com/office/drawing/2016/SVG/main" r:embed="rId4"/>
               </a:ext>
             </a:extLst>
           </a:blip>
@@ -2071,8 +3706,8 @@
       </dsp:nvSpPr>
       <dsp:spPr>
         <a:xfrm>
-          <a:off x="760028" y="1751204"/>
-          <a:ext cx="4609169" cy="698834"/>
+          <a:off x="972340" y="1053978"/>
+          <a:ext cx="4419877" cy="841853"/>
         </a:xfrm>
         <a:prstGeom prst="rect">
           <a:avLst/>
@@ -2096,14 +3731,14 @@
         <a:fontRef idx="minor"/>
       </dsp:style>
       <dsp:txBody>
-        <a:bodyPr spcFirstLastPara="0" vert="horz" wrap="square" lIns="73960" tIns="73960" rIns="73960" bIns="73960" numCol="1" spcCol="1270" anchor="ctr" anchorCtr="0">
+        <a:bodyPr spcFirstLastPara="0" vert="horz" wrap="square" lIns="89096" tIns="89096" rIns="89096" bIns="89096" numCol="1" spcCol="1270" anchor="ctr" anchorCtr="0">
           <a:noAutofit/>
         </a:bodyPr>
         <a:lstStyle/>
         <a:p>
           <a:pPr marL="0" lvl="0" indent="0" algn="l" defTabSz="622300">
             <a:lnSpc>
-              <a:spcPct val="90000"/>
+              <a:spcPct val="100000"/>
             </a:lnSpc>
             <a:spcBef>
               <a:spcPct val="0"/>
@@ -2114,25 +3749,25 @@
             <a:buNone/>
           </a:pPr>
           <a:r>
-            <a:rPr lang="en-US" sz="1400" kern="1200"/>
-            <a:t>Environment - </a:t>
+            <a:rPr lang="en-US" sz="1400" kern="1200" dirty="0"/>
+            <a:t>Environment – Global term used for the model representing the problem space along with its constraints.</a:t>
           </a:r>
         </a:p>
       </dsp:txBody>
       <dsp:txXfrm>
-        <a:off x="760028" y="1751204"/>
-        <a:ext cx="4609169" cy="698834"/>
+        <a:off x="972340" y="1053978"/>
+        <a:ext cx="4419877" cy="841853"/>
       </dsp:txXfrm>
     </dsp:sp>
-    <dsp:sp modelId="{C63C37E9-37AD-4118-BCD2-48248076E51F}">
+    <dsp:sp modelId="{ED7B8574-B33F-6F4B-B3E0-E56321535C64}">
       <dsp:nvSpPr>
         <dsp:cNvPr id="0" name=""/>
         <dsp:cNvSpPr/>
       </dsp:nvSpPr>
       <dsp:spPr>
         <a:xfrm>
-          <a:off x="0" y="2624748"/>
-          <a:ext cx="5392217" cy="657726"/>
+          <a:off x="0" y="2106295"/>
+          <a:ext cx="5392217" cy="841853"/>
         </a:xfrm>
         <a:prstGeom prst="roundRect">
           <a:avLst>
@@ -2166,36 +3801,37 @@
         <a:fontRef idx="minor"/>
       </dsp:style>
     </dsp:sp>
-    <dsp:sp modelId="{40332760-E426-4AE1-AA11-589AA33B2952}">
+    <dsp:sp modelId="{D35C8D3A-B9A7-254F-8C9A-03EA4CCCAB85}">
       <dsp:nvSpPr>
         <dsp:cNvPr id="0" name=""/>
         <dsp:cNvSpPr/>
       </dsp:nvSpPr>
       <dsp:spPr>
         <a:xfrm>
-          <a:off x="198962" y="2772736"/>
-          <a:ext cx="362103" cy="361749"/>
+          <a:off x="254660" y="2295712"/>
+          <a:ext cx="463019" cy="463019"/>
         </a:xfrm>
         <a:prstGeom prst="rect">
           <a:avLst/>
         </a:prstGeom>
-        <a:blipFill>
-          <a:blip xmlns:r="http://schemas.openxmlformats.org/officeDocument/2006/relationships" r:embed="rId7">
-            <a:extLst>
-              <a:ext uri="{28A0092B-C50C-407E-A947-70E740481C1C}">
-                <a14:useLocalDpi xmlns:a14="http://schemas.microsoft.com/office/drawing/2010/main" val="0"/>
-              </a:ext>
-              <a:ext uri="{96DAC541-7B7A-43D3-8B79-37D633B846F1}">
-                <asvg:svgBlip xmlns:asvg="http://schemas.microsoft.com/office/drawing/2016/SVG/main" r:embed="rId8"/>
-              </a:ext>
-            </a:extLst>
-          </a:blip>
-          <a:stretch>
-            <a:fillRect/>
-          </a:stretch>
-        </a:blipFill>
+        <a:solidFill>
+          <a:schemeClr val="accent4">
+            <a:hueOff val="0"/>
+            <a:satOff val="0"/>
+            <a:lumOff val="0"/>
+            <a:alphaOff val="0"/>
+          </a:schemeClr>
+        </a:solidFill>
         <a:ln w="12700" cap="flat" cmpd="sng" algn="ctr">
-          <a:noFill/>
+          <a:solidFill>
+            <a:schemeClr val="lt1">
+              <a:alpha val="0"/>
+              <a:hueOff val="0"/>
+              <a:satOff val="0"/>
+              <a:lumOff val="0"/>
+              <a:alphaOff val="0"/>
+            </a:schemeClr>
+          </a:solidFill>
           <a:prstDash val="solid"/>
           <a:miter lim="800000"/>
         </a:ln>
@@ -2216,15 +3852,15 @@
         </a:fontRef>
       </dsp:style>
     </dsp:sp>
-    <dsp:sp modelId="{61407434-9C7D-4D24-BCA5-949A5F141D02}">
+    <dsp:sp modelId="{80EDE25A-881F-6049-908D-987A105D350E}">
       <dsp:nvSpPr>
         <dsp:cNvPr id="0" name=""/>
         <dsp:cNvSpPr/>
       </dsp:nvSpPr>
       <dsp:spPr>
         <a:xfrm>
-          <a:off x="760028" y="2624748"/>
-          <a:ext cx="4609169" cy="698834"/>
+          <a:off x="972340" y="2106295"/>
+          <a:ext cx="4419877" cy="841853"/>
         </a:xfrm>
         <a:prstGeom prst="rect">
           <a:avLst/>
@@ -2248,14 +3884,14 @@
         <a:fontRef idx="minor"/>
       </dsp:style>
       <dsp:txBody>
-        <a:bodyPr spcFirstLastPara="0" vert="horz" wrap="square" lIns="73960" tIns="73960" rIns="73960" bIns="73960" numCol="1" spcCol="1270" anchor="ctr" anchorCtr="0">
+        <a:bodyPr spcFirstLastPara="0" vert="horz" wrap="square" lIns="89096" tIns="89096" rIns="89096" bIns="89096" numCol="1" spcCol="1270" anchor="ctr" anchorCtr="0">
           <a:noAutofit/>
         </a:bodyPr>
         <a:lstStyle/>
         <a:p>
           <a:pPr marL="0" lvl="0" indent="0" algn="l" defTabSz="622300">
             <a:lnSpc>
-              <a:spcPct val="90000"/>
+              <a:spcPct val="100000"/>
             </a:lnSpc>
             <a:spcBef>
               <a:spcPct val="0"/>
@@ -2266,25 +3902,25 @@
             <a:buNone/>
           </a:pPr>
           <a:r>
-            <a:rPr lang="en-US" sz="1400" kern="1200"/>
-            <a:t>Reward - </a:t>
+            <a:rPr lang="en-US" sz="1400" kern="1200" dirty="0"/>
+            <a:t>State – A discrete instance of the environment</a:t>
           </a:r>
         </a:p>
       </dsp:txBody>
       <dsp:txXfrm>
-        <a:off x="760028" y="2624748"/>
-        <a:ext cx="4609169" cy="698834"/>
+        <a:off x="972340" y="2106295"/>
+        <a:ext cx="4419877" cy="841853"/>
       </dsp:txXfrm>
     </dsp:sp>
-    <dsp:sp modelId="{6C407EF4-863B-4808-AEF5-500F65BDA273}">
+    <dsp:sp modelId="{19543978-6401-8E40-BAC1-AEB056A1420D}">
       <dsp:nvSpPr>
         <dsp:cNvPr id="0" name=""/>
         <dsp:cNvSpPr/>
       </dsp:nvSpPr>
       <dsp:spPr>
         <a:xfrm>
-          <a:off x="0" y="3498291"/>
-          <a:ext cx="5392217" cy="657726"/>
+          <a:off x="0" y="3158612"/>
+          <a:ext cx="5392217" cy="841853"/>
         </a:xfrm>
         <a:prstGeom prst="roundRect">
           <a:avLst>
@@ -2318,27 +3954,27 @@
         <a:fontRef idx="minor"/>
       </dsp:style>
     </dsp:sp>
-    <dsp:sp modelId="{9D80C427-0631-4AFF-819D-CE05172E9054}">
+    <dsp:sp modelId="{2F56E318-B0F2-9E4F-9187-E8DD17398758}">
       <dsp:nvSpPr>
         <dsp:cNvPr id="0" name=""/>
         <dsp:cNvSpPr/>
       </dsp:nvSpPr>
       <dsp:spPr>
         <a:xfrm>
-          <a:off x="198962" y="3646280"/>
-          <a:ext cx="362103" cy="361749"/>
+          <a:off x="254660" y="3348029"/>
+          <a:ext cx="463019" cy="463019"/>
         </a:xfrm>
         <a:prstGeom prst="rect">
           <a:avLst/>
         </a:prstGeom>
         <a:blipFill>
-          <a:blip xmlns:r="http://schemas.openxmlformats.org/officeDocument/2006/relationships" r:embed="rId9">
+          <a:blip xmlns:r="http://schemas.openxmlformats.org/officeDocument/2006/relationships" r:embed="rId5">
             <a:extLst>
               <a:ext uri="{28A0092B-C50C-407E-A947-70E740481C1C}">
                 <a14:useLocalDpi xmlns:a14="http://schemas.microsoft.com/office/drawing/2010/main" val="0"/>
               </a:ext>
               <a:ext uri="{96DAC541-7B7A-43D3-8B79-37D633B846F1}">
-                <asvg:svgBlip xmlns:asvg="http://schemas.microsoft.com/office/drawing/2016/SVG/main" r:embed="rId10"/>
+                <asvg:svgBlip xmlns:asvg="http://schemas.microsoft.com/office/drawing/2016/SVG/main" r:embed="rId6"/>
               </a:ext>
             </a:extLst>
           </a:blip>
@@ -2347,7 +3983,15 @@
           </a:stretch>
         </a:blipFill>
         <a:ln w="12700" cap="flat" cmpd="sng" algn="ctr">
-          <a:noFill/>
+          <a:solidFill>
+            <a:schemeClr val="lt1">
+              <a:alpha val="0"/>
+              <a:hueOff val="0"/>
+              <a:satOff val="0"/>
+              <a:lumOff val="0"/>
+              <a:alphaOff val="0"/>
+            </a:schemeClr>
+          </a:solidFill>
           <a:prstDash val="solid"/>
           <a:miter lim="800000"/>
         </a:ln>
@@ -2368,15 +4012,15 @@
         </a:fontRef>
       </dsp:style>
     </dsp:sp>
-    <dsp:sp modelId="{417CF4EE-2FDB-4739-A8A6-40DDA06C85FB}">
+    <dsp:sp modelId="{0F48FE75-9537-4D41-A5E5-CED0F7BAFFD6}">
       <dsp:nvSpPr>
         <dsp:cNvPr id="0" name=""/>
         <dsp:cNvSpPr/>
       </dsp:nvSpPr>
       <dsp:spPr>
         <a:xfrm>
-          <a:off x="760028" y="3498291"/>
-          <a:ext cx="4609169" cy="698834"/>
+          <a:off x="972340" y="3158612"/>
+          <a:ext cx="4419877" cy="841853"/>
         </a:xfrm>
         <a:prstGeom prst="rect">
           <a:avLst/>
@@ -2400,14 +4044,14 @@
         <a:fontRef idx="minor"/>
       </dsp:style>
       <dsp:txBody>
-        <a:bodyPr spcFirstLastPara="0" vert="horz" wrap="square" lIns="73960" tIns="73960" rIns="73960" bIns="73960" numCol="1" spcCol="1270" anchor="ctr" anchorCtr="0">
+        <a:bodyPr spcFirstLastPara="0" vert="horz" wrap="square" lIns="89096" tIns="89096" rIns="89096" bIns="89096" numCol="1" spcCol="1270" anchor="ctr" anchorCtr="0">
           <a:noAutofit/>
         </a:bodyPr>
         <a:lstStyle/>
         <a:p>
-          <a:pPr marL="0" lvl="0" indent="0" algn="l" defTabSz="622300">
+          <a:pPr marL="0" lvl="0" indent="0" algn="l" defTabSz="533400">
             <a:lnSpc>
-              <a:spcPct val="90000"/>
+              <a:spcPct val="100000"/>
             </a:lnSpc>
             <a:spcBef>
               <a:spcPct val="0"/>
@@ -2418,166 +4062,14 @@
             <a:buNone/>
           </a:pPr>
           <a:r>
-            <a:rPr lang="en-US" sz="1400" kern="1200"/>
-            <a:t>State – </a:t>
+            <a:rPr lang="en-US" sz="1200" kern="1200" dirty="0"/>
+            <a:t>Goal - The agent must take actions on the environment such that the sum of the rewards for those actions shall be maximized through repeated interactions.</a:t>
           </a:r>
         </a:p>
       </dsp:txBody>
       <dsp:txXfrm>
-        <a:off x="760028" y="3498291"/>
-        <a:ext cx="4609169" cy="698834"/>
-      </dsp:txXfrm>
-    </dsp:sp>
-    <dsp:sp modelId="{46A25F87-0444-4404-AFFB-9985BF5F44D8}">
-      <dsp:nvSpPr>
-        <dsp:cNvPr id="0" name=""/>
-        <dsp:cNvSpPr/>
-      </dsp:nvSpPr>
-      <dsp:spPr>
-        <a:xfrm>
-          <a:off x="0" y="4371835"/>
-          <a:ext cx="5392217" cy="657726"/>
-        </a:xfrm>
-        <a:prstGeom prst="roundRect">
-          <a:avLst>
-            <a:gd name="adj" fmla="val 10000"/>
-          </a:avLst>
-        </a:prstGeom>
-        <a:solidFill>
-          <a:schemeClr val="bg1">
-            <a:lumMod val="95000"/>
-            <a:hueOff val="0"/>
-            <a:satOff val="0"/>
-            <a:lumOff val="0"/>
-            <a:alphaOff val="0"/>
-          </a:schemeClr>
-        </a:solidFill>
-        <a:ln>
-          <a:noFill/>
-        </a:ln>
-        <a:effectLst/>
-      </dsp:spPr>
-      <dsp:style>
-        <a:lnRef idx="0">
-          <a:scrgbClr r="0" g="0" b="0"/>
-        </a:lnRef>
-        <a:fillRef idx="1">
-          <a:scrgbClr r="0" g="0" b="0"/>
-        </a:fillRef>
-        <a:effectRef idx="0">
-          <a:scrgbClr r="0" g="0" b="0"/>
-        </a:effectRef>
-        <a:fontRef idx="minor"/>
-      </dsp:style>
-    </dsp:sp>
-    <dsp:sp modelId="{D7B8801E-257D-4C5D-981E-9594E166639B}">
-      <dsp:nvSpPr>
-        <dsp:cNvPr id="0" name=""/>
-        <dsp:cNvSpPr/>
-      </dsp:nvSpPr>
-      <dsp:spPr>
-        <a:xfrm>
-          <a:off x="199156" y="4519823"/>
-          <a:ext cx="362103" cy="361749"/>
-        </a:xfrm>
-        <a:prstGeom prst="rect">
-          <a:avLst/>
-        </a:prstGeom>
-        <a:blipFill>
-          <a:blip xmlns:r="http://schemas.openxmlformats.org/officeDocument/2006/relationships" r:embed="rId11">
-            <a:extLst>
-              <a:ext uri="{28A0092B-C50C-407E-A947-70E740481C1C}">
-                <a14:useLocalDpi xmlns:a14="http://schemas.microsoft.com/office/drawing/2010/main" val="0"/>
-              </a:ext>
-              <a:ext uri="{96DAC541-7B7A-43D3-8B79-37D633B846F1}">
-                <asvg:svgBlip xmlns:asvg="http://schemas.microsoft.com/office/drawing/2016/SVG/main" r:embed="rId12"/>
-              </a:ext>
-            </a:extLst>
-          </a:blip>
-          <a:stretch>
-            <a:fillRect/>
-          </a:stretch>
-        </a:blipFill>
-        <a:ln w="12700" cap="flat" cmpd="sng" algn="ctr">
-          <a:noFill/>
-          <a:prstDash val="solid"/>
-          <a:miter lim="800000"/>
-        </a:ln>
-        <a:effectLst/>
-      </dsp:spPr>
-      <dsp:style>
-        <a:lnRef idx="2">
-          <a:scrgbClr r="0" g="0" b="0"/>
-        </a:lnRef>
-        <a:fillRef idx="1">
-          <a:scrgbClr r="0" g="0" b="0"/>
-        </a:fillRef>
-        <a:effectRef idx="0">
-          <a:scrgbClr r="0" g="0" b="0"/>
-        </a:effectRef>
-        <a:fontRef idx="minor">
-          <a:schemeClr val="lt1"/>
-        </a:fontRef>
-      </dsp:style>
-    </dsp:sp>
-    <dsp:sp modelId="{60AF4B1C-68C1-43D8-B160-D277D2E1C293}">
-      <dsp:nvSpPr>
-        <dsp:cNvPr id="0" name=""/>
-        <dsp:cNvSpPr/>
-      </dsp:nvSpPr>
-      <dsp:spPr>
-        <a:xfrm>
-          <a:off x="760417" y="4371835"/>
-          <a:ext cx="4584274" cy="698834"/>
-        </a:xfrm>
-        <a:prstGeom prst="rect">
-          <a:avLst/>
-        </a:prstGeom>
-        <a:noFill/>
-        <a:ln>
-          <a:noFill/>
-        </a:ln>
-        <a:effectLst/>
-      </dsp:spPr>
-      <dsp:style>
-        <a:lnRef idx="0">
-          <a:scrgbClr r="0" g="0" b="0"/>
-        </a:lnRef>
-        <a:fillRef idx="0">
-          <a:scrgbClr r="0" g="0" b="0"/>
-        </a:fillRef>
-        <a:effectRef idx="0">
-          <a:scrgbClr r="0" g="0" b="0"/>
-        </a:effectRef>
-        <a:fontRef idx="minor"/>
-      </dsp:style>
-      <dsp:txBody>
-        <a:bodyPr spcFirstLastPara="0" vert="horz" wrap="square" lIns="73960" tIns="73960" rIns="73960" bIns="73960" numCol="1" spcCol="1270" anchor="ctr" anchorCtr="0">
-          <a:noAutofit/>
-        </a:bodyPr>
-        <a:lstStyle/>
-        <a:p>
-          <a:pPr marL="0" lvl="0" indent="0" algn="l" defTabSz="622300">
-            <a:lnSpc>
-              <a:spcPct val="90000"/>
-            </a:lnSpc>
-            <a:spcBef>
-              <a:spcPct val="0"/>
-            </a:spcBef>
-            <a:spcAft>
-              <a:spcPct val="35000"/>
-            </a:spcAft>
-            <a:buNone/>
-          </a:pPr>
-          <a:r>
-            <a:rPr lang="en-US" sz="1400" kern="1200" dirty="0"/>
-            <a:t>Goal: The agent must take actions on the environment such that the sum of the rewards for those actions shall be maximized through repeated interactions.</a:t>
-          </a:r>
-        </a:p>
-      </dsp:txBody>
-      <dsp:txXfrm>
-        <a:off x="760417" y="4371835"/>
-        <a:ext cx="4584274" cy="698834"/>
+        <a:off x="972340" y="3158612"/>
+        <a:ext cx="4419877" cy="841853"/>
       </dsp:txXfrm>
     </dsp:sp>
   </dsp:spTree>
@@ -2585,6 +4077,300 @@
 </file>
 
 <file path=ppt/diagrams/layout1.xml><?xml version="1.0" encoding="utf-8"?>
+<dgm:layoutDef xmlns:dgm="http://schemas.openxmlformats.org/drawingml/2006/diagram" xmlns:a="http://schemas.openxmlformats.org/drawingml/2006/main" uniqueId="urn:microsoft.com/office/officeart/2018/2/layout/IconVerticalSolidList">
+  <dgm:title val="Icon Vertical Solid List"/>
+  <dgm:desc val="Use to show a series of visuals from top to bottom with Level 1 or Level 1 and Level 2 text grouped in a shape. Works best with icons or small pictures with lengthier descriptions."/>
+  <dgm:catLst>
+    <dgm:cat type="icon" pri="500"/>
+  </dgm:catLst>
+  <dgm:sampData useDef="1">
+    <dgm:dataModel>
+      <dgm:ptLst/>
+      <dgm:bg/>
+      <dgm:whole/>
+    </dgm:dataModel>
+  </dgm:sampData>
+  <dgm:styleData useDef="1">
+    <dgm:dataModel>
+      <dgm:ptLst/>
+      <dgm:bg/>
+      <dgm:whole/>
+    </dgm:dataModel>
+  </dgm:styleData>
+  <dgm:clrData useDef="1">
+    <dgm:dataModel>
+      <dgm:ptLst/>
+      <dgm:bg/>
+      <dgm:whole/>
+    </dgm:dataModel>
+  </dgm:clrData>
+  <dgm:layoutNode name="root">
+    <dgm:varLst>
+      <dgm:dir/>
+      <dgm:resizeHandles val="exact"/>
+    </dgm:varLst>
+    <dgm:choose name="Name0">
+      <dgm:if name="Name1" axis="self" func="var" arg="dir" op="equ" val="norm">
+        <dgm:alg type="lin">
+          <dgm:param type="linDir" val="fromT"/>
+          <dgm:param type="nodeHorzAlign" val="l"/>
+        </dgm:alg>
+      </dgm:if>
+      <dgm:else name="Name2">
+        <dgm:alg type="lin">
+          <dgm:param type="linDir" val="fromT"/>
+          <dgm:param type="nodeHorzAlign" val="r"/>
+        </dgm:alg>
+      </dgm:else>
+    </dgm:choose>
+    <dgm:shape xmlns:r="http://schemas.openxmlformats.org/officeDocument/2006/relationships" r:blip="">
+      <dgm:adjLst/>
+    </dgm:shape>
+    <dgm:presOf/>
+    <dgm:choose name="Name3">
+      <dgm:if name="Name4" axis="ch" ptType="node" func="cnt" op="lte" val="3">
+        <dgm:constrLst>
+          <dgm:constr type="h" for="ch" forName="compNode" refType="h" fact="0.3"/>
+          <dgm:constr type="w" for="ch" forName="compNode" refType="w"/>
+          <dgm:constr type="h" for="ch" forName="sibTrans" refType="h" refFor="ch" refForName="compNode" fact="0.25"/>
+          <dgm:constr type="primFontSz" for="des" forName="parTx" val="25"/>
+          <dgm:constr type="primFontSz" for="des" forName="desTx" refType="primFontSz" refFor="des" refForName="parTx" op="lte" fact="0.75"/>
+          <dgm:constr type="h" for="des" forName="compNode" op="equ"/>
+          <dgm:constr type="h" for="des" forName="bgRect" op="equ"/>
+          <dgm:constr type="h" for="des" forName="iconRect" op="equ"/>
+          <dgm:constr type="w" for="des" forName="iconRect" op="equ"/>
+          <dgm:constr type="h" for="des" forName="spaceRect" op="equ"/>
+          <dgm:constr type="h" for="des" forName="parTx" op="equ"/>
+          <dgm:constr type="h" for="des" forName="desTx" op="equ"/>
+        </dgm:constrLst>
+      </dgm:if>
+      <dgm:if name="Name5" axis="ch" ptType="node" func="cnt" op="lte" val="4">
+        <dgm:constrLst>
+          <dgm:constr type="h" for="ch" forName="compNode" refType="h" fact="0.3"/>
+          <dgm:constr type="w" for="ch" forName="compNode" refType="w"/>
+          <dgm:constr type="h" for="ch" forName="sibTrans" refType="h" refFor="ch" refForName="compNode" fact="0.25"/>
+          <dgm:constr type="primFontSz" for="des" forName="parTx" val="22"/>
+          <dgm:constr type="primFontSz" for="des" forName="desTx" refType="primFontSz" refFor="des" refForName="parTx" op="lte" fact="0.75"/>
+          <dgm:constr type="h" for="des" forName="compNode" op="equ"/>
+          <dgm:constr type="h" for="des" forName="bgRect" op="equ"/>
+          <dgm:constr type="h" for="des" forName="iconRect" op="equ"/>
+          <dgm:constr type="w" for="des" forName="iconRect" op="equ"/>
+          <dgm:constr type="h" for="des" forName="spaceRect" op="equ"/>
+          <dgm:constr type="h" for="des" forName="parTx" op="equ"/>
+          <dgm:constr type="h" for="des" forName="desTx" op="equ"/>
+        </dgm:constrLst>
+      </dgm:if>
+      <dgm:if name="Name6" axis="ch" ptType="node" func="cnt" op="lte" val="6">
+        <dgm:constrLst>
+          <dgm:constr type="h" for="ch" forName="compNode" refType="h" fact="0.3"/>
+          <dgm:constr type="w" for="ch" forName="compNode" refType="w"/>
+          <dgm:constr type="h" for="ch" forName="sibTrans" refType="h" refFor="ch" refForName="compNode" fact="0.25"/>
+          <dgm:constr type="primFontSz" for="des" forName="parTx" val="19"/>
+          <dgm:constr type="primFontSz" for="des" forName="desTx" refType="primFontSz" refFor="des" refForName="parTx" op="lte" fact="0.75"/>
+          <dgm:constr type="h" for="des" forName="compNode" op="equ"/>
+          <dgm:constr type="h" for="des" forName="bgRect" op="equ"/>
+          <dgm:constr type="h" for="des" forName="iconRect" op="equ"/>
+          <dgm:constr type="w" for="des" forName="iconRect" op="equ"/>
+          <dgm:constr type="h" for="des" forName="spaceRect" op="equ"/>
+          <dgm:constr type="h" for="des" forName="parTx" op="equ"/>
+          <dgm:constr type="h" for="des" forName="desTx" op="equ"/>
+        </dgm:constrLst>
+      </dgm:if>
+      <dgm:else name="Name7">
+        <dgm:constrLst>
+          <dgm:constr type="h" for="ch" forName="compNode" refType="h" fact="0.3"/>
+          <dgm:constr type="w" for="ch" forName="compNode" refType="w"/>
+          <dgm:constr type="h" for="ch" forName="sibTrans" refType="h" refFor="ch" refForName="compNode" fact="0.25"/>
+          <dgm:constr type="primFontSz" for="des" forName="parTx" val="16"/>
+          <dgm:constr type="primFontSz" for="des" forName="desTx" refType="primFontSz" refFor="des" refForName="parTx" op="lte" fact="0.75"/>
+          <dgm:constr type="h" for="des" forName="compNode" op="equ"/>
+          <dgm:constr type="h" for="des" forName="bgRect" op="equ"/>
+          <dgm:constr type="h" for="des" forName="iconRect" op="equ"/>
+          <dgm:constr type="w" for="des" forName="iconRect" op="equ"/>
+          <dgm:constr type="h" for="des" forName="spaceRect" op="equ"/>
+          <dgm:constr type="h" for="des" forName="parTx" op="equ"/>
+          <dgm:constr type="h" for="des" forName="desTx" op="equ"/>
+        </dgm:constrLst>
+      </dgm:else>
+    </dgm:choose>
+    <dgm:ruleLst>
+      <dgm:rule type="h" for="ch" forName="compNode" val="0" fact="NaN" max="NaN"/>
+    </dgm:ruleLst>
+    <dgm:forEach name="Name8" axis="ch" ptType="node">
+      <dgm:layoutNode name="compNode">
+        <dgm:alg type="composite"/>
+        <dgm:shape xmlns:r="http://schemas.openxmlformats.org/officeDocument/2006/relationships" r:blip="">
+          <dgm:adjLst/>
+        </dgm:shape>
+        <dgm:presOf axis="self"/>
+        <dgm:choose name="Name9">
+          <dgm:if name="Name10" axis="ch" ptType="node" func="cnt" op="gte" val="1">
+            <dgm:constrLst>
+              <dgm:constr type="w" for="ch" forName="bgRect" refType="w"/>
+              <dgm:constr type="h" for="ch" forName="bgRect" refType="h"/>
+              <dgm:constr type="l" for="ch" forName="bgRect"/>
+              <dgm:constr type="t" for="ch" forName="bgRect"/>
+              <dgm:constr type="h" for="ch" forName="iconRect" refType="h" fact="0.55"/>
+              <dgm:constr type="w" for="ch" forName="iconRect" refType="h" refFor="ch" refForName="iconRect"/>
+              <dgm:constr type="l" for="ch" forName="iconRect" refType="h" refFor="ch" refForName="iconRect" fact="0.55"/>
+              <dgm:constr type="ctrY" for="ch" forName="iconRect" refType="ctrY" refFor="ch" refForName="bgRect"/>
+              <dgm:constr type="w" for="ch" forName="spaceRect" refType="l" refFor="ch" refForName="iconRect"/>
+              <dgm:constr type="h" for="ch" forName="spaceRect" refType="h"/>
+              <dgm:constr type="l" for="ch" forName="spaceRect" refType="r" refFor="ch" refForName="iconRect"/>
+              <dgm:constr type="t" for="ch" forName="spaceRect"/>
+              <dgm:constr type="w" for="ch" forName="parTx" refType="w" fact="0.45"/>
+              <dgm:constr type="h" for="ch" forName="parTx" refType="h"/>
+              <dgm:constr type="l" for="ch" forName="parTx" refType="r" refFor="ch" refForName="spaceRect"/>
+              <dgm:constr type="t" for="ch" forName="parTx"/>
+              <dgm:constr type="h" for="ch" forName="desTx" refType="h"/>
+              <dgm:constr type="l" for="ch" forName="desTx" refType="r" refFor="ch" refForName="parTx"/>
+              <dgm:constr type="t" for="ch" forName="desTx"/>
+            </dgm:constrLst>
+          </dgm:if>
+          <dgm:else name="Name11">
+            <dgm:constrLst>
+              <dgm:constr type="w" for="ch" forName="bgRect" refType="w"/>
+              <dgm:constr type="h" for="ch" forName="bgRect" refType="h"/>
+              <dgm:constr type="l" for="ch" forName="bgRect"/>
+              <dgm:constr type="t" for="ch" forName="bgRect"/>
+              <dgm:constr type="h" for="ch" forName="iconRect" refType="h" fact="0.55"/>
+              <dgm:constr type="w" for="ch" forName="iconRect" refType="h" refFor="ch" refForName="iconRect"/>
+              <dgm:constr type="l" for="ch" forName="iconRect" refType="h" refFor="ch" refForName="iconRect" fact="0.55"/>
+              <dgm:constr type="ctrY" for="ch" forName="iconRect" refType="ctrY" refFor="ch" refForName="bgRect"/>
+              <dgm:constr type="w" for="ch" forName="spaceRect" refType="l" refFor="ch" refForName="iconRect"/>
+              <dgm:constr type="h" for="ch" forName="spaceRect" refType="h"/>
+              <dgm:constr type="l" for="ch" forName="spaceRect" refType="r" refFor="ch" refForName="iconRect"/>
+              <dgm:constr type="t" for="ch" forName="spaceRect"/>
+              <dgm:constr type="h" for="ch" forName="parTx" refType="h"/>
+              <dgm:constr type="l" for="ch" forName="parTx" refType="r" refFor="ch" refForName="spaceRect"/>
+              <dgm:constr type="t" for="ch" forName="parTx"/>
+            </dgm:constrLst>
+          </dgm:else>
+        </dgm:choose>
+        <dgm:ruleLst>
+          <dgm:rule type="h" val="INF" fact="NaN" max="NaN"/>
+        </dgm:ruleLst>
+        <dgm:layoutNode name="bgRect" styleLbl="bgShp">
+          <dgm:alg type="sp"/>
+          <dgm:shape xmlns:r="http://schemas.openxmlformats.org/officeDocument/2006/relationships" type="roundRect" r:blip="">
+            <dgm:adjLst>
+              <dgm:adj idx="1" val="0.1"/>
+            </dgm:adjLst>
+          </dgm:shape>
+          <dgm:presOf/>
+          <dgm:constrLst/>
+          <dgm:ruleLst/>
+        </dgm:layoutNode>
+        <dgm:layoutNode name="iconRect" styleLbl="node1">
+          <dgm:alg type="sp"/>
+          <dgm:shape xmlns:r="http://schemas.openxmlformats.org/officeDocument/2006/relationships" type="rect" r:blip="" blipPhldr="1">
+            <dgm:adjLst/>
+          </dgm:shape>
+          <dgm:presOf/>
+          <dgm:constrLst/>
+          <dgm:ruleLst/>
+        </dgm:layoutNode>
+        <dgm:layoutNode name="spaceRect">
+          <dgm:alg type="sp"/>
+          <dgm:shape xmlns:r="http://schemas.openxmlformats.org/officeDocument/2006/relationships" r:blip="">
+            <dgm:adjLst/>
+          </dgm:shape>
+          <dgm:presOf/>
+          <dgm:constrLst/>
+          <dgm:ruleLst/>
+        </dgm:layoutNode>
+        <dgm:layoutNode name="parTx" styleLbl="revTx">
+          <dgm:varLst>
+            <dgm:chMax val="0"/>
+            <dgm:chPref val="0"/>
+          </dgm:varLst>
+          <dgm:alg type="tx">
+            <dgm:param type="txAnchorVert" val="mid"/>
+            <dgm:param type="parTxLTRAlign" val="l"/>
+            <dgm:param type="shpTxLTRAlignCh" val="l"/>
+            <dgm:param type="parTxRTLAlign" val="r"/>
+            <dgm:param type="shpTxRTLAlignCh" val="r"/>
+          </dgm:alg>
+          <dgm:shape xmlns:r="http://schemas.openxmlformats.org/officeDocument/2006/relationships" type="rect" r:blip="">
+            <dgm:adjLst/>
+          </dgm:shape>
+          <dgm:presOf axis="self" ptType="node"/>
+          <dgm:constrLst>
+            <dgm:constr type="lMarg" refType="h" fact="0.3"/>
+            <dgm:constr type="rMarg" refType="h" fact="0.3"/>
+            <dgm:constr type="tMarg" refType="h" fact="0.3"/>
+            <dgm:constr type="bMarg" refType="h" fact="0.3"/>
+          </dgm:constrLst>
+          <dgm:ruleLst>
+            <dgm:rule type="primFontSz" val="14" fact="NaN" max="NaN"/>
+            <dgm:rule type="h" val="INF" fact="NaN" max="NaN"/>
+          </dgm:ruleLst>
+        </dgm:layoutNode>
+        <dgm:choose name="Name12">
+          <dgm:if name="Name13" axis="ch" ptType="node" func="cnt" op="gte" val="1">
+            <dgm:layoutNode name="desTx" styleLbl="revTx">
+              <dgm:varLst/>
+              <dgm:alg type="tx">
+                <dgm:param type="txAnchorVertCh" val="mid"/>
+                <dgm:param type="parTxLTRAlign" val="l"/>
+                <dgm:param type="shpTxLTRAlignCh" val="l"/>
+                <dgm:param type="parTxRTLAlign" val="r"/>
+                <dgm:param type="shpTxRTLAlignCh" val="r"/>
+                <dgm:param type="stBulletLvl" val="0"/>
+              </dgm:alg>
+              <dgm:shape xmlns:r="http://schemas.openxmlformats.org/officeDocument/2006/relationships" type="rect" r:blip="">
+                <dgm:adjLst/>
+              </dgm:shape>
+              <dgm:presOf axis="des" ptType="node"/>
+              <dgm:constrLst>
+                <dgm:constr type="primFontSz" val="18"/>
+                <dgm:constr type="secFontSz" refType="primFontSz"/>
+                <dgm:constr type="lMarg" refType="h" fact="0.3"/>
+                <dgm:constr type="rMarg" refType="h" fact="0.3"/>
+                <dgm:constr type="tMarg" refType="h" fact="0.3"/>
+                <dgm:constr type="bMarg" refType="h" fact="0.3"/>
+              </dgm:constrLst>
+              <dgm:ruleLst>
+                <dgm:rule type="primFontSz" val="11" fact="NaN" max="NaN"/>
+              </dgm:ruleLst>
+            </dgm:layoutNode>
+          </dgm:if>
+          <dgm:else name="Name14"/>
+        </dgm:choose>
+      </dgm:layoutNode>
+      <dgm:forEach name="Name15" axis="followSib" ptType="sibTrans" cnt="1">
+        <dgm:layoutNode name="sibTrans">
+          <dgm:alg type="sp"/>
+          <dgm:shape xmlns:r="http://schemas.openxmlformats.org/officeDocument/2006/relationships" r:blip="">
+            <dgm:adjLst/>
+          </dgm:shape>
+          <dgm:presOf axis="self"/>
+          <dgm:constrLst/>
+          <dgm:ruleLst/>
+        </dgm:layoutNode>
+      </dgm:forEach>
+    </dgm:forEach>
+  </dgm:layoutNode>
+  <dgm:extLst>
+    <a:ext uri="{68A01E43-0DF5-4B5B-8FA6-DAF915123BFB}">
+      <dgm1612:lstStyle xmlns:dgm1612="http://schemas.microsoft.com/office/drawing/2016/12/diagram">
+        <a:lvl1pPr>
+          <a:lnSpc>
+            <a:spcPct val="100000"/>
+          </a:lnSpc>
+        </a:lvl1pPr>
+        <a:lvl2pPr>
+          <a:lnSpc>
+            <a:spcPct val="100000"/>
+          </a:lnSpc>
+        </a:lvl2pPr>
+      </dgm1612:lstStyle>
+    </a:ext>
+  </dgm:extLst>
+</dgm:layoutDef>
+</file>
+
+<file path=ppt/diagrams/layout2.xml><?xml version="1.0" encoding="utf-8"?>
 <dgm:layoutDef xmlns:dgm="http://schemas.openxmlformats.org/drawingml/2006/diagram" xmlns:a="http://schemas.openxmlformats.org/drawingml/2006/main" uniqueId="urn:microsoft.com/office/officeart/2018/2/layout/IconVerticalSolidList">
   <dgm:title val="Icon Vertical Solid List"/>
   <dgm:desc val="Use to show a series of visuals from top to bottom with Level 1 or Level 1 and Level 2 text grouped in a shape. Works best with icons or small pictures with lengthier descriptions."/>
@@ -3912,6 +5698,1040 @@
 </dgm:styleDef>
 </file>
 
+<file path=ppt/diagrams/quickStyle2.xml><?xml version="1.0" encoding="utf-8"?>
+<dgm:styleDef xmlns:dgm="http://schemas.openxmlformats.org/drawingml/2006/diagram" xmlns:a="http://schemas.openxmlformats.org/drawingml/2006/main" uniqueId="urn:microsoft.com/office/officeart/2005/8/quickstyle/simple1">
+  <dgm:title val=""/>
+  <dgm:desc val=""/>
+  <dgm:catLst>
+    <dgm:cat type="simple" pri="10100"/>
+  </dgm:catLst>
+  <dgm:scene3d>
+    <a:camera prst="orthographicFront"/>
+    <a:lightRig rig="threePt" dir="t"/>
+  </dgm:scene3d>
+  <dgm:styleLbl name="node0">
+    <dgm:scene3d>
+      <a:camera prst="orthographicFront"/>
+      <a:lightRig rig="threePt" dir="t"/>
+    </dgm:scene3d>
+    <dgm:sp3d/>
+    <dgm:txPr/>
+    <dgm:style>
+      <a:lnRef idx="2">
+        <a:scrgbClr r="0" g="0" b="0"/>
+      </a:lnRef>
+      <a:fillRef idx="1">
+        <a:scrgbClr r="0" g="0" b="0"/>
+      </a:fillRef>
+      <a:effectRef idx="0">
+        <a:scrgbClr r="0" g="0" b="0"/>
+      </a:effectRef>
+      <a:fontRef idx="minor">
+        <a:schemeClr val="lt1"/>
+      </a:fontRef>
+    </dgm:style>
+  </dgm:styleLbl>
+  <dgm:styleLbl name="lnNode1">
+    <dgm:scene3d>
+      <a:camera prst="orthographicFront"/>
+      <a:lightRig rig="threePt" dir="t"/>
+    </dgm:scene3d>
+    <dgm:sp3d/>
+    <dgm:txPr/>
+    <dgm:style>
+      <a:lnRef idx="2">
+        <a:scrgbClr r="0" g="0" b="0"/>
+      </a:lnRef>
+      <a:fillRef idx="1">
+        <a:scrgbClr r="0" g="0" b="0"/>
+      </a:fillRef>
+      <a:effectRef idx="0">
+        <a:scrgbClr r="0" g="0" b="0"/>
+      </a:effectRef>
+      <a:fontRef idx="minor">
+        <a:schemeClr val="lt1"/>
+      </a:fontRef>
+    </dgm:style>
+  </dgm:styleLbl>
+  <dgm:styleLbl name="vennNode1">
+    <dgm:scene3d>
+      <a:camera prst="orthographicFront"/>
+      <a:lightRig rig="threePt" dir="t"/>
+    </dgm:scene3d>
+    <dgm:sp3d/>
+    <dgm:txPr/>
+    <dgm:style>
+      <a:lnRef idx="2">
+        <a:scrgbClr r="0" g="0" b="0"/>
+      </a:lnRef>
+      <a:fillRef idx="1">
+        <a:scrgbClr r="0" g="0" b="0"/>
+      </a:fillRef>
+      <a:effectRef idx="0">
+        <a:scrgbClr r="0" g="0" b="0"/>
+      </a:effectRef>
+      <a:fontRef idx="minor">
+        <a:schemeClr val="tx1"/>
+      </a:fontRef>
+    </dgm:style>
+  </dgm:styleLbl>
+  <dgm:styleLbl name="alignNode1">
+    <dgm:scene3d>
+      <a:camera prst="orthographicFront"/>
+      <a:lightRig rig="threePt" dir="t"/>
+    </dgm:scene3d>
+    <dgm:sp3d/>
+    <dgm:txPr/>
+    <dgm:style>
+      <a:lnRef idx="2">
+        <a:scrgbClr r="0" g="0" b="0"/>
+      </a:lnRef>
+      <a:fillRef idx="1">
+        <a:scrgbClr r="0" g="0" b="0"/>
+      </a:fillRef>
+      <a:effectRef idx="0">
+        <a:scrgbClr r="0" g="0" b="0"/>
+      </a:effectRef>
+      <a:fontRef idx="minor">
+        <a:schemeClr val="lt1"/>
+      </a:fontRef>
+    </dgm:style>
+  </dgm:styleLbl>
+  <dgm:styleLbl name="node1">
+    <dgm:scene3d>
+      <a:camera prst="orthographicFront"/>
+      <a:lightRig rig="threePt" dir="t"/>
+    </dgm:scene3d>
+    <dgm:sp3d/>
+    <dgm:txPr/>
+    <dgm:style>
+      <a:lnRef idx="2">
+        <a:scrgbClr r="0" g="0" b="0"/>
+      </a:lnRef>
+      <a:fillRef idx="1">
+        <a:scrgbClr r="0" g="0" b="0"/>
+      </a:fillRef>
+      <a:effectRef idx="0">
+        <a:scrgbClr r="0" g="0" b="0"/>
+      </a:effectRef>
+      <a:fontRef idx="minor">
+        <a:schemeClr val="lt1"/>
+      </a:fontRef>
+    </dgm:style>
+  </dgm:styleLbl>
+  <dgm:styleLbl name="node2">
+    <dgm:scene3d>
+      <a:camera prst="orthographicFront"/>
+      <a:lightRig rig="threePt" dir="t"/>
+    </dgm:scene3d>
+    <dgm:sp3d/>
+    <dgm:txPr/>
+    <dgm:style>
+      <a:lnRef idx="2">
+        <a:scrgbClr r="0" g="0" b="0"/>
+      </a:lnRef>
+      <a:fillRef idx="1">
+        <a:scrgbClr r="0" g="0" b="0"/>
+      </a:fillRef>
+      <a:effectRef idx="0">
+        <a:scrgbClr r="0" g="0" b="0"/>
+      </a:effectRef>
+      <a:fontRef idx="minor">
+        <a:schemeClr val="lt1"/>
+      </a:fontRef>
+    </dgm:style>
+  </dgm:styleLbl>
+  <dgm:styleLbl name="node3">
+    <dgm:scene3d>
+      <a:camera prst="orthographicFront"/>
+      <a:lightRig rig="threePt" dir="t"/>
+    </dgm:scene3d>
+    <dgm:sp3d/>
+    <dgm:txPr/>
+    <dgm:style>
+      <a:lnRef idx="2">
+        <a:scrgbClr r="0" g="0" b="0"/>
+      </a:lnRef>
+      <a:fillRef idx="1">
+        <a:scrgbClr r="0" g="0" b="0"/>
+      </a:fillRef>
+      <a:effectRef idx="0">
+        <a:scrgbClr r="0" g="0" b="0"/>
+      </a:effectRef>
+      <a:fontRef idx="minor">
+        <a:schemeClr val="lt1"/>
+      </a:fontRef>
+    </dgm:style>
+  </dgm:styleLbl>
+  <dgm:styleLbl name="node4">
+    <dgm:scene3d>
+      <a:camera prst="orthographicFront"/>
+      <a:lightRig rig="threePt" dir="t"/>
+    </dgm:scene3d>
+    <dgm:sp3d/>
+    <dgm:txPr/>
+    <dgm:style>
+      <a:lnRef idx="2">
+        <a:scrgbClr r="0" g="0" b="0"/>
+      </a:lnRef>
+      <a:fillRef idx="1">
+        <a:scrgbClr r="0" g="0" b="0"/>
+      </a:fillRef>
+      <a:effectRef idx="0">
+        <a:scrgbClr r="0" g="0" b="0"/>
+      </a:effectRef>
+      <a:fontRef idx="minor">
+        <a:schemeClr val="lt1"/>
+      </a:fontRef>
+    </dgm:style>
+  </dgm:styleLbl>
+  <dgm:styleLbl name="fgImgPlace1">
+    <dgm:scene3d>
+      <a:camera prst="orthographicFront"/>
+      <a:lightRig rig="threePt" dir="t"/>
+    </dgm:scene3d>
+    <dgm:sp3d/>
+    <dgm:txPr/>
+    <dgm:style>
+      <a:lnRef idx="2">
+        <a:scrgbClr r="0" g="0" b="0"/>
+      </a:lnRef>
+      <a:fillRef idx="1">
+        <a:scrgbClr r="0" g="0" b="0"/>
+      </a:fillRef>
+      <a:effectRef idx="0">
+        <a:scrgbClr r="0" g="0" b="0"/>
+      </a:effectRef>
+      <a:fontRef idx="minor"/>
+    </dgm:style>
+  </dgm:styleLbl>
+  <dgm:styleLbl name="alignImgPlace1">
+    <dgm:scene3d>
+      <a:camera prst="orthographicFront"/>
+      <a:lightRig rig="threePt" dir="t"/>
+    </dgm:scene3d>
+    <dgm:sp3d/>
+    <dgm:txPr/>
+    <dgm:style>
+      <a:lnRef idx="2">
+        <a:scrgbClr r="0" g="0" b="0"/>
+      </a:lnRef>
+      <a:fillRef idx="1">
+        <a:scrgbClr r="0" g="0" b="0"/>
+      </a:fillRef>
+      <a:effectRef idx="0">
+        <a:scrgbClr r="0" g="0" b="0"/>
+      </a:effectRef>
+      <a:fontRef idx="minor"/>
+    </dgm:style>
+  </dgm:styleLbl>
+  <dgm:styleLbl name="bgImgPlace1">
+    <dgm:scene3d>
+      <a:camera prst="orthographicFront"/>
+      <a:lightRig rig="threePt" dir="t"/>
+    </dgm:scene3d>
+    <dgm:sp3d/>
+    <dgm:txPr/>
+    <dgm:style>
+      <a:lnRef idx="2">
+        <a:scrgbClr r="0" g="0" b="0"/>
+      </a:lnRef>
+      <a:fillRef idx="1">
+        <a:scrgbClr r="0" g="0" b="0"/>
+      </a:fillRef>
+      <a:effectRef idx="0">
+        <a:scrgbClr r="0" g="0" b="0"/>
+      </a:effectRef>
+      <a:fontRef idx="minor"/>
+    </dgm:style>
+  </dgm:styleLbl>
+  <dgm:styleLbl name="sibTrans2D1">
+    <dgm:scene3d>
+      <a:camera prst="orthographicFront"/>
+      <a:lightRig rig="threePt" dir="t"/>
+    </dgm:scene3d>
+    <dgm:sp3d/>
+    <dgm:txPr/>
+    <dgm:style>
+      <a:lnRef idx="0">
+        <a:scrgbClr r="0" g="0" b="0"/>
+      </a:lnRef>
+      <a:fillRef idx="1">
+        <a:scrgbClr r="0" g="0" b="0"/>
+      </a:fillRef>
+      <a:effectRef idx="0">
+        <a:scrgbClr r="0" g="0" b="0"/>
+      </a:effectRef>
+      <a:fontRef idx="minor">
+        <a:schemeClr val="lt1"/>
+      </a:fontRef>
+    </dgm:style>
+  </dgm:styleLbl>
+  <dgm:styleLbl name="fgSibTrans2D1">
+    <dgm:scene3d>
+      <a:camera prst="orthographicFront"/>
+      <a:lightRig rig="threePt" dir="t"/>
+    </dgm:scene3d>
+    <dgm:sp3d/>
+    <dgm:txPr/>
+    <dgm:style>
+      <a:lnRef idx="0">
+        <a:scrgbClr r="0" g="0" b="0"/>
+      </a:lnRef>
+      <a:fillRef idx="1">
+        <a:scrgbClr r="0" g="0" b="0"/>
+      </a:fillRef>
+      <a:effectRef idx="0">
+        <a:scrgbClr r="0" g="0" b="0"/>
+      </a:effectRef>
+      <a:fontRef idx="minor">
+        <a:schemeClr val="lt1"/>
+      </a:fontRef>
+    </dgm:style>
+  </dgm:styleLbl>
+  <dgm:styleLbl name="bgSibTrans2D1">
+    <dgm:scene3d>
+      <a:camera prst="orthographicFront"/>
+      <a:lightRig rig="threePt" dir="t"/>
+    </dgm:scene3d>
+    <dgm:sp3d/>
+    <dgm:txPr/>
+    <dgm:style>
+      <a:lnRef idx="0">
+        <a:scrgbClr r="0" g="0" b="0"/>
+      </a:lnRef>
+      <a:fillRef idx="1">
+        <a:scrgbClr r="0" g="0" b="0"/>
+      </a:fillRef>
+      <a:effectRef idx="0">
+        <a:scrgbClr r="0" g="0" b="0"/>
+      </a:effectRef>
+      <a:fontRef idx="minor">
+        <a:schemeClr val="lt1"/>
+      </a:fontRef>
+    </dgm:style>
+  </dgm:styleLbl>
+  <dgm:styleLbl name="sibTrans1D1">
+    <dgm:scene3d>
+      <a:camera prst="orthographicFront"/>
+      <a:lightRig rig="threePt" dir="t"/>
+    </dgm:scene3d>
+    <dgm:sp3d/>
+    <dgm:txPr/>
+    <dgm:style>
+      <a:lnRef idx="1">
+        <a:scrgbClr r="0" g="0" b="0"/>
+      </a:lnRef>
+      <a:fillRef idx="0">
+        <a:scrgbClr r="0" g="0" b="0"/>
+      </a:fillRef>
+      <a:effectRef idx="0">
+        <a:scrgbClr r="0" g="0" b="0"/>
+      </a:effectRef>
+      <a:fontRef idx="minor"/>
+    </dgm:style>
+  </dgm:styleLbl>
+  <dgm:styleLbl name="callout">
+    <dgm:scene3d>
+      <a:camera prst="orthographicFront"/>
+      <a:lightRig rig="threePt" dir="t"/>
+    </dgm:scene3d>
+    <dgm:sp3d/>
+    <dgm:txPr/>
+    <dgm:style>
+      <a:lnRef idx="2">
+        <a:scrgbClr r="0" g="0" b="0"/>
+      </a:lnRef>
+      <a:fillRef idx="1">
+        <a:scrgbClr r="0" g="0" b="0"/>
+      </a:fillRef>
+      <a:effectRef idx="0">
+        <a:scrgbClr r="0" g="0" b="0"/>
+      </a:effectRef>
+      <a:fontRef idx="minor"/>
+    </dgm:style>
+  </dgm:styleLbl>
+  <dgm:styleLbl name="asst0">
+    <dgm:scene3d>
+      <a:camera prst="orthographicFront"/>
+      <a:lightRig rig="threePt" dir="t"/>
+    </dgm:scene3d>
+    <dgm:sp3d/>
+    <dgm:txPr/>
+    <dgm:style>
+      <a:lnRef idx="2">
+        <a:scrgbClr r="0" g="0" b="0"/>
+      </a:lnRef>
+      <a:fillRef idx="1">
+        <a:scrgbClr r="0" g="0" b="0"/>
+      </a:fillRef>
+      <a:effectRef idx="0">
+        <a:scrgbClr r="0" g="0" b="0"/>
+      </a:effectRef>
+      <a:fontRef idx="minor">
+        <a:schemeClr val="lt1"/>
+      </a:fontRef>
+    </dgm:style>
+  </dgm:styleLbl>
+  <dgm:styleLbl name="asst1">
+    <dgm:scene3d>
+      <a:camera prst="orthographicFront"/>
+      <a:lightRig rig="threePt" dir="t"/>
+    </dgm:scene3d>
+    <dgm:sp3d/>
+    <dgm:txPr/>
+    <dgm:style>
+      <a:lnRef idx="2">
+        <a:scrgbClr r="0" g="0" b="0"/>
+      </a:lnRef>
+      <a:fillRef idx="1">
+        <a:scrgbClr r="0" g="0" b="0"/>
+      </a:fillRef>
+      <a:effectRef idx="0">
+        <a:scrgbClr r="0" g="0" b="0"/>
+      </a:effectRef>
+      <a:fontRef idx="minor">
+        <a:schemeClr val="lt1"/>
+      </a:fontRef>
+    </dgm:style>
+  </dgm:styleLbl>
+  <dgm:styleLbl name="asst2">
+    <dgm:scene3d>
+      <a:camera prst="orthographicFront"/>
+      <a:lightRig rig="threePt" dir="t"/>
+    </dgm:scene3d>
+    <dgm:sp3d/>
+    <dgm:txPr/>
+    <dgm:style>
+      <a:lnRef idx="2">
+        <a:scrgbClr r="0" g="0" b="0"/>
+      </a:lnRef>
+      <a:fillRef idx="1">
+        <a:scrgbClr r="0" g="0" b="0"/>
+      </a:fillRef>
+      <a:effectRef idx="0">
+        <a:scrgbClr r="0" g="0" b="0"/>
+      </a:effectRef>
+      <a:fontRef idx="minor">
+        <a:schemeClr val="lt1"/>
+      </a:fontRef>
+    </dgm:style>
+  </dgm:styleLbl>
+  <dgm:styleLbl name="asst3">
+    <dgm:scene3d>
+      <a:camera prst="orthographicFront"/>
+      <a:lightRig rig="threePt" dir="t"/>
+    </dgm:scene3d>
+    <dgm:sp3d/>
+    <dgm:txPr/>
+    <dgm:style>
+      <a:lnRef idx="2">
+        <a:scrgbClr r="0" g="0" b="0"/>
+      </a:lnRef>
+      <a:fillRef idx="1">
+        <a:scrgbClr r="0" g="0" b="0"/>
+      </a:fillRef>
+      <a:effectRef idx="0">
+        <a:scrgbClr r="0" g="0" b="0"/>
+      </a:effectRef>
+      <a:fontRef idx="minor">
+        <a:schemeClr val="lt1"/>
+      </a:fontRef>
+    </dgm:style>
+  </dgm:styleLbl>
+  <dgm:styleLbl name="asst4">
+    <dgm:scene3d>
+      <a:camera prst="orthographicFront"/>
+      <a:lightRig rig="threePt" dir="t"/>
+    </dgm:scene3d>
+    <dgm:sp3d/>
+    <dgm:txPr/>
+    <dgm:style>
+      <a:lnRef idx="2">
+        <a:scrgbClr r="0" g="0" b="0"/>
+      </a:lnRef>
+      <a:fillRef idx="1">
+        <a:scrgbClr r="0" g="0" b="0"/>
+      </a:fillRef>
+      <a:effectRef idx="0">
+        <a:scrgbClr r="0" g="0" b="0"/>
+      </a:effectRef>
+      <a:fontRef idx="minor">
+        <a:schemeClr val="lt1"/>
+      </a:fontRef>
+    </dgm:style>
+  </dgm:styleLbl>
+  <dgm:styleLbl name="parChTrans2D1">
+    <dgm:scene3d>
+      <a:camera prst="orthographicFront"/>
+      <a:lightRig rig="threePt" dir="t"/>
+    </dgm:scene3d>
+    <dgm:sp3d/>
+    <dgm:txPr/>
+    <dgm:style>
+      <a:lnRef idx="2">
+        <a:scrgbClr r="0" g="0" b="0"/>
+      </a:lnRef>
+      <a:fillRef idx="1">
+        <a:scrgbClr r="0" g="0" b="0"/>
+      </a:fillRef>
+      <a:effectRef idx="0">
+        <a:scrgbClr r="0" g="0" b="0"/>
+      </a:effectRef>
+      <a:fontRef idx="minor">
+        <a:schemeClr val="lt1"/>
+      </a:fontRef>
+    </dgm:style>
+  </dgm:styleLbl>
+  <dgm:styleLbl name="parChTrans2D2">
+    <dgm:scene3d>
+      <a:camera prst="orthographicFront"/>
+      <a:lightRig rig="threePt" dir="t"/>
+    </dgm:scene3d>
+    <dgm:sp3d/>
+    <dgm:txPr/>
+    <dgm:style>
+      <a:lnRef idx="2">
+        <a:scrgbClr r="0" g="0" b="0"/>
+      </a:lnRef>
+      <a:fillRef idx="1">
+        <a:scrgbClr r="0" g="0" b="0"/>
+      </a:fillRef>
+      <a:effectRef idx="0">
+        <a:scrgbClr r="0" g="0" b="0"/>
+      </a:effectRef>
+      <a:fontRef idx="minor">
+        <a:schemeClr val="lt1"/>
+      </a:fontRef>
+    </dgm:style>
+  </dgm:styleLbl>
+  <dgm:styleLbl name="parChTrans2D3">
+    <dgm:scene3d>
+      <a:camera prst="orthographicFront"/>
+      <a:lightRig rig="threePt" dir="t"/>
+    </dgm:scene3d>
+    <dgm:sp3d/>
+    <dgm:txPr/>
+    <dgm:style>
+      <a:lnRef idx="2">
+        <a:scrgbClr r="0" g="0" b="0"/>
+      </a:lnRef>
+      <a:fillRef idx="1">
+        <a:scrgbClr r="0" g="0" b="0"/>
+      </a:fillRef>
+      <a:effectRef idx="0">
+        <a:scrgbClr r="0" g="0" b="0"/>
+      </a:effectRef>
+      <a:fontRef idx="minor">
+        <a:schemeClr val="lt1"/>
+      </a:fontRef>
+    </dgm:style>
+  </dgm:styleLbl>
+  <dgm:styleLbl name="parChTrans2D4">
+    <dgm:scene3d>
+      <a:camera prst="orthographicFront"/>
+      <a:lightRig rig="threePt" dir="t"/>
+    </dgm:scene3d>
+    <dgm:sp3d/>
+    <dgm:txPr/>
+    <dgm:style>
+      <a:lnRef idx="2">
+        <a:scrgbClr r="0" g="0" b="0"/>
+      </a:lnRef>
+      <a:fillRef idx="1">
+        <a:scrgbClr r="0" g="0" b="0"/>
+      </a:fillRef>
+      <a:effectRef idx="0">
+        <a:scrgbClr r="0" g="0" b="0"/>
+      </a:effectRef>
+      <a:fontRef idx="minor">
+        <a:schemeClr val="lt1"/>
+      </a:fontRef>
+    </dgm:style>
+  </dgm:styleLbl>
+  <dgm:styleLbl name="parChTrans1D1">
+    <dgm:scene3d>
+      <a:camera prst="orthographicFront"/>
+      <a:lightRig rig="threePt" dir="t"/>
+    </dgm:scene3d>
+    <dgm:sp3d/>
+    <dgm:txPr/>
+    <dgm:style>
+      <a:lnRef idx="2">
+        <a:scrgbClr r="0" g="0" b="0"/>
+      </a:lnRef>
+      <a:fillRef idx="0">
+        <a:scrgbClr r="0" g="0" b="0"/>
+      </a:fillRef>
+      <a:effectRef idx="0">
+        <a:scrgbClr r="0" g="0" b="0"/>
+      </a:effectRef>
+      <a:fontRef idx="minor"/>
+    </dgm:style>
+  </dgm:styleLbl>
+  <dgm:styleLbl name="parChTrans1D2">
+    <dgm:scene3d>
+      <a:camera prst="orthographicFront"/>
+      <a:lightRig rig="threePt" dir="t"/>
+    </dgm:scene3d>
+    <dgm:sp3d/>
+    <dgm:txPr/>
+    <dgm:style>
+      <a:lnRef idx="2">
+        <a:scrgbClr r="0" g="0" b="0"/>
+      </a:lnRef>
+      <a:fillRef idx="0">
+        <a:scrgbClr r="0" g="0" b="0"/>
+      </a:fillRef>
+      <a:effectRef idx="0">
+        <a:scrgbClr r="0" g="0" b="0"/>
+      </a:effectRef>
+      <a:fontRef idx="minor"/>
+    </dgm:style>
+  </dgm:styleLbl>
+  <dgm:styleLbl name="parChTrans1D3">
+    <dgm:scene3d>
+      <a:camera prst="orthographicFront"/>
+      <a:lightRig rig="threePt" dir="t"/>
+    </dgm:scene3d>
+    <dgm:sp3d/>
+    <dgm:txPr/>
+    <dgm:style>
+      <a:lnRef idx="2">
+        <a:scrgbClr r="0" g="0" b="0"/>
+      </a:lnRef>
+      <a:fillRef idx="0">
+        <a:scrgbClr r="0" g="0" b="0"/>
+      </a:fillRef>
+      <a:effectRef idx="0">
+        <a:scrgbClr r="0" g="0" b="0"/>
+      </a:effectRef>
+      <a:fontRef idx="minor"/>
+    </dgm:style>
+  </dgm:styleLbl>
+  <dgm:styleLbl name="parChTrans1D4">
+    <dgm:scene3d>
+      <a:camera prst="orthographicFront"/>
+      <a:lightRig rig="threePt" dir="t"/>
+    </dgm:scene3d>
+    <dgm:sp3d/>
+    <dgm:txPr/>
+    <dgm:style>
+      <a:lnRef idx="2">
+        <a:scrgbClr r="0" g="0" b="0"/>
+      </a:lnRef>
+      <a:fillRef idx="0">
+        <a:scrgbClr r="0" g="0" b="0"/>
+      </a:fillRef>
+      <a:effectRef idx="0">
+        <a:scrgbClr r="0" g="0" b="0"/>
+      </a:effectRef>
+      <a:fontRef idx="minor"/>
+    </dgm:style>
+  </dgm:styleLbl>
+  <dgm:styleLbl name="fgAcc1">
+    <dgm:scene3d>
+      <a:camera prst="orthographicFront"/>
+      <a:lightRig rig="threePt" dir="t"/>
+    </dgm:scene3d>
+    <dgm:sp3d/>
+    <dgm:txPr/>
+    <dgm:style>
+      <a:lnRef idx="2">
+        <a:scrgbClr r="0" g="0" b="0"/>
+      </a:lnRef>
+      <a:fillRef idx="1">
+        <a:scrgbClr r="0" g="0" b="0"/>
+      </a:fillRef>
+      <a:effectRef idx="0">
+        <a:scrgbClr r="0" g="0" b="0"/>
+      </a:effectRef>
+      <a:fontRef idx="minor"/>
+    </dgm:style>
+  </dgm:styleLbl>
+  <dgm:styleLbl name="conFgAcc1">
+    <dgm:scene3d>
+      <a:camera prst="orthographicFront"/>
+      <a:lightRig rig="threePt" dir="t"/>
+    </dgm:scene3d>
+    <dgm:sp3d/>
+    <dgm:txPr/>
+    <dgm:style>
+      <a:lnRef idx="2">
+        <a:scrgbClr r="0" g="0" b="0"/>
+      </a:lnRef>
+      <a:fillRef idx="1">
+        <a:scrgbClr r="0" g="0" b="0"/>
+      </a:fillRef>
+      <a:effectRef idx="0">
+        <a:scrgbClr r="0" g="0" b="0"/>
+      </a:effectRef>
+      <a:fontRef idx="minor"/>
+    </dgm:style>
+  </dgm:styleLbl>
+  <dgm:styleLbl name="alignAcc1">
+    <dgm:scene3d>
+      <a:camera prst="orthographicFront"/>
+      <a:lightRig rig="threePt" dir="t"/>
+    </dgm:scene3d>
+    <dgm:sp3d/>
+    <dgm:txPr/>
+    <dgm:style>
+      <a:lnRef idx="2">
+        <a:scrgbClr r="0" g="0" b="0"/>
+      </a:lnRef>
+      <a:fillRef idx="1">
+        <a:scrgbClr r="0" g="0" b="0"/>
+      </a:fillRef>
+      <a:effectRef idx="0">
+        <a:scrgbClr r="0" g="0" b="0"/>
+      </a:effectRef>
+      <a:fontRef idx="minor"/>
+    </dgm:style>
+  </dgm:styleLbl>
+  <dgm:styleLbl name="trAlignAcc1">
+    <dgm:scene3d>
+      <a:camera prst="orthographicFront"/>
+      <a:lightRig rig="threePt" dir="t"/>
+    </dgm:scene3d>
+    <dgm:sp3d/>
+    <dgm:txPr/>
+    <dgm:style>
+      <a:lnRef idx="1">
+        <a:scrgbClr r="0" g="0" b="0"/>
+      </a:lnRef>
+      <a:fillRef idx="1">
+        <a:scrgbClr r="0" g="0" b="0"/>
+      </a:fillRef>
+      <a:effectRef idx="0">
+        <a:scrgbClr r="0" g="0" b="0"/>
+      </a:effectRef>
+      <a:fontRef idx="minor"/>
+    </dgm:style>
+  </dgm:styleLbl>
+  <dgm:styleLbl name="bgAcc1">
+    <dgm:scene3d>
+      <a:camera prst="orthographicFront"/>
+      <a:lightRig rig="threePt" dir="t"/>
+    </dgm:scene3d>
+    <dgm:sp3d/>
+    <dgm:txPr/>
+    <dgm:style>
+      <a:lnRef idx="2">
+        <a:scrgbClr r="0" g="0" b="0"/>
+      </a:lnRef>
+      <a:fillRef idx="1">
+        <a:scrgbClr r="0" g="0" b="0"/>
+      </a:fillRef>
+      <a:effectRef idx="0">
+        <a:scrgbClr r="0" g="0" b="0"/>
+      </a:effectRef>
+      <a:fontRef idx="minor"/>
+    </dgm:style>
+  </dgm:styleLbl>
+  <dgm:styleLbl name="solidFgAcc1">
+    <dgm:scene3d>
+      <a:camera prst="orthographicFront"/>
+      <a:lightRig rig="threePt" dir="t"/>
+    </dgm:scene3d>
+    <dgm:sp3d/>
+    <dgm:txPr/>
+    <dgm:style>
+      <a:lnRef idx="2">
+        <a:scrgbClr r="0" g="0" b="0"/>
+      </a:lnRef>
+      <a:fillRef idx="1">
+        <a:scrgbClr r="0" g="0" b="0"/>
+      </a:fillRef>
+      <a:effectRef idx="0">
+        <a:scrgbClr r="0" g="0" b="0"/>
+      </a:effectRef>
+      <a:fontRef idx="minor"/>
+    </dgm:style>
+  </dgm:styleLbl>
+  <dgm:styleLbl name="solidAlignAcc1">
+    <dgm:scene3d>
+      <a:camera prst="orthographicFront"/>
+      <a:lightRig rig="threePt" dir="t"/>
+    </dgm:scene3d>
+    <dgm:sp3d/>
+    <dgm:txPr/>
+    <dgm:style>
+      <a:lnRef idx="2">
+        <a:scrgbClr r="0" g="0" b="0"/>
+      </a:lnRef>
+      <a:fillRef idx="1">
+        <a:scrgbClr r="0" g="0" b="0"/>
+      </a:fillRef>
+      <a:effectRef idx="0">
+        <a:scrgbClr r="0" g="0" b="0"/>
+      </a:effectRef>
+      <a:fontRef idx="minor"/>
+    </dgm:style>
+  </dgm:styleLbl>
+  <dgm:styleLbl name="solidBgAcc1">
+    <dgm:scene3d>
+      <a:camera prst="orthographicFront"/>
+      <a:lightRig rig="threePt" dir="t"/>
+    </dgm:scene3d>
+    <dgm:sp3d/>
+    <dgm:txPr/>
+    <dgm:style>
+      <a:lnRef idx="2">
+        <a:scrgbClr r="0" g="0" b="0"/>
+      </a:lnRef>
+      <a:fillRef idx="1">
+        <a:scrgbClr r="0" g="0" b="0"/>
+      </a:fillRef>
+      <a:effectRef idx="0">
+        <a:scrgbClr r="0" g="0" b="0"/>
+      </a:effectRef>
+      <a:fontRef idx="minor"/>
+    </dgm:style>
+  </dgm:styleLbl>
+  <dgm:styleLbl name="fgAccFollowNode1">
+    <dgm:scene3d>
+      <a:camera prst="orthographicFront"/>
+      <a:lightRig rig="threePt" dir="t"/>
+    </dgm:scene3d>
+    <dgm:sp3d/>
+    <dgm:txPr/>
+    <dgm:style>
+      <a:lnRef idx="2">
+        <a:scrgbClr r="0" g="0" b="0"/>
+      </a:lnRef>
+      <a:fillRef idx="1">
+        <a:scrgbClr r="0" g="0" b="0"/>
+      </a:fillRef>
+      <a:effectRef idx="0">
+        <a:scrgbClr r="0" g="0" b="0"/>
+      </a:effectRef>
+      <a:fontRef idx="minor"/>
+    </dgm:style>
+  </dgm:styleLbl>
+  <dgm:styleLbl name="alignAccFollowNode1">
+    <dgm:scene3d>
+      <a:camera prst="orthographicFront"/>
+      <a:lightRig rig="threePt" dir="t"/>
+    </dgm:scene3d>
+    <dgm:sp3d/>
+    <dgm:txPr/>
+    <dgm:style>
+      <a:lnRef idx="2">
+        <a:scrgbClr r="0" g="0" b="0"/>
+      </a:lnRef>
+      <a:fillRef idx="1">
+        <a:scrgbClr r="0" g="0" b="0"/>
+      </a:fillRef>
+      <a:effectRef idx="0">
+        <a:scrgbClr r="0" g="0" b="0"/>
+      </a:effectRef>
+      <a:fontRef idx="minor"/>
+    </dgm:style>
+  </dgm:styleLbl>
+  <dgm:styleLbl name="bgAccFollowNode1">
+    <dgm:scene3d>
+      <a:camera prst="orthographicFront"/>
+      <a:lightRig rig="threePt" dir="t"/>
+    </dgm:scene3d>
+    <dgm:sp3d/>
+    <dgm:txPr/>
+    <dgm:style>
+      <a:lnRef idx="2">
+        <a:scrgbClr r="0" g="0" b="0"/>
+      </a:lnRef>
+      <a:fillRef idx="1">
+        <a:scrgbClr r="0" g="0" b="0"/>
+      </a:fillRef>
+      <a:effectRef idx="0">
+        <a:scrgbClr r="0" g="0" b="0"/>
+      </a:effectRef>
+      <a:fontRef idx="minor"/>
+    </dgm:style>
+  </dgm:styleLbl>
+  <dgm:styleLbl name="fgAcc0">
+    <dgm:scene3d>
+      <a:camera prst="orthographicFront"/>
+      <a:lightRig rig="threePt" dir="t"/>
+    </dgm:scene3d>
+    <dgm:sp3d/>
+    <dgm:txPr/>
+    <dgm:style>
+      <a:lnRef idx="2">
+        <a:scrgbClr r="0" g="0" b="0"/>
+      </a:lnRef>
+      <a:fillRef idx="1">
+        <a:scrgbClr r="0" g="0" b="0"/>
+      </a:fillRef>
+      <a:effectRef idx="0">
+        <a:scrgbClr r="0" g="0" b="0"/>
+      </a:effectRef>
+      <a:fontRef idx="minor"/>
+    </dgm:style>
+  </dgm:styleLbl>
+  <dgm:styleLbl name="fgAcc2">
+    <dgm:scene3d>
+      <a:camera prst="orthographicFront"/>
+      <a:lightRig rig="threePt" dir="t"/>
+    </dgm:scene3d>
+    <dgm:sp3d/>
+    <dgm:txPr/>
+    <dgm:style>
+      <a:lnRef idx="2">
+        <a:scrgbClr r="0" g="0" b="0"/>
+      </a:lnRef>
+      <a:fillRef idx="1">
+        <a:scrgbClr r="0" g="0" b="0"/>
+      </a:fillRef>
+      <a:effectRef idx="0">
+        <a:scrgbClr r="0" g="0" b="0"/>
+      </a:effectRef>
+      <a:fontRef idx="minor"/>
+    </dgm:style>
+  </dgm:styleLbl>
+  <dgm:styleLbl name="fgAcc3">
+    <dgm:scene3d>
+      <a:camera prst="orthographicFront"/>
+      <a:lightRig rig="threePt" dir="t"/>
+    </dgm:scene3d>
+    <dgm:sp3d/>
+    <dgm:txPr/>
+    <dgm:style>
+      <a:lnRef idx="2">
+        <a:scrgbClr r="0" g="0" b="0"/>
+      </a:lnRef>
+      <a:fillRef idx="1">
+        <a:scrgbClr r="0" g="0" b="0"/>
+      </a:fillRef>
+      <a:effectRef idx="0">
+        <a:scrgbClr r="0" g="0" b="0"/>
+      </a:effectRef>
+      <a:fontRef idx="minor"/>
+    </dgm:style>
+  </dgm:styleLbl>
+  <dgm:styleLbl name="fgAcc4">
+    <dgm:scene3d>
+      <a:camera prst="orthographicFront"/>
+      <a:lightRig rig="threePt" dir="t"/>
+    </dgm:scene3d>
+    <dgm:sp3d/>
+    <dgm:txPr/>
+    <dgm:style>
+      <a:lnRef idx="2">
+        <a:scrgbClr r="0" g="0" b="0"/>
+      </a:lnRef>
+      <a:fillRef idx="1">
+        <a:scrgbClr r="0" g="0" b="0"/>
+      </a:fillRef>
+      <a:effectRef idx="0">
+        <a:scrgbClr r="0" g="0" b="0"/>
+      </a:effectRef>
+      <a:fontRef idx="minor"/>
+    </dgm:style>
+  </dgm:styleLbl>
+  <dgm:styleLbl name="bgShp">
+    <dgm:scene3d>
+      <a:camera prst="orthographicFront"/>
+      <a:lightRig rig="threePt" dir="t"/>
+    </dgm:scene3d>
+    <dgm:sp3d/>
+    <dgm:txPr/>
+    <dgm:style>
+      <a:lnRef idx="0">
+        <a:scrgbClr r="0" g="0" b="0"/>
+      </a:lnRef>
+      <a:fillRef idx="1">
+        <a:scrgbClr r="0" g="0" b="0"/>
+      </a:fillRef>
+      <a:effectRef idx="0">
+        <a:scrgbClr r="0" g="0" b="0"/>
+      </a:effectRef>
+      <a:fontRef idx="minor"/>
+    </dgm:style>
+  </dgm:styleLbl>
+  <dgm:styleLbl name="dkBgShp">
+    <dgm:scene3d>
+      <a:camera prst="orthographicFront"/>
+      <a:lightRig rig="threePt" dir="t"/>
+    </dgm:scene3d>
+    <dgm:sp3d/>
+    <dgm:txPr/>
+    <dgm:style>
+      <a:lnRef idx="0">
+        <a:scrgbClr r="0" g="0" b="0"/>
+      </a:lnRef>
+      <a:fillRef idx="1">
+        <a:scrgbClr r="0" g="0" b="0"/>
+      </a:fillRef>
+      <a:effectRef idx="0">
+        <a:scrgbClr r="0" g="0" b="0"/>
+      </a:effectRef>
+      <a:fontRef idx="minor"/>
+    </dgm:style>
+  </dgm:styleLbl>
+  <dgm:styleLbl name="trBgShp">
+    <dgm:scene3d>
+      <a:camera prst="orthographicFront"/>
+      <a:lightRig rig="threePt" dir="t"/>
+    </dgm:scene3d>
+    <dgm:sp3d/>
+    <dgm:txPr/>
+    <dgm:style>
+      <a:lnRef idx="0">
+        <a:scrgbClr r="0" g="0" b="0"/>
+      </a:lnRef>
+      <a:fillRef idx="1">
+        <a:scrgbClr r="0" g="0" b="0"/>
+      </a:fillRef>
+      <a:effectRef idx="0">
+        <a:scrgbClr r="0" g="0" b="0"/>
+      </a:effectRef>
+      <a:fontRef idx="minor"/>
+    </dgm:style>
+  </dgm:styleLbl>
+  <dgm:styleLbl name="fgShp">
+    <dgm:scene3d>
+      <a:camera prst="orthographicFront"/>
+      <a:lightRig rig="threePt" dir="t"/>
+    </dgm:scene3d>
+    <dgm:sp3d/>
+    <dgm:txPr/>
+    <dgm:style>
+      <a:lnRef idx="2">
+        <a:scrgbClr r="0" g="0" b="0"/>
+      </a:lnRef>
+      <a:fillRef idx="1">
+        <a:scrgbClr r="0" g="0" b="0"/>
+      </a:fillRef>
+      <a:effectRef idx="0">
+        <a:scrgbClr r="0" g="0" b="0"/>
+      </a:effectRef>
+      <a:fontRef idx="minor"/>
+    </dgm:style>
+  </dgm:styleLbl>
+  <dgm:styleLbl name="revTx">
+    <dgm:scene3d>
+      <a:camera prst="orthographicFront"/>
+      <a:lightRig rig="threePt" dir="t"/>
+    </dgm:scene3d>
+    <dgm:sp3d/>
+    <dgm:txPr/>
+    <dgm:style>
+      <a:lnRef idx="0">
+        <a:scrgbClr r="0" g="0" b="0"/>
+      </a:lnRef>
+      <a:fillRef idx="0">
+        <a:scrgbClr r="0" g="0" b="0"/>
+      </a:fillRef>
+      <a:effectRef idx="0">
+        <a:scrgbClr r="0" g="0" b="0"/>
+      </a:effectRef>
+      <a:fontRef idx="minor"/>
+    </dgm:style>
+  </dgm:styleLbl>
+</dgm:styleDef>
+</file>
+
 <file path=ppt/notesMasters/notesMaster1.xml><?xml version="1.0" encoding="utf-8"?>
 <p:notesMaster xmlns:a="http://schemas.openxmlformats.org/drawingml/2006/main" xmlns:r="http://schemas.openxmlformats.org/officeDocument/2006/relationships" xmlns:p="http://schemas.openxmlformats.org/presentationml/2006/main">
   <p:cSld>
@@ -4327,7 +7147,7 @@
           <a:p>
             <a:fld id="{1312A7CC-127A-D141-A6E1-AF76D61A52DB}" type="slidenum">
               <a:rPr lang="en-US" smtClean="0"/>
-              <a:t>11</a:t>
+              <a:t>13</a:t>
             </a:fld>
             <a:endParaRPr lang="en-US"/>
           </a:p>
@@ -4411,7 +7231,7 @@
           <a:p>
             <a:fld id="{1312A7CC-127A-D141-A6E1-AF76D61A52DB}" type="slidenum">
               <a:rPr lang="en-US" smtClean="0"/>
-              <a:t>12</a:t>
+              <a:t>14</a:t>
             </a:fld>
             <a:endParaRPr lang="en-US"/>
           </a:p>
@@ -8182,7 +11002,7 @@
           <a:p>
             <a:r>
               <a:rPr lang="en-US" dirty="0"/>
-              <a:t>Exploration vs Exploitation</a:t>
+              <a:t>Hyper-parameters in RL</a:t>
             </a:r>
           </a:p>
         </p:txBody>
@@ -8356,6 +11176,22 @@
           </a:bodyPr>
           <a:lstStyle/>
           <a:p>
+            <a:r>
+              <a:rPr lang="en-US" dirty="0" err="1"/>
+              <a:t>η</a:t>
+            </a:r>
+            <a:r>
+              <a:rPr lang="en-US" dirty="0"/>
+              <a:t> (eta) -</a:t>
+            </a:r>
+          </a:p>
+          <a:p>
+            <a:r>
+              <a:rPr lang="en-US" dirty="0"/>
+              <a:t>𝛄 (gamma) – </a:t>
+            </a:r>
+          </a:p>
+          <a:p>
             <a:endParaRPr lang="en-US" dirty="0"/>
           </a:p>
         </p:txBody>
@@ -8363,7 +11199,7 @@
     </p:spTree>
     <p:extLst>
       <p:ext uri="{BB962C8B-B14F-4D97-AF65-F5344CB8AC3E}">
-        <p14:creationId xmlns:p14="http://schemas.microsoft.com/office/powerpoint/2010/main" val="3787810117"/>
+        <p14:creationId xmlns:p14="http://schemas.microsoft.com/office/powerpoint/2010/main" val="4098792880"/>
       </p:ext>
     </p:extLst>
   </p:cSld>
@@ -8552,7 +11388,7 @@
           <a:p>
             <a:r>
               <a:rPr lang="en-US" dirty="0"/>
-              <a:t>Experience vs Data</a:t>
+              <a:t>Exploration vs Exploitation</a:t>
             </a:r>
           </a:p>
         </p:txBody>
@@ -8733,7 +11569,7 @@
     </p:spTree>
     <p:extLst>
       <p:ext uri="{BB962C8B-B14F-4D97-AF65-F5344CB8AC3E}">
-        <p14:creationId xmlns:p14="http://schemas.microsoft.com/office/powerpoint/2010/main" val="591324005"/>
+        <p14:creationId xmlns:p14="http://schemas.microsoft.com/office/powerpoint/2010/main" val="3787810117"/>
       </p:ext>
     </p:extLst>
   </p:cSld>
@@ -8768,57 +11604,9 @@
           <a:chExt cx="0" cy="0"/>
         </a:xfrm>
       </p:grpSpPr>
-      <p:cxnSp>
-        <p:nvCxnSpPr>
-          <p:cNvPr id="46" name="Straight Connector 45">
-            <a:extLst>
-              <a:ext uri="{FF2B5EF4-FFF2-40B4-BE49-F238E27FC236}">
-                <a16:creationId xmlns:a16="http://schemas.microsoft.com/office/drawing/2014/main" id="{F209B62C-3402-4623-9A7C-AA048B56F8C3}"/>
-              </a:ext>
-              <a:ext uri="{C183D7F6-B498-43B3-948B-1728B52AA6E4}">
-                <adec:decorative xmlns:adec="http://schemas.microsoft.com/office/drawing/2017/decorative" val="1"/>
-              </a:ext>
-            </a:extLst>
-          </p:cNvPr>
-          <p:cNvCxnSpPr>
-            <a:cxnSpLocks noGrp="1" noRot="1" noChangeAspect="1" noMove="1" noResize="1" noEditPoints="1" noAdjustHandles="1" noChangeArrowheads="1" noChangeShapeType="1"/>
-          </p:cNvCxnSpPr>
-          <p:nvPr>
-            <p:extLst>
-              <p:ext uri="{386F3935-93C4-4BCD-93E2-E3B085C9AB24}">
-                <p16:designElem xmlns:p16="http://schemas.microsoft.com/office/powerpoint/2015/main" val="1"/>
-              </p:ext>
-            </p:extLst>
-          </p:nvPr>
-        </p:nvCxnSpPr>
-        <p:spPr>
-          <a:xfrm>
-            <a:off x="990600" y="1031001"/>
-            <a:ext cx="978862" cy="0"/>
-          </a:xfrm>
-          <a:prstGeom prst="line">
-            <a:avLst/>
-          </a:prstGeom>
-          <a:ln w="76200"/>
-        </p:spPr>
-        <p:style>
-          <a:lnRef idx="1">
-            <a:schemeClr val="accent1"/>
-          </a:lnRef>
-          <a:fillRef idx="0">
-            <a:schemeClr val="accent1"/>
-          </a:fillRef>
-          <a:effectRef idx="0">
-            <a:schemeClr val="accent1"/>
-          </a:effectRef>
-          <a:fontRef idx="minor">
-            <a:schemeClr val="tx1"/>
-          </a:fontRef>
-        </p:style>
-      </p:cxnSp>
       <p:sp useBgFill="1">
         <p:nvSpPr>
-          <p:cNvPr id="48" name="Rectangle 47">
+          <p:cNvPr id="27" name="Rectangle 21">
             <a:extLst>
               <a:ext uri="{FF2B5EF4-FFF2-40B4-BE49-F238E27FC236}">
                 <a16:creationId xmlns:a16="http://schemas.microsoft.com/office/drawing/2014/main" id="{19F9BF86-FE94-4517-B97D-026C7515E589}"/>
@@ -8892,12 +11680,117 @@
           </a:p>
         </p:txBody>
       </p:sp>
+      <p:pic>
+        <p:nvPicPr>
+          <p:cNvPr id="17" name="Picture 3" descr="Triangular abstract background">
+            <a:extLst>
+              <a:ext uri="{FF2B5EF4-FFF2-40B4-BE49-F238E27FC236}">
+                <a16:creationId xmlns:a16="http://schemas.microsoft.com/office/drawing/2014/main" id="{A04F2E58-04DE-AA52-A5EA-0C9D94AA6D59}"/>
+              </a:ext>
+            </a:extLst>
+          </p:cNvPr>
+          <p:cNvPicPr>
+            <a:picLocks noChangeAspect="1"/>
+          </p:cNvPicPr>
+          <p:nvPr/>
+        </p:nvPicPr>
+        <p:blipFill rotWithShape="1">
+          <a:blip r:embed="rId2"/>
+          <a:srcRect t="15730"/>
+          <a:stretch/>
+        </p:blipFill>
+        <p:spPr>
+          <a:xfrm>
+            <a:off x="1" y="10"/>
+            <a:ext cx="12192000" cy="6857990"/>
+          </a:xfrm>
+          <a:prstGeom prst="rect">
+            <a:avLst/>
+          </a:prstGeom>
+        </p:spPr>
+      </p:pic>
+      <p:sp useBgFill="1">
+        <p:nvSpPr>
+          <p:cNvPr id="28" name="Rectangle 23">
+            <a:extLst>
+              <a:ext uri="{FF2B5EF4-FFF2-40B4-BE49-F238E27FC236}">
+                <a16:creationId xmlns:a16="http://schemas.microsoft.com/office/drawing/2014/main" id="{D30DD7D3-2712-4491-B2C2-5FC23330C7CB}"/>
+              </a:ext>
+              <a:ext uri="{C183D7F6-B498-43B3-948B-1728B52AA6E4}">
+                <adec:decorative xmlns:adec="http://schemas.microsoft.com/office/drawing/2017/decorative" val="1"/>
+              </a:ext>
+            </a:extLst>
+          </p:cNvPr>
+          <p:cNvSpPr>
+            <a:spLocks noGrp="1" noRot="1" noChangeAspect="1" noMove="1" noResize="1" noEditPoints="1" noAdjustHandles="1" noChangeArrowheads="1" noChangeShapeType="1" noTextEdit="1"/>
+          </p:cNvSpPr>
+          <p:nvPr>
+            <p:extLst>
+              <p:ext uri="{386F3935-93C4-4BCD-93E2-E3B085C9AB24}">
+                <p16:designElem xmlns:p16="http://schemas.microsoft.com/office/powerpoint/2015/main" val="1"/>
+              </p:ext>
+            </p:extLst>
+          </p:nvPr>
+        </p:nvSpPr>
+        <p:spPr>
+          <a:xfrm>
+            <a:off x="1057051" y="1066800"/>
+            <a:ext cx="5699422" cy="4724400"/>
+          </a:xfrm>
+          <a:prstGeom prst="rect">
+            <a:avLst/>
+          </a:prstGeom>
+          <a:ln w="12700" cap="flat" cmpd="sng" algn="ctr">
+            <a:noFill/>
+            <a:prstDash val="solid"/>
+            <a:miter lim="800000"/>
+          </a:ln>
+          <a:effectLst/>
+          <a:extLst>
+            <a:ext uri="{91240B29-F687-4F45-9708-019B960494DF}">
+              <a14:hiddenLine xmlns:a14="http://schemas.microsoft.com/office/drawing/2010/main" w="12700" cap="flat" cmpd="sng" algn="ctr">
+                <a:solidFill>
+                  <a:schemeClr val="accent1">
+                    <a:shade val="50000"/>
+                  </a:schemeClr>
+                </a:solidFill>
+                <a:prstDash val="solid"/>
+                <a:miter lim="800000"/>
+              </a14:hiddenLine>
+            </a:ext>
+          </a:extLst>
+        </p:spPr>
+        <p:style>
+          <a:lnRef idx="2">
+            <a:schemeClr val="accent1">
+              <a:shade val="50000"/>
+            </a:schemeClr>
+          </a:lnRef>
+          <a:fillRef idx="1">
+            <a:schemeClr val="accent1"/>
+          </a:fillRef>
+          <a:effectRef idx="0">
+            <a:schemeClr val="accent1"/>
+          </a:effectRef>
+          <a:fontRef idx="minor">
+            <a:schemeClr val="lt1"/>
+          </a:fontRef>
+        </p:style>
+        <p:txBody>
+          <a:bodyPr rtlCol="0" anchor="ctr"/>
+          <a:lstStyle/>
+          <a:p>
+            <a:pPr algn="ctr"/>
+            <a:endParaRPr lang="en-US"/>
+          </a:p>
+        </p:txBody>
+      </p:sp>
       <p:sp>
         <p:nvSpPr>
           <p:cNvPr id="2" name="Title 1">
             <a:extLst>
               <a:ext uri="{FF2B5EF4-FFF2-40B4-BE49-F238E27FC236}">
-                <a16:creationId xmlns:a16="http://schemas.microsoft.com/office/drawing/2014/main" id="{59B05E76-7F26-18AB-CC6D-57FACF72A7CA}"/>
+                <a16:creationId xmlns:a16="http://schemas.microsoft.com/office/drawing/2014/main" id="{0562F22D-0AE7-1CD7-46CA-B3597AF2336E}"/>
               </a:ext>
             </a:extLst>
           </p:cNvPr>
@@ -8905,34 +11798,34 @@
             <a:spLocks noGrp="1"/>
           </p:cNvSpPr>
           <p:nvPr>
-            <p:ph type="title"/>
+            <p:ph type="ctrTitle"/>
           </p:nvPr>
         </p:nvSpPr>
         <p:spPr>
           <a:xfrm>
-            <a:off x="912628" y="1371601"/>
-            <a:ext cx="7902188" cy="886968"/>
+            <a:off x="1736256" y="1562101"/>
+            <a:ext cx="4240471" cy="2738530"/>
           </a:xfrm>
         </p:spPr>
         <p:txBody>
-          <a:bodyPr vert="horz" lIns="91440" tIns="45720" rIns="91440" bIns="45720" rtlCol="0" anchor="t">
+          <a:bodyPr anchor="t">
             <a:normAutofit/>
           </a:bodyPr>
           <a:lstStyle/>
           <a:p>
             <a:r>
               <a:rPr lang="en-US" dirty="0"/>
-              <a:t>Q-Learning</a:t>
+              <a:t>Problem: K-Armed Bandit </a:t>
             </a:r>
           </a:p>
         </p:txBody>
       </p:sp>
       <p:cxnSp>
         <p:nvCxnSpPr>
-          <p:cNvPr id="50" name="Straight Connector 49">
+          <p:cNvPr id="26" name="Straight Connector 25">
             <a:extLst>
               <a:ext uri="{FF2B5EF4-FFF2-40B4-BE49-F238E27FC236}">
-                <a16:creationId xmlns:a16="http://schemas.microsoft.com/office/drawing/2014/main" id="{AA07ED31-6FA0-4967-A8DD-C5388BC17495}"/>
+                <a16:creationId xmlns:a16="http://schemas.microsoft.com/office/drawing/2014/main" id="{FFD0734C-004D-4938-8EA0-2C3867A11A66}"/>
               </a:ext>
               <a:ext uri="{C183D7F6-B498-43B3-948B-1728B52AA6E4}">
                 <adec:decorative xmlns:adec="http://schemas.microsoft.com/office/drawing/2017/decorative" val="1"/>
@@ -8952,8 +11845,8 @@
         </p:nvCxnSpPr>
         <p:spPr>
           <a:xfrm>
-            <a:off x="990600" y="1031001"/>
-            <a:ext cx="978862" cy="0"/>
+            <a:off x="1060419" y="5780876"/>
+            <a:ext cx="5702585" cy="0"/>
           </a:xfrm>
           <a:prstGeom prst="line">
             <a:avLst/>
@@ -8977,133 +11870,81 @@
       </p:cxnSp>
       <p:sp>
         <p:nvSpPr>
-          <p:cNvPr id="5" name="Footer Placeholder 4">
+          <p:cNvPr id="6" name="Snip Diagonal Corner of Rectangle 5">
             <a:extLst>
               <a:ext uri="{FF2B5EF4-FFF2-40B4-BE49-F238E27FC236}">
-                <a16:creationId xmlns:a16="http://schemas.microsoft.com/office/drawing/2014/main" id="{9D3FF22B-087C-ADD0-C834-47651FDDD635}"/>
+                <a16:creationId xmlns:a16="http://schemas.microsoft.com/office/drawing/2014/main" id="{53BD4A6F-1997-44F0-09E9-97625E0368FE}"/>
               </a:ext>
             </a:extLst>
           </p:cNvPr>
-          <p:cNvSpPr>
-            <a:spLocks noGrp="1"/>
-          </p:cNvSpPr>
-          <p:nvPr>
-            <p:ph type="ftr" sz="quarter" idx="11"/>
-          </p:nvPr>
+          <p:cNvSpPr/>
+          <p:nvPr/>
         </p:nvSpPr>
         <p:spPr>
           <a:xfrm>
-            <a:off x="6767622" y="6356350"/>
-            <a:ext cx="4040373" cy="365125"/>
+            <a:off x="1387590" y="4397494"/>
+            <a:ext cx="5038344" cy="898405"/>
           </a:xfrm>
+          <a:prstGeom prst="snip2DiagRect">
+            <a:avLst/>
+          </a:prstGeom>
+          <a:noFill/>
+          <a:ln w="9525" cap="flat" cmpd="sng" algn="ctr">
+            <a:solidFill>
+              <a:schemeClr val="dk1"/>
+            </a:solidFill>
+            <a:prstDash val="solid"/>
+            <a:round/>
+            <a:headEnd type="none" w="med" len="med"/>
+            <a:tailEnd type="none" w="med" len="med"/>
+          </a:ln>
         </p:spPr>
+        <p:style>
+          <a:lnRef idx="0">
+            <a:scrgbClr r="0" g="0" b="0"/>
+          </a:lnRef>
+          <a:fillRef idx="0">
+            <a:scrgbClr r="0" g="0" b="0"/>
+          </a:fillRef>
+          <a:effectRef idx="0">
+            <a:scrgbClr r="0" g="0" b="0"/>
+          </a:effectRef>
+          <a:fontRef idx="minor">
+            <a:schemeClr val="dk1"/>
+          </a:fontRef>
+        </p:style>
         <p:txBody>
-          <a:bodyPr vert="horz" lIns="91440" tIns="45720" rIns="91440" bIns="45720" rtlCol="0" anchor="ctr">
-            <a:normAutofit/>
-          </a:bodyPr>
+          <a:bodyPr rtlCol="0" anchor="ctr"/>
           <a:lstStyle/>
           <a:p>
-            <a:pPr>
-              <a:spcAft>
-                <a:spcPts val="600"/>
-              </a:spcAft>
-            </a:pPr>
-            <a:r>
-              <a:rPr lang="en-US" b="1" kern="1200" cap="all" spc="300" baseline="0">
-                <a:solidFill>
-                  <a:schemeClr val="tx1"/>
-                </a:solidFill>
-                <a:latin typeface="+mn-lt"/>
-                <a:ea typeface="+mn-ea"/>
-                <a:cs typeface="+mn-cs"/>
-              </a:rPr>
-              <a:t>Intro to RL | indabax 2022</a:t>
-            </a:r>
-          </a:p>
-        </p:txBody>
-      </p:sp>
-      <p:sp>
-        <p:nvSpPr>
-          <p:cNvPr id="6" name="Slide Number Placeholder 5">
-            <a:extLst>
-              <a:ext uri="{FF2B5EF4-FFF2-40B4-BE49-F238E27FC236}">
-                <a16:creationId xmlns:a16="http://schemas.microsoft.com/office/drawing/2014/main" id="{9618AEDC-E429-5D1E-5661-FF45C592B113}"/>
-              </a:ext>
-            </a:extLst>
-          </p:cNvPr>
-          <p:cNvSpPr>
-            <a:spLocks noGrp="1"/>
-          </p:cNvSpPr>
-          <p:nvPr>
-            <p:ph type="sldNum" sz="quarter" idx="12"/>
-          </p:nvPr>
-        </p:nvSpPr>
-        <p:spPr>
-          <a:xfrm>
-            <a:off x="10807995" y="6356350"/>
-            <a:ext cx="723014" cy="365125"/>
-          </a:xfrm>
-        </p:spPr>
-        <p:txBody>
-          <a:bodyPr vert="horz" lIns="91440" tIns="45720" rIns="91440" bIns="45720" rtlCol="0" anchor="ctr">
-            <a:normAutofit/>
-          </a:bodyPr>
-          <a:lstStyle/>
-          <a:p>
-            <a:pPr>
-              <a:spcAft>
-                <a:spcPts val="600"/>
-              </a:spcAft>
-            </a:pPr>
-            <a:fld id="{70C38C08-47C7-4847-B0BE-B9D8DEEB3D1B}" type="slidenum">
-              <a:rPr lang="en-US" smtClean="0"/>
-              <a:pPr>
-                <a:spcAft>
-                  <a:spcPts val="600"/>
-                </a:spcAft>
-              </a:pPr>
-              <a:t>12</a:t>
-            </a:fld>
-            <a:endParaRPr lang="en-US"/>
-          </a:p>
-        </p:txBody>
-      </p:sp>
-      <p:sp>
-        <p:nvSpPr>
-          <p:cNvPr id="9" name="Content Placeholder 2">
-            <a:extLst>
-              <a:ext uri="{FF2B5EF4-FFF2-40B4-BE49-F238E27FC236}">
-                <a16:creationId xmlns:a16="http://schemas.microsoft.com/office/drawing/2014/main" id="{501F06FE-E961-6695-CBA4-C2EFFED9D22E}"/>
-              </a:ext>
-            </a:extLst>
-          </p:cNvPr>
-          <p:cNvSpPr>
-            <a:spLocks noGrp="1"/>
-          </p:cNvSpPr>
-          <p:nvPr>
-            <p:ph idx="1"/>
-          </p:nvPr>
-        </p:nvSpPr>
-        <p:spPr>
-          <a:xfrm>
-            <a:off x="912628" y="2402603"/>
-            <a:ext cx="9016409" cy="2927536"/>
-          </a:xfrm>
-        </p:spPr>
-        <p:txBody>
-          <a:bodyPr>
-            <a:normAutofit/>
-          </a:bodyPr>
-          <a:lstStyle/>
-          <a:p>
-            <a:endParaRPr lang="en-US" dirty="0"/>
+            <a:pPr algn="ctr"/>
+            <a:r>
+              <a:rPr lang="en-US" dirty="0"/>
+              <a:t>https://</a:t>
+            </a:r>
+            <a:r>
+              <a:rPr lang="en-US" dirty="0" err="1"/>
+              <a:t>github.com</a:t>
+            </a:r>
+            <a:r>
+              <a:rPr lang="en-US" dirty="0"/>
+              <a:t>/</a:t>
+            </a:r>
+            <a:r>
+              <a:rPr lang="en-US" dirty="0" err="1"/>
+              <a:t>ashwineepandey</a:t>
+            </a:r>
+            <a:r>
+              <a:rPr lang="en-US" dirty="0"/>
+              <a:t>/talk-indabax-2022</a:t>
+            </a:r>
           </a:p>
         </p:txBody>
       </p:sp>
     </p:spTree>
     <p:extLst>
       <p:ext uri="{BB962C8B-B14F-4D97-AF65-F5344CB8AC3E}">
-        <p14:creationId xmlns:p14="http://schemas.microsoft.com/office/powerpoint/2010/main" val="2206234286"/>
+        <p14:creationId xmlns:p14="http://schemas.microsoft.com/office/powerpoint/2010/main" val="3301814851"/>
       </p:ext>
     </p:extLst>
   </p:cSld>
@@ -9286,13 +12127,13 @@
         </p:spPr>
         <p:txBody>
           <a:bodyPr vert="horz" lIns="91440" tIns="45720" rIns="91440" bIns="45720" rtlCol="0" anchor="t">
-            <a:normAutofit fontScale="90000"/>
+            <a:normAutofit/>
           </a:bodyPr>
           <a:lstStyle/>
           <a:p>
             <a:r>
               <a:rPr lang="en-US" dirty="0"/>
-              <a:t>How do I know how good my Agent is?</a:t>
+              <a:t>Experience vs Data</a:t>
             </a:r>
           </a:p>
         </p:txBody>
@@ -9389,14 +12230,6 @@
               </a:rPr>
               <a:t>Intro to RL | indabax 2022</a:t>
             </a:r>
-            <a:endParaRPr lang="en-US" b="1" kern="1200" cap="all" spc="300" baseline="0" dirty="0">
-              <a:solidFill>
-                <a:schemeClr val="tx1"/>
-              </a:solidFill>
-              <a:latin typeface="+mn-lt"/>
-              <a:ea typeface="+mn-ea"/>
-              <a:cs typeface="+mn-cs"/>
-            </a:endParaRPr>
           </a:p>
         </p:txBody>
       </p:sp>
@@ -9474,15 +12307,6 @@
           </a:bodyPr>
           <a:lstStyle/>
           <a:p>
-            <a:r>
-              <a:rPr lang="en-US" dirty="0"/>
-              <a:t>No labels – can’t use traditional KPIs like Confusion matrices or MSE, etc.</a:t>
-            </a:r>
-          </a:p>
-          <a:p>
-            <a:endParaRPr lang="en-US" dirty="0"/>
-          </a:p>
-          <a:p>
             <a:endParaRPr lang="en-US" dirty="0"/>
           </a:p>
         </p:txBody>
@@ -9490,7 +12314,7 @@
     </p:spTree>
     <p:extLst>
       <p:ext uri="{BB962C8B-B14F-4D97-AF65-F5344CB8AC3E}">
-        <p14:creationId xmlns:p14="http://schemas.microsoft.com/office/powerpoint/2010/main" val="1682151548"/>
+        <p14:creationId xmlns:p14="http://schemas.microsoft.com/office/powerpoint/2010/main" val="591324005"/>
       </p:ext>
     </p:extLst>
   </p:cSld>
@@ -9527,7 +12351,7 @@
       </p:grpSpPr>
       <p:cxnSp>
         <p:nvCxnSpPr>
-          <p:cNvPr id="55" name="Straight Connector 54">
+          <p:cNvPr id="46" name="Straight Connector 45">
             <a:extLst>
               <a:ext uri="{FF2B5EF4-FFF2-40B4-BE49-F238E27FC236}">
                 <a16:creationId xmlns:a16="http://schemas.microsoft.com/office/drawing/2014/main" id="{F209B62C-3402-4623-9A7C-AA048B56F8C3}"/>
@@ -9575,7 +12399,7 @@
       </p:cxnSp>
       <p:sp useBgFill="1">
         <p:nvSpPr>
-          <p:cNvPr id="57" name="Rectangle 56">
+          <p:cNvPr id="48" name="Rectangle 47">
             <a:extLst>
               <a:ext uri="{FF2B5EF4-FFF2-40B4-BE49-F238E27FC236}">
                 <a16:creationId xmlns:a16="http://schemas.microsoft.com/office/drawing/2014/main" id="{19F9BF86-FE94-4517-B97D-026C7515E589}"/>
@@ -9667,8 +12491,8 @@
         </p:nvSpPr>
         <p:spPr>
           <a:xfrm>
-            <a:off x="912628" y="1371600"/>
-            <a:ext cx="4323907" cy="2696866"/>
+            <a:off x="912628" y="1371601"/>
+            <a:ext cx="7902188" cy="886968"/>
           </a:xfrm>
         </p:spPr>
         <p:txBody>
@@ -9679,17 +12503,17 @@
           <a:p>
             <a:r>
               <a:rPr lang="en-US" dirty="0"/>
-              <a:t>Differences to Deep Learning?</a:t>
+              <a:t>Q-Learning</a:t>
             </a:r>
           </a:p>
         </p:txBody>
       </p:sp>
       <p:cxnSp>
         <p:nvCxnSpPr>
-          <p:cNvPr id="59" name="Straight Connector 58">
+          <p:cNvPr id="50" name="Straight Connector 49">
             <a:extLst>
               <a:ext uri="{FF2B5EF4-FFF2-40B4-BE49-F238E27FC236}">
-                <a16:creationId xmlns:a16="http://schemas.microsoft.com/office/drawing/2014/main" id="{8CED01B4-40F2-4CAE-8062-1D4CE8454C35}"/>
+                <a16:creationId xmlns:a16="http://schemas.microsoft.com/office/drawing/2014/main" id="{AA07ED31-6FA0-4967-A8DD-C5388BC17495}"/>
               </a:ext>
               <a:ext uri="{C183D7F6-B498-43B3-948B-1728B52AA6E4}">
                 <adec:decorative xmlns:adec="http://schemas.microsoft.com/office/drawing/2017/decorative" val="1"/>
@@ -9776,14 +12600,6 @@
               </a:rPr>
               <a:t>Intro to RL | indabax 2022</a:t>
             </a:r>
-            <a:endParaRPr lang="en-US" b="1" kern="1200" cap="all" spc="300" baseline="0" dirty="0">
-              <a:solidFill>
-                <a:schemeClr val="tx1"/>
-              </a:solidFill>
-              <a:latin typeface="+mn-lt"/>
-              <a:ea typeface="+mn-ea"/>
-              <a:cs typeface="+mn-cs"/>
-            </a:endParaRPr>
           </a:p>
         </p:txBody>
       </p:sp>
@@ -9833,423 +12649,42 @@
           </a:p>
         </p:txBody>
       </p:sp>
-      <p:graphicFrame>
-        <p:nvGraphicFramePr>
-          <p:cNvPr id="7" name="Table 7">
+      <p:sp>
+        <p:nvSpPr>
+          <p:cNvPr id="9" name="Content Placeholder 2">
             <a:extLst>
               <a:ext uri="{FF2B5EF4-FFF2-40B4-BE49-F238E27FC236}">
-                <a16:creationId xmlns:a16="http://schemas.microsoft.com/office/drawing/2014/main" id="{1CBC0227-34D3-B060-2BB5-2BBCF2AA8F56}"/>
+                <a16:creationId xmlns:a16="http://schemas.microsoft.com/office/drawing/2014/main" id="{501F06FE-E961-6695-CBA4-C2EFFED9D22E}"/>
               </a:ext>
             </a:extLst>
           </p:cNvPr>
-          <p:cNvGraphicFramePr>
-            <a:graphicFrameLocks noGrp="1"/>
-          </p:cNvGraphicFramePr>
+          <p:cNvSpPr>
+            <a:spLocks noGrp="1"/>
+          </p:cNvSpPr>
           <p:nvPr>
             <p:ph idx="1"/>
-            <p:extLst>
-              <p:ext uri="{D42A27DB-BD31-4B8C-83A1-F6EECF244321}">
-                <p14:modId xmlns:p14="http://schemas.microsoft.com/office/powerpoint/2010/main" val="3433421822"/>
-              </p:ext>
-            </p:extLst>
           </p:nvPr>
-        </p:nvGraphicFramePr>
-        <p:xfrm>
-          <a:off x="6149163" y="1940804"/>
-          <a:ext cx="5399370" cy="2976393"/>
-        </p:xfrm>
-        <a:graphic>
-          <a:graphicData uri="http://schemas.openxmlformats.org/drawingml/2006/table">
-            <a:tbl>
-              <a:tblPr firstRow="1" bandRow="1">
-                <a:solidFill>
-                  <a:schemeClr val="tx1">
-                    <a:lumMod val="75000"/>
-                    <a:lumOff val="25000"/>
-                  </a:schemeClr>
-                </a:solidFill>
-                <a:tableStyleId>{5C22544A-7EE6-4342-B048-85BDC9FD1C3A}</a:tableStyleId>
-              </a:tblPr>
-              <a:tblGrid>
-                <a:gridCol w="2724327">
-                  <a:extLst>
-                    <a:ext uri="{9D8B030D-6E8A-4147-A177-3AD203B41FA5}">
-                      <a16:colId xmlns:a16="http://schemas.microsoft.com/office/drawing/2014/main" val="1228764883"/>
-                    </a:ext>
-                  </a:extLst>
-                </a:gridCol>
-                <a:gridCol w="2675043">
-                  <a:extLst>
-                    <a:ext uri="{9D8B030D-6E8A-4147-A177-3AD203B41FA5}">
-                      <a16:colId xmlns:a16="http://schemas.microsoft.com/office/drawing/2014/main" val="2535460713"/>
-                    </a:ext>
-                  </a:extLst>
-                </a:gridCol>
-              </a:tblGrid>
-              <a:tr h="615064">
-                <a:tc>
-                  <a:txBody>
-                    <a:bodyPr/>
-                    <a:lstStyle/>
-                    <a:p>
-                      <a:r>
-                        <a:rPr lang="en-US" sz="2300" b="1" cap="none" spc="0" dirty="0">
-                          <a:solidFill>
-                            <a:schemeClr val="bg1"/>
-                          </a:solidFill>
-                        </a:rPr>
-                        <a:t>Supervised DL</a:t>
-                      </a:r>
-                    </a:p>
-                  </a:txBody>
-                  <a:tcPr marL="90324" marR="129034" marT="25807" marB="193551" anchor="b">
-                    <a:lnL w="12700" cmpd="sng">
-                      <a:noFill/>
-                    </a:lnL>
-                    <a:lnR w="12700" cmpd="sng">
-                      <a:noFill/>
-                    </a:lnR>
-                    <a:lnT w="9525" cap="flat" cmpd="sng" algn="ctr">
-                      <a:noFill/>
-                      <a:prstDash val="solid"/>
-                    </a:lnT>
-                    <a:lnB w="38100" cmpd="sng">
-                      <a:noFill/>
-                    </a:lnB>
-                    <a:solidFill>
-                      <a:schemeClr val="tx1">
-                        <a:lumMod val="75000"/>
-                        <a:lumOff val="25000"/>
-                      </a:schemeClr>
-                    </a:solidFill>
-                  </a:tcPr>
-                </a:tc>
-                <a:tc>
-                  <a:txBody>
-                    <a:bodyPr/>
-                    <a:lstStyle/>
-                    <a:p>
-                      <a:r>
-                        <a:rPr lang="en-US" sz="2300" b="1" cap="none" spc="0">
-                          <a:solidFill>
-                            <a:schemeClr val="bg1"/>
-                          </a:solidFill>
-                        </a:rPr>
-                        <a:t>RL</a:t>
-                      </a:r>
-                    </a:p>
-                  </a:txBody>
-                  <a:tcPr marL="90324" marR="129034" marT="25807" marB="193551" anchor="b">
-                    <a:lnL w="12700" cmpd="sng">
-                      <a:noFill/>
-                    </a:lnL>
-                    <a:lnR w="12700" cmpd="sng">
-                      <a:noFill/>
-                    </a:lnR>
-                    <a:lnT w="9525" cap="flat" cmpd="sng" algn="ctr">
-                      <a:noFill/>
-                      <a:prstDash val="solid"/>
-                    </a:lnT>
-                    <a:lnB w="38100" cmpd="sng">
-                      <a:noFill/>
-                    </a:lnB>
-                    <a:solidFill>
-                      <a:schemeClr val="tx1">
-                        <a:lumMod val="75000"/>
-                        <a:lumOff val="25000"/>
-                      </a:schemeClr>
-                    </a:solidFill>
-                  </a:tcPr>
-                </a:tc>
-                <a:extLst>
-                  <a:ext uri="{0D108BD9-81ED-4DB2-BD59-A6C34878D82A}">
-                    <a16:rowId xmlns:a16="http://schemas.microsoft.com/office/drawing/2014/main" val="262237105"/>
-                  </a:ext>
-                </a:extLst>
-              </a:tr>
-              <a:tr h="1045178">
-                <a:tc>
-                  <a:txBody>
-                    <a:bodyPr/>
-                    <a:lstStyle/>
-                    <a:p>
-                      <a:r>
-                        <a:rPr lang="en-US" sz="1700" cap="none" spc="0">
-                          <a:solidFill>
-                            <a:schemeClr val="bg1"/>
-                          </a:solidFill>
-                        </a:rPr>
-                        <a:t>Need data to train model</a:t>
-                      </a:r>
-                    </a:p>
-                  </a:txBody>
-                  <a:tcPr marL="90324" marR="129034" marT="25807" marB="193551">
-                    <a:lnL w="12700" cap="flat" cmpd="sng" algn="ctr">
-                      <a:solidFill>
-                        <a:schemeClr val="bg1"/>
-                      </a:solidFill>
-                      <a:prstDash val="solid"/>
-                    </a:lnL>
-                    <a:lnR w="12700" cmpd="sng">
-                      <a:noFill/>
-                      <a:prstDash val="solid"/>
-                    </a:lnR>
-                    <a:lnT w="38100" cmpd="sng">
-                      <a:noFill/>
-                    </a:lnT>
-                    <a:lnB w="9525" cap="flat" cmpd="sng" algn="ctr">
-                      <a:noFill/>
-                      <a:prstDash val="solid"/>
-                    </a:lnB>
-                    <a:solidFill>
-                      <a:schemeClr val="tx1">
-                        <a:lumMod val="75000"/>
-                        <a:lumOff val="25000"/>
-                      </a:schemeClr>
-                    </a:solidFill>
-                  </a:tcPr>
-                </a:tc>
-                <a:tc>
-                  <a:txBody>
-                    <a:bodyPr/>
-                    <a:lstStyle/>
-                    <a:p>
-                      <a:r>
-                        <a:rPr lang="en-US" sz="1700" cap="none" spc="0">
-                          <a:solidFill>
-                            <a:schemeClr val="bg1"/>
-                          </a:solidFill>
-                        </a:rPr>
-                        <a:t>Do not necessarily need data to train model (off-policy)</a:t>
-                      </a:r>
-                    </a:p>
-                  </a:txBody>
-                  <a:tcPr marL="90324" marR="129034" marT="25807" marB="193551">
-                    <a:lnL w="12700" cmpd="sng">
-                      <a:noFill/>
-                      <a:prstDash val="solid"/>
-                    </a:lnL>
-                    <a:lnR w="12700" cmpd="sng">
-                      <a:noFill/>
-                      <a:prstDash val="solid"/>
-                    </a:lnR>
-                    <a:lnT w="38100" cmpd="sng">
-                      <a:noFill/>
-                    </a:lnT>
-                    <a:lnB w="9525" cap="flat" cmpd="sng" algn="ctr">
-                      <a:noFill/>
-                      <a:prstDash val="solid"/>
-                    </a:lnB>
-                    <a:solidFill>
-                      <a:schemeClr val="tx1">
-                        <a:lumMod val="75000"/>
-                        <a:lumOff val="25000"/>
-                      </a:schemeClr>
-                    </a:solidFill>
-                  </a:tcPr>
-                </a:tc>
-                <a:extLst>
-                  <a:ext uri="{0D108BD9-81ED-4DB2-BD59-A6C34878D82A}">
-                    <a16:rowId xmlns:a16="http://schemas.microsoft.com/office/drawing/2014/main" val="1033340801"/>
-                  </a:ext>
-                </a:extLst>
-              </a:tr>
-              <a:tr h="787110">
-                <a:tc>
-                  <a:txBody>
-                    <a:bodyPr/>
-                    <a:lstStyle/>
-                    <a:p>
-                      <a:r>
-                        <a:rPr lang="en-US" sz="1700" cap="none" spc="0">
-                          <a:solidFill>
-                            <a:schemeClr val="bg1"/>
-                          </a:solidFill>
-                        </a:rPr>
-                        <a:t>Aim is to minimize loss function</a:t>
-                      </a:r>
-                    </a:p>
-                  </a:txBody>
-                  <a:tcPr marL="90324" marR="129034" marT="25807" marB="193551">
-                    <a:lnL w="12700" cap="flat" cmpd="sng" algn="ctr">
-                      <a:solidFill>
-                        <a:schemeClr val="bg1"/>
-                      </a:solidFill>
-                      <a:prstDash val="solid"/>
-                    </a:lnL>
-                    <a:lnR w="12700" cmpd="sng">
-                      <a:noFill/>
-                      <a:prstDash val="solid"/>
-                    </a:lnR>
-                    <a:lnT w="9525" cap="flat" cmpd="sng" algn="ctr">
-                      <a:noFill/>
-                      <a:prstDash val="solid"/>
-                    </a:lnT>
-                    <a:lnB w="12700" cmpd="sng">
-                      <a:noFill/>
-                      <a:prstDash val="solid"/>
-                    </a:lnB>
-                    <a:solidFill>
-                      <a:srgbClr val="595959"/>
-                    </a:solidFill>
-                  </a:tcPr>
-                </a:tc>
-                <a:tc>
-                  <a:txBody>
-                    <a:bodyPr/>
-                    <a:lstStyle/>
-                    <a:p>
-                      <a:r>
-                        <a:rPr lang="en-US" sz="1700" cap="none" spc="0">
-                          <a:solidFill>
-                            <a:schemeClr val="bg1"/>
-                          </a:solidFill>
-                        </a:rPr>
-                        <a:t>Aim is to </a:t>
-                      </a:r>
-                      <a:r>
-                        <a:rPr lang="en-US" sz="1700" cap="none" spc="0" err="1">
-                          <a:solidFill>
-                            <a:schemeClr val="bg1"/>
-                          </a:solidFill>
-                        </a:rPr>
-                        <a:t>maximise</a:t>
-                      </a:r>
-                      <a:r>
-                        <a:rPr lang="en-US" sz="1700" cap="none" spc="0">
-                          <a:solidFill>
-                            <a:schemeClr val="bg1"/>
-                          </a:solidFill>
-                        </a:rPr>
-                        <a:t> reward function</a:t>
-                      </a:r>
-                    </a:p>
-                  </a:txBody>
-                  <a:tcPr marL="90324" marR="129034" marT="25807" marB="193551">
-                    <a:lnL w="12700" cmpd="sng">
-                      <a:noFill/>
-                      <a:prstDash val="solid"/>
-                    </a:lnL>
-                    <a:lnR w="12700" cmpd="sng">
-                      <a:noFill/>
-                      <a:prstDash val="solid"/>
-                    </a:lnR>
-                    <a:lnT w="9525" cap="flat" cmpd="sng" algn="ctr">
-                      <a:noFill/>
-                      <a:prstDash val="solid"/>
-                    </a:lnT>
-                    <a:lnB w="12700" cmpd="sng">
-                      <a:noFill/>
-                      <a:prstDash val="solid"/>
-                    </a:lnB>
-                    <a:solidFill>
-                      <a:srgbClr val="595959"/>
-                    </a:solidFill>
-                  </a:tcPr>
-                </a:tc>
-                <a:extLst>
-                  <a:ext uri="{0D108BD9-81ED-4DB2-BD59-A6C34878D82A}">
-                    <a16:rowId xmlns:a16="http://schemas.microsoft.com/office/drawing/2014/main" val="3898541704"/>
-                  </a:ext>
-                </a:extLst>
-              </a:tr>
-              <a:tr h="529041">
-                <a:tc>
-                  <a:txBody>
-                    <a:bodyPr/>
-                    <a:lstStyle/>
-                    <a:p>
-                      <a:r>
-                        <a:rPr lang="en-US" sz="1700" cap="none" spc="0" dirty="0">
-                          <a:solidFill>
-                            <a:schemeClr val="bg1"/>
-                          </a:solidFill>
-                        </a:rPr>
-                        <a:t>Gradient descent</a:t>
-                      </a:r>
-                    </a:p>
-                  </a:txBody>
-                  <a:tcPr marL="90324" marR="129034" marT="25807" marB="193551">
-                    <a:lnL w="12700" cap="flat" cmpd="sng" algn="ctr">
-                      <a:solidFill>
-                        <a:schemeClr val="bg1"/>
-                      </a:solidFill>
-                      <a:prstDash val="solid"/>
-                    </a:lnL>
-                    <a:lnR w="12700" cmpd="sng">
-                      <a:noFill/>
-                      <a:prstDash val="solid"/>
-                    </a:lnR>
-                    <a:lnT w="12700" cmpd="sng">
-                      <a:noFill/>
-                      <a:prstDash val="solid"/>
-                    </a:lnT>
-                    <a:lnB w="12700" cmpd="sng">
-                      <a:noFill/>
-                      <a:prstDash val="solid"/>
-                    </a:lnB>
-                    <a:solidFill>
-                      <a:schemeClr val="tx1">
-                        <a:lumMod val="75000"/>
-                        <a:lumOff val="25000"/>
-                      </a:schemeClr>
-                    </a:solidFill>
-                  </a:tcPr>
-                </a:tc>
-                <a:tc>
-                  <a:txBody>
-                    <a:bodyPr/>
-                    <a:lstStyle/>
-                    <a:p>
-                      <a:r>
-                        <a:rPr lang="en-US" sz="1700" cap="none" spc="0" dirty="0">
-                          <a:solidFill>
-                            <a:schemeClr val="bg1"/>
-                          </a:solidFill>
-                        </a:rPr>
-                        <a:t>Gradient Ascent</a:t>
-                      </a:r>
-                    </a:p>
-                  </a:txBody>
-                  <a:tcPr marL="90324" marR="129034" marT="25807" marB="193551">
-                    <a:lnL w="12700" cmpd="sng">
-                      <a:noFill/>
-                      <a:prstDash val="solid"/>
-                    </a:lnL>
-                    <a:lnR w="12700" cmpd="sng">
-                      <a:noFill/>
-                      <a:prstDash val="solid"/>
-                    </a:lnR>
-                    <a:lnT w="12700" cmpd="sng">
-                      <a:noFill/>
-                      <a:prstDash val="solid"/>
-                    </a:lnT>
-                    <a:lnB w="12700" cmpd="sng">
-                      <a:noFill/>
-                      <a:prstDash val="solid"/>
-                    </a:lnB>
-                    <a:solidFill>
-                      <a:schemeClr val="tx1">
-                        <a:lumMod val="75000"/>
-                        <a:lumOff val="25000"/>
-                      </a:schemeClr>
-                    </a:solidFill>
-                  </a:tcPr>
-                </a:tc>
-                <a:extLst>
-                  <a:ext uri="{0D108BD9-81ED-4DB2-BD59-A6C34878D82A}">
-                    <a16:rowId xmlns:a16="http://schemas.microsoft.com/office/drawing/2014/main" val="177108672"/>
-                  </a:ext>
-                </a:extLst>
-              </a:tr>
-            </a:tbl>
-          </a:graphicData>
-        </a:graphic>
-      </p:graphicFrame>
+        </p:nvSpPr>
+        <p:spPr>
+          <a:xfrm>
+            <a:off x="912628" y="2402603"/>
+            <a:ext cx="9016409" cy="2927536"/>
+          </a:xfrm>
+        </p:spPr>
+        <p:txBody>
+          <a:bodyPr>
+            <a:normAutofit/>
+          </a:bodyPr>
+          <a:lstStyle/>
+          <a:p>
+            <a:endParaRPr lang="en-US" dirty="0"/>
+          </a:p>
+        </p:txBody>
+      </p:sp>
     </p:spTree>
     <p:extLst>
       <p:ext uri="{BB962C8B-B14F-4D97-AF65-F5344CB8AC3E}">
-        <p14:creationId xmlns:p14="http://schemas.microsoft.com/office/powerpoint/2010/main" val="3285911021"/>
+        <p14:creationId xmlns:p14="http://schemas.microsoft.com/office/powerpoint/2010/main" val="2206234286"/>
       </p:ext>
     </p:extLst>
   </p:cSld>
@@ -10260,213 +12695,6 @@
 </file>
 
 <file path=ppt/slides/slide15.xml><?xml version="1.0" encoding="utf-8"?>
-<p:sld xmlns:a="http://schemas.openxmlformats.org/drawingml/2006/main" xmlns:r="http://schemas.openxmlformats.org/officeDocument/2006/relationships" xmlns:p="http://schemas.openxmlformats.org/presentationml/2006/main">
-  <p:cSld>
-    <p:spTree>
-      <p:nvGrpSpPr>
-        <p:cNvPr id="1" name=""/>
-        <p:cNvGrpSpPr/>
-        <p:nvPr/>
-      </p:nvGrpSpPr>
-      <p:grpSpPr>
-        <a:xfrm>
-          <a:off x="0" y="0"/>
-          <a:ext cx="0" cy="0"/>
-          <a:chOff x="0" y="0"/>
-          <a:chExt cx="0" cy="0"/>
-        </a:xfrm>
-      </p:grpSpPr>
-      <p:sp>
-        <p:nvSpPr>
-          <p:cNvPr id="2" name="Title 1">
-            <a:extLst>
-              <a:ext uri="{FF2B5EF4-FFF2-40B4-BE49-F238E27FC236}">
-                <a16:creationId xmlns:a16="http://schemas.microsoft.com/office/drawing/2014/main" id="{59B05E76-7F26-18AB-CC6D-57FACF72A7CA}"/>
-              </a:ext>
-            </a:extLst>
-          </p:cNvPr>
-          <p:cNvSpPr>
-            <a:spLocks noGrp="1"/>
-          </p:cNvSpPr>
-          <p:nvPr>
-            <p:ph type="title"/>
-          </p:nvPr>
-        </p:nvSpPr>
-        <p:spPr/>
-        <p:txBody>
-          <a:bodyPr/>
-          <a:lstStyle/>
-          <a:p>
-            <a:r>
-              <a:rPr lang="en-US" dirty="0"/>
-              <a:t>I want to learn more, how do I proceed?</a:t>
-            </a:r>
-          </a:p>
-        </p:txBody>
-      </p:sp>
-      <p:sp>
-        <p:nvSpPr>
-          <p:cNvPr id="3" name="Content Placeholder 2">
-            <a:extLst>
-              <a:ext uri="{FF2B5EF4-FFF2-40B4-BE49-F238E27FC236}">
-                <a16:creationId xmlns:a16="http://schemas.microsoft.com/office/drawing/2014/main" id="{251DAE71-ABAA-CCED-5E0E-0D8C387E489E}"/>
-              </a:ext>
-            </a:extLst>
-          </p:cNvPr>
-          <p:cNvSpPr>
-            <a:spLocks noGrp="1"/>
-          </p:cNvSpPr>
-          <p:nvPr>
-            <p:ph idx="1"/>
-          </p:nvPr>
-        </p:nvSpPr>
-        <p:spPr/>
-        <p:txBody>
-          <a:bodyPr/>
-          <a:lstStyle/>
-          <a:p>
-            <a:r>
-              <a:rPr lang="en-US" dirty="0"/>
-              <a:t>Textbook: Reinforcement Learning An Introduction – By Richard Sutton and Andrew </a:t>
-            </a:r>
-            <a:r>
-              <a:rPr lang="en-US" dirty="0" err="1"/>
-              <a:t>Barto</a:t>
-            </a:r>
-            <a:r>
-              <a:rPr lang="en-US" dirty="0"/>
-              <a:t> (Free online copy available: http://</a:t>
-            </a:r>
-            <a:r>
-              <a:rPr lang="en-US" dirty="0" err="1"/>
-              <a:t>incompleteideas.net</a:t>
-            </a:r>
-            <a:r>
-              <a:rPr lang="en-US" dirty="0"/>
-              <a:t>/book/the-book-2nd.html)</a:t>
-            </a:r>
-          </a:p>
-          <a:p>
-            <a:r>
-              <a:rPr lang="en-US" dirty="0" err="1"/>
-              <a:t>Deepmind</a:t>
-            </a:r>
-            <a:r>
-              <a:rPr lang="en-US" dirty="0"/>
-              <a:t> RL Course by David Silver: https://</a:t>
-            </a:r>
-            <a:r>
-              <a:rPr lang="en-US" dirty="0" err="1"/>
-              <a:t>www.deepmind.com</a:t>
-            </a:r>
-            <a:r>
-              <a:rPr lang="en-US" dirty="0"/>
-              <a:t>/learning-resources/introduction-to-reinforcement-learning-with-</a:t>
-            </a:r>
-            <a:r>
-              <a:rPr lang="en-US" dirty="0" err="1"/>
-              <a:t>david</a:t>
-            </a:r>
-            <a:r>
-              <a:rPr lang="en-US" dirty="0"/>
-              <a:t>-silver</a:t>
-            </a:r>
-          </a:p>
-          <a:p>
-            <a:r>
-              <a:rPr lang="en-US" dirty="0"/>
-              <a:t>Frameworks:  </a:t>
-            </a:r>
-            <a:r>
-              <a:rPr lang="en-US" dirty="0" err="1"/>
-              <a:t>Keras</a:t>
-            </a:r>
-            <a:r>
-              <a:rPr lang="en-US" dirty="0"/>
-              <a:t>-RL/Keras-RL2, </a:t>
-            </a:r>
-            <a:r>
-              <a:rPr lang="en-US" dirty="0" err="1"/>
-              <a:t>OpenAI</a:t>
-            </a:r>
-            <a:r>
-              <a:rPr lang="en-US" dirty="0"/>
-              <a:t> Baselines/Stable Baselines, ACME </a:t>
-            </a:r>
-          </a:p>
-        </p:txBody>
-      </p:sp>
-      <p:sp>
-        <p:nvSpPr>
-          <p:cNvPr id="5" name="Footer Placeholder 4">
-            <a:extLst>
-              <a:ext uri="{FF2B5EF4-FFF2-40B4-BE49-F238E27FC236}">
-                <a16:creationId xmlns:a16="http://schemas.microsoft.com/office/drawing/2014/main" id="{A94C4BD9-C912-870B-E8A4-B484E8EBE2E8}"/>
-              </a:ext>
-            </a:extLst>
-          </p:cNvPr>
-          <p:cNvSpPr>
-            <a:spLocks noGrp="1"/>
-          </p:cNvSpPr>
-          <p:nvPr>
-            <p:ph type="ftr" sz="quarter" idx="11"/>
-          </p:nvPr>
-        </p:nvSpPr>
-        <p:spPr/>
-        <p:txBody>
-          <a:bodyPr/>
-          <a:lstStyle/>
-          <a:p>
-            <a:r>
-              <a:rPr lang="en-US"/>
-              <a:t>Intro to RL | indabax 2022</a:t>
-            </a:r>
-          </a:p>
-        </p:txBody>
-      </p:sp>
-      <p:sp>
-        <p:nvSpPr>
-          <p:cNvPr id="6" name="Slide Number Placeholder 5">
-            <a:extLst>
-              <a:ext uri="{FF2B5EF4-FFF2-40B4-BE49-F238E27FC236}">
-                <a16:creationId xmlns:a16="http://schemas.microsoft.com/office/drawing/2014/main" id="{9DA77DB2-195B-9C7C-FEC0-BB7FA0E87840}"/>
-              </a:ext>
-            </a:extLst>
-          </p:cNvPr>
-          <p:cNvSpPr>
-            <a:spLocks noGrp="1"/>
-          </p:cNvSpPr>
-          <p:nvPr>
-            <p:ph type="sldNum" sz="quarter" idx="12"/>
-          </p:nvPr>
-        </p:nvSpPr>
-        <p:spPr/>
-        <p:txBody>
-          <a:bodyPr/>
-          <a:lstStyle/>
-          <a:p>
-            <a:fld id="{70C38C08-47C7-4847-B0BE-B9D8DEEB3D1B}" type="slidenum">
-              <a:rPr lang="en-US" smtClean="0"/>
-              <a:t>15</a:t>
-            </a:fld>
-            <a:endParaRPr lang="en-US"/>
-          </a:p>
-        </p:txBody>
-      </p:sp>
-    </p:spTree>
-    <p:extLst>
-      <p:ext uri="{BB962C8B-B14F-4D97-AF65-F5344CB8AC3E}">
-        <p14:creationId xmlns:p14="http://schemas.microsoft.com/office/powerpoint/2010/main" val="543838568"/>
-      </p:ext>
-    </p:extLst>
-  </p:cSld>
-  <p:clrMapOvr>
-    <a:masterClrMapping/>
-  </p:clrMapOvr>
-</p:sld>
-</file>
-
-<file path=ppt/slides/slide16.xml><?xml version="1.0" encoding="utf-8"?>
 <p:sld xmlns:a="http://schemas.openxmlformats.org/drawingml/2006/main" xmlns:r="http://schemas.openxmlformats.org/officeDocument/2006/relationships" xmlns:p="http://schemas.openxmlformats.org/presentationml/2006/main">
   <p:cSld>
     <p:bg>
@@ -10491,12 +12719,60 @@
           <a:chExt cx="0" cy="0"/>
         </a:xfrm>
       </p:grpSpPr>
+      <p:cxnSp>
+        <p:nvCxnSpPr>
+          <p:cNvPr id="46" name="Straight Connector 45">
+            <a:extLst>
+              <a:ext uri="{FF2B5EF4-FFF2-40B4-BE49-F238E27FC236}">
+                <a16:creationId xmlns:a16="http://schemas.microsoft.com/office/drawing/2014/main" id="{F209B62C-3402-4623-9A7C-AA048B56F8C3}"/>
+              </a:ext>
+              <a:ext uri="{C183D7F6-B498-43B3-948B-1728B52AA6E4}">
+                <adec:decorative xmlns:adec="http://schemas.microsoft.com/office/drawing/2017/decorative" val="1"/>
+              </a:ext>
+            </a:extLst>
+          </p:cNvPr>
+          <p:cNvCxnSpPr>
+            <a:cxnSpLocks noGrp="1" noRot="1" noChangeAspect="1" noMove="1" noResize="1" noEditPoints="1" noAdjustHandles="1" noChangeArrowheads="1" noChangeShapeType="1"/>
+          </p:cNvCxnSpPr>
+          <p:nvPr>
+            <p:extLst>
+              <p:ext uri="{386F3935-93C4-4BCD-93E2-E3B085C9AB24}">
+                <p16:designElem xmlns:p16="http://schemas.microsoft.com/office/powerpoint/2015/main" val="1"/>
+              </p:ext>
+            </p:extLst>
+          </p:nvPr>
+        </p:nvCxnSpPr>
+        <p:spPr>
+          <a:xfrm>
+            <a:off x="990600" y="1031001"/>
+            <a:ext cx="978862" cy="0"/>
+          </a:xfrm>
+          <a:prstGeom prst="line">
+            <a:avLst/>
+          </a:prstGeom>
+          <a:ln w="76200"/>
+        </p:spPr>
+        <p:style>
+          <a:lnRef idx="1">
+            <a:schemeClr val="accent1"/>
+          </a:lnRef>
+          <a:fillRef idx="0">
+            <a:schemeClr val="accent1"/>
+          </a:fillRef>
+          <a:effectRef idx="0">
+            <a:schemeClr val="accent1"/>
+          </a:effectRef>
+          <a:fontRef idx="minor">
+            <a:schemeClr val="tx1"/>
+          </a:fontRef>
+        </p:style>
+      </p:cxnSp>
       <p:sp useBgFill="1">
         <p:nvSpPr>
-          <p:cNvPr id="18" name="Rectangle 17">
+          <p:cNvPr id="48" name="Rectangle 47">
             <a:extLst>
               <a:ext uri="{FF2B5EF4-FFF2-40B4-BE49-F238E27FC236}">
-                <a16:creationId xmlns:a16="http://schemas.microsoft.com/office/drawing/2014/main" id="{744CAA32-F237-419C-A2DD-43C28D920D3C}"/>
+                <a16:creationId xmlns:a16="http://schemas.microsoft.com/office/drawing/2014/main" id="{19F9BF86-FE94-4517-B97D-026C7515E589}"/>
               </a:ext>
               <a:ext uri="{C183D7F6-B498-43B3-948B-1728B52AA6E4}">
                 <adec:decorative xmlns:adec="http://schemas.microsoft.com/office/drawing/2017/decorative" val="1"/>
@@ -10585,6 +12861,1421 @@
         </p:nvSpPr>
         <p:spPr>
           <a:xfrm>
+            <a:off x="912628" y="1371601"/>
+            <a:ext cx="7902188" cy="886968"/>
+          </a:xfrm>
+        </p:spPr>
+        <p:txBody>
+          <a:bodyPr vert="horz" lIns="91440" tIns="45720" rIns="91440" bIns="45720" rtlCol="0" anchor="t">
+            <a:normAutofit fontScale="90000"/>
+          </a:bodyPr>
+          <a:lstStyle/>
+          <a:p>
+            <a:r>
+              <a:rPr lang="en-US" dirty="0"/>
+              <a:t>How do I know how good my Agent is?</a:t>
+            </a:r>
+          </a:p>
+        </p:txBody>
+      </p:sp>
+      <p:cxnSp>
+        <p:nvCxnSpPr>
+          <p:cNvPr id="50" name="Straight Connector 49">
+            <a:extLst>
+              <a:ext uri="{FF2B5EF4-FFF2-40B4-BE49-F238E27FC236}">
+                <a16:creationId xmlns:a16="http://schemas.microsoft.com/office/drawing/2014/main" id="{AA07ED31-6FA0-4967-A8DD-C5388BC17495}"/>
+              </a:ext>
+              <a:ext uri="{C183D7F6-B498-43B3-948B-1728B52AA6E4}">
+                <adec:decorative xmlns:adec="http://schemas.microsoft.com/office/drawing/2017/decorative" val="1"/>
+              </a:ext>
+            </a:extLst>
+          </p:cNvPr>
+          <p:cNvCxnSpPr>
+            <a:cxnSpLocks noGrp="1" noRot="1" noChangeAspect="1" noMove="1" noResize="1" noEditPoints="1" noAdjustHandles="1" noChangeArrowheads="1" noChangeShapeType="1"/>
+          </p:cNvCxnSpPr>
+          <p:nvPr>
+            <p:extLst>
+              <p:ext uri="{386F3935-93C4-4BCD-93E2-E3B085C9AB24}">
+                <p16:designElem xmlns:p16="http://schemas.microsoft.com/office/powerpoint/2015/main" val="1"/>
+              </p:ext>
+            </p:extLst>
+          </p:nvPr>
+        </p:nvCxnSpPr>
+        <p:spPr>
+          <a:xfrm>
+            <a:off x="990600" y="1031001"/>
+            <a:ext cx="978862" cy="0"/>
+          </a:xfrm>
+          <a:prstGeom prst="line">
+            <a:avLst/>
+          </a:prstGeom>
+          <a:ln w="76200"/>
+        </p:spPr>
+        <p:style>
+          <a:lnRef idx="1">
+            <a:schemeClr val="accent1"/>
+          </a:lnRef>
+          <a:fillRef idx="0">
+            <a:schemeClr val="accent1"/>
+          </a:fillRef>
+          <a:effectRef idx="0">
+            <a:schemeClr val="accent1"/>
+          </a:effectRef>
+          <a:fontRef idx="minor">
+            <a:schemeClr val="tx1"/>
+          </a:fontRef>
+        </p:style>
+      </p:cxnSp>
+      <p:sp>
+        <p:nvSpPr>
+          <p:cNvPr id="5" name="Footer Placeholder 4">
+            <a:extLst>
+              <a:ext uri="{FF2B5EF4-FFF2-40B4-BE49-F238E27FC236}">
+                <a16:creationId xmlns:a16="http://schemas.microsoft.com/office/drawing/2014/main" id="{9D3FF22B-087C-ADD0-C834-47651FDDD635}"/>
+              </a:ext>
+            </a:extLst>
+          </p:cNvPr>
+          <p:cNvSpPr>
+            <a:spLocks noGrp="1"/>
+          </p:cNvSpPr>
+          <p:nvPr>
+            <p:ph type="ftr" sz="quarter" idx="11"/>
+          </p:nvPr>
+        </p:nvSpPr>
+        <p:spPr>
+          <a:xfrm>
+            <a:off x="6767622" y="6356350"/>
+            <a:ext cx="4040373" cy="365125"/>
+          </a:xfrm>
+        </p:spPr>
+        <p:txBody>
+          <a:bodyPr vert="horz" lIns="91440" tIns="45720" rIns="91440" bIns="45720" rtlCol="0" anchor="ctr">
+            <a:normAutofit/>
+          </a:bodyPr>
+          <a:lstStyle/>
+          <a:p>
+            <a:pPr>
+              <a:spcAft>
+                <a:spcPts val="600"/>
+              </a:spcAft>
+            </a:pPr>
+            <a:r>
+              <a:rPr lang="en-US" b="1" kern="1200" cap="all" spc="300" baseline="0">
+                <a:solidFill>
+                  <a:schemeClr val="tx1"/>
+                </a:solidFill>
+                <a:latin typeface="+mn-lt"/>
+                <a:ea typeface="+mn-ea"/>
+                <a:cs typeface="+mn-cs"/>
+              </a:rPr>
+              <a:t>Intro to RL | indabax 2022</a:t>
+            </a:r>
+            <a:endParaRPr lang="en-US" b="1" kern="1200" cap="all" spc="300" baseline="0" dirty="0">
+              <a:solidFill>
+                <a:schemeClr val="tx1"/>
+              </a:solidFill>
+              <a:latin typeface="+mn-lt"/>
+              <a:ea typeface="+mn-ea"/>
+              <a:cs typeface="+mn-cs"/>
+            </a:endParaRPr>
+          </a:p>
+        </p:txBody>
+      </p:sp>
+      <p:sp>
+        <p:nvSpPr>
+          <p:cNvPr id="6" name="Slide Number Placeholder 5">
+            <a:extLst>
+              <a:ext uri="{FF2B5EF4-FFF2-40B4-BE49-F238E27FC236}">
+                <a16:creationId xmlns:a16="http://schemas.microsoft.com/office/drawing/2014/main" id="{9618AEDC-E429-5D1E-5661-FF45C592B113}"/>
+              </a:ext>
+            </a:extLst>
+          </p:cNvPr>
+          <p:cNvSpPr>
+            <a:spLocks noGrp="1"/>
+          </p:cNvSpPr>
+          <p:nvPr>
+            <p:ph type="sldNum" sz="quarter" idx="12"/>
+          </p:nvPr>
+        </p:nvSpPr>
+        <p:spPr>
+          <a:xfrm>
+            <a:off x="10807995" y="6356350"/>
+            <a:ext cx="723014" cy="365125"/>
+          </a:xfrm>
+        </p:spPr>
+        <p:txBody>
+          <a:bodyPr vert="horz" lIns="91440" tIns="45720" rIns="91440" bIns="45720" rtlCol="0" anchor="ctr">
+            <a:normAutofit/>
+          </a:bodyPr>
+          <a:lstStyle/>
+          <a:p>
+            <a:pPr>
+              <a:spcAft>
+                <a:spcPts val="600"/>
+              </a:spcAft>
+            </a:pPr>
+            <a:fld id="{70C38C08-47C7-4847-B0BE-B9D8DEEB3D1B}" type="slidenum">
+              <a:rPr lang="en-US" smtClean="0"/>
+              <a:pPr>
+                <a:spcAft>
+                  <a:spcPts val="600"/>
+                </a:spcAft>
+              </a:pPr>
+              <a:t>15</a:t>
+            </a:fld>
+            <a:endParaRPr lang="en-US"/>
+          </a:p>
+        </p:txBody>
+      </p:sp>
+      <p:sp>
+        <p:nvSpPr>
+          <p:cNvPr id="9" name="Content Placeholder 2">
+            <a:extLst>
+              <a:ext uri="{FF2B5EF4-FFF2-40B4-BE49-F238E27FC236}">
+                <a16:creationId xmlns:a16="http://schemas.microsoft.com/office/drawing/2014/main" id="{501F06FE-E961-6695-CBA4-C2EFFED9D22E}"/>
+              </a:ext>
+            </a:extLst>
+          </p:cNvPr>
+          <p:cNvSpPr>
+            <a:spLocks noGrp="1"/>
+          </p:cNvSpPr>
+          <p:nvPr>
+            <p:ph idx="1"/>
+          </p:nvPr>
+        </p:nvSpPr>
+        <p:spPr>
+          <a:xfrm>
+            <a:off x="912628" y="2402603"/>
+            <a:ext cx="9016409" cy="2927536"/>
+          </a:xfrm>
+        </p:spPr>
+        <p:txBody>
+          <a:bodyPr>
+            <a:normAutofit/>
+          </a:bodyPr>
+          <a:lstStyle/>
+          <a:p>
+            <a:r>
+              <a:rPr lang="en-US" dirty="0"/>
+              <a:t>No labels – can’t use traditional KPIs like Confusion matrices or MSE, etc.</a:t>
+            </a:r>
+          </a:p>
+          <a:p>
+            <a:endParaRPr lang="en-US" dirty="0"/>
+          </a:p>
+          <a:p>
+            <a:endParaRPr lang="en-US" dirty="0"/>
+          </a:p>
+        </p:txBody>
+      </p:sp>
+    </p:spTree>
+    <p:extLst>
+      <p:ext uri="{BB962C8B-B14F-4D97-AF65-F5344CB8AC3E}">
+        <p14:creationId xmlns:p14="http://schemas.microsoft.com/office/powerpoint/2010/main" val="1682151548"/>
+      </p:ext>
+    </p:extLst>
+  </p:cSld>
+  <p:clrMapOvr>
+    <a:masterClrMapping/>
+  </p:clrMapOvr>
+</p:sld>
+</file>
+
+<file path=ppt/slides/slide16.xml><?xml version="1.0" encoding="utf-8"?>
+<p:sld xmlns:a="http://schemas.openxmlformats.org/drawingml/2006/main" xmlns:r="http://schemas.openxmlformats.org/officeDocument/2006/relationships" xmlns:p="http://schemas.openxmlformats.org/presentationml/2006/main">
+  <p:cSld>
+    <p:bg>
+      <p:bgPr>
+        <a:solidFill>
+          <a:schemeClr val="bg1"/>
+        </a:solidFill>
+        <a:effectLst/>
+      </p:bgPr>
+    </p:bg>
+    <p:spTree>
+      <p:nvGrpSpPr>
+        <p:cNvPr id="1" name=""/>
+        <p:cNvGrpSpPr/>
+        <p:nvPr/>
+      </p:nvGrpSpPr>
+      <p:grpSpPr>
+        <a:xfrm>
+          <a:off x="0" y="0"/>
+          <a:ext cx="0" cy="0"/>
+          <a:chOff x="0" y="0"/>
+          <a:chExt cx="0" cy="0"/>
+        </a:xfrm>
+      </p:grpSpPr>
+      <p:sp useBgFill="1">
+        <p:nvSpPr>
+          <p:cNvPr id="64" name="Rectangle 63">
+            <a:extLst>
+              <a:ext uri="{FF2B5EF4-FFF2-40B4-BE49-F238E27FC236}">
+                <a16:creationId xmlns:a16="http://schemas.microsoft.com/office/drawing/2014/main" id="{063F27BC-7079-4FF7-8F7C-ABC82FA3C247}"/>
+              </a:ext>
+              <a:ext uri="{C183D7F6-B498-43B3-948B-1728B52AA6E4}">
+                <adec:decorative xmlns:adec="http://schemas.microsoft.com/office/drawing/2017/decorative" val="1"/>
+              </a:ext>
+            </a:extLst>
+          </p:cNvPr>
+          <p:cNvSpPr>
+            <a:spLocks noGrp="1" noRot="1" noChangeAspect="1" noMove="1" noResize="1" noEditPoints="1" noAdjustHandles="1" noChangeArrowheads="1" noChangeShapeType="1" noTextEdit="1"/>
+          </p:cNvSpPr>
+          <p:nvPr>
+            <p:extLst>
+              <p:ext uri="{386F3935-93C4-4BCD-93E2-E3B085C9AB24}">
+                <p16:designElem xmlns:p16="http://schemas.microsoft.com/office/powerpoint/2015/main" val="1"/>
+              </p:ext>
+            </p:extLst>
+          </p:nvPr>
+        </p:nvSpPr>
+        <p:spPr>
+          <a:xfrm>
+            <a:off x="0" y="0"/>
+            <a:ext cx="12192000" cy="6858000"/>
+          </a:xfrm>
+          <a:prstGeom prst="rect">
+            <a:avLst/>
+          </a:prstGeom>
+          <a:ln w="12700" cap="flat" cmpd="sng" algn="ctr">
+            <a:noFill/>
+            <a:prstDash val="solid"/>
+            <a:miter lim="800000"/>
+          </a:ln>
+          <a:effectLst/>
+          <a:extLst>
+            <a:ext uri="{91240B29-F687-4F45-9708-019B960494DF}">
+              <a14:hiddenLine xmlns:a14="http://schemas.microsoft.com/office/drawing/2010/main" w="12700" cap="flat" cmpd="sng" algn="ctr">
+                <a:solidFill>
+                  <a:schemeClr val="accent1">
+                    <a:shade val="50000"/>
+                  </a:schemeClr>
+                </a:solidFill>
+                <a:prstDash val="solid"/>
+                <a:miter lim="800000"/>
+              </a14:hiddenLine>
+            </a:ext>
+          </a:extLst>
+        </p:spPr>
+        <p:style>
+          <a:lnRef idx="2">
+            <a:schemeClr val="accent1">
+              <a:shade val="50000"/>
+            </a:schemeClr>
+          </a:lnRef>
+          <a:fillRef idx="1">
+            <a:schemeClr val="accent1"/>
+          </a:fillRef>
+          <a:effectRef idx="0">
+            <a:schemeClr val="accent1"/>
+          </a:effectRef>
+          <a:fontRef idx="minor">
+            <a:schemeClr val="lt1"/>
+          </a:fontRef>
+        </p:style>
+        <p:txBody>
+          <a:bodyPr rtlCol="0" anchor="ctr"/>
+          <a:lstStyle/>
+          <a:p>
+            <a:pPr algn="ctr"/>
+            <a:endParaRPr lang="en-US"/>
+          </a:p>
+        </p:txBody>
+      </p:sp>
+      <p:sp>
+        <p:nvSpPr>
+          <p:cNvPr id="2" name="Title 1">
+            <a:extLst>
+              <a:ext uri="{FF2B5EF4-FFF2-40B4-BE49-F238E27FC236}">
+                <a16:creationId xmlns:a16="http://schemas.microsoft.com/office/drawing/2014/main" id="{59B05E76-7F26-18AB-CC6D-57FACF72A7CA}"/>
+              </a:ext>
+            </a:extLst>
+          </p:cNvPr>
+          <p:cNvSpPr>
+            <a:spLocks noGrp="1"/>
+          </p:cNvSpPr>
+          <p:nvPr>
+            <p:ph type="title"/>
+          </p:nvPr>
+        </p:nvSpPr>
+        <p:spPr>
+          <a:xfrm>
+            <a:off x="914400" y="914400"/>
+            <a:ext cx="4694904" cy="2881221"/>
+          </a:xfrm>
+        </p:spPr>
+        <p:txBody>
+          <a:bodyPr vert="horz" lIns="91440" tIns="45720" rIns="91440" bIns="45720" rtlCol="0" anchor="t">
+            <a:normAutofit fontScale="90000"/>
+          </a:bodyPr>
+          <a:lstStyle/>
+          <a:p>
+            <a:r>
+              <a:rPr lang="en-US"/>
+              <a:t>Differences between Supervised Learning and Reinforcement Learning?</a:t>
+            </a:r>
+            <a:endParaRPr lang="en-US" dirty="0"/>
+          </a:p>
+        </p:txBody>
+      </p:sp>
+      <p:cxnSp>
+        <p:nvCxnSpPr>
+          <p:cNvPr id="66" name="Straight Connector 65">
+            <a:extLst>
+              <a:ext uri="{FF2B5EF4-FFF2-40B4-BE49-F238E27FC236}">
+                <a16:creationId xmlns:a16="http://schemas.microsoft.com/office/drawing/2014/main" id="{61AF2F3F-06F0-42E3-8F72-36BEDCB694FC}"/>
+              </a:ext>
+              <a:ext uri="{C183D7F6-B498-43B3-948B-1728B52AA6E4}">
+                <adec:decorative xmlns:adec="http://schemas.microsoft.com/office/drawing/2017/decorative" val="1"/>
+              </a:ext>
+            </a:extLst>
+          </p:cNvPr>
+          <p:cNvCxnSpPr>
+            <a:cxnSpLocks noGrp="1" noRot="1" noChangeAspect="1" noMove="1" noResize="1" noEditPoints="1" noAdjustHandles="1" noChangeArrowheads="1" noChangeShapeType="1"/>
+          </p:cNvCxnSpPr>
+          <p:nvPr>
+            <p:extLst>
+              <p:ext uri="{386F3935-93C4-4BCD-93E2-E3B085C9AB24}">
+                <p16:designElem xmlns:p16="http://schemas.microsoft.com/office/powerpoint/2015/main" val="1"/>
+              </p:ext>
+            </p:extLst>
+          </p:nvPr>
+        </p:nvCxnSpPr>
+        <p:spPr>
+          <a:xfrm>
+            <a:off x="992570" y="5821999"/>
+            <a:ext cx="10208830" cy="0"/>
+          </a:xfrm>
+          <a:prstGeom prst="line">
+            <a:avLst/>
+          </a:prstGeom>
+          <a:ln w="76200"/>
+        </p:spPr>
+        <p:style>
+          <a:lnRef idx="1">
+            <a:schemeClr val="accent1"/>
+          </a:lnRef>
+          <a:fillRef idx="0">
+            <a:schemeClr val="accent1"/>
+          </a:fillRef>
+          <a:effectRef idx="0">
+            <a:schemeClr val="accent1"/>
+          </a:effectRef>
+          <a:fontRef idx="minor">
+            <a:schemeClr val="tx1"/>
+          </a:fontRef>
+        </p:style>
+      </p:cxnSp>
+      <p:sp>
+        <p:nvSpPr>
+          <p:cNvPr id="5" name="Footer Placeholder 4">
+            <a:extLst>
+              <a:ext uri="{FF2B5EF4-FFF2-40B4-BE49-F238E27FC236}">
+                <a16:creationId xmlns:a16="http://schemas.microsoft.com/office/drawing/2014/main" id="{9D3FF22B-087C-ADD0-C834-47651FDDD635}"/>
+              </a:ext>
+            </a:extLst>
+          </p:cNvPr>
+          <p:cNvSpPr>
+            <a:spLocks noGrp="1"/>
+          </p:cNvSpPr>
+          <p:nvPr>
+            <p:ph type="ftr" sz="quarter" idx="11"/>
+          </p:nvPr>
+        </p:nvSpPr>
+        <p:spPr>
+          <a:xfrm>
+            <a:off x="6767622" y="6356350"/>
+            <a:ext cx="4040373" cy="365125"/>
+          </a:xfrm>
+        </p:spPr>
+        <p:txBody>
+          <a:bodyPr vert="horz" lIns="91440" tIns="45720" rIns="91440" bIns="45720" rtlCol="0">
+            <a:normAutofit/>
+          </a:bodyPr>
+          <a:lstStyle/>
+          <a:p>
+            <a:pPr>
+              <a:spcAft>
+                <a:spcPts val="600"/>
+              </a:spcAft>
+            </a:pPr>
+            <a:r>
+              <a:rPr lang="en-US" b="1" kern="1200" cap="all" spc="300" baseline="0">
+                <a:latin typeface="+mn-lt"/>
+                <a:ea typeface="+mn-ea"/>
+                <a:cs typeface="+mn-cs"/>
+              </a:rPr>
+              <a:t>Intro to RL | indabax 2022</a:t>
+            </a:r>
+          </a:p>
+        </p:txBody>
+      </p:sp>
+      <p:sp>
+        <p:nvSpPr>
+          <p:cNvPr id="6" name="Slide Number Placeholder 5">
+            <a:extLst>
+              <a:ext uri="{FF2B5EF4-FFF2-40B4-BE49-F238E27FC236}">
+                <a16:creationId xmlns:a16="http://schemas.microsoft.com/office/drawing/2014/main" id="{9618AEDC-E429-5D1E-5661-FF45C592B113}"/>
+              </a:ext>
+            </a:extLst>
+          </p:cNvPr>
+          <p:cNvSpPr>
+            <a:spLocks noGrp="1"/>
+          </p:cNvSpPr>
+          <p:nvPr>
+            <p:ph type="sldNum" sz="quarter" idx="12"/>
+          </p:nvPr>
+        </p:nvSpPr>
+        <p:spPr>
+          <a:xfrm>
+            <a:off x="10807995" y="6356350"/>
+            <a:ext cx="723014" cy="365125"/>
+          </a:xfrm>
+        </p:spPr>
+        <p:txBody>
+          <a:bodyPr vert="horz" lIns="91440" tIns="45720" rIns="91440" bIns="45720" rtlCol="0">
+            <a:normAutofit/>
+          </a:bodyPr>
+          <a:lstStyle/>
+          <a:p>
+            <a:pPr>
+              <a:spcAft>
+                <a:spcPts val="600"/>
+              </a:spcAft>
+            </a:pPr>
+            <a:fld id="{70C38C08-47C7-4847-B0BE-B9D8DEEB3D1B}" type="slidenum">
+              <a:rPr lang="en-US" smtClean="0"/>
+              <a:pPr>
+                <a:spcAft>
+                  <a:spcPts val="600"/>
+                </a:spcAft>
+              </a:pPr>
+              <a:t>16</a:t>
+            </a:fld>
+            <a:endParaRPr lang="en-US"/>
+          </a:p>
+        </p:txBody>
+      </p:sp>
+      <p:graphicFrame>
+        <p:nvGraphicFramePr>
+          <p:cNvPr id="7" name="Table 7">
+            <a:extLst>
+              <a:ext uri="{FF2B5EF4-FFF2-40B4-BE49-F238E27FC236}">
+                <a16:creationId xmlns:a16="http://schemas.microsoft.com/office/drawing/2014/main" id="{1CBC0227-34D3-B060-2BB5-2BBCF2AA8F56}"/>
+              </a:ext>
+            </a:extLst>
+          </p:cNvPr>
+          <p:cNvGraphicFramePr>
+            <a:graphicFrameLocks noGrp="1"/>
+          </p:cNvGraphicFramePr>
+          <p:nvPr>
+            <p:ph idx="1"/>
+            <p:extLst>
+              <p:ext uri="{D42A27DB-BD31-4B8C-83A1-F6EECF244321}">
+                <p14:modId xmlns:p14="http://schemas.microsoft.com/office/powerpoint/2010/main" val="575736895"/>
+              </p:ext>
+            </p:extLst>
+          </p:nvPr>
+        </p:nvGraphicFramePr>
+        <p:xfrm>
+          <a:off x="6253316" y="1370780"/>
+          <a:ext cx="5024284" cy="3511744"/>
+        </p:xfrm>
+        <a:graphic>
+          <a:graphicData uri="http://schemas.openxmlformats.org/drawingml/2006/table">
+            <a:tbl>
+              <a:tblPr firstRow="1" bandRow="1">
+                <a:solidFill>
+                  <a:schemeClr val="tx1">
+                    <a:lumMod val="75000"/>
+                    <a:lumOff val="25000"/>
+                  </a:schemeClr>
+                </a:solidFill>
+                <a:tableStyleId>{5C22544A-7EE6-4342-B048-85BDC9FD1C3A}</a:tableStyleId>
+              </a:tblPr>
+              <a:tblGrid>
+                <a:gridCol w="2550745">
+                  <a:extLst>
+                    <a:ext uri="{9D8B030D-6E8A-4147-A177-3AD203B41FA5}">
+                      <a16:colId xmlns:a16="http://schemas.microsoft.com/office/drawing/2014/main" val="1228764883"/>
+                    </a:ext>
+                  </a:extLst>
+                </a:gridCol>
+                <a:gridCol w="2473539">
+                  <a:extLst>
+                    <a:ext uri="{9D8B030D-6E8A-4147-A177-3AD203B41FA5}">
+                      <a16:colId xmlns:a16="http://schemas.microsoft.com/office/drawing/2014/main" val="2535460713"/>
+                    </a:ext>
+                  </a:extLst>
+                </a:gridCol>
+              </a:tblGrid>
+              <a:tr h="475709">
+                <a:tc>
+                  <a:txBody>
+                    <a:bodyPr/>
+                    <a:lstStyle/>
+                    <a:p>
+                      <a:r>
+                        <a:rPr lang="en-US" sz="1800" b="1" cap="none" spc="0">
+                          <a:solidFill>
+                            <a:schemeClr val="bg1"/>
+                          </a:solidFill>
+                        </a:rPr>
+                        <a:t>Supervised Learning</a:t>
+                      </a:r>
+                    </a:p>
+                  </a:txBody>
+                  <a:tcPr marL="70851" marR="101216" marT="20243" marB="151823" anchor="b">
+                    <a:lnL w="12700" cmpd="sng">
+                      <a:noFill/>
+                    </a:lnL>
+                    <a:lnR w="12700" cmpd="sng">
+                      <a:noFill/>
+                    </a:lnR>
+                    <a:lnT w="9525" cap="flat" cmpd="sng" algn="ctr">
+                      <a:noFill/>
+                      <a:prstDash val="solid"/>
+                    </a:lnT>
+                    <a:lnB w="38100" cmpd="sng">
+                      <a:noFill/>
+                    </a:lnB>
+                    <a:solidFill>
+                      <a:schemeClr val="tx1">
+                        <a:lumMod val="75000"/>
+                        <a:lumOff val="25000"/>
+                      </a:schemeClr>
+                    </a:solidFill>
+                  </a:tcPr>
+                </a:tc>
+                <a:tc>
+                  <a:txBody>
+                    <a:bodyPr/>
+                    <a:lstStyle/>
+                    <a:p>
+                      <a:r>
+                        <a:rPr lang="en-US" sz="1800" b="1" cap="none" spc="0">
+                          <a:solidFill>
+                            <a:schemeClr val="bg1"/>
+                          </a:solidFill>
+                        </a:rPr>
+                        <a:t>RL</a:t>
+                      </a:r>
+                    </a:p>
+                  </a:txBody>
+                  <a:tcPr marL="70851" marR="101216" marT="20243" marB="151823" anchor="b">
+                    <a:lnL w="12700" cmpd="sng">
+                      <a:noFill/>
+                    </a:lnL>
+                    <a:lnR w="12700" cmpd="sng">
+                      <a:noFill/>
+                    </a:lnR>
+                    <a:lnT w="9525" cap="flat" cmpd="sng" algn="ctr">
+                      <a:noFill/>
+                      <a:prstDash val="solid"/>
+                    </a:lnT>
+                    <a:lnB w="38100" cmpd="sng">
+                      <a:noFill/>
+                    </a:lnB>
+                    <a:solidFill>
+                      <a:schemeClr val="tx1">
+                        <a:lumMod val="75000"/>
+                        <a:lumOff val="25000"/>
+                      </a:schemeClr>
+                    </a:solidFill>
+                  </a:tcPr>
+                </a:tc>
+                <a:extLst>
+                  <a:ext uri="{0D108BD9-81ED-4DB2-BD59-A6C34878D82A}">
+                    <a16:rowId xmlns:a16="http://schemas.microsoft.com/office/drawing/2014/main" val="262237105"/>
+                  </a:ext>
+                </a:extLst>
+              </a:tr>
+              <a:tr h="1013657">
+                <a:tc>
+                  <a:txBody>
+                    <a:bodyPr/>
+                    <a:lstStyle/>
+                    <a:p>
+                      <a:r>
+                        <a:rPr lang="en-US" sz="1300" cap="none" spc="0">
+                          <a:solidFill>
+                            <a:schemeClr val="bg1"/>
+                          </a:solidFill>
+                        </a:rPr>
+                        <a:t>Need data to train model</a:t>
+                      </a:r>
+                    </a:p>
+                  </a:txBody>
+                  <a:tcPr marL="70851" marR="101216" marT="20243" marB="151823">
+                    <a:lnL w="12700" cap="flat" cmpd="sng" algn="ctr">
+                      <a:solidFill>
+                        <a:schemeClr val="bg1"/>
+                      </a:solidFill>
+                      <a:prstDash val="solid"/>
+                    </a:lnL>
+                    <a:lnR w="12700" cmpd="sng">
+                      <a:noFill/>
+                      <a:prstDash val="solid"/>
+                    </a:lnR>
+                    <a:lnT w="38100" cmpd="sng">
+                      <a:noFill/>
+                    </a:lnT>
+                    <a:lnB w="9525" cap="flat" cmpd="sng" algn="ctr">
+                      <a:noFill/>
+                      <a:prstDash val="solid"/>
+                    </a:lnB>
+                    <a:solidFill>
+                      <a:schemeClr val="tx1">
+                        <a:lumMod val="75000"/>
+                        <a:lumOff val="25000"/>
+                      </a:schemeClr>
+                    </a:solidFill>
+                  </a:tcPr>
+                </a:tc>
+                <a:tc>
+                  <a:txBody>
+                    <a:bodyPr/>
+                    <a:lstStyle/>
+                    <a:p>
+                      <a:r>
+                        <a:rPr lang="en-US" sz="1300" cap="none" spc="0">
+                          <a:solidFill>
+                            <a:schemeClr val="bg1"/>
+                          </a:solidFill>
+                        </a:rPr>
+                        <a:t>Do not necessarily need data to train model (off-policy) – learn from experience, requires exploration.</a:t>
+                      </a:r>
+                    </a:p>
+                  </a:txBody>
+                  <a:tcPr marL="70851" marR="101216" marT="20243" marB="151823">
+                    <a:lnL w="12700" cmpd="sng">
+                      <a:noFill/>
+                      <a:prstDash val="solid"/>
+                    </a:lnL>
+                    <a:lnR w="12700" cmpd="sng">
+                      <a:noFill/>
+                      <a:prstDash val="solid"/>
+                    </a:lnR>
+                    <a:lnT w="38100" cmpd="sng">
+                      <a:noFill/>
+                    </a:lnT>
+                    <a:lnB w="9525" cap="flat" cmpd="sng" algn="ctr">
+                      <a:noFill/>
+                      <a:prstDash val="solid"/>
+                    </a:lnB>
+                    <a:solidFill>
+                      <a:schemeClr val="tx1">
+                        <a:lumMod val="75000"/>
+                        <a:lumOff val="25000"/>
+                      </a:schemeClr>
+                    </a:solidFill>
+                  </a:tcPr>
+                </a:tc>
+                <a:extLst>
+                  <a:ext uri="{0D108BD9-81ED-4DB2-BD59-A6C34878D82A}">
+                    <a16:rowId xmlns:a16="http://schemas.microsoft.com/office/drawing/2014/main" val="1033340801"/>
+                  </a:ext>
+                </a:extLst>
+              </a:tr>
+              <a:tr h="607207">
+                <a:tc>
+                  <a:txBody>
+                    <a:bodyPr/>
+                    <a:lstStyle/>
+                    <a:p>
+                      <a:r>
+                        <a:rPr lang="en-US" sz="1300" cap="none" spc="0">
+                          <a:solidFill>
+                            <a:schemeClr val="bg1"/>
+                          </a:solidFill>
+                        </a:rPr>
+                        <a:t>Optimise model to learn which action to take</a:t>
+                      </a:r>
+                    </a:p>
+                  </a:txBody>
+                  <a:tcPr marL="70851" marR="101216" marT="20243" marB="151823">
+                    <a:lnL w="12700" cap="flat" cmpd="sng" algn="ctr">
+                      <a:solidFill>
+                        <a:schemeClr val="bg1"/>
+                      </a:solidFill>
+                      <a:prstDash val="solid"/>
+                    </a:lnL>
+                    <a:lnR w="12700" cmpd="sng">
+                      <a:noFill/>
+                      <a:prstDash val="solid"/>
+                    </a:lnR>
+                    <a:lnT w="12700" cmpd="sng">
+                      <a:noFill/>
+                      <a:prstDash val="solid"/>
+                    </a:lnT>
+                    <a:lnB w="12700" cmpd="sng">
+                      <a:noFill/>
+                      <a:prstDash val="solid"/>
+                    </a:lnB>
+                    <a:solidFill>
+                      <a:schemeClr val="tx1">
+                        <a:lumMod val="75000"/>
+                        <a:lumOff val="25000"/>
+                      </a:schemeClr>
+                    </a:solidFill>
+                  </a:tcPr>
+                </a:tc>
+                <a:tc>
+                  <a:txBody>
+                    <a:bodyPr/>
+                    <a:lstStyle/>
+                    <a:p>
+                      <a:r>
+                        <a:rPr lang="en-US" sz="1300" cap="none" spc="0">
+                          <a:solidFill>
+                            <a:schemeClr val="bg1"/>
+                          </a:solidFill>
+                        </a:rPr>
+                        <a:t>No examples of “correct” actions to take</a:t>
+                      </a:r>
+                    </a:p>
+                  </a:txBody>
+                  <a:tcPr marL="70851" marR="101216" marT="20243" marB="151823">
+                    <a:lnL w="12700" cmpd="sng">
+                      <a:noFill/>
+                      <a:prstDash val="solid"/>
+                    </a:lnL>
+                    <a:lnR w="12700" cmpd="sng">
+                      <a:noFill/>
+                      <a:prstDash val="solid"/>
+                    </a:lnR>
+                    <a:lnT w="12700" cmpd="sng">
+                      <a:noFill/>
+                      <a:prstDash val="solid"/>
+                    </a:lnT>
+                    <a:lnB w="12700" cmpd="sng">
+                      <a:noFill/>
+                      <a:prstDash val="solid"/>
+                    </a:lnB>
+                    <a:solidFill>
+                      <a:schemeClr val="tx1">
+                        <a:lumMod val="75000"/>
+                        <a:lumOff val="25000"/>
+                      </a:schemeClr>
+                    </a:solidFill>
+                  </a:tcPr>
+                </a:tc>
+                <a:extLst>
+                  <a:ext uri="{0D108BD9-81ED-4DB2-BD59-A6C34878D82A}">
+                    <a16:rowId xmlns:a16="http://schemas.microsoft.com/office/drawing/2014/main" val="2307139026"/>
+                  </a:ext>
+                </a:extLst>
+              </a:tr>
+              <a:tr h="403982">
+                <a:tc>
+                  <a:txBody>
+                    <a:bodyPr/>
+                    <a:lstStyle/>
+                    <a:p>
+                      <a:r>
+                        <a:rPr lang="en-US" sz="1300" cap="none" spc="0">
+                          <a:solidFill>
+                            <a:schemeClr val="bg1"/>
+                          </a:solidFill>
+                        </a:rPr>
+                        <a:t>Not interactive</a:t>
+                      </a:r>
+                    </a:p>
+                  </a:txBody>
+                  <a:tcPr marL="70851" marR="101216" marT="20243" marB="151823">
+                    <a:lnL w="12700" cap="flat" cmpd="sng" algn="ctr">
+                      <a:solidFill>
+                        <a:schemeClr val="bg1"/>
+                      </a:solidFill>
+                      <a:prstDash val="solid"/>
+                    </a:lnL>
+                    <a:lnR w="12700" cmpd="sng">
+                      <a:noFill/>
+                      <a:prstDash val="solid"/>
+                    </a:lnR>
+                    <a:lnT w="12700" cmpd="sng">
+                      <a:noFill/>
+                      <a:prstDash val="solid"/>
+                    </a:lnT>
+                    <a:lnB w="12700" cmpd="sng">
+                      <a:noFill/>
+                      <a:prstDash val="solid"/>
+                    </a:lnB>
+                    <a:solidFill>
+                      <a:schemeClr val="tx1">
+                        <a:lumMod val="75000"/>
+                        <a:lumOff val="25000"/>
+                      </a:schemeClr>
+                    </a:solidFill>
+                  </a:tcPr>
+                </a:tc>
+                <a:tc>
+                  <a:txBody>
+                    <a:bodyPr/>
+                    <a:lstStyle/>
+                    <a:p>
+                      <a:r>
+                        <a:rPr lang="en-US" sz="1300" cap="none" spc="0">
+                          <a:solidFill>
+                            <a:schemeClr val="bg1"/>
+                          </a:solidFill>
+                        </a:rPr>
+                        <a:t>Online, interactive learning</a:t>
+                      </a:r>
+                    </a:p>
+                  </a:txBody>
+                  <a:tcPr marL="70851" marR="101216" marT="20243" marB="151823">
+                    <a:lnL w="12700" cmpd="sng">
+                      <a:noFill/>
+                      <a:prstDash val="solid"/>
+                    </a:lnL>
+                    <a:lnR w="12700" cmpd="sng">
+                      <a:noFill/>
+                      <a:prstDash val="solid"/>
+                    </a:lnR>
+                    <a:lnT w="12700" cmpd="sng">
+                      <a:noFill/>
+                      <a:prstDash val="solid"/>
+                    </a:lnT>
+                    <a:lnB w="12700" cmpd="sng">
+                      <a:noFill/>
+                      <a:prstDash val="solid"/>
+                    </a:lnB>
+                    <a:solidFill>
+                      <a:schemeClr val="tx1">
+                        <a:lumMod val="75000"/>
+                        <a:lumOff val="25000"/>
+                      </a:schemeClr>
+                    </a:solidFill>
+                  </a:tcPr>
+                </a:tc>
+                <a:extLst>
+                  <a:ext uri="{0D108BD9-81ED-4DB2-BD59-A6C34878D82A}">
+                    <a16:rowId xmlns:a16="http://schemas.microsoft.com/office/drawing/2014/main" val="3455834549"/>
+                  </a:ext>
+                </a:extLst>
+              </a:tr>
+              <a:tr h="607207">
+                <a:tc>
+                  <a:txBody>
+                    <a:bodyPr/>
+                    <a:lstStyle/>
+                    <a:p>
+                      <a:r>
+                        <a:rPr lang="en-US" sz="1300" cap="none" spc="0">
+                          <a:solidFill>
+                            <a:schemeClr val="bg1"/>
+                          </a:solidFill>
+                        </a:rPr>
+                        <a:t>Aim is to minimize loss function</a:t>
+                      </a:r>
+                    </a:p>
+                  </a:txBody>
+                  <a:tcPr marL="70851" marR="101216" marT="20243" marB="151823">
+                    <a:lnL w="12700" cap="flat" cmpd="sng" algn="ctr">
+                      <a:solidFill>
+                        <a:schemeClr val="bg1"/>
+                      </a:solidFill>
+                      <a:prstDash val="solid"/>
+                    </a:lnL>
+                    <a:lnR w="12700" cmpd="sng">
+                      <a:noFill/>
+                      <a:prstDash val="solid"/>
+                    </a:lnR>
+                    <a:lnT w="12700" cmpd="sng">
+                      <a:noFill/>
+                      <a:prstDash val="solid"/>
+                    </a:lnT>
+                    <a:lnB w="12700" cmpd="sng">
+                      <a:noFill/>
+                      <a:prstDash val="solid"/>
+                    </a:lnB>
+                    <a:solidFill>
+                      <a:schemeClr val="tx1">
+                        <a:lumMod val="75000"/>
+                        <a:lumOff val="25000"/>
+                      </a:schemeClr>
+                    </a:solidFill>
+                  </a:tcPr>
+                </a:tc>
+                <a:tc>
+                  <a:txBody>
+                    <a:bodyPr/>
+                    <a:lstStyle/>
+                    <a:p>
+                      <a:r>
+                        <a:rPr lang="en-US" sz="1300" cap="none" spc="0">
+                          <a:solidFill>
+                            <a:schemeClr val="bg1"/>
+                          </a:solidFill>
+                        </a:rPr>
+                        <a:t>Aim is to maximise reward function</a:t>
+                      </a:r>
+                    </a:p>
+                  </a:txBody>
+                  <a:tcPr marL="70851" marR="101216" marT="20243" marB="151823">
+                    <a:lnL w="12700" cmpd="sng">
+                      <a:noFill/>
+                      <a:prstDash val="solid"/>
+                    </a:lnL>
+                    <a:lnR w="12700" cmpd="sng">
+                      <a:noFill/>
+                      <a:prstDash val="solid"/>
+                    </a:lnR>
+                    <a:lnT w="12700" cmpd="sng">
+                      <a:noFill/>
+                      <a:prstDash val="solid"/>
+                    </a:lnT>
+                    <a:lnB w="12700" cmpd="sng">
+                      <a:noFill/>
+                      <a:prstDash val="solid"/>
+                    </a:lnB>
+                    <a:solidFill>
+                      <a:schemeClr val="tx1">
+                        <a:lumMod val="75000"/>
+                        <a:lumOff val="25000"/>
+                      </a:schemeClr>
+                    </a:solidFill>
+                  </a:tcPr>
+                </a:tc>
+                <a:extLst>
+                  <a:ext uri="{0D108BD9-81ED-4DB2-BD59-A6C34878D82A}">
+                    <a16:rowId xmlns:a16="http://schemas.microsoft.com/office/drawing/2014/main" val="1805833836"/>
+                  </a:ext>
+                </a:extLst>
+              </a:tr>
+              <a:tr h="403982">
+                <a:tc>
+                  <a:txBody>
+                    <a:bodyPr/>
+                    <a:lstStyle/>
+                    <a:p>
+                      <a:r>
+                        <a:rPr lang="en-US" sz="1300" cap="none" spc="0" dirty="0">
+                          <a:solidFill>
+                            <a:schemeClr val="bg1"/>
+                          </a:solidFill>
+                        </a:rPr>
+                        <a:t>Gradient descent</a:t>
+                      </a:r>
+                    </a:p>
+                  </a:txBody>
+                  <a:tcPr marL="70851" marR="101216" marT="20243" marB="151823">
+                    <a:lnL w="12700" cap="flat" cmpd="sng" algn="ctr">
+                      <a:solidFill>
+                        <a:schemeClr val="bg1"/>
+                      </a:solidFill>
+                      <a:prstDash val="solid"/>
+                    </a:lnL>
+                    <a:lnR w="12700" cmpd="sng">
+                      <a:noFill/>
+                      <a:prstDash val="solid"/>
+                    </a:lnR>
+                    <a:lnT w="12700" cmpd="sng">
+                      <a:noFill/>
+                      <a:prstDash val="solid"/>
+                    </a:lnT>
+                    <a:lnB w="12700" cmpd="sng">
+                      <a:noFill/>
+                      <a:prstDash val="solid"/>
+                    </a:lnB>
+                    <a:solidFill>
+                      <a:schemeClr val="tx1">
+                        <a:lumMod val="75000"/>
+                        <a:lumOff val="25000"/>
+                      </a:schemeClr>
+                    </a:solidFill>
+                  </a:tcPr>
+                </a:tc>
+                <a:tc>
+                  <a:txBody>
+                    <a:bodyPr/>
+                    <a:lstStyle/>
+                    <a:p>
+                      <a:r>
+                        <a:rPr lang="en-US" sz="1300" cap="none" spc="0" dirty="0">
+                          <a:solidFill>
+                            <a:schemeClr val="bg1"/>
+                          </a:solidFill>
+                        </a:rPr>
+                        <a:t>Gradient Ascent</a:t>
+                      </a:r>
+                    </a:p>
+                  </a:txBody>
+                  <a:tcPr marL="70851" marR="101216" marT="20243" marB="151823">
+                    <a:lnL w="12700" cmpd="sng">
+                      <a:noFill/>
+                      <a:prstDash val="solid"/>
+                    </a:lnL>
+                    <a:lnR w="12700" cmpd="sng">
+                      <a:noFill/>
+                      <a:prstDash val="solid"/>
+                    </a:lnR>
+                    <a:lnT w="12700" cmpd="sng">
+                      <a:noFill/>
+                      <a:prstDash val="solid"/>
+                    </a:lnT>
+                    <a:lnB w="12700" cmpd="sng">
+                      <a:noFill/>
+                      <a:prstDash val="solid"/>
+                    </a:lnB>
+                    <a:solidFill>
+                      <a:schemeClr val="tx1">
+                        <a:lumMod val="75000"/>
+                        <a:lumOff val="25000"/>
+                      </a:schemeClr>
+                    </a:solidFill>
+                  </a:tcPr>
+                </a:tc>
+                <a:extLst>
+                  <a:ext uri="{0D108BD9-81ED-4DB2-BD59-A6C34878D82A}">
+                    <a16:rowId xmlns:a16="http://schemas.microsoft.com/office/drawing/2014/main" val="3306789252"/>
+                  </a:ext>
+                </a:extLst>
+              </a:tr>
+            </a:tbl>
+          </a:graphicData>
+        </a:graphic>
+      </p:graphicFrame>
+    </p:spTree>
+    <p:extLst>
+      <p:ext uri="{BB962C8B-B14F-4D97-AF65-F5344CB8AC3E}">
+        <p14:creationId xmlns:p14="http://schemas.microsoft.com/office/powerpoint/2010/main" val="3285911021"/>
+      </p:ext>
+    </p:extLst>
+  </p:cSld>
+  <p:clrMapOvr>
+    <a:masterClrMapping/>
+  </p:clrMapOvr>
+</p:sld>
+</file>
+
+<file path=ppt/slides/slide17.xml><?xml version="1.0" encoding="utf-8"?>
+<p:sld xmlns:a="http://schemas.openxmlformats.org/drawingml/2006/main" xmlns:r="http://schemas.openxmlformats.org/officeDocument/2006/relationships" xmlns:p="http://schemas.openxmlformats.org/presentationml/2006/main">
+  <p:cSld>
+    <p:spTree>
+      <p:nvGrpSpPr>
+        <p:cNvPr id="1" name=""/>
+        <p:cNvGrpSpPr/>
+        <p:nvPr/>
+      </p:nvGrpSpPr>
+      <p:grpSpPr>
+        <a:xfrm>
+          <a:off x="0" y="0"/>
+          <a:ext cx="0" cy="0"/>
+          <a:chOff x="0" y="0"/>
+          <a:chExt cx="0" cy="0"/>
+        </a:xfrm>
+      </p:grpSpPr>
+      <p:sp>
+        <p:nvSpPr>
+          <p:cNvPr id="2" name="Title 1">
+            <a:extLst>
+              <a:ext uri="{FF2B5EF4-FFF2-40B4-BE49-F238E27FC236}">
+                <a16:creationId xmlns:a16="http://schemas.microsoft.com/office/drawing/2014/main" id="{59B05E76-7F26-18AB-CC6D-57FACF72A7CA}"/>
+              </a:ext>
+            </a:extLst>
+          </p:cNvPr>
+          <p:cNvSpPr>
+            <a:spLocks noGrp="1"/>
+          </p:cNvSpPr>
+          <p:nvPr>
+            <p:ph type="title"/>
+          </p:nvPr>
+        </p:nvSpPr>
+        <p:spPr/>
+        <p:txBody>
+          <a:bodyPr/>
+          <a:lstStyle/>
+          <a:p>
+            <a:r>
+              <a:rPr lang="en-US" dirty="0"/>
+              <a:t>I want to learn more, how do I proceed?</a:t>
+            </a:r>
+          </a:p>
+        </p:txBody>
+      </p:sp>
+      <p:sp>
+        <p:nvSpPr>
+          <p:cNvPr id="3" name="Content Placeholder 2">
+            <a:extLst>
+              <a:ext uri="{FF2B5EF4-FFF2-40B4-BE49-F238E27FC236}">
+                <a16:creationId xmlns:a16="http://schemas.microsoft.com/office/drawing/2014/main" id="{251DAE71-ABAA-CCED-5E0E-0D8C387E489E}"/>
+              </a:ext>
+            </a:extLst>
+          </p:cNvPr>
+          <p:cNvSpPr>
+            <a:spLocks noGrp="1"/>
+          </p:cNvSpPr>
+          <p:nvPr>
+            <p:ph idx="1"/>
+          </p:nvPr>
+        </p:nvSpPr>
+        <p:spPr/>
+        <p:txBody>
+          <a:bodyPr/>
+          <a:lstStyle/>
+          <a:p>
+            <a:r>
+              <a:rPr lang="en-US" dirty="0"/>
+              <a:t>Textbook: Reinforcement Learning An Introduction – By Richard Sutton and Andrew </a:t>
+            </a:r>
+            <a:r>
+              <a:rPr lang="en-US" dirty="0" err="1"/>
+              <a:t>Barto</a:t>
+            </a:r>
+            <a:r>
+              <a:rPr lang="en-US" dirty="0"/>
+              <a:t> (Free online copy available: http://</a:t>
+            </a:r>
+            <a:r>
+              <a:rPr lang="en-US" dirty="0" err="1"/>
+              <a:t>incompleteideas.net</a:t>
+            </a:r>
+            <a:r>
+              <a:rPr lang="en-US" dirty="0"/>
+              <a:t>/book/the-book-2nd.html)</a:t>
+            </a:r>
+          </a:p>
+          <a:p>
+            <a:r>
+              <a:rPr lang="en-US" dirty="0" err="1"/>
+              <a:t>Deepmind</a:t>
+            </a:r>
+            <a:r>
+              <a:rPr lang="en-US" dirty="0"/>
+              <a:t> RL Course by David Silver: https://</a:t>
+            </a:r>
+            <a:r>
+              <a:rPr lang="en-US" dirty="0" err="1"/>
+              <a:t>www.deepmind.com</a:t>
+            </a:r>
+            <a:r>
+              <a:rPr lang="en-US" dirty="0"/>
+              <a:t>/learning-resources/introduction-to-reinforcement-learning-with-</a:t>
+            </a:r>
+            <a:r>
+              <a:rPr lang="en-US" dirty="0" err="1"/>
+              <a:t>david</a:t>
+            </a:r>
+            <a:r>
+              <a:rPr lang="en-US" dirty="0"/>
+              <a:t>-silver</a:t>
+            </a:r>
+          </a:p>
+          <a:p>
+            <a:r>
+              <a:rPr lang="en-US" dirty="0"/>
+              <a:t>Frameworks:  </a:t>
+            </a:r>
+            <a:r>
+              <a:rPr lang="en-US" dirty="0" err="1"/>
+              <a:t>Keras</a:t>
+            </a:r>
+            <a:r>
+              <a:rPr lang="en-US" dirty="0"/>
+              <a:t>-RL/Keras-RL2, </a:t>
+            </a:r>
+            <a:r>
+              <a:rPr lang="en-US" dirty="0" err="1"/>
+              <a:t>OpenAI</a:t>
+            </a:r>
+            <a:r>
+              <a:rPr lang="en-US" dirty="0"/>
+              <a:t> Baselines/Stable Baselines, ACME </a:t>
+            </a:r>
+          </a:p>
+        </p:txBody>
+      </p:sp>
+      <p:sp>
+        <p:nvSpPr>
+          <p:cNvPr id="5" name="Footer Placeholder 4">
+            <a:extLst>
+              <a:ext uri="{FF2B5EF4-FFF2-40B4-BE49-F238E27FC236}">
+                <a16:creationId xmlns:a16="http://schemas.microsoft.com/office/drawing/2014/main" id="{A94C4BD9-C912-870B-E8A4-B484E8EBE2E8}"/>
+              </a:ext>
+            </a:extLst>
+          </p:cNvPr>
+          <p:cNvSpPr>
+            <a:spLocks noGrp="1"/>
+          </p:cNvSpPr>
+          <p:nvPr>
+            <p:ph type="ftr" sz="quarter" idx="11"/>
+          </p:nvPr>
+        </p:nvSpPr>
+        <p:spPr/>
+        <p:txBody>
+          <a:bodyPr/>
+          <a:lstStyle/>
+          <a:p>
+            <a:r>
+              <a:rPr lang="en-US"/>
+              <a:t>Intro to RL | indabax 2022</a:t>
+            </a:r>
+          </a:p>
+        </p:txBody>
+      </p:sp>
+      <p:sp>
+        <p:nvSpPr>
+          <p:cNvPr id="6" name="Slide Number Placeholder 5">
+            <a:extLst>
+              <a:ext uri="{FF2B5EF4-FFF2-40B4-BE49-F238E27FC236}">
+                <a16:creationId xmlns:a16="http://schemas.microsoft.com/office/drawing/2014/main" id="{9DA77DB2-195B-9C7C-FEC0-BB7FA0E87840}"/>
+              </a:ext>
+            </a:extLst>
+          </p:cNvPr>
+          <p:cNvSpPr>
+            <a:spLocks noGrp="1"/>
+          </p:cNvSpPr>
+          <p:nvPr>
+            <p:ph type="sldNum" sz="quarter" idx="12"/>
+          </p:nvPr>
+        </p:nvSpPr>
+        <p:spPr/>
+        <p:txBody>
+          <a:bodyPr/>
+          <a:lstStyle/>
+          <a:p>
+            <a:fld id="{70C38C08-47C7-4847-B0BE-B9D8DEEB3D1B}" type="slidenum">
+              <a:rPr lang="en-US" smtClean="0"/>
+              <a:t>17</a:t>
+            </a:fld>
+            <a:endParaRPr lang="en-US"/>
+          </a:p>
+        </p:txBody>
+      </p:sp>
+    </p:spTree>
+    <p:extLst>
+      <p:ext uri="{BB962C8B-B14F-4D97-AF65-F5344CB8AC3E}">
+        <p14:creationId xmlns:p14="http://schemas.microsoft.com/office/powerpoint/2010/main" val="543838568"/>
+      </p:ext>
+    </p:extLst>
+  </p:cSld>
+  <p:clrMapOvr>
+    <a:masterClrMapping/>
+  </p:clrMapOvr>
+</p:sld>
+</file>
+
+<file path=ppt/slides/slide18.xml><?xml version="1.0" encoding="utf-8"?>
+<p:sld xmlns:a="http://schemas.openxmlformats.org/drawingml/2006/main" xmlns:r="http://schemas.openxmlformats.org/officeDocument/2006/relationships" xmlns:p="http://schemas.openxmlformats.org/presentationml/2006/main">
+  <p:cSld>
+    <p:bg>
+      <p:bgPr>
+        <a:solidFill>
+          <a:schemeClr val="bg1"/>
+        </a:solidFill>
+        <a:effectLst/>
+      </p:bgPr>
+    </p:bg>
+    <p:spTree>
+      <p:nvGrpSpPr>
+        <p:cNvPr id="1" name=""/>
+        <p:cNvGrpSpPr/>
+        <p:nvPr/>
+      </p:nvGrpSpPr>
+      <p:grpSpPr>
+        <a:xfrm>
+          <a:off x="0" y="0"/>
+          <a:ext cx="0" cy="0"/>
+          <a:chOff x="0" y="0"/>
+          <a:chExt cx="0" cy="0"/>
+        </a:xfrm>
+      </p:grpSpPr>
+      <p:sp useBgFill="1">
+        <p:nvSpPr>
+          <p:cNvPr id="18" name="Rectangle 17">
+            <a:extLst>
+              <a:ext uri="{FF2B5EF4-FFF2-40B4-BE49-F238E27FC236}">
+                <a16:creationId xmlns:a16="http://schemas.microsoft.com/office/drawing/2014/main" id="{744CAA32-F237-419C-A2DD-43C28D920D3C}"/>
+              </a:ext>
+              <a:ext uri="{C183D7F6-B498-43B3-948B-1728B52AA6E4}">
+                <adec:decorative xmlns:adec="http://schemas.microsoft.com/office/drawing/2017/decorative" val="1"/>
+              </a:ext>
+            </a:extLst>
+          </p:cNvPr>
+          <p:cNvSpPr>
+            <a:spLocks noGrp="1" noRot="1" noChangeAspect="1" noMove="1" noResize="1" noEditPoints="1" noAdjustHandles="1" noChangeArrowheads="1" noChangeShapeType="1" noTextEdit="1"/>
+          </p:cNvSpPr>
+          <p:nvPr>
+            <p:extLst>
+              <p:ext uri="{386F3935-93C4-4BCD-93E2-E3B085C9AB24}">
+                <p16:designElem xmlns:p16="http://schemas.microsoft.com/office/powerpoint/2015/main" val="1"/>
+              </p:ext>
+            </p:extLst>
+          </p:nvPr>
+        </p:nvSpPr>
+        <p:spPr>
+          <a:xfrm>
+            <a:off x="0" y="0"/>
+            <a:ext cx="12192000" cy="6858000"/>
+          </a:xfrm>
+          <a:prstGeom prst="rect">
+            <a:avLst/>
+          </a:prstGeom>
+          <a:ln w="12700" cap="flat" cmpd="sng" algn="ctr">
+            <a:noFill/>
+            <a:prstDash val="solid"/>
+            <a:miter lim="800000"/>
+          </a:ln>
+          <a:effectLst/>
+          <a:extLst>
+            <a:ext uri="{91240B29-F687-4F45-9708-019B960494DF}">
+              <a14:hiddenLine xmlns:a14="http://schemas.microsoft.com/office/drawing/2010/main" w="12700" cap="flat" cmpd="sng" algn="ctr">
+                <a:solidFill>
+                  <a:schemeClr val="accent1">
+                    <a:shade val="50000"/>
+                  </a:schemeClr>
+                </a:solidFill>
+                <a:prstDash val="solid"/>
+                <a:miter lim="800000"/>
+              </a14:hiddenLine>
+            </a:ext>
+          </a:extLst>
+        </p:spPr>
+        <p:style>
+          <a:lnRef idx="2">
+            <a:schemeClr val="accent1">
+              <a:shade val="50000"/>
+            </a:schemeClr>
+          </a:lnRef>
+          <a:fillRef idx="1">
+            <a:schemeClr val="accent1"/>
+          </a:fillRef>
+          <a:effectRef idx="0">
+            <a:schemeClr val="accent1"/>
+          </a:effectRef>
+          <a:fontRef idx="minor">
+            <a:schemeClr val="lt1"/>
+          </a:fontRef>
+        </p:style>
+        <p:txBody>
+          <a:bodyPr rtlCol="0" anchor="ctr"/>
+          <a:lstStyle/>
+          <a:p>
+            <a:pPr algn="ctr"/>
+            <a:endParaRPr lang="en-US"/>
+          </a:p>
+        </p:txBody>
+      </p:sp>
+      <p:sp>
+        <p:nvSpPr>
+          <p:cNvPr id="2" name="Title 1">
+            <a:extLst>
+              <a:ext uri="{FF2B5EF4-FFF2-40B4-BE49-F238E27FC236}">
+                <a16:creationId xmlns:a16="http://schemas.microsoft.com/office/drawing/2014/main" id="{59B05E76-7F26-18AB-CC6D-57FACF72A7CA}"/>
+              </a:ext>
+            </a:extLst>
+          </p:cNvPr>
+          <p:cNvSpPr>
+            <a:spLocks noGrp="1"/>
+          </p:cNvSpPr>
+          <p:nvPr>
+            <p:ph type="title"/>
+          </p:nvPr>
+        </p:nvSpPr>
+        <p:spPr>
+          <a:xfrm>
             <a:off x="914401" y="1371600"/>
             <a:ext cx="3943762" cy="1314443"/>
           </a:xfrm>
@@ -10714,7 +14405,7 @@
         </p:nvSpPr>
         <p:spPr>
           <a:xfrm>
-            <a:off x="914400" y="4171957"/>
+            <a:off x="914401" y="4217677"/>
             <a:ext cx="3943762" cy="1769871"/>
           </a:xfrm>
           <a:prstGeom prst="rect">
@@ -10863,13 +14554,86 @@
                   <a:spcPts val="600"/>
                 </a:spcAft>
               </a:pPr>
-              <a:t>16</a:t>
+              <a:t>18</a:t>
             </a:fld>
             <a:endParaRPr lang="en-US">
               <a:solidFill>
                 <a:srgbClr val="FFFFFF"/>
               </a:solidFill>
             </a:endParaRPr>
+          </a:p>
+        </p:txBody>
+      </p:sp>
+      <p:sp>
+        <p:nvSpPr>
+          <p:cNvPr id="9" name="Snip Diagonal Corner of Rectangle 8">
+            <a:extLst>
+              <a:ext uri="{FF2B5EF4-FFF2-40B4-BE49-F238E27FC236}">
+                <a16:creationId xmlns:a16="http://schemas.microsoft.com/office/drawing/2014/main" id="{9E54C88F-7D12-3225-FE43-F27514DDF84C}"/>
+              </a:ext>
+            </a:extLst>
+          </p:cNvPr>
+          <p:cNvSpPr/>
+          <p:nvPr/>
+        </p:nvSpPr>
+        <p:spPr>
+          <a:xfrm>
+            <a:off x="320040" y="2686043"/>
+            <a:ext cx="5038344" cy="898405"/>
+          </a:xfrm>
+          <a:prstGeom prst="snip2DiagRect">
+            <a:avLst/>
+          </a:prstGeom>
+          <a:noFill/>
+          <a:ln w="9525" cap="flat" cmpd="sng" algn="ctr">
+            <a:solidFill>
+              <a:schemeClr val="dk1"/>
+            </a:solidFill>
+            <a:prstDash val="solid"/>
+            <a:round/>
+            <a:headEnd type="none" w="med" len="med"/>
+            <a:tailEnd type="none" w="med" len="med"/>
+          </a:ln>
+        </p:spPr>
+        <p:style>
+          <a:lnRef idx="0">
+            <a:scrgbClr r="0" g="0" b="0"/>
+          </a:lnRef>
+          <a:fillRef idx="0">
+            <a:scrgbClr r="0" g="0" b="0"/>
+          </a:fillRef>
+          <a:effectRef idx="0">
+            <a:scrgbClr r="0" g="0" b="0"/>
+          </a:effectRef>
+          <a:fontRef idx="minor">
+            <a:schemeClr val="dk1"/>
+          </a:fontRef>
+        </p:style>
+        <p:txBody>
+          <a:bodyPr rtlCol="0" anchor="ctr"/>
+          <a:lstStyle/>
+          <a:p>
+            <a:pPr algn="ctr"/>
+            <a:r>
+              <a:rPr lang="en-US" dirty="0"/>
+              <a:t>https://</a:t>
+            </a:r>
+            <a:r>
+              <a:rPr lang="en-US" dirty="0" err="1"/>
+              <a:t>github.com</a:t>
+            </a:r>
+            <a:r>
+              <a:rPr lang="en-US" dirty="0"/>
+              <a:t>/</a:t>
+            </a:r>
+            <a:r>
+              <a:rPr lang="en-US" dirty="0" err="1"/>
+              <a:t>ashwineepandey</a:t>
+            </a:r>
+            <a:r>
+              <a:rPr lang="en-US" dirty="0"/>
+              <a:t>/talk-indabax-2022</a:t>
+            </a:r>
           </a:p>
         </p:txBody>
       </p:sp>
@@ -12212,34 +15976,69 @@
           </p:sp>
         </p:grpSp>
       </p:grpSp>
-      <p:graphicFrame>
-        <p:nvGraphicFramePr>
-          <p:cNvPr id="34" name="TextBox 32">
+      <p:sp>
+        <p:nvSpPr>
+          <p:cNvPr id="37" name="Content Placeholder 2">
             <a:extLst>
               <a:ext uri="{FF2B5EF4-FFF2-40B4-BE49-F238E27FC236}">
-                <a16:creationId xmlns:a16="http://schemas.microsoft.com/office/drawing/2014/main" id="{CE747502-33D8-7E5F-E088-58D2CE88D2BC}"/>
+                <a16:creationId xmlns:a16="http://schemas.microsoft.com/office/drawing/2014/main" id="{6D077863-6785-2BC7-C7D0-8EBC87210122}"/>
               </a:ext>
             </a:extLst>
           </p:cNvPr>
-          <p:cNvGraphicFramePr/>
+          <p:cNvSpPr>
+            <a:spLocks noGrp="1"/>
+          </p:cNvSpPr>
           <p:nvPr>
-            <p:extLst>
-              <p:ext uri="{D42A27DB-BD31-4B8C-83A1-F6EECF244321}">
-                <p14:modId xmlns:p14="http://schemas.microsoft.com/office/powerpoint/2010/main" val="2645468966"/>
-              </p:ext>
-            </p:extLst>
+            <p:ph idx="1"/>
           </p:nvPr>
-        </p:nvGraphicFramePr>
-        <p:xfrm>
-          <a:off x="6265995" y="865733"/>
-          <a:ext cx="5392218" cy="5074788"/>
-        </p:xfrm>
-        <a:graphic>
-          <a:graphicData uri="http://schemas.openxmlformats.org/drawingml/2006/diagram">
-            <dgm:relIds xmlns:dgm="http://schemas.openxmlformats.org/drawingml/2006/diagram" xmlns:r="http://schemas.openxmlformats.org/officeDocument/2006/relationships" r:dm="rId4" r:lo="rId5" r:qs="rId6" r:cs="rId7"/>
-          </a:graphicData>
-        </a:graphic>
-      </p:graphicFrame>
+        </p:nvSpPr>
+        <p:spPr>
+          <a:xfrm>
+            <a:off x="6428657" y="1124698"/>
+            <a:ext cx="5102352" cy="2927536"/>
+          </a:xfrm>
+        </p:spPr>
+        <p:txBody>
+          <a:bodyPr>
+            <a:normAutofit lnSpcReduction="10000"/>
+          </a:bodyPr>
+          <a:lstStyle/>
+          <a:p>
+            <a:r>
+              <a:rPr lang="en-US" dirty="0"/>
+              <a:t>Think about decision making from first principles</a:t>
+            </a:r>
+          </a:p>
+          <a:p>
+            <a:r>
+              <a:rPr lang="en-US" dirty="0"/>
+              <a:t>Learning to use interactions – active, sequential</a:t>
+            </a:r>
+          </a:p>
+          <a:p>
+            <a:r>
+              <a:rPr lang="en-US" dirty="0"/>
+              <a:t>Goal oriented</a:t>
+            </a:r>
+          </a:p>
+          <a:p>
+            <a:r>
+              <a:rPr lang="en-US" dirty="0"/>
+              <a:t>Does not require prior examples</a:t>
+            </a:r>
+          </a:p>
+          <a:p>
+            <a:r>
+              <a:rPr lang="en-US" dirty="0" err="1"/>
+              <a:t>Optimising</a:t>
+            </a:r>
+            <a:r>
+              <a:rPr lang="en-US" dirty="0"/>
+              <a:t> for reward</a:t>
+            </a:r>
+          </a:p>
+        </p:txBody>
+      </p:sp>
     </p:spTree>
     <p:extLst>
       <p:ext uri="{BB962C8B-B14F-4D97-AF65-F5344CB8AC3E}">
@@ -12687,6 +16486,184 @@
 <file path=ppt/slides/slide6.xml><?xml version="1.0" encoding="utf-8"?>
 <p:sld xmlns:a="http://schemas.openxmlformats.org/drawingml/2006/main" xmlns:r="http://schemas.openxmlformats.org/officeDocument/2006/relationships" xmlns:p="http://schemas.openxmlformats.org/presentationml/2006/main">
   <p:cSld>
+    <p:spTree>
+      <p:nvGrpSpPr>
+        <p:cNvPr id="1" name=""/>
+        <p:cNvGrpSpPr/>
+        <p:nvPr/>
+      </p:nvGrpSpPr>
+      <p:grpSpPr>
+        <a:xfrm>
+          <a:off x="0" y="0"/>
+          <a:ext cx="0" cy="0"/>
+          <a:chOff x="0" y="0"/>
+          <a:chExt cx="0" cy="0"/>
+        </a:xfrm>
+      </p:grpSpPr>
+      <p:sp>
+        <p:nvSpPr>
+          <p:cNvPr id="2" name="Title 1">
+            <a:extLst>
+              <a:ext uri="{FF2B5EF4-FFF2-40B4-BE49-F238E27FC236}">
+                <a16:creationId xmlns:a16="http://schemas.microsoft.com/office/drawing/2014/main" id="{59B05E76-7F26-18AB-CC6D-57FACF72A7CA}"/>
+              </a:ext>
+            </a:extLst>
+          </p:cNvPr>
+          <p:cNvSpPr>
+            <a:spLocks noGrp="1"/>
+          </p:cNvSpPr>
+          <p:nvPr>
+            <p:ph type="title"/>
+          </p:nvPr>
+        </p:nvSpPr>
+        <p:spPr>
+          <a:xfrm>
+            <a:off x="835541" y="1124698"/>
+            <a:ext cx="4714867" cy="1314443"/>
+          </a:xfrm>
+        </p:spPr>
+        <p:txBody>
+          <a:bodyPr>
+            <a:normAutofit/>
+          </a:bodyPr>
+          <a:lstStyle/>
+          <a:p>
+            <a:r>
+              <a:rPr lang="en-US" dirty="0"/>
+              <a:t>Key Concepts of RL</a:t>
+            </a:r>
+          </a:p>
+        </p:txBody>
+      </p:sp>
+      <p:sp>
+        <p:nvSpPr>
+          <p:cNvPr id="5" name="Footer Placeholder 4">
+            <a:extLst>
+              <a:ext uri="{FF2B5EF4-FFF2-40B4-BE49-F238E27FC236}">
+                <a16:creationId xmlns:a16="http://schemas.microsoft.com/office/drawing/2014/main" id="{9D3FF22B-087C-ADD0-C834-47651FDDD635}"/>
+              </a:ext>
+            </a:extLst>
+          </p:cNvPr>
+          <p:cNvSpPr>
+            <a:spLocks noGrp="1"/>
+          </p:cNvSpPr>
+          <p:nvPr>
+            <p:ph type="ftr" sz="quarter" idx="11"/>
+          </p:nvPr>
+        </p:nvSpPr>
+        <p:spPr/>
+        <p:txBody>
+          <a:bodyPr/>
+          <a:lstStyle/>
+          <a:p>
+            <a:r>
+              <a:rPr lang="en-US"/>
+              <a:t>Intro to RL | indabax 2022</a:t>
+            </a:r>
+          </a:p>
+        </p:txBody>
+      </p:sp>
+      <p:sp>
+        <p:nvSpPr>
+          <p:cNvPr id="6" name="Slide Number Placeholder 5">
+            <a:extLst>
+              <a:ext uri="{FF2B5EF4-FFF2-40B4-BE49-F238E27FC236}">
+                <a16:creationId xmlns:a16="http://schemas.microsoft.com/office/drawing/2014/main" id="{9618AEDC-E429-5D1E-5661-FF45C592B113}"/>
+              </a:ext>
+            </a:extLst>
+          </p:cNvPr>
+          <p:cNvSpPr>
+            <a:spLocks noGrp="1"/>
+          </p:cNvSpPr>
+          <p:nvPr>
+            <p:ph type="sldNum" sz="quarter" idx="12"/>
+          </p:nvPr>
+        </p:nvSpPr>
+        <p:spPr/>
+        <p:txBody>
+          <a:bodyPr/>
+          <a:lstStyle/>
+          <a:p>
+            <a:fld id="{70C38C08-47C7-4847-B0BE-B9D8DEEB3D1B}" type="slidenum">
+              <a:rPr lang="en-US" smtClean="0"/>
+              <a:t>6</a:t>
+            </a:fld>
+            <a:endParaRPr lang="en-US"/>
+          </a:p>
+        </p:txBody>
+      </p:sp>
+      <p:graphicFrame>
+        <p:nvGraphicFramePr>
+          <p:cNvPr id="34" name="TextBox 32">
+            <a:extLst>
+              <a:ext uri="{FF2B5EF4-FFF2-40B4-BE49-F238E27FC236}">
+                <a16:creationId xmlns:a16="http://schemas.microsoft.com/office/drawing/2014/main" id="{CE747502-33D8-7E5F-E088-58D2CE88D2BC}"/>
+              </a:ext>
+            </a:extLst>
+          </p:cNvPr>
+          <p:cNvGraphicFramePr/>
+          <p:nvPr>
+            <p:extLst>
+              <p:ext uri="{D42A27DB-BD31-4B8C-83A1-F6EECF244321}">
+                <p14:modId xmlns:p14="http://schemas.microsoft.com/office/powerpoint/2010/main" val="2694590312"/>
+              </p:ext>
+            </p:extLst>
+          </p:nvPr>
+        </p:nvGraphicFramePr>
+        <p:xfrm>
+          <a:off x="6138791" y="891605"/>
+          <a:ext cx="5392218" cy="5272127"/>
+        </p:xfrm>
+        <a:graphic>
+          <a:graphicData uri="http://schemas.openxmlformats.org/drawingml/2006/diagram">
+            <dgm:relIds xmlns:dgm="http://schemas.openxmlformats.org/drawingml/2006/diagram" xmlns:r="http://schemas.openxmlformats.org/officeDocument/2006/relationships" r:dm="rId2" r:lo="rId3" r:qs="rId4" r:cs="rId5"/>
+          </a:graphicData>
+        </a:graphic>
+      </p:graphicFrame>
+      <p:graphicFrame>
+        <p:nvGraphicFramePr>
+          <p:cNvPr id="3" name="TextBox 32">
+            <a:extLst>
+              <a:ext uri="{FF2B5EF4-FFF2-40B4-BE49-F238E27FC236}">
+                <a16:creationId xmlns:a16="http://schemas.microsoft.com/office/drawing/2014/main" id="{D71E3DA3-477B-319E-00D4-C3CF5F387ED1}"/>
+              </a:ext>
+            </a:extLst>
+          </p:cNvPr>
+          <p:cNvGraphicFramePr/>
+          <p:nvPr>
+            <p:extLst>
+              <p:ext uri="{D42A27DB-BD31-4B8C-83A1-F6EECF244321}">
+                <p14:modId xmlns:p14="http://schemas.microsoft.com/office/powerpoint/2010/main" val="4015267759"/>
+              </p:ext>
+            </p:extLst>
+          </p:nvPr>
+        </p:nvGraphicFramePr>
+        <p:xfrm>
+          <a:off x="496865" y="2161605"/>
+          <a:ext cx="5392218" cy="4002127"/>
+        </p:xfrm>
+        <a:graphic>
+          <a:graphicData uri="http://schemas.openxmlformats.org/drawingml/2006/diagram">
+            <dgm:relIds xmlns:dgm="http://schemas.openxmlformats.org/drawingml/2006/diagram" xmlns:r="http://schemas.openxmlformats.org/officeDocument/2006/relationships" r:dm="rId7" r:lo="rId8" r:qs="rId9" r:cs="rId10"/>
+          </a:graphicData>
+        </a:graphic>
+      </p:graphicFrame>
+    </p:spTree>
+    <p:extLst>
+      <p:ext uri="{BB962C8B-B14F-4D97-AF65-F5344CB8AC3E}">
+        <p14:creationId xmlns:p14="http://schemas.microsoft.com/office/powerpoint/2010/main" val="1502281891"/>
+      </p:ext>
+    </p:extLst>
+  </p:cSld>
+  <p:clrMapOvr>
+    <a:masterClrMapping/>
+  </p:clrMapOvr>
+</p:sld>
+</file>
+
+<file path=ppt/slides/slide7.xml><?xml version="1.0" encoding="utf-8"?>
+<p:sld xmlns:a="http://schemas.openxmlformats.org/drawingml/2006/main" xmlns:r="http://schemas.openxmlformats.org/officeDocument/2006/relationships" xmlns:p="http://schemas.openxmlformats.org/presentationml/2006/main">
+  <p:cSld>
     <p:bg>
       <p:bgPr>
         <a:solidFill>
@@ -13003,7 +16980,7 @@
                   <a:spcPts val="600"/>
                 </a:spcAft>
               </a:pPr>
-              <a:t>6</a:t>
+              <a:t>7</a:t>
             </a:fld>
             <a:endParaRPr lang="en-US"/>
           </a:p>
@@ -13180,7 +17157,7 @@
 </p:sld>
 </file>
 
-<file path=ppt/slides/slide7.xml><?xml version="1.0" encoding="utf-8"?>
+<file path=ppt/slides/slide8.xml><?xml version="1.0" encoding="utf-8"?>
 <p:sld xmlns:a="http://schemas.openxmlformats.org/drawingml/2006/main" xmlns:r="http://schemas.openxmlformats.org/officeDocument/2006/relationships" xmlns:p="http://schemas.openxmlformats.org/presentationml/2006/main">
   <p:cSld>
     <p:bg>
@@ -13499,7 +17476,7 @@
                   <a:spcPts val="600"/>
                 </a:spcAft>
               </a:pPr>
-              <a:t>7</a:t>
+              <a:t>8</a:t>
             </a:fld>
             <a:endParaRPr lang="en-US"/>
           </a:p>
@@ -13565,7 +17542,7 @@
 </p:sld>
 </file>
 
-<file path=ppt/slides/slide8.xml><?xml version="1.0" encoding="utf-8"?>
+<file path=ppt/slides/slide9.xml><?xml version="1.0" encoding="utf-8"?>
 <p:sld xmlns:a="http://schemas.openxmlformats.org/drawingml/2006/main" xmlns:r="http://schemas.openxmlformats.org/officeDocument/2006/relationships" xmlns:p="http://schemas.openxmlformats.org/presentationml/2006/main">
   <p:cSld>
     <p:bg>
@@ -13884,7 +17861,7 @@
                   <a:spcPts val="600"/>
                 </a:spcAft>
               </a:pPr>
-              <a:t>8</a:t>
+              <a:t>9</a:t>
             </a:fld>
             <a:endParaRPr lang="en-US"/>
           </a:p>
@@ -13974,424 +17951,6 @@
     <p:extLst>
       <p:ext uri="{BB962C8B-B14F-4D97-AF65-F5344CB8AC3E}">
         <p14:creationId xmlns:p14="http://schemas.microsoft.com/office/powerpoint/2010/main" val="3346697802"/>
-      </p:ext>
-    </p:extLst>
-  </p:cSld>
-  <p:clrMapOvr>
-    <a:masterClrMapping/>
-  </p:clrMapOvr>
-</p:sld>
-</file>
-
-<file path=ppt/slides/slide9.xml><?xml version="1.0" encoding="utf-8"?>
-<p:sld xmlns:a="http://schemas.openxmlformats.org/drawingml/2006/main" xmlns:r="http://schemas.openxmlformats.org/officeDocument/2006/relationships" xmlns:p="http://schemas.openxmlformats.org/presentationml/2006/main">
-  <p:cSld>
-    <p:bg>
-      <p:bgPr>
-        <a:solidFill>
-          <a:schemeClr val="bg1"/>
-        </a:solidFill>
-        <a:effectLst/>
-      </p:bgPr>
-    </p:bg>
-    <p:spTree>
-      <p:nvGrpSpPr>
-        <p:cNvPr id="1" name=""/>
-        <p:cNvGrpSpPr/>
-        <p:nvPr/>
-      </p:nvGrpSpPr>
-      <p:grpSpPr>
-        <a:xfrm>
-          <a:off x="0" y="0"/>
-          <a:ext cx="0" cy="0"/>
-          <a:chOff x="0" y="0"/>
-          <a:chExt cx="0" cy="0"/>
-        </a:xfrm>
-      </p:grpSpPr>
-      <p:cxnSp>
-        <p:nvCxnSpPr>
-          <p:cNvPr id="46" name="Straight Connector 45">
-            <a:extLst>
-              <a:ext uri="{FF2B5EF4-FFF2-40B4-BE49-F238E27FC236}">
-                <a16:creationId xmlns:a16="http://schemas.microsoft.com/office/drawing/2014/main" id="{F209B62C-3402-4623-9A7C-AA048B56F8C3}"/>
-              </a:ext>
-              <a:ext uri="{C183D7F6-B498-43B3-948B-1728B52AA6E4}">
-                <adec:decorative xmlns:adec="http://schemas.microsoft.com/office/drawing/2017/decorative" val="1"/>
-              </a:ext>
-            </a:extLst>
-          </p:cNvPr>
-          <p:cNvCxnSpPr>
-            <a:cxnSpLocks noGrp="1" noRot="1" noChangeAspect="1" noMove="1" noResize="1" noEditPoints="1" noAdjustHandles="1" noChangeArrowheads="1" noChangeShapeType="1"/>
-          </p:cNvCxnSpPr>
-          <p:nvPr>
-            <p:extLst>
-              <p:ext uri="{386F3935-93C4-4BCD-93E2-E3B085C9AB24}">
-                <p16:designElem xmlns:p16="http://schemas.microsoft.com/office/powerpoint/2015/main" val="1"/>
-              </p:ext>
-            </p:extLst>
-          </p:nvPr>
-        </p:nvCxnSpPr>
-        <p:spPr>
-          <a:xfrm>
-            <a:off x="990600" y="1031001"/>
-            <a:ext cx="978862" cy="0"/>
-          </a:xfrm>
-          <a:prstGeom prst="line">
-            <a:avLst/>
-          </a:prstGeom>
-          <a:ln w="76200"/>
-        </p:spPr>
-        <p:style>
-          <a:lnRef idx="1">
-            <a:schemeClr val="accent1"/>
-          </a:lnRef>
-          <a:fillRef idx="0">
-            <a:schemeClr val="accent1"/>
-          </a:fillRef>
-          <a:effectRef idx="0">
-            <a:schemeClr val="accent1"/>
-          </a:effectRef>
-          <a:fontRef idx="minor">
-            <a:schemeClr val="tx1"/>
-          </a:fontRef>
-        </p:style>
-      </p:cxnSp>
-      <p:sp useBgFill="1">
-        <p:nvSpPr>
-          <p:cNvPr id="48" name="Rectangle 47">
-            <a:extLst>
-              <a:ext uri="{FF2B5EF4-FFF2-40B4-BE49-F238E27FC236}">
-                <a16:creationId xmlns:a16="http://schemas.microsoft.com/office/drawing/2014/main" id="{19F9BF86-FE94-4517-B97D-026C7515E589}"/>
-              </a:ext>
-              <a:ext uri="{C183D7F6-B498-43B3-948B-1728B52AA6E4}">
-                <adec:decorative xmlns:adec="http://schemas.microsoft.com/office/drawing/2017/decorative" val="1"/>
-              </a:ext>
-            </a:extLst>
-          </p:cNvPr>
-          <p:cNvSpPr>
-            <a:spLocks noGrp="1" noRot="1" noChangeAspect="1" noMove="1" noResize="1" noEditPoints="1" noAdjustHandles="1" noChangeArrowheads="1" noChangeShapeType="1" noTextEdit="1"/>
-          </p:cNvSpPr>
-          <p:nvPr>
-            <p:extLst>
-              <p:ext uri="{386F3935-93C4-4BCD-93E2-E3B085C9AB24}">
-                <p16:designElem xmlns:p16="http://schemas.microsoft.com/office/powerpoint/2015/main" val="1"/>
-              </p:ext>
-            </p:extLst>
-          </p:nvPr>
-        </p:nvSpPr>
-        <p:spPr>
-          <a:xfrm>
-            <a:off x="0" y="0"/>
-            <a:ext cx="12192000" cy="6858000"/>
-          </a:xfrm>
-          <a:prstGeom prst="rect">
-            <a:avLst/>
-          </a:prstGeom>
-          <a:ln w="12700" cap="flat" cmpd="sng" algn="ctr">
-            <a:noFill/>
-            <a:prstDash val="solid"/>
-            <a:miter lim="800000"/>
-          </a:ln>
-          <a:effectLst/>
-          <a:extLst>
-            <a:ext uri="{91240B29-F687-4F45-9708-019B960494DF}">
-              <a14:hiddenLine xmlns:a14="http://schemas.microsoft.com/office/drawing/2010/main" w="12700" cap="flat" cmpd="sng" algn="ctr">
-                <a:solidFill>
-                  <a:schemeClr val="accent1">
-                    <a:shade val="50000"/>
-                  </a:schemeClr>
-                </a:solidFill>
-                <a:prstDash val="solid"/>
-                <a:miter lim="800000"/>
-              </a14:hiddenLine>
-            </a:ext>
-          </a:extLst>
-        </p:spPr>
-        <p:style>
-          <a:lnRef idx="2">
-            <a:schemeClr val="accent1">
-              <a:shade val="50000"/>
-            </a:schemeClr>
-          </a:lnRef>
-          <a:fillRef idx="1">
-            <a:schemeClr val="accent1"/>
-          </a:fillRef>
-          <a:effectRef idx="0">
-            <a:schemeClr val="accent1"/>
-          </a:effectRef>
-          <a:fontRef idx="minor">
-            <a:schemeClr val="lt1"/>
-          </a:fontRef>
-        </p:style>
-        <p:txBody>
-          <a:bodyPr rtlCol="0" anchor="ctr"/>
-          <a:lstStyle/>
-          <a:p>
-            <a:pPr algn="ctr"/>
-            <a:endParaRPr lang="en-US"/>
-          </a:p>
-        </p:txBody>
-      </p:sp>
-      <p:sp>
-        <p:nvSpPr>
-          <p:cNvPr id="2" name="Title 1">
-            <a:extLst>
-              <a:ext uri="{FF2B5EF4-FFF2-40B4-BE49-F238E27FC236}">
-                <a16:creationId xmlns:a16="http://schemas.microsoft.com/office/drawing/2014/main" id="{59B05E76-7F26-18AB-CC6D-57FACF72A7CA}"/>
-              </a:ext>
-            </a:extLst>
-          </p:cNvPr>
-          <p:cNvSpPr>
-            <a:spLocks noGrp="1"/>
-          </p:cNvSpPr>
-          <p:nvPr>
-            <p:ph type="title"/>
-          </p:nvPr>
-        </p:nvSpPr>
-        <p:spPr>
-          <a:xfrm>
-            <a:off x="912628" y="1371601"/>
-            <a:ext cx="7902188" cy="886968"/>
-          </a:xfrm>
-        </p:spPr>
-        <p:txBody>
-          <a:bodyPr vert="horz" lIns="91440" tIns="45720" rIns="91440" bIns="45720" rtlCol="0" anchor="t">
-            <a:normAutofit/>
-          </a:bodyPr>
-          <a:lstStyle/>
-          <a:p>
-            <a:r>
-              <a:rPr lang="en-US" dirty="0"/>
-              <a:t>What is an Environment?</a:t>
-            </a:r>
-          </a:p>
-        </p:txBody>
-      </p:sp>
-      <p:cxnSp>
-        <p:nvCxnSpPr>
-          <p:cNvPr id="50" name="Straight Connector 49">
-            <a:extLst>
-              <a:ext uri="{FF2B5EF4-FFF2-40B4-BE49-F238E27FC236}">
-                <a16:creationId xmlns:a16="http://schemas.microsoft.com/office/drawing/2014/main" id="{AA07ED31-6FA0-4967-A8DD-C5388BC17495}"/>
-              </a:ext>
-              <a:ext uri="{C183D7F6-B498-43B3-948B-1728B52AA6E4}">
-                <adec:decorative xmlns:adec="http://schemas.microsoft.com/office/drawing/2017/decorative" val="1"/>
-              </a:ext>
-            </a:extLst>
-          </p:cNvPr>
-          <p:cNvCxnSpPr>
-            <a:cxnSpLocks noGrp="1" noRot="1" noChangeAspect="1" noMove="1" noResize="1" noEditPoints="1" noAdjustHandles="1" noChangeArrowheads="1" noChangeShapeType="1"/>
-          </p:cNvCxnSpPr>
-          <p:nvPr>
-            <p:extLst>
-              <p:ext uri="{386F3935-93C4-4BCD-93E2-E3B085C9AB24}">
-                <p16:designElem xmlns:p16="http://schemas.microsoft.com/office/powerpoint/2015/main" val="1"/>
-              </p:ext>
-            </p:extLst>
-          </p:nvPr>
-        </p:nvCxnSpPr>
-        <p:spPr>
-          <a:xfrm>
-            <a:off x="990600" y="1031001"/>
-            <a:ext cx="978862" cy="0"/>
-          </a:xfrm>
-          <a:prstGeom prst="line">
-            <a:avLst/>
-          </a:prstGeom>
-          <a:ln w="76200"/>
-        </p:spPr>
-        <p:style>
-          <a:lnRef idx="1">
-            <a:schemeClr val="accent1"/>
-          </a:lnRef>
-          <a:fillRef idx="0">
-            <a:schemeClr val="accent1"/>
-          </a:fillRef>
-          <a:effectRef idx="0">
-            <a:schemeClr val="accent1"/>
-          </a:effectRef>
-          <a:fontRef idx="minor">
-            <a:schemeClr val="tx1"/>
-          </a:fontRef>
-        </p:style>
-      </p:cxnSp>
-      <p:sp>
-        <p:nvSpPr>
-          <p:cNvPr id="5" name="Footer Placeholder 4">
-            <a:extLst>
-              <a:ext uri="{FF2B5EF4-FFF2-40B4-BE49-F238E27FC236}">
-                <a16:creationId xmlns:a16="http://schemas.microsoft.com/office/drawing/2014/main" id="{9D3FF22B-087C-ADD0-C834-47651FDDD635}"/>
-              </a:ext>
-            </a:extLst>
-          </p:cNvPr>
-          <p:cNvSpPr>
-            <a:spLocks noGrp="1"/>
-          </p:cNvSpPr>
-          <p:nvPr>
-            <p:ph type="ftr" sz="quarter" idx="11"/>
-          </p:nvPr>
-        </p:nvSpPr>
-        <p:spPr>
-          <a:xfrm>
-            <a:off x="6767622" y="6356350"/>
-            <a:ext cx="4040373" cy="365125"/>
-          </a:xfrm>
-        </p:spPr>
-        <p:txBody>
-          <a:bodyPr vert="horz" lIns="91440" tIns="45720" rIns="91440" bIns="45720" rtlCol="0" anchor="ctr">
-            <a:normAutofit/>
-          </a:bodyPr>
-          <a:lstStyle/>
-          <a:p>
-            <a:pPr>
-              <a:spcAft>
-                <a:spcPts val="600"/>
-              </a:spcAft>
-            </a:pPr>
-            <a:r>
-              <a:rPr lang="en-US" b="1" kern="1200" cap="all" spc="300" baseline="0">
-                <a:solidFill>
-                  <a:schemeClr val="tx1"/>
-                </a:solidFill>
-                <a:latin typeface="+mn-lt"/>
-                <a:ea typeface="+mn-ea"/>
-                <a:cs typeface="+mn-cs"/>
-              </a:rPr>
-              <a:t>Intro to RL | indabax 2022</a:t>
-            </a:r>
-          </a:p>
-        </p:txBody>
-      </p:sp>
-      <p:sp>
-        <p:nvSpPr>
-          <p:cNvPr id="6" name="Slide Number Placeholder 5">
-            <a:extLst>
-              <a:ext uri="{FF2B5EF4-FFF2-40B4-BE49-F238E27FC236}">
-                <a16:creationId xmlns:a16="http://schemas.microsoft.com/office/drawing/2014/main" id="{9618AEDC-E429-5D1E-5661-FF45C592B113}"/>
-              </a:ext>
-            </a:extLst>
-          </p:cNvPr>
-          <p:cNvSpPr>
-            <a:spLocks noGrp="1"/>
-          </p:cNvSpPr>
-          <p:nvPr>
-            <p:ph type="sldNum" sz="quarter" idx="12"/>
-          </p:nvPr>
-        </p:nvSpPr>
-        <p:spPr>
-          <a:xfrm>
-            <a:off x="10807995" y="6356350"/>
-            <a:ext cx="723014" cy="365125"/>
-          </a:xfrm>
-        </p:spPr>
-        <p:txBody>
-          <a:bodyPr vert="horz" lIns="91440" tIns="45720" rIns="91440" bIns="45720" rtlCol="0" anchor="ctr">
-            <a:normAutofit/>
-          </a:bodyPr>
-          <a:lstStyle/>
-          <a:p>
-            <a:pPr>
-              <a:spcAft>
-                <a:spcPts val="600"/>
-              </a:spcAft>
-            </a:pPr>
-            <a:fld id="{70C38C08-47C7-4847-B0BE-B9D8DEEB3D1B}" type="slidenum">
-              <a:rPr lang="en-US" smtClean="0"/>
-              <a:pPr>
-                <a:spcAft>
-                  <a:spcPts val="600"/>
-                </a:spcAft>
-              </a:pPr>
-              <a:t>9</a:t>
-            </a:fld>
-            <a:endParaRPr lang="en-US"/>
-          </a:p>
-        </p:txBody>
-      </p:sp>
-      <p:pic>
-        <p:nvPicPr>
-          <p:cNvPr id="7" name="Picture 6">
-            <a:extLst>
-              <a:ext uri="{FF2B5EF4-FFF2-40B4-BE49-F238E27FC236}">
-                <a16:creationId xmlns:a16="http://schemas.microsoft.com/office/drawing/2014/main" id="{622AB1D7-924C-2BC7-89CA-C23ECA4E945D}"/>
-              </a:ext>
-            </a:extLst>
-          </p:cNvPr>
-          <p:cNvPicPr>
-            <a:picLocks noChangeAspect="1"/>
-          </p:cNvPicPr>
-          <p:nvPr/>
-        </p:nvPicPr>
-        <p:blipFill>
-          <a:blip r:embed="rId2"/>
-          <a:stretch>
-            <a:fillRect/>
-          </a:stretch>
-        </p:blipFill>
-        <p:spPr>
-          <a:xfrm>
-            <a:off x="9050867" y="1583016"/>
-            <a:ext cx="1143881" cy="1144123"/>
-          </a:xfrm>
-          <a:prstGeom prst="rect">
-            <a:avLst/>
-          </a:prstGeom>
-        </p:spPr>
-      </p:pic>
-      <p:sp>
-        <p:nvSpPr>
-          <p:cNvPr id="9" name="Content Placeholder 2">
-            <a:extLst>
-              <a:ext uri="{FF2B5EF4-FFF2-40B4-BE49-F238E27FC236}">
-                <a16:creationId xmlns:a16="http://schemas.microsoft.com/office/drawing/2014/main" id="{501F06FE-E961-6695-CBA4-C2EFFED9D22E}"/>
-              </a:ext>
-            </a:extLst>
-          </p:cNvPr>
-          <p:cNvSpPr>
-            <a:spLocks noGrp="1"/>
-          </p:cNvSpPr>
-          <p:nvPr>
-            <p:ph idx="1"/>
-          </p:nvPr>
-        </p:nvSpPr>
-        <p:spPr>
-          <a:xfrm>
-            <a:off x="912628" y="2402603"/>
-            <a:ext cx="9016409" cy="2927536"/>
-          </a:xfrm>
-        </p:spPr>
-        <p:txBody>
-          <a:bodyPr>
-            <a:normAutofit/>
-          </a:bodyPr>
-          <a:lstStyle/>
-          <a:p>
-            <a:r>
-              <a:rPr lang="en-US" dirty="0"/>
-              <a:t>Environment state</a:t>
-            </a:r>
-          </a:p>
-          <a:p>
-            <a:r>
-              <a:rPr lang="en-US" dirty="0"/>
-              <a:t>Fully Observable Environments</a:t>
-            </a:r>
-          </a:p>
-          <a:p>
-            <a:r>
-              <a:rPr lang="en-US" dirty="0"/>
-              <a:t>Partially Observable Environments</a:t>
-            </a:r>
-          </a:p>
-          <a:p>
-            <a:endParaRPr lang="en-US" dirty="0"/>
-          </a:p>
-        </p:txBody>
-      </p:sp>
-    </p:spTree>
-    <p:extLst>
-      <p:ext uri="{BB962C8B-B14F-4D97-AF65-F5344CB8AC3E}">
-        <p14:creationId xmlns:p14="http://schemas.microsoft.com/office/powerpoint/2010/main" val="4098792880"/>
       </p:ext>
     </p:extLst>
   </p:cSld>

--- a/IntroToReinforcementLearning_IndabaX2022_001.pptx
+++ b/IntroToReinforcementLearning_IndabaX2022_001.pptx
@@ -12,18 +12,18 @@
     <p:sldId id="257" r:id="rId3"/>
     <p:sldId id="258" r:id="rId4"/>
     <p:sldId id="259" r:id="rId5"/>
-    <p:sldId id="262" r:id="rId6"/>
-    <p:sldId id="275" r:id="rId7"/>
-    <p:sldId id="263" r:id="rId8"/>
-    <p:sldId id="265" r:id="rId9"/>
-    <p:sldId id="264" r:id="rId10"/>
-    <p:sldId id="267" r:id="rId11"/>
-    <p:sldId id="268" r:id="rId12"/>
-    <p:sldId id="274" r:id="rId13"/>
-    <p:sldId id="269" r:id="rId14"/>
-    <p:sldId id="272" r:id="rId15"/>
-    <p:sldId id="266" r:id="rId16"/>
-    <p:sldId id="271" r:id="rId17"/>
+    <p:sldId id="275" r:id="rId6"/>
+    <p:sldId id="263" r:id="rId7"/>
+    <p:sldId id="268" r:id="rId8"/>
+    <p:sldId id="274" r:id="rId9"/>
+    <p:sldId id="269" r:id="rId10"/>
+    <p:sldId id="272" r:id="rId11"/>
+    <p:sldId id="264" r:id="rId12"/>
+    <p:sldId id="267" r:id="rId13"/>
+    <p:sldId id="277" r:id="rId14"/>
+    <p:sldId id="266" r:id="rId15"/>
+    <p:sldId id="271" r:id="rId16"/>
+    <p:sldId id="278" r:id="rId17"/>
     <p:sldId id="260" r:id="rId18"/>
     <p:sldId id="261" r:id="rId19"/>
   </p:sldIdLst>
@@ -2079,7 +2079,7 @@
           </a:pPr>
           <a:r>
             <a:rPr lang="en-US" dirty="0"/>
-            <a:t>Policy - </a:t>
+            <a:t>Policy – is a reference map that tells the agent which action to take in which state. It can be deterministic or stochastic.</a:t>
           </a:r>
         </a:p>
       </dgm:t>
@@ -2956,7 +2956,7 @@
         </a:bodyPr>
         <a:lstStyle/>
         <a:p>
-          <a:pPr marL="0" lvl="0" indent="0" algn="l" defTabSz="977900">
+          <a:pPr marL="0" lvl="0" indent="0" algn="l" defTabSz="755650">
             <a:lnSpc>
               <a:spcPct val="100000"/>
             </a:lnSpc>
@@ -2969,7 +2969,7 @@
             <a:buNone/>
           </a:pPr>
           <a:r>
-            <a:rPr lang="en-US" sz="2200" kern="1200" dirty="0"/>
+            <a:rPr lang="en-US" sz="1700" kern="1200" dirty="0"/>
             <a:t>Action - </a:t>
           </a:r>
         </a:p>
@@ -3108,7 +3108,7 @@
         </a:bodyPr>
         <a:lstStyle/>
         <a:p>
-          <a:pPr marL="0" lvl="0" indent="0" algn="l" defTabSz="977900">
+          <a:pPr marL="0" lvl="0" indent="0" algn="l" defTabSz="755650">
             <a:lnSpc>
               <a:spcPct val="100000"/>
             </a:lnSpc>
@@ -3121,7 +3121,7 @@
             <a:buNone/>
           </a:pPr>
           <a:r>
-            <a:rPr lang="en-US" sz="2200" kern="1200" dirty="0"/>
+            <a:rPr lang="en-US" sz="1700" kern="1200" dirty="0"/>
             <a:t>Reward - </a:t>
           </a:r>
         </a:p>
@@ -3260,7 +3260,7 @@
         </a:bodyPr>
         <a:lstStyle/>
         <a:p>
-          <a:pPr marL="0" lvl="0" indent="0" algn="l" defTabSz="977900">
+          <a:pPr marL="0" lvl="0" indent="0" algn="l" defTabSz="755650">
             <a:lnSpc>
               <a:spcPct val="100000"/>
             </a:lnSpc>
@@ -3273,8 +3273,8 @@
             <a:buNone/>
           </a:pPr>
           <a:r>
-            <a:rPr lang="en-US" sz="2200" kern="1200" dirty="0"/>
-            <a:t>Policy - </a:t>
+            <a:rPr lang="en-US" sz="1700" kern="1200" dirty="0"/>
+            <a:t>Policy – is a reference map that tells the agent which action to take in which state. It can be deterministic or stochastic.</a:t>
           </a:r>
         </a:p>
       </dsp:txBody>
@@ -7147,7 +7147,7 @@
           <a:p>
             <a:fld id="{1312A7CC-127A-D141-A6E1-AF76D61A52DB}" type="slidenum">
               <a:rPr lang="en-US" smtClean="0"/>
-              <a:t>13</a:t>
+              <a:t>9</a:t>
             </a:fld>
             <a:endParaRPr lang="en-US"/>
           </a:p>
@@ -7231,7 +7231,7 @@
           <a:p>
             <a:fld id="{1312A7CC-127A-D141-A6E1-AF76D61A52DB}" type="slidenum">
               <a:rPr lang="en-US" smtClean="0"/>
-              <a:t>14</a:t>
+              <a:t>10</a:t>
             </a:fld>
             <a:endParaRPr lang="en-US"/>
           </a:p>
@@ -11001,8 +11001,12 @@
           <a:lstStyle/>
           <a:p>
             <a:r>
+              <a:rPr lang="en-US" dirty="0" err="1"/>
+              <a:t>Sarsa</a:t>
+            </a:r>
+            <a:r>
               <a:rPr lang="en-US" dirty="0"/>
-              <a:t>Hyper-parameters in RL</a:t>
+              <a:t> &amp; Q-Learning</a:t>
             </a:r>
           </a:p>
         </p:txBody>
@@ -11148,58 +11152,10 @@
           </a:p>
         </p:txBody>
       </p:sp>
-      <p:sp>
-        <p:nvSpPr>
-          <p:cNvPr id="9" name="Content Placeholder 2">
-            <a:extLst>
-              <a:ext uri="{FF2B5EF4-FFF2-40B4-BE49-F238E27FC236}">
-                <a16:creationId xmlns:a16="http://schemas.microsoft.com/office/drawing/2014/main" id="{501F06FE-E961-6695-CBA4-C2EFFED9D22E}"/>
-              </a:ext>
-            </a:extLst>
-          </p:cNvPr>
-          <p:cNvSpPr>
-            <a:spLocks noGrp="1"/>
-          </p:cNvSpPr>
-          <p:nvPr>
-            <p:ph idx="1"/>
-          </p:nvPr>
-        </p:nvSpPr>
-        <p:spPr>
-          <a:xfrm>
-            <a:off x="912628" y="2402603"/>
-            <a:ext cx="9016409" cy="2927536"/>
-          </a:xfrm>
-        </p:spPr>
-        <p:txBody>
-          <a:bodyPr>
-            <a:normAutofit/>
-          </a:bodyPr>
-          <a:lstStyle/>
-          <a:p>
-            <a:r>
-              <a:rPr lang="en-US" dirty="0" err="1"/>
-              <a:t>η</a:t>
-            </a:r>
-            <a:r>
-              <a:rPr lang="en-US" dirty="0"/>
-              <a:t> (eta) -</a:t>
-            </a:r>
-          </a:p>
-          <a:p>
-            <a:r>
-              <a:rPr lang="en-US" dirty="0"/>
-              <a:t>𝛄 (gamma) – </a:t>
-            </a:r>
-          </a:p>
-          <a:p>
-            <a:endParaRPr lang="en-US" dirty="0"/>
-          </a:p>
-        </p:txBody>
-      </p:sp>
     </p:spTree>
     <p:extLst>
       <p:ext uri="{BB962C8B-B14F-4D97-AF65-F5344CB8AC3E}">
-        <p14:creationId xmlns:p14="http://schemas.microsoft.com/office/powerpoint/2010/main" val="4098792880"/>
+        <p14:creationId xmlns:p14="http://schemas.microsoft.com/office/powerpoint/2010/main" val="2206234286"/>
       </p:ext>
     </p:extLst>
   </p:cSld>
@@ -11388,7 +11344,7 @@
           <a:p>
             <a:r>
               <a:rPr lang="en-US" dirty="0"/>
-              <a:t>Exploration vs Exploitation</a:t>
+              <a:t>What is an Environment?</a:t>
             </a:r>
           </a:p>
         </p:txBody>
@@ -11534,6 +11490,36 @@
           </a:p>
         </p:txBody>
       </p:sp>
+      <p:pic>
+        <p:nvPicPr>
+          <p:cNvPr id="7" name="Picture 6">
+            <a:extLst>
+              <a:ext uri="{FF2B5EF4-FFF2-40B4-BE49-F238E27FC236}">
+                <a16:creationId xmlns:a16="http://schemas.microsoft.com/office/drawing/2014/main" id="{622AB1D7-924C-2BC7-89CA-C23ECA4E945D}"/>
+              </a:ext>
+            </a:extLst>
+          </p:cNvPr>
+          <p:cNvPicPr>
+            <a:picLocks noChangeAspect="1"/>
+          </p:cNvPicPr>
+          <p:nvPr/>
+        </p:nvPicPr>
+        <p:blipFill>
+          <a:blip r:embed="rId2"/>
+          <a:stretch>
+            <a:fillRect/>
+          </a:stretch>
+        </p:blipFill>
+        <p:spPr>
+          <a:xfrm>
+            <a:off x="9050867" y="1583016"/>
+            <a:ext cx="1143881" cy="1144123"/>
+          </a:xfrm>
+          <a:prstGeom prst="rect">
+            <a:avLst/>
+          </a:prstGeom>
+        </p:spPr>
+      </p:pic>
       <p:sp>
         <p:nvSpPr>
           <p:cNvPr id="9" name="Content Placeholder 2">
@@ -11562,6 +11548,24 @@
           </a:bodyPr>
           <a:lstStyle/>
           <a:p>
+            <a:r>
+              <a:rPr lang="en-US" dirty="0"/>
+              <a:t>Environment state</a:t>
+            </a:r>
+          </a:p>
+          <a:p>
+            <a:r>
+              <a:rPr lang="en-US" dirty="0"/>
+              <a:t>Fully Observable Environments</a:t>
+            </a:r>
+          </a:p>
+          <a:p>
+            <a:r>
+              <a:rPr lang="en-US" dirty="0"/>
+              <a:t>Partially Observable Environments</a:t>
+            </a:r>
+          </a:p>
+          <a:p>
             <a:endParaRPr lang="en-US" dirty="0"/>
           </a:p>
         </p:txBody>
@@ -11569,7 +11573,7 @@
     </p:spTree>
     <p:extLst>
       <p:ext uri="{BB962C8B-B14F-4D97-AF65-F5344CB8AC3E}">
-        <p14:creationId xmlns:p14="http://schemas.microsoft.com/office/powerpoint/2010/main" val="3787810117"/>
+        <p14:creationId xmlns:p14="http://schemas.microsoft.com/office/powerpoint/2010/main" val="3346697802"/>
       </p:ext>
     </p:extLst>
   </p:cSld>
@@ -11604,9 +11608,57 @@
           <a:chExt cx="0" cy="0"/>
         </a:xfrm>
       </p:grpSpPr>
+      <p:cxnSp>
+        <p:nvCxnSpPr>
+          <p:cNvPr id="46" name="Straight Connector 45">
+            <a:extLst>
+              <a:ext uri="{FF2B5EF4-FFF2-40B4-BE49-F238E27FC236}">
+                <a16:creationId xmlns:a16="http://schemas.microsoft.com/office/drawing/2014/main" id="{F209B62C-3402-4623-9A7C-AA048B56F8C3}"/>
+              </a:ext>
+              <a:ext uri="{C183D7F6-B498-43B3-948B-1728B52AA6E4}">
+                <adec:decorative xmlns:adec="http://schemas.microsoft.com/office/drawing/2017/decorative" val="1"/>
+              </a:ext>
+            </a:extLst>
+          </p:cNvPr>
+          <p:cNvCxnSpPr>
+            <a:cxnSpLocks noGrp="1" noRot="1" noChangeAspect="1" noMove="1" noResize="1" noEditPoints="1" noAdjustHandles="1" noChangeArrowheads="1" noChangeShapeType="1"/>
+          </p:cNvCxnSpPr>
+          <p:nvPr>
+            <p:extLst>
+              <p:ext uri="{386F3935-93C4-4BCD-93E2-E3B085C9AB24}">
+                <p16:designElem xmlns:p16="http://schemas.microsoft.com/office/powerpoint/2015/main" val="1"/>
+              </p:ext>
+            </p:extLst>
+          </p:nvPr>
+        </p:nvCxnSpPr>
+        <p:spPr>
+          <a:xfrm>
+            <a:off x="990600" y="1031001"/>
+            <a:ext cx="978862" cy="0"/>
+          </a:xfrm>
+          <a:prstGeom prst="line">
+            <a:avLst/>
+          </a:prstGeom>
+          <a:ln w="76200"/>
+        </p:spPr>
+        <p:style>
+          <a:lnRef idx="1">
+            <a:schemeClr val="accent1"/>
+          </a:lnRef>
+          <a:fillRef idx="0">
+            <a:schemeClr val="accent1"/>
+          </a:fillRef>
+          <a:effectRef idx="0">
+            <a:schemeClr val="accent1"/>
+          </a:effectRef>
+          <a:fontRef idx="minor">
+            <a:schemeClr val="tx1"/>
+          </a:fontRef>
+        </p:style>
+      </p:cxnSp>
       <p:sp useBgFill="1">
         <p:nvSpPr>
-          <p:cNvPr id="27" name="Rectangle 21">
+          <p:cNvPr id="48" name="Rectangle 47">
             <a:extLst>
               <a:ext uri="{FF2B5EF4-FFF2-40B4-BE49-F238E27FC236}">
                 <a16:creationId xmlns:a16="http://schemas.microsoft.com/office/drawing/2014/main" id="{19F9BF86-FE94-4517-B97D-026C7515E589}"/>
@@ -11680,6 +11732,350 @@
           </a:p>
         </p:txBody>
       </p:sp>
+      <p:sp>
+        <p:nvSpPr>
+          <p:cNvPr id="2" name="Title 1">
+            <a:extLst>
+              <a:ext uri="{FF2B5EF4-FFF2-40B4-BE49-F238E27FC236}">
+                <a16:creationId xmlns:a16="http://schemas.microsoft.com/office/drawing/2014/main" id="{59B05E76-7F26-18AB-CC6D-57FACF72A7CA}"/>
+              </a:ext>
+            </a:extLst>
+          </p:cNvPr>
+          <p:cNvSpPr>
+            <a:spLocks noGrp="1"/>
+          </p:cNvSpPr>
+          <p:nvPr>
+            <p:ph type="title"/>
+          </p:nvPr>
+        </p:nvSpPr>
+        <p:spPr>
+          <a:xfrm>
+            <a:off x="912628" y="1371601"/>
+            <a:ext cx="7902188" cy="886968"/>
+          </a:xfrm>
+        </p:spPr>
+        <p:txBody>
+          <a:bodyPr vert="horz" lIns="91440" tIns="45720" rIns="91440" bIns="45720" rtlCol="0" anchor="t">
+            <a:normAutofit/>
+          </a:bodyPr>
+          <a:lstStyle/>
+          <a:p>
+            <a:r>
+              <a:rPr lang="en-US" dirty="0"/>
+              <a:t>Hyper-parameters in RL</a:t>
+            </a:r>
+          </a:p>
+        </p:txBody>
+      </p:sp>
+      <p:cxnSp>
+        <p:nvCxnSpPr>
+          <p:cNvPr id="50" name="Straight Connector 49">
+            <a:extLst>
+              <a:ext uri="{FF2B5EF4-FFF2-40B4-BE49-F238E27FC236}">
+                <a16:creationId xmlns:a16="http://schemas.microsoft.com/office/drawing/2014/main" id="{AA07ED31-6FA0-4967-A8DD-C5388BC17495}"/>
+              </a:ext>
+              <a:ext uri="{C183D7F6-B498-43B3-948B-1728B52AA6E4}">
+                <adec:decorative xmlns:adec="http://schemas.microsoft.com/office/drawing/2017/decorative" val="1"/>
+              </a:ext>
+            </a:extLst>
+          </p:cNvPr>
+          <p:cNvCxnSpPr>
+            <a:cxnSpLocks noGrp="1" noRot="1" noChangeAspect="1" noMove="1" noResize="1" noEditPoints="1" noAdjustHandles="1" noChangeArrowheads="1" noChangeShapeType="1"/>
+          </p:cNvCxnSpPr>
+          <p:nvPr>
+            <p:extLst>
+              <p:ext uri="{386F3935-93C4-4BCD-93E2-E3B085C9AB24}">
+                <p16:designElem xmlns:p16="http://schemas.microsoft.com/office/powerpoint/2015/main" val="1"/>
+              </p:ext>
+            </p:extLst>
+          </p:nvPr>
+        </p:nvCxnSpPr>
+        <p:spPr>
+          <a:xfrm>
+            <a:off x="990600" y="1031001"/>
+            <a:ext cx="978862" cy="0"/>
+          </a:xfrm>
+          <a:prstGeom prst="line">
+            <a:avLst/>
+          </a:prstGeom>
+          <a:ln w="76200"/>
+        </p:spPr>
+        <p:style>
+          <a:lnRef idx="1">
+            <a:schemeClr val="accent1"/>
+          </a:lnRef>
+          <a:fillRef idx="0">
+            <a:schemeClr val="accent1"/>
+          </a:fillRef>
+          <a:effectRef idx="0">
+            <a:schemeClr val="accent1"/>
+          </a:effectRef>
+          <a:fontRef idx="minor">
+            <a:schemeClr val="tx1"/>
+          </a:fontRef>
+        </p:style>
+      </p:cxnSp>
+      <p:sp>
+        <p:nvSpPr>
+          <p:cNvPr id="5" name="Footer Placeholder 4">
+            <a:extLst>
+              <a:ext uri="{FF2B5EF4-FFF2-40B4-BE49-F238E27FC236}">
+                <a16:creationId xmlns:a16="http://schemas.microsoft.com/office/drawing/2014/main" id="{9D3FF22B-087C-ADD0-C834-47651FDDD635}"/>
+              </a:ext>
+            </a:extLst>
+          </p:cNvPr>
+          <p:cNvSpPr>
+            <a:spLocks noGrp="1"/>
+          </p:cNvSpPr>
+          <p:nvPr>
+            <p:ph type="ftr" sz="quarter" idx="11"/>
+          </p:nvPr>
+        </p:nvSpPr>
+        <p:spPr>
+          <a:xfrm>
+            <a:off x="6767622" y="6356350"/>
+            <a:ext cx="4040373" cy="365125"/>
+          </a:xfrm>
+        </p:spPr>
+        <p:txBody>
+          <a:bodyPr vert="horz" lIns="91440" tIns="45720" rIns="91440" bIns="45720" rtlCol="0" anchor="ctr">
+            <a:normAutofit/>
+          </a:bodyPr>
+          <a:lstStyle/>
+          <a:p>
+            <a:pPr>
+              <a:spcAft>
+                <a:spcPts val="600"/>
+              </a:spcAft>
+            </a:pPr>
+            <a:r>
+              <a:rPr lang="en-US" b="1" kern="1200" cap="all" spc="300" baseline="0">
+                <a:solidFill>
+                  <a:schemeClr val="tx1"/>
+                </a:solidFill>
+                <a:latin typeface="+mn-lt"/>
+                <a:ea typeface="+mn-ea"/>
+                <a:cs typeface="+mn-cs"/>
+              </a:rPr>
+              <a:t>Intro to RL | indabax 2022</a:t>
+            </a:r>
+          </a:p>
+        </p:txBody>
+      </p:sp>
+      <p:sp>
+        <p:nvSpPr>
+          <p:cNvPr id="6" name="Slide Number Placeholder 5">
+            <a:extLst>
+              <a:ext uri="{FF2B5EF4-FFF2-40B4-BE49-F238E27FC236}">
+                <a16:creationId xmlns:a16="http://schemas.microsoft.com/office/drawing/2014/main" id="{9618AEDC-E429-5D1E-5661-FF45C592B113}"/>
+              </a:ext>
+            </a:extLst>
+          </p:cNvPr>
+          <p:cNvSpPr>
+            <a:spLocks noGrp="1"/>
+          </p:cNvSpPr>
+          <p:nvPr>
+            <p:ph type="sldNum" sz="quarter" idx="12"/>
+          </p:nvPr>
+        </p:nvSpPr>
+        <p:spPr>
+          <a:xfrm>
+            <a:off x="10807995" y="6356350"/>
+            <a:ext cx="723014" cy="365125"/>
+          </a:xfrm>
+        </p:spPr>
+        <p:txBody>
+          <a:bodyPr vert="horz" lIns="91440" tIns="45720" rIns="91440" bIns="45720" rtlCol="0" anchor="ctr">
+            <a:normAutofit/>
+          </a:bodyPr>
+          <a:lstStyle/>
+          <a:p>
+            <a:pPr>
+              <a:spcAft>
+                <a:spcPts val="600"/>
+              </a:spcAft>
+            </a:pPr>
+            <a:fld id="{70C38C08-47C7-4847-B0BE-B9D8DEEB3D1B}" type="slidenum">
+              <a:rPr lang="en-US" smtClean="0"/>
+              <a:pPr>
+                <a:spcAft>
+                  <a:spcPts val="600"/>
+                </a:spcAft>
+              </a:pPr>
+              <a:t>12</a:t>
+            </a:fld>
+            <a:endParaRPr lang="en-US"/>
+          </a:p>
+        </p:txBody>
+      </p:sp>
+      <p:sp>
+        <p:nvSpPr>
+          <p:cNvPr id="9" name="Content Placeholder 2">
+            <a:extLst>
+              <a:ext uri="{FF2B5EF4-FFF2-40B4-BE49-F238E27FC236}">
+                <a16:creationId xmlns:a16="http://schemas.microsoft.com/office/drawing/2014/main" id="{501F06FE-E961-6695-CBA4-C2EFFED9D22E}"/>
+              </a:ext>
+            </a:extLst>
+          </p:cNvPr>
+          <p:cNvSpPr>
+            <a:spLocks noGrp="1"/>
+          </p:cNvSpPr>
+          <p:nvPr>
+            <p:ph idx="1"/>
+          </p:nvPr>
+        </p:nvSpPr>
+        <p:spPr>
+          <a:xfrm>
+            <a:off x="912628" y="2402603"/>
+            <a:ext cx="9016409" cy="2927536"/>
+          </a:xfrm>
+        </p:spPr>
+        <p:txBody>
+          <a:bodyPr>
+            <a:normAutofit/>
+          </a:bodyPr>
+          <a:lstStyle/>
+          <a:p>
+            <a:r>
+              <a:rPr lang="en-US" dirty="0" err="1"/>
+              <a:t>η</a:t>
+            </a:r>
+            <a:r>
+              <a:rPr lang="en-US" dirty="0"/>
+              <a:t> (eta) -</a:t>
+            </a:r>
+          </a:p>
+          <a:p>
+            <a:r>
+              <a:rPr lang="en-US" dirty="0"/>
+              <a:t>𝛄 (gamma) – The discount factor. This parameter controls to what extent immediate rewards are prioritized by agent compared to long-term rewards.</a:t>
+            </a:r>
+          </a:p>
+          <a:p>
+            <a:r>
+              <a:rPr lang="en-US" dirty="0"/>
+              <a:t>⍺ (alpha) - </a:t>
+            </a:r>
+          </a:p>
+          <a:p>
+            <a:endParaRPr lang="en-US" dirty="0"/>
+          </a:p>
+        </p:txBody>
+      </p:sp>
+    </p:spTree>
+    <p:extLst>
+      <p:ext uri="{BB962C8B-B14F-4D97-AF65-F5344CB8AC3E}">
+        <p14:creationId xmlns:p14="http://schemas.microsoft.com/office/powerpoint/2010/main" val="4098792880"/>
+      </p:ext>
+    </p:extLst>
+  </p:cSld>
+  <p:clrMapOvr>
+    <a:masterClrMapping/>
+  </p:clrMapOvr>
+</p:sld>
+</file>
+
+<file path=ppt/slides/slide13.xml><?xml version="1.0" encoding="utf-8"?>
+<p:sld xmlns:a="http://schemas.openxmlformats.org/drawingml/2006/main" xmlns:r="http://schemas.openxmlformats.org/officeDocument/2006/relationships" xmlns:p="http://schemas.openxmlformats.org/presentationml/2006/main">
+  <p:cSld>
+    <p:bg>
+      <p:bgPr>
+        <a:solidFill>
+          <a:schemeClr val="bg1"/>
+        </a:solidFill>
+        <a:effectLst/>
+      </p:bgPr>
+    </p:bg>
+    <p:spTree>
+      <p:nvGrpSpPr>
+        <p:cNvPr id="1" name=""/>
+        <p:cNvGrpSpPr/>
+        <p:nvPr/>
+      </p:nvGrpSpPr>
+      <p:grpSpPr>
+        <a:xfrm>
+          <a:off x="0" y="0"/>
+          <a:ext cx="0" cy="0"/>
+          <a:chOff x="0" y="0"/>
+          <a:chExt cx="0" cy="0"/>
+        </a:xfrm>
+      </p:grpSpPr>
+      <p:sp useBgFill="1">
+        <p:nvSpPr>
+          <p:cNvPr id="27" name="Rectangle 21">
+            <a:extLst>
+              <a:ext uri="{FF2B5EF4-FFF2-40B4-BE49-F238E27FC236}">
+                <a16:creationId xmlns:a16="http://schemas.microsoft.com/office/drawing/2014/main" id="{19F9BF86-FE94-4517-B97D-026C7515E589}"/>
+              </a:ext>
+              <a:ext uri="{C183D7F6-B498-43B3-948B-1728B52AA6E4}">
+                <adec:decorative xmlns:adec="http://schemas.microsoft.com/office/drawing/2017/decorative" val="1"/>
+              </a:ext>
+            </a:extLst>
+          </p:cNvPr>
+          <p:cNvSpPr>
+            <a:spLocks noGrp="1" noRot="1" noChangeAspect="1" noMove="1" noResize="1" noEditPoints="1" noAdjustHandles="1" noChangeArrowheads="1" noChangeShapeType="1" noTextEdit="1"/>
+          </p:cNvSpPr>
+          <p:nvPr>
+            <p:extLst>
+              <p:ext uri="{386F3935-93C4-4BCD-93E2-E3B085C9AB24}">
+                <p16:designElem xmlns:p16="http://schemas.microsoft.com/office/powerpoint/2015/main" val="1"/>
+              </p:ext>
+            </p:extLst>
+          </p:nvPr>
+        </p:nvSpPr>
+        <p:spPr>
+          <a:xfrm>
+            <a:off x="0" y="0"/>
+            <a:ext cx="12192000" cy="6858000"/>
+          </a:xfrm>
+          <a:prstGeom prst="rect">
+            <a:avLst/>
+          </a:prstGeom>
+          <a:ln w="12700" cap="flat" cmpd="sng" algn="ctr">
+            <a:noFill/>
+            <a:prstDash val="solid"/>
+            <a:miter lim="800000"/>
+          </a:ln>
+          <a:effectLst/>
+          <a:extLst>
+            <a:ext uri="{91240B29-F687-4F45-9708-019B960494DF}">
+              <a14:hiddenLine xmlns:a14="http://schemas.microsoft.com/office/drawing/2010/main" w="12700" cap="flat" cmpd="sng" algn="ctr">
+                <a:solidFill>
+                  <a:schemeClr val="accent1">
+                    <a:shade val="50000"/>
+                  </a:schemeClr>
+                </a:solidFill>
+                <a:prstDash val="solid"/>
+                <a:miter lim="800000"/>
+              </a14:hiddenLine>
+            </a:ext>
+          </a:extLst>
+        </p:spPr>
+        <p:style>
+          <a:lnRef idx="2">
+            <a:schemeClr val="accent1">
+              <a:shade val="50000"/>
+            </a:schemeClr>
+          </a:lnRef>
+          <a:fillRef idx="1">
+            <a:schemeClr val="accent1"/>
+          </a:fillRef>
+          <a:effectRef idx="0">
+            <a:schemeClr val="accent1"/>
+          </a:effectRef>
+          <a:fontRef idx="minor">
+            <a:schemeClr val="lt1"/>
+          </a:fontRef>
+        </p:style>
+        <p:txBody>
+          <a:bodyPr rtlCol="0" anchor="ctr"/>
+          <a:lstStyle/>
+          <a:p>
+            <a:pPr algn="ctr"/>
+            <a:endParaRPr lang="en-US"/>
+          </a:p>
+        </p:txBody>
+      </p:sp>
       <p:pic>
         <p:nvPicPr>
           <p:cNvPr id="17" name="Picture 3" descr="Triangular abstract background">
@@ -11815,7 +12211,15 @@
           <a:p>
             <a:r>
               <a:rPr lang="en-US" dirty="0"/>
-              <a:t>Problem: K-Armed Bandit </a:t>
+              <a:t>Problem: </a:t>
+            </a:r>
+            <a:r>
+              <a:rPr lang="en-US" dirty="0" err="1"/>
+              <a:t>Gridworld</a:t>
+            </a:r>
+            <a:r>
+              <a:rPr lang="en-US" dirty="0"/>
+              <a:t> Arrows</a:t>
             </a:r>
           </a:p>
         </p:txBody>
@@ -11944,7 +12348,7 @@
     </p:spTree>
     <p:extLst>
       <p:ext uri="{BB962C8B-B14F-4D97-AF65-F5344CB8AC3E}">
-        <p14:creationId xmlns:p14="http://schemas.microsoft.com/office/powerpoint/2010/main" val="3301814851"/>
+        <p14:creationId xmlns:p14="http://schemas.microsoft.com/office/powerpoint/2010/main" val="3757437248"/>
       </p:ext>
     </p:extLst>
   </p:cSld>
@@ -11954,7 +12358,7 @@
 </p:sld>
 </file>
 
-<file path=ppt/slides/slide13.xml><?xml version="1.0" encoding="utf-8"?>
+<file path=ppt/slides/slide14.xml><?xml version="1.0" encoding="utf-8"?>
 <p:sld xmlns:a="http://schemas.openxmlformats.org/drawingml/2006/main" xmlns:r="http://schemas.openxmlformats.org/officeDocument/2006/relationships" xmlns:p="http://schemas.openxmlformats.org/presentationml/2006/main">
   <p:cSld>
     <p:bg>
@@ -12127,13 +12531,13 @@
         </p:spPr>
         <p:txBody>
           <a:bodyPr vert="horz" lIns="91440" tIns="45720" rIns="91440" bIns="45720" rtlCol="0" anchor="t">
-            <a:normAutofit/>
+            <a:normAutofit fontScale="90000"/>
           </a:bodyPr>
           <a:lstStyle/>
           <a:p>
             <a:r>
               <a:rPr lang="en-US" dirty="0"/>
-              <a:t>Experience vs Data</a:t>
+              <a:t>How do I know how good my Agent is?</a:t>
             </a:r>
           </a:p>
         </p:txBody>
@@ -12230,6 +12634,14 @@
               </a:rPr>
               <a:t>Intro to RL | indabax 2022</a:t>
             </a:r>
+            <a:endParaRPr lang="en-US" b="1" kern="1200" cap="all" spc="300" baseline="0" dirty="0">
+              <a:solidFill>
+                <a:schemeClr val="tx1"/>
+              </a:solidFill>
+              <a:latin typeface="+mn-lt"/>
+              <a:ea typeface="+mn-ea"/>
+              <a:cs typeface="+mn-cs"/>
+            </a:endParaRPr>
           </a:p>
         </p:txBody>
       </p:sp>
@@ -12273,7 +12685,7 @@
                   <a:spcPts val="600"/>
                 </a:spcAft>
               </a:pPr>
-              <a:t>13</a:t>
+              <a:t>14</a:t>
             </a:fld>
             <a:endParaRPr lang="en-US"/>
           </a:p>
@@ -12307,6 +12719,24 @@
           </a:bodyPr>
           <a:lstStyle/>
           <a:p>
+            <a:r>
+              <a:rPr lang="en-US" dirty="0"/>
+              <a:t>No labels – can’t use traditional KPIs like Confusion matrices or MSE, etc.</a:t>
+            </a:r>
+          </a:p>
+          <a:p>
+            <a:r>
+              <a:rPr lang="en-US" dirty="0"/>
+              <a:t>Instead, look at: </a:t>
+            </a:r>
+          </a:p>
+          <a:p>
+            <a:endParaRPr lang="en-US" dirty="0"/>
+          </a:p>
+          <a:p>
+            <a:endParaRPr lang="en-US" dirty="0"/>
+          </a:p>
+          <a:p>
             <a:endParaRPr lang="en-US" dirty="0"/>
           </a:p>
         </p:txBody>
@@ -12314,7 +12744,7 @@
     </p:spTree>
     <p:extLst>
       <p:ext uri="{BB962C8B-B14F-4D97-AF65-F5344CB8AC3E}">
-        <p14:creationId xmlns:p14="http://schemas.microsoft.com/office/powerpoint/2010/main" val="591324005"/>
+        <p14:creationId xmlns:p14="http://schemas.microsoft.com/office/powerpoint/2010/main" val="1682151548"/>
       </p:ext>
     </p:extLst>
   </p:cSld>
@@ -12324,7 +12754,7 @@
 </p:sld>
 </file>
 
-<file path=ppt/slides/slide14.xml><?xml version="1.0" encoding="utf-8"?>
+<file path=ppt/slides/slide15.xml><?xml version="1.0" encoding="utf-8"?>
 <p:sld xmlns:a="http://schemas.openxmlformats.org/drawingml/2006/main" xmlns:r="http://schemas.openxmlformats.org/officeDocument/2006/relationships" xmlns:p="http://schemas.openxmlformats.org/presentationml/2006/main">
   <p:cSld>
     <p:bg>
@@ -12349,60 +12779,12 @@
           <a:chExt cx="0" cy="0"/>
         </a:xfrm>
       </p:grpSpPr>
-      <p:cxnSp>
-        <p:nvCxnSpPr>
-          <p:cNvPr id="46" name="Straight Connector 45">
-            <a:extLst>
-              <a:ext uri="{FF2B5EF4-FFF2-40B4-BE49-F238E27FC236}">
-                <a16:creationId xmlns:a16="http://schemas.microsoft.com/office/drawing/2014/main" id="{F209B62C-3402-4623-9A7C-AA048B56F8C3}"/>
-              </a:ext>
-              <a:ext uri="{C183D7F6-B498-43B3-948B-1728B52AA6E4}">
-                <adec:decorative xmlns:adec="http://schemas.microsoft.com/office/drawing/2017/decorative" val="1"/>
-              </a:ext>
-            </a:extLst>
-          </p:cNvPr>
-          <p:cNvCxnSpPr>
-            <a:cxnSpLocks noGrp="1" noRot="1" noChangeAspect="1" noMove="1" noResize="1" noEditPoints="1" noAdjustHandles="1" noChangeArrowheads="1" noChangeShapeType="1"/>
-          </p:cNvCxnSpPr>
-          <p:nvPr>
-            <p:extLst>
-              <p:ext uri="{386F3935-93C4-4BCD-93E2-E3B085C9AB24}">
-                <p16:designElem xmlns:p16="http://schemas.microsoft.com/office/powerpoint/2015/main" val="1"/>
-              </p:ext>
-            </p:extLst>
-          </p:nvPr>
-        </p:nvCxnSpPr>
-        <p:spPr>
-          <a:xfrm>
-            <a:off x="990600" y="1031001"/>
-            <a:ext cx="978862" cy="0"/>
-          </a:xfrm>
-          <a:prstGeom prst="line">
-            <a:avLst/>
-          </a:prstGeom>
-          <a:ln w="76200"/>
-        </p:spPr>
-        <p:style>
-          <a:lnRef idx="1">
-            <a:schemeClr val="accent1"/>
-          </a:lnRef>
-          <a:fillRef idx="0">
-            <a:schemeClr val="accent1"/>
-          </a:fillRef>
-          <a:effectRef idx="0">
-            <a:schemeClr val="accent1"/>
-          </a:effectRef>
-          <a:fontRef idx="minor">
-            <a:schemeClr val="tx1"/>
-          </a:fontRef>
-        </p:style>
-      </p:cxnSp>
       <p:sp useBgFill="1">
         <p:nvSpPr>
-          <p:cNvPr id="48" name="Rectangle 47">
+          <p:cNvPr id="64" name="Rectangle 63">
             <a:extLst>
               <a:ext uri="{FF2B5EF4-FFF2-40B4-BE49-F238E27FC236}">
-                <a16:creationId xmlns:a16="http://schemas.microsoft.com/office/drawing/2014/main" id="{19F9BF86-FE94-4517-B97D-026C7515E589}"/>
+                <a16:creationId xmlns:a16="http://schemas.microsoft.com/office/drawing/2014/main" id="{063F27BC-7079-4FF7-8F7C-ABC82FA3C247}"/>
               </a:ext>
               <a:ext uri="{C183D7F6-B498-43B3-948B-1728B52AA6E4}">
                 <adec:decorative xmlns:adec="http://schemas.microsoft.com/office/drawing/2017/decorative" val="1"/>
@@ -12491,715 +12873,6 @@
         </p:nvSpPr>
         <p:spPr>
           <a:xfrm>
-            <a:off x="912628" y="1371601"/>
-            <a:ext cx="7902188" cy="886968"/>
-          </a:xfrm>
-        </p:spPr>
-        <p:txBody>
-          <a:bodyPr vert="horz" lIns="91440" tIns="45720" rIns="91440" bIns="45720" rtlCol="0" anchor="t">
-            <a:normAutofit/>
-          </a:bodyPr>
-          <a:lstStyle/>
-          <a:p>
-            <a:r>
-              <a:rPr lang="en-US" dirty="0"/>
-              <a:t>Q-Learning</a:t>
-            </a:r>
-          </a:p>
-        </p:txBody>
-      </p:sp>
-      <p:cxnSp>
-        <p:nvCxnSpPr>
-          <p:cNvPr id="50" name="Straight Connector 49">
-            <a:extLst>
-              <a:ext uri="{FF2B5EF4-FFF2-40B4-BE49-F238E27FC236}">
-                <a16:creationId xmlns:a16="http://schemas.microsoft.com/office/drawing/2014/main" id="{AA07ED31-6FA0-4967-A8DD-C5388BC17495}"/>
-              </a:ext>
-              <a:ext uri="{C183D7F6-B498-43B3-948B-1728B52AA6E4}">
-                <adec:decorative xmlns:adec="http://schemas.microsoft.com/office/drawing/2017/decorative" val="1"/>
-              </a:ext>
-            </a:extLst>
-          </p:cNvPr>
-          <p:cNvCxnSpPr>
-            <a:cxnSpLocks noGrp="1" noRot="1" noChangeAspect="1" noMove="1" noResize="1" noEditPoints="1" noAdjustHandles="1" noChangeArrowheads="1" noChangeShapeType="1"/>
-          </p:cNvCxnSpPr>
-          <p:nvPr>
-            <p:extLst>
-              <p:ext uri="{386F3935-93C4-4BCD-93E2-E3B085C9AB24}">
-                <p16:designElem xmlns:p16="http://schemas.microsoft.com/office/powerpoint/2015/main" val="1"/>
-              </p:ext>
-            </p:extLst>
-          </p:nvPr>
-        </p:nvCxnSpPr>
-        <p:spPr>
-          <a:xfrm>
-            <a:off x="990600" y="1031001"/>
-            <a:ext cx="978862" cy="0"/>
-          </a:xfrm>
-          <a:prstGeom prst="line">
-            <a:avLst/>
-          </a:prstGeom>
-          <a:ln w="76200"/>
-        </p:spPr>
-        <p:style>
-          <a:lnRef idx="1">
-            <a:schemeClr val="accent1"/>
-          </a:lnRef>
-          <a:fillRef idx="0">
-            <a:schemeClr val="accent1"/>
-          </a:fillRef>
-          <a:effectRef idx="0">
-            <a:schemeClr val="accent1"/>
-          </a:effectRef>
-          <a:fontRef idx="minor">
-            <a:schemeClr val="tx1"/>
-          </a:fontRef>
-        </p:style>
-      </p:cxnSp>
-      <p:sp>
-        <p:nvSpPr>
-          <p:cNvPr id="5" name="Footer Placeholder 4">
-            <a:extLst>
-              <a:ext uri="{FF2B5EF4-FFF2-40B4-BE49-F238E27FC236}">
-                <a16:creationId xmlns:a16="http://schemas.microsoft.com/office/drawing/2014/main" id="{9D3FF22B-087C-ADD0-C834-47651FDDD635}"/>
-              </a:ext>
-            </a:extLst>
-          </p:cNvPr>
-          <p:cNvSpPr>
-            <a:spLocks noGrp="1"/>
-          </p:cNvSpPr>
-          <p:nvPr>
-            <p:ph type="ftr" sz="quarter" idx="11"/>
-          </p:nvPr>
-        </p:nvSpPr>
-        <p:spPr>
-          <a:xfrm>
-            <a:off x="6767622" y="6356350"/>
-            <a:ext cx="4040373" cy="365125"/>
-          </a:xfrm>
-        </p:spPr>
-        <p:txBody>
-          <a:bodyPr vert="horz" lIns="91440" tIns="45720" rIns="91440" bIns="45720" rtlCol="0" anchor="ctr">
-            <a:normAutofit/>
-          </a:bodyPr>
-          <a:lstStyle/>
-          <a:p>
-            <a:pPr>
-              <a:spcAft>
-                <a:spcPts val="600"/>
-              </a:spcAft>
-            </a:pPr>
-            <a:r>
-              <a:rPr lang="en-US" b="1" kern="1200" cap="all" spc="300" baseline="0">
-                <a:solidFill>
-                  <a:schemeClr val="tx1"/>
-                </a:solidFill>
-                <a:latin typeface="+mn-lt"/>
-                <a:ea typeface="+mn-ea"/>
-                <a:cs typeface="+mn-cs"/>
-              </a:rPr>
-              <a:t>Intro to RL | indabax 2022</a:t>
-            </a:r>
-          </a:p>
-        </p:txBody>
-      </p:sp>
-      <p:sp>
-        <p:nvSpPr>
-          <p:cNvPr id="6" name="Slide Number Placeholder 5">
-            <a:extLst>
-              <a:ext uri="{FF2B5EF4-FFF2-40B4-BE49-F238E27FC236}">
-                <a16:creationId xmlns:a16="http://schemas.microsoft.com/office/drawing/2014/main" id="{9618AEDC-E429-5D1E-5661-FF45C592B113}"/>
-              </a:ext>
-            </a:extLst>
-          </p:cNvPr>
-          <p:cNvSpPr>
-            <a:spLocks noGrp="1"/>
-          </p:cNvSpPr>
-          <p:nvPr>
-            <p:ph type="sldNum" sz="quarter" idx="12"/>
-          </p:nvPr>
-        </p:nvSpPr>
-        <p:spPr>
-          <a:xfrm>
-            <a:off x="10807995" y="6356350"/>
-            <a:ext cx="723014" cy="365125"/>
-          </a:xfrm>
-        </p:spPr>
-        <p:txBody>
-          <a:bodyPr vert="horz" lIns="91440" tIns="45720" rIns="91440" bIns="45720" rtlCol="0" anchor="ctr">
-            <a:normAutofit/>
-          </a:bodyPr>
-          <a:lstStyle/>
-          <a:p>
-            <a:pPr>
-              <a:spcAft>
-                <a:spcPts val="600"/>
-              </a:spcAft>
-            </a:pPr>
-            <a:fld id="{70C38C08-47C7-4847-B0BE-B9D8DEEB3D1B}" type="slidenum">
-              <a:rPr lang="en-US" smtClean="0"/>
-              <a:pPr>
-                <a:spcAft>
-                  <a:spcPts val="600"/>
-                </a:spcAft>
-              </a:pPr>
-              <a:t>14</a:t>
-            </a:fld>
-            <a:endParaRPr lang="en-US"/>
-          </a:p>
-        </p:txBody>
-      </p:sp>
-      <p:sp>
-        <p:nvSpPr>
-          <p:cNvPr id="9" name="Content Placeholder 2">
-            <a:extLst>
-              <a:ext uri="{FF2B5EF4-FFF2-40B4-BE49-F238E27FC236}">
-                <a16:creationId xmlns:a16="http://schemas.microsoft.com/office/drawing/2014/main" id="{501F06FE-E961-6695-CBA4-C2EFFED9D22E}"/>
-              </a:ext>
-            </a:extLst>
-          </p:cNvPr>
-          <p:cNvSpPr>
-            <a:spLocks noGrp="1"/>
-          </p:cNvSpPr>
-          <p:nvPr>
-            <p:ph idx="1"/>
-          </p:nvPr>
-        </p:nvSpPr>
-        <p:spPr>
-          <a:xfrm>
-            <a:off x="912628" y="2402603"/>
-            <a:ext cx="9016409" cy="2927536"/>
-          </a:xfrm>
-        </p:spPr>
-        <p:txBody>
-          <a:bodyPr>
-            <a:normAutofit/>
-          </a:bodyPr>
-          <a:lstStyle/>
-          <a:p>
-            <a:endParaRPr lang="en-US" dirty="0"/>
-          </a:p>
-        </p:txBody>
-      </p:sp>
-    </p:spTree>
-    <p:extLst>
-      <p:ext uri="{BB962C8B-B14F-4D97-AF65-F5344CB8AC3E}">
-        <p14:creationId xmlns:p14="http://schemas.microsoft.com/office/powerpoint/2010/main" val="2206234286"/>
-      </p:ext>
-    </p:extLst>
-  </p:cSld>
-  <p:clrMapOvr>
-    <a:masterClrMapping/>
-  </p:clrMapOvr>
-</p:sld>
-</file>
-
-<file path=ppt/slides/slide15.xml><?xml version="1.0" encoding="utf-8"?>
-<p:sld xmlns:a="http://schemas.openxmlformats.org/drawingml/2006/main" xmlns:r="http://schemas.openxmlformats.org/officeDocument/2006/relationships" xmlns:p="http://schemas.openxmlformats.org/presentationml/2006/main">
-  <p:cSld>
-    <p:bg>
-      <p:bgPr>
-        <a:solidFill>
-          <a:schemeClr val="bg1"/>
-        </a:solidFill>
-        <a:effectLst/>
-      </p:bgPr>
-    </p:bg>
-    <p:spTree>
-      <p:nvGrpSpPr>
-        <p:cNvPr id="1" name=""/>
-        <p:cNvGrpSpPr/>
-        <p:nvPr/>
-      </p:nvGrpSpPr>
-      <p:grpSpPr>
-        <a:xfrm>
-          <a:off x="0" y="0"/>
-          <a:ext cx="0" cy="0"/>
-          <a:chOff x="0" y="0"/>
-          <a:chExt cx="0" cy="0"/>
-        </a:xfrm>
-      </p:grpSpPr>
-      <p:cxnSp>
-        <p:nvCxnSpPr>
-          <p:cNvPr id="46" name="Straight Connector 45">
-            <a:extLst>
-              <a:ext uri="{FF2B5EF4-FFF2-40B4-BE49-F238E27FC236}">
-                <a16:creationId xmlns:a16="http://schemas.microsoft.com/office/drawing/2014/main" id="{F209B62C-3402-4623-9A7C-AA048B56F8C3}"/>
-              </a:ext>
-              <a:ext uri="{C183D7F6-B498-43B3-948B-1728B52AA6E4}">
-                <adec:decorative xmlns:adec="http://schemas.microsoft.com/office/drawing/2017/decorative" val="1"/>
-              </a:ext>
-            </a:extLst>
-          </p:cNvPr>
-          <p:cNvCxnSpPr>
-            <a:cxnSpLocks noGrp="1" noRot="1" noChangeAspect="1" noMove="1" noResize="1" noEditPoints="1" noAdjustHandles="1" noChangeArrowheads="1" noChangeShapeType="1"/>
-          </p:cNvCxnSpPr>
-          <p:nvPr>
-            <p:extLst>
-              <p:ext uri="{386F3935-93C4-4BCD-93E2-E3B085C9AB24}">
-                <p16:designElem xmlns:p16="http://schemas.microsoft.com/office/powerpoint/2015/main" val="1"/>
-              </p:ext>
-            </p:extLst>
-          </p:nvPr>
-        </p:nvCxnSpPr>
-        <p:spPr>
-          <a:xfrm>
-            <a:off x="990600" y="1031001"/>
-            <a:ext cx="978862" cy="0"/>
-          </a:xfrm>
-          <a:prstGeom prst="line">
-            <a:avLst/>
-          </a:prstGeom>
-          <a:ln w="76200"/>
-        </p:spPr>
-        <p:style>
-          <a:lnRef idx="1">
-            <a:schemeClr val="accent1"/>
-          </a:lnRef>
-          <a:fillRef idx="0">
-            <a:schemeClr val="accent1"/>
-          </a:fillRef>
-          <a:effectRef idx="0">
-            <a:schemeClr val="accent1"/>
-          </a:effectRef>
-          <a:fontRef idx="minor">
-            <a:schemeClr val="tx1"/>
-          </a:fontRef>
-        </p:style>
-      </p:cxnSp>
-      <p:sp useBgFill="1">
-        <p:nvSpPr>
-          <p:cNvPr id="48" name="Rectangle 47">
-            <a:extLst>
-              <a:ext uri="{FF2B5EF4-FFF2-40B4-BE49-F238E27FC236}">
-                <a16:creationId xmlns:a16="http://schemas.microsoft.com/office/drawing/2014/main" id="{19F9BF86-FE94-4517-B97D-026C7515E589}"/>
-              </a:ext>
-              <a:ext uri="{C183D7F6-B498-43B3-948B-1728B52AA6E4}">
-                <adec:decorative xmlns:adec="http://schemas.microsoft.com/office/drawing/2017/decorative" val="1"/>
-              </a:ext>
-            </a:extLst>
-          </p:cNvPr>
-          <p:cNvSpPr>
-            <a:spLocks noGrp="1" noRot="1" noChangeAspect="1" noMove="1" noResize="1" noEditPoints="1" noAdjustHandles="1" noChangeArrowheads="1" noChangeShapeType="1" noTextEdit="1"/>
-          </p:cNvSpPr>
-          <p:nvPr>
-            <p:extLst>
-              <p:ext uri="{386F3935-93C4-4BCD-93E2-E3B085C9AB24}">
-                <p16:designElem xmlns:p16="http://schemas.microsoft.com/office/powerpoint/2015/main" val="1"/>
-              </p:ext>
-            </p:extLst>
-          </p:nvPr>
-        </p:nvSpPr>
-        <p:spPr>
-          <a:xfrm>
-            <a:off x="0" y="0"/>
-            <a:ext cx="12192000" cy="6858000"/>
-          </a:xfrm>
-          <a:prstGeom prst="rect">
-            <a:avLst/>
-          </a:prstGeom>
-          <a:ln w="12700" cap="flat" cmpd="sng" algn="ctr">
-            <a:noFill/>
-            <a:prstDash val="solid"/>
-            <a:miter lim="800000"/>
-          </a:ln>
-          <a:effectLst/>
-          <a:extLst>
-            <a:ext uri="{91240B29-F687-4F45-9708-019B960494DF}">
-              <a14:hiddenLine xmlns:a14="http://schemas.microsoft.com/office/drawing/2010/main" w="12700" cap="flat" cmpd="sng" algn="ctr">
-                <a:solidFill>
-                  <a:schemeClr val="accent1">
-                    <a:shade val="50000"/>
-                  </a:schemeClr>
-                </a:solidFill>
-                <a:prstDash val="solid"/>
-                <a:miter lim="800000"/>
-              </a14:hiddenLine>
-            </a:ext>
-          </a:extLst>
-        </p:spPr>
-        <p:style>
-          <a:lnRef idx="2">
-            <a:schemeClr val="accent1">
-              <a:shade val="50000"/>
-            </a:schemeClr>
-          </a:lnRef>
-          <a:fillRef idx="1">
-            <a:schemeClr val="accent1"/>
-          </a:fillRef>
-          <a:effectRef idx="0">
-            <a:schemeClr val="accent1"/>
-          </a:effectRef>
-          <a:fontRef idx="minor">
-            <a:schemeClr val="lt1"/>
-          </a:fontRef>
-        </p:style>
-        <p:txBody>
-          <a:bodyPr rtlCol="0" anchor="ctr"/>
-          <a:lstStyle/>
-          <a:p>
-            <a:pPr algn="ctr"/>
-            <a:endParaRPr lang="en-US"/>
-          </a:p>
-        </p:txBody>
-      </p:sp>
-      <p:sp>
-        <p:nvSpPr>
-          <p:cNvPr id="2" name="Title 1">
-            <a:extLst>
-              <a:ext uri="{FF2B5EF4-FFF2-40B4-BE49-F238E27FC236}">
-                <a16:creationId xmlns:a16="http://schemas.microsoft.com/office/drawing/2014/main" id="{59B05E76-7F26-18AB-CC6D-57FACF72A7CA}"/>
-              </a:ext>
-            </a:extLst>
-          </p:cNvPr>
-          <p:cNvSpPr>
-            <a:spLocks noGrp="1"/>
-          </p:cNvSpPr>
-          <p:nvPr>
-            <p:ph type="title"/>
-          </p:nvPr>
-        </p:nvSpPr>
-        <p:spPr>
-          <a:xfrm>
-            <a:off x="912628" y="1371601"/>
-            <a:ext cx="7902188" cy="886968"/>
-          </a:xfrm>
-        </p:spPr>
-        <p:txBody>
-          <a:bodyPr vert="horz" lIns="91440" tIns="45720" rIns="91440" bIns="45720" rtlCol="0" anchor="t">
-            <a:normAutofit fontScale="90000"/>
-          </a:bodyPr>
-          <a:lstStyle/>
-          <a:p>
-            <a:r>
-              <a:rPr lang="en-US" dirty="0"/>
-              <a:t>How do I know how good my Agent is?</a:t>
-            </a:r>
-          </a:p>
-        </p:txBody>
-      </p:sp>
-      <p:cxnSp>
-        <p:nvCxnSpPr>
-          <p:cNvPr id="50" name="Straight Connector 49">
-            <a:extLst>
-              <a:ext uri="{FF2B5EF4-FFF2-40B4-BE49-F238E27FC236}">
-                <a16:creationId xmlns:a16="http://schemas.microsoft.com/office/drawing/2014/main" id="{AA07ED31-6FA0-4967-A8DD-C5388BC17495}"/>
-              </a:ext>
-              <a:ext uri="{C183D7F6-B498-43B3-948B-1728B52AA6E4}">
-                <adec:decorative xmlns:adec="http://schemas.microsoft.com/office/drawing/2017/decorative" val="1"/>
-              </a:ext>
-            </a:extLst>
-          </p:cNvPr>
-          <p:cNvCxnSpPr>
-            <a:cxnSpLocks noGrp="1" noRot="1" noChangeAspect="1" noMove="1" noResize="1" noEditPoints="1" noAdjustHandles="1" noChangeArrowheads="1" noChangeShapeType="1"/>
-          </p:cNvCxnSpPr>
-          <p:nvPr>
-            <p:extLst>
-              <p:ext uri="{386F3935-93C4-4BCD-93E2-E3B085C9AB24}">
-                <p16:designElem xmlns:p16="http://schemas.microsoft.com/office/powerpoint/2015/main" val="1"/>
-              </p:ext>
-            </p:extLst>
-          </p:nvPr>
-        </p:nvCxnSpPr>
-        <p:spPr>
-          <a:xfrm>
-            <a:off x="990600" y="1031001"/>
-            <a:ext cx="978862" cy="0"/>
-          </a:xfrm>
-          <a:prstGeom prst="line">
-            <a:avLst/>
-          </a:prstGeom>
-          <a:ln w="76200"/>
-        </p:spPr>
-        <p:style>
-          <a:lnRef idx="1">
-            <a:schemeClr val="accent1"/>
-          </a:lnRef>
-          <a:fillRef idx="0">
-            <a:schemeClr val="accent1"/>
-          </a:fillRef>
-          <a:effectRef idx="0">
-            <a:schemeClr val="accent1"/>
-          </a:effectRef>
-          <a:fontRef idx="minor">
-            <a:schemeClr val="tx1"/>
-          </a:fontRef>
-        </p:style>
-      </p:cxnSp>
-      <p:sp>
-        <p:nvSpPr>
-          <p:cNvPr id="5" name="Footer Placeholder 4">
-            <a:extLst>
-              <a:ext uri="{FF2B5EF4-FFF2-40B4-BE49-F238E27FC236}">
-                <a16:creationId xmlns:a16="http://schemas.microsoft.com/office/drawing/2014/main" id="{9D3FF22B-087C-ADD0-C834-47651FDDD635}"/>
-              </a:ext>
-            </a:extLst>
-          </p:cNvPr>
-          <p:cNvSpPr>
-            <a:spLocks noGrp="1"/>
-          </p:cNvSpPr>
-          <p:nvPr>
-            <p:ph type="ftr" sz="quarter" idx="11"/>
-          </p:nvPr>
-        </p:nvSpPr>
-        <p:spPr>
-          <a:xfrm>
-            <a:off x="6767622" y="6356350"/>
-            <a:ext cx="4040373" cy="365125"/>
-          </a:xfrm>
-        </p:spPr>
-        <p:txBody>
-          <a:bodyPr vert="horz" lIns="91440" tIns="45720" rIns="91440" bIns="45720" rtlCol="0" anchor="ctr">
-            <a:normAutofit/>
-          </a:bodyPr>
-          <a:lstStyle/>
-          <a:p>
-            <a:pPr>
-              <a:spcAft>
-                <a:spcPts val="600"/>
-              </a:spcAft>
-            </a:pPr>
-            <a:r>
-              <a:rPr lang="en-US" b="1" kern="1200" cap="all" spc="300" baseline="0">
-                <a:solidFill>
-                  <a:schemeClr val="tx1"/>
-                </a:solidFill>
-                <a:latin typeface="+mn-lt"/>
-                <a:ea typeface="+mn-ea"/>
-                <a:cs typeface="+mn-cs"/>
-              </a:rPr>
-              <a:t>Intro to RL | indabax 2022</a:t>
-            </a:r>
-            <a:endParaRPr lang="en-US" b="1" kern="1200" cap="all" spc="300" baseline="0" dirty="0">
-              <a:solidFill>
-                <a:schemeClr val="tx1"/>
-              </a:solidFill>
-              <a:latin typeface="+mn-lt"/>
-              <a:ea typeface="+mn-ea"/>
-              <a:cs typeface="+mn-cs"/>
-            </a:endParaRPr>
-          </a:p>
-        </p:txBody>
-      </p:sp>
-      <p:sp>
-        <p:nvSpPr>
-          <p:cNvPr id="6" name="Slide Number Placeholder 5">
-            <a:extLst>
-              <a:ext uri="{FF2B5EF4-FFF2-40B4-BE49-F238E27FC236}">
-                <a16:creationId xmlns:a16="http://schemas.microsoft.com/office/drawing/2014/main" id="{9618AEDC-E429-5D1E-5661-FF45C592B113}"/>
-              </a:ext>
-            </a:extLst>
-          </p:cNvPr>
-          <p:cNvSpPr>
-            <a:spLocks noGrp="1"/>
-          </p:cNvSpPr>
-          <p:nvPr>
-            <p:ph type="sldNum" sz="quarter" idx="12"/>
-          </p:nvPr>
-        </p:nvSpPr>
-        <p:spPr>
-          <a:xfrm>
-            <a:off x="10807995" y="6356350"/>
-            <a:ext cx="723014" cy="365125"/>
-          </a:xfrm>
-        </p:spPr>
-        <p:txBody>
-          <a:bodyPr vert="horz" lIns="91440" tIns="45720" rIns="91440" bIns="45720" rtlCol="0" anchor="ctr">
-            <a:normAutofit/>
-          </a:bodyPr>
-          <a:lstStyle/>
-          <a:p>
-            <a:pPr>
-              <a:spcAft>
-                <a:spcPts val="600"/>
-              </a:spcAft>
-            </a:pPr>
-            <a:fld id="{70C38C08-47C7-4847-B0BE-B9D8DEEB3D1B}" type="slidenum">
-              <a:rPr lang="en-US" smtClean="0"/>
-              <a:pPr>
-                <a:spcAft>
-                  <a:spcPts val="600"/>
-                </a:spcAft>
-              </a:pPr>
-              <a:t>15</a:t>
-            </a:fld>
-            <a:endParaRPr lang="en-US"/>
-          </a:p>
-        </p:txBody>
-      </p:sp>
-      <p:sp>
-        <p:nvSpPr>
-          <p:cNvPr id="9" name="Content Placeholder 2">
-            <a:extLst>
-              <a:ext uri="{FF2B5EF4-FFF2-40B4-BE49-F238E27FC236}">
-                <a16:creationId xmlns:a16="http://schemas.microsoft.com/office/drawing/2014/main" id="{501F06FE-E961-6695-CBA4-C2EFFED9D22E}"/>
-              </a:ext>
-            </a:extLst>
-          </p:cNvPr>
-          <p:cNvSpPr>
-            <a:spLocks noGrp="1"/>
-          </p:cNvSpPr>
-          <p:nvPr>
-            <p:ph idx="1"/>
-          </p:nvPr>
-        </p:nvSpPr>
-        <p:spPr>
-          <a:xfrm>
-            <a:off x="912628" y="2402603"/>
-            <a:ext cx="9016409" cy="2927536"/>
-          </a:xfrm>
-        </p:spPr>
-        <p:txBody>
-          <a:bodyPr>
-            <a:normAutofit/>
-          </a:bodyPr>
-          <a:lstStyle/>
-          <a:p>
-            <a:r>
-              <a:rPr lang="en-US" dirty="0"/>
-              <a:t>No labels – can’t use traditional KPIs like Confusion matrices or MSE, etc.</a:t>
-            </a:r>
-          </a:p>
-          <a:p>
-            <a:endParaRPr lang="en-US" dirty="0"/>
-          </a:p>
-          <a:p>
-            <a:endParaRPr lang="en-US" dirty="0"/>
-          </a:p>
-        </p:txBody>
-      </p:sp>
-    </p:spTree>
-    <p:extLst>
-      <p:ext uri="{BB962C8B-B14F-4D97-AF65-F5344CB8AC3E}">
-        <p14:creationId xmlns:p14="http://schemas.microsoft.com/office/powerpoint/2010/main" val="1682151548"/>
-      </p:ext>
-    </p:extLst>
-  </p:cSld>
-  <p:clrMapOvr>
-    <a:masterClrMapping/>
-  </p:clrMapOvr>
-</p:sld>
-</file>
-
-<file path=ppt/slides/slide16.xml><?xml version="1.0" encoding="utf-8"?>
-<p:sld xmlns:a="http://schemas.openxmlformats.org/drawingml/2006/main" xmlns:r="http://schemas.openxmlformats.org/officeDocument/2006/relationships" xmlns:p="http://schemas.openxmlformats.org/presentationml/2006/main">
-  <p:cSld>
-    <p:bg>
-      <p:bgPr>
-        <a:solidFill>
-          <a:schemeClr val="bg1"/>
-        </a:solidFill>
-        <a:effectLst/>
-      </p:bgPr>
-    </p:bg>
-    <p:spTree>
-      <p:nvGrpSpPr>
-        <p:cNvPr id="1" name=""/>
-        <p:cNvGrpSpPr/>
-        <p:nvPr/>
-      </p:nvGrpSpPr>
-      <p:grpSpPr>
-        <a:xfrm>
-          <a:off x="0" y="0"/>
-          <a:ext cx="0" cy="0"/>
-          <a:chOff x="0" y="0"/>
-          <a:chExt cx="0" cy="0"/>
-        </a:xfrm>
-      </p:grpSpPr>
-      <p:sp useBgFill="1">
-        <p:nvSpPr>
-          <p:cNvPr id="64" name="Rectangle 63">
-            <a:extLst>
-              <a:ext uri="{FF2B5EF4-FFF2-40B4-BE49-F238E27FC236}">
-                <a16:creationId xmlns:a16="http://schemas.microsoft.com/office/drawing/2014/main" id="{063F27BC-7079-4FF7-8F7C-ABC82FA3C247}"/>
-              </a:ext>
-              <a:ext uri="{C183D7F6-B498-43B3-948B-1728B52AA6E4}">
-                <adec:decorative xmlns:adec="http://schemas.microsoft.com/office/drawing/2017/decorative" val="1"/>
-              </a:ext>
-            </a:extLst>
-          </p:cNvPr>
-          <p:cNvSpPr>
-            <a:spLocks noGrp="1" noRot="1" noChangeAspect="1" noMove="1" noResize="1" noEditPoints="1" noAdjustHandles="1" noChangeArrowheads="1" noChangeShapeType="1" noTextEdit="1"/>
-          </p:cNvSpPr>
-          <p:nvPr>
-            <p:extLst>
-              <p:ext uri="{386F3935-93C4-4BCD-93E2-E3B085C9AB24}">
-                <p16:designElem xmlns:p16="http://schemas.microsoft.com/office/powerpoint/2015/main" val="1"/>
-              </p:ext>
-            </p:extLst>
-          </p:nvPr>
-        </p:nvSpPr>
-        <p:spPr>
-          <a:xfrm>
-            <a:off x="0" y="0"/>
-            <a:ext cx="12192000" cy="6858000"/>
-          </a:xfrm>
-          <a:prstGeom prst="rect">
-            <a:avLst/>
-          </a:prstGeom>
-          <a:ln w="12700" cap="flat" cmpd="sng" algn="ctr">
-            <a:noFill/>
-            <a:prstDash val="solid"/>
-            <a:miter lim="800000"/>
-          </a:ln>
-          <a:effectLst/>
-          <a:extLst>
-            <a:ext uri="{91240B29-F687-4F45-9708-019B960494DF}">
-              <a14:hiddenLine xmlns:a14="http://schemas.microsoft.com/office/drawing/2010/main" w="12700" cap="flat" cmpd="sng" algn="ctr">
-                <a:solidFill>
-                  <a:schemeClr val="accent1">
-                    <a:shade val="50000"/>
-                  </a:schemeClr>
-                </a:solidFill>
-                <a:prstDash val="solid"/>
-                <a:miter lim="800000"/>
-              </a14:hiddenLine>
-            </a:ext>
-          </a:extLst>
-        </p:spPr>
-        <p:style>
-          <a:lnRef idx="2">
-            <a:schemeClr val="accent1">
-              <a:shade val="50000"/>
-            </a:schemeClr>
-          </a:lnRef>
-          <a:fillRef idx="1">
-            <a:schemeClr val="accent1"/>
-          </a:fillRef>
-          <a:effectRef idx="0">
-            <a:schemeClr val="accent1"/>
-          </a:effectRef>
-          <a:fontRef idx="minor">
-            <a:schemeClr val="lt1"/>
-          </a:fontRef>
-        </p:style>
-        <p:txBody>
-          <a:bodyPr rtlCol="0" anchor="ctr"/>
-          <a:lstStyle/>
-          <a:p>
-            <a:pPr algn="ctr"/>
-            <a:endParaRPr lang="en-US"/>
-          </a:p>
-        </p:txBody>
-      </p:sp>
-      <p:sp>
-        <p:nvSpPr>
-          <p:cNvPr id="2" name="Title 1">
-            <a:extLst>
-              <a:ext uri="{FF2B5EF4-FFF2-40B4-BE49-F238E27FC236}">
-                <a16:creationId xmlns:a16="http://schemas.microsoft.com/office/drawing/2014/main" id="{59B05E76-7F26-18AB-CC6D-57FACF72A7CA}"/>
-              </a:ext>
-            </a:extLst>
-          </p:cNvPr>
-          <p:cNvSpPr>
-            <a:spLocks noGrp="1"/>
-          </p:cNvSpPr>
-          <p:nvPr>
-            <p:ph type="title"/>
-          </p:nvPr>
-        </p:nvSpPr>
-        <p:spPr>
-          <a:xfrm>
             <a:off x="914400" y="914400"/>
             <a:ext cx="4694904" cy="2881221"/>
           </a:xfrm>
@@ -13350,7 +13023,7 @@
                   <a:spcPts val="600"/>
                 </a:spcAft>
               </a:pPr>
-              <a:t>16</a:t>
+              <a:t>15</a:t>
             </a:fld>
             <a:endParaRPr lang="en-US"/>
           </a:p>
@@ -13950,6 +13623,407 @@
 </p:sld>
 </file>
 
+<file path=ppt/slides/slide16.xml><?xml version="1.0" encoding="utf-8"?>
+<p:sld xmlns:a="http://schemas.openxmlformats.org/drawingml/2006/main" xmlns:r="http://schemas.openxmlformats.org/officeDocument/2006/relationships" xmlns:p="http://schemas.openxmlformats.org/presentationml/2006/main">
+  <p:cSld>
+    <p:bg>
+      <p:bgPr>
+        <a:solidFill>
+          <a:schemeClr val="bg1"/>
+        </a:solidFill>
+        <a:effectLst/>
+      </p:bgPr>
+    </p:bg>
+    <p:spTree>
+      <p:nvGrpSpPr>
+        <p:cNvPr id="1" name=""/>
+        <p:cNvGrpSpPr/>
+        <p:nvPr/>
+      </p:nvGrpSpPr>
+      <p:grpSpPr>
+        <a:xfrm>
+          <a:off x="0" y="0"/>
+          <a:ext cx="0" cy="0"/>
+          <a:chOff x="0" y="0"/>
+          <a:chExt cx="0" cy="0"/>
+        </a:xfrm>
+      </p:grpSpPr>
+      <p:sp useBgFill="1">
+        <p:nvSpPr>
+          <p:cNvPr id="27" name="Rectangle 21">
+            <a:extLst>
+              <a:ext uri="{FF2B5EF4-FFF2-40B4-BE49-F238E27FC236}">
+                <a16:creationId xmlns:a16="http://schemas.microsoft.com/office/drawing/2014/main" id="{19F9BF86-FE94-4517-B97D-026C7515E589}"/>
+              </a:ext>
+              <a:ext uri="{C183D7F6-B498-43B3-948B-1728B52AA6E4}">
+                <adec:decorative xmlns:adec="http://schemas.microsoft.com/office/drawing/2017/decorative" val="1"/>
+              </a:ext>
+            </a:extLst>
+          </p:cNvPr>
+          <p:cNvSpPr>
+            <a:spLocks noGrp="1" noRot="1" noChangeAspect="1" noMove="1" noResize="1" noEditPoints="1" noAdjustHandles="1" noChangeArrowheads="1" noChangeShapeType="1" noTextEdit="1"/>
+          </p:cNvSpPr>
+          <p:nvPr>
+            <p:extLst>
+              <p:ext uri="{386F3935-93C4-4BCD-93E2-E3B085C9AB24}">
+                <p16:designElem xmlns:p16="http://schemas.microsoft.com/office/powerpoint/2015/main" val="1"/>
+              </p:ext>
+            </p:extLst>
+          </p:nvPr>
+        </p:nvSpPr>
+        <p:spPr>
+          <a:xfrm>
+            <a:off x="0" y="0"/>
+            <a:ext cx="12192000" cy="6858000"/>
+          </a:xfrm>
+          <a:prstGeom prst="rect">
+            <a:avLst/>
+          </a:prstGeom>
+          <a:ln w="12700" cap="flat" cmpd="sng" algn="ctr">
+            <a:noFill/>
+            <a:prstDash val="solid"/>
+            <a:miter lim="800000"/>
+          </a:ln>
+          <a:effectLst/>
+          <a:extLst>
+            <a:ext uri="{91240B29-F687-4F45-9708-019B960494DF}">
+              <a14:hiddenLine xmlns:a14="http://schemas.microsoft.com/office/drawing/2010/main" w="12700" cap="flat" cmpd="sng" algn="ctr">
+                <a:solidFill>
+                  <a:schemeClr val="accent1">
+                    <a:shade val="50000"/>
+                  </a:schemeClr>
+                </a:solidFill>
+                <a:prstDash val="solid"/>
+                <a:miter lim="800000"/>
+              </a14:hiddenLine>
+            </a:ext>
+          </a:extLst>
+        </p:spPr>
+        <p:style>
+          <a:lnRef idx="2">
+            <a:schemeClr val="accent1">
+              <a:shade val="50000"/>
+            </a:schemeClr>
+          </a:lnRef>
+          <a:fillRef idx="1">
+            <a:schemeClr val="accent1"/>
+          </a:fillRef>
+          <a:effectRef idx="0">
+            <a:schemeClr val="accent1"/>
+          </a:effectRef>
+          <a:fontRef idx="minor">
+            <a:schemeClr val="lt1"/>
+          </a:fontRef>
+        </p:style>
+        <p:txBody>
+          <a:bodyPr rtlCol="0" anchor="ctr"/>
+          <a:lstStyle/>
+          <a:p>
+            <a:pPr algn="ctr"/>
+            <a:endParaRPr lang="en-US"/>
+          </a:p>
+        </p:txBody>
+      </p:sp>
+      <p:pic>
+        <p:nvPicPr>
+          <p:cNvPr id="17" name="Picture 3" descr="Triangular abstract background">
+            <a:extLst>
+              <a:ext uri="{FF2B5EF4-FFF2-40B4-BE49-F238E27FC236}">
+                <a16:creationId xmlns:a16="http://schemas.microsoft.com/office/drawing/2014/main" id="{A04F2E58-04DE-AA52-A5EA-0C9D94AA6D59}"/>
+              </a:ext>
+            </a:extLst>
+          </p:cNvPr>
+          <p:cNvPicPr>
+            <a:picLocks noChangeAspect="1"/>
+          </p:cNvPicPr>
+          <p:nvPr/>
+        </p:nvPicPr>
+        <p:blipFill rotWithShape="1">
+          <a:blip r:embed="rId2"/>
+          <a:srcRect t="15730"/>
+          <a:stretch/>
+        </p:blipFill>
+        <p:spPr>
+          <a:xfrm>
+            <a:off x="1" y="10"/>
+            <a:ext cx="12192000" cy="6857990"/>
+          </a:xfrm>
+          <a:prstGeom prst="rect">
+            <a:avLst/>
+          </a:prstGeom>
+        </p:spPr>
+      </p:pic>
+      <p:sp useBgFill="1">
+        <p:nvSpPr>
+          <p:cNvPr id="28" name="Rectangle 23">
+            <a:extLst>
+              <a:ext uri="{FF2B5EF4-FFF2-40B4-BE49-F238E27FC236}">
+                <a16:creationId xmlns:a16="http://schemas.microsoft.com/office/drawing/2014/main" id="{D30DD7D3-2712-4491-B2C2-5FC23330C7CB}"/>
+              </a:ext>
+              <a:ext uri="{C183D7F6-B498-43B3-948B-1728B52AA6E4}">
+                <adec:decorative xmlns:adec="http://schemas.microsoft.com/office/drawing/2017/decorative" val="1"/>
+              </a:ext>
+            </a:extLst>
+          </p:cNvPr>
+          <p:cNvSpPr>
+            <a:spLocks noGrp="1" noRot="1" noChangeAspect="1" noMove="1" noResize="1" noEditPoints="1" noAdjustHandles="1" noChangeArrowheads="1" noChangeShapeType="1" noTextEdit="1"/>
+          </p:cNvSpPr>
+          <p:nvPr>
+            <p:extLst>
+              <p:ext uri="{386F3935-93C4-4BCD-93E2-E3B085C9AB24}">
+                <p16:designElem xmlns:p16="http://schemas.microsoft.com/office/powerpoint/2015/main" val="1"/>
+              </p:ext>
+            </p:extLst>
+          </p:nvPr>
+        </p:nvSpPr>
+        <p:spPr>
+          <a:xfrm>
+            <a:off x="1057051" y="1066800"/>
+            <a:ext cx="5699422" cy="4724400"/>
+          </a:xfrm>
+          <a:prstGeom prst="rect">
+            <a:avLst/>
+          </a:prstGeom>
+          <a:ln w="12700" cap="flat" cmpd="sng" algn="ctr">
+            <a:noFill/>
+            <a:prstDash val="solid"/>
+            <a:miter lim="800000"/>
+          </a:ln>
+          <a:effectLst/>
+          <a:extLst>
+            <a:ext uri="{91240B29-F687-4F45-9708-019B960494DF}">
+              <a14:hiddenLine xmlns:a14="http://schemas.microsoft.com/office/drawing/2010/main" w="12700" cap="flat" cmpd="sng" algn="ctr">
+                <a:solidFill>
+                  <a:schemeClr val="accent1">
+                    <a:shade val="50000"/>
+                  </a:schemeClr>
+                </a:solidFill>
+                <a:prstDash val="solid"/>
+                <a:miter lim="800000"/>
+              </a14:hiddenLine>
+            </a:ext>
+          </a:extLst>
+        </p:spPr>
+        <p:style>
+          <a:lnRef idx="2">
+            <a:schemeClr val="accent1">
+              <a:shade val="50000"/>
+            </a:schemeClr>
+          </a:lnRef>
+          <a:fillRef idx="1">
+            <a:schemeClr val="accent1"/>
+          </a:fillRef>
+          <a:effectRef idx="0">
+            <a:schemeClr val="accent1"/>
+          </a:effectRef>
+          <a:fontRef idx="minor">
+            <a:schemeClr val="lt1"/>
+          </a:fontRef>
+        </p:style>
+        <p:txBody>
+          <a:bodyPr rtlCol="0" anchor="ctr"/>
+          <a:lstStyle/>
+          <a:p>
+            <a:pPr algn="ctr"/>
+            <a:endParaRPr lang="en-US"/>
+          </a:p>
+        </p:txBody>
+      </p:sp>
+      <p:sp>
+        <p:nvSpPr>
+          <p:cNvPr id="2" name="Title 1">
+            <a:extLst>
+              <a:ext uri="{FF2B5EF4-FFF2-40B4-BE49-F238E27FC236}">
+                <a16:creationId xmlns:a16="http://schemas.microsoft.com/office/drawing/2014/main" id="{0562F22D-0AE7-1CD7-46CA-B3597AF2336E}"/>
+              </a:ext>
+            </a:extLst>
+          </p:cNvPr>
+          <p:cNvSpPr>
+            <a:spLocks noGrp="1"/>
+          </p:cNvSpPr>
+          <p:nvPr>
+            <p:ph type="ctrTitle"/>
+          </p:nvPr>
+        </p:nvSpPr>
+        <p:spPr>
+          <a:xfrm>
+            <a:off x="1736256" y="1562101"/>
+            <a:ext cx="4240471" cy="2738530"/>
+          </a:xfrm>
+        </p:spPr>
+        <p:txBody>
+          <a:bodyPr anchor="t">
+            <a:normAutofit/>
+          </a:bodyPr>
+          <a:lstStyle/>
+          <a:p>
+            <a:r>
+              <a:rPr lang="en-US" dirty="0"/>
+              <a:t>Problem: Mini-</a:t>
+            </a:r>
+            <a:r>
+              <a:rPr lang="en-US" dirty="0" err="1"/>
+              <a:t>Gridworld</a:t>
+            </a:r>
+            <a:endParaRPr lang="en-US" dirty="0"/>
+          </a:p>
+        </p:txBody>
+      </p:sp>
+      <p:cxnSp>
+        <p:nvCxnSpPr>
+          <p:cNvPr id="26" name="Straight Connector 25">
+            <a:extLst>
+              <a:ext uri="{FF2B5EF4-FFF2-40B4-BE49-F238E27FC236}">
+                <a16:creationId xmlns:a16="http://schemas.microsoft.com/office/drawing/2014/main" id="{FFD0734C-004D-4938-8EA0-2C3867A11A66}"/>
+              </a:ext>
+              <a:ext uri="{C183D7F6-B498-43B3-948B-1728B52AA6E4}">
+                <adec:decorative xmlns:adec="http://schemas.microsoft.com/office/drawing/2017/decorative" val="1"/>
+              </a:ext>
+            </a:extLst>
+          </p:cNvPr>
+          <p:cNvCxnSpPr>
+            <a:cxnSpLocks noGrp="1" noRot="1" noChangeAspect="1" noMove="1" noResize="1" noEditPoints="1" noAdjustHandles="1" noChangeArrowheads="1" noChangeShapeType="1"/>
+          </p:cNvCxnSpPr>
+          <p:nvPr>
+            <p:extLst>
+              <p:ext uri="{386F3935-93C4-4BCD-93E2-E3B085C9AB24}">
+                <p16:designElem xmlns:p16="http://schemas.microsoft.com/office/powerpoint/2015/main" val="1"/>
+              </p:ext>
+            </p:extLst>
+          </p:nvPr>
+        </p:nvCxnSpPr>
+        <p:spPr>
+          <a:xfrm>
+            <a:off x="1060419" y="5780876"/>
+            <a:ext cx="5702585" cy="0"/>
+          </a:xfrm>
+          <a:prstGeom prst="line">
+            <a:avLst/>
+          </a:prstGeom>
+          <a:ln w="76200"/>
+        </p:spPr>
+        <p:style>
+          <a:lnRef idx="1">
+            <a:schemeClr val="accent1"/>
+          </a:lnRef>
+          <a:fillRef idx="0">
+            <a:schemeClr val="accent1"/>
+          </a:fillRef>
+          <a:effectRef idx="0">
+            <a:schemeClr val="accent1"/>
+          </a:effectRef>
+          <a:fontRef idx="minor">
+            <a:schemeClr val="tx1"/>
+          </a:fontRef>
+        </p:style>
+      </p:cxnSp>
+      <p:sp>
+        <p:nvSpPr>
+          <p:cNvPr id="6" name="Snip Diagonal Corner of Rectangle 5">
+            <a:extLst>
+              <a:ext uri="{FF2B5EF4-FFF2-40B4-BE49-F238E27FC236}">
+                <a16:creationId xmlns:a16="http://schemas.microsoft.com/office/drawing/2014/main" id="{53BD4A6F-1997-44F0-09E9-97625E0368FE}"/>
+              </a:ext>
+            </a:extLst>
+          </p:cNvPr>
+          <p:cNvSpPr/>
+          <p:nvPr/>
+        </p:nvSpPr>
+        <p:spPr>
+          <a:xfrm>
+            <a:off x="1387590" y="4397494"/>
+            <a:ext cx="5038344" cy="898405"/>
+          </a:xfrm>
+          <a:prstGeom prst="snip2DiagRect">
+            <a:avLst/>
+          </a:prstGeom>
+          <a:noFill/>
+          <a:ln w="9525" cap="flat" cmpd="sng" algn="ctr">
+            <a:solidFill>
+              <a:schemeClr val="dk1"/>
+            </a:solidFill>
+            <a:prstDash val="solid"/>
+            <a:round/>
+            <a:headEnd type="none" w="med" len="med"/>
+            <a:tailEnd type="none" w="med" len="med"/>
+          </a:ln>
+        </p:spPr>
+        <p:style>
+          <a:lnRef idx="0">
+            <a:scrgbClr r="0" g="0" b="0"/>
+          </a:lnRef>
+          <a:fillRef idx="0">
+            <a:scrgbClr r="0" g="0" b="0"/>
+          </a:fillRef>
+          <a:effectRef idx="0">
+            <a:scrgbClr r="0" g="0" b="0"/>
+          </a:effectRef>
+          <a:fontRef idx="minor">
+            <a:schemeClr val="dk1"/>
+          </a:fontRef>
+        </p:style>
+        <p:txBody>
+          <a:bodyPr rtlCol="0" anchor="ctr"/>
+          <a:lstStyle/>
+          <a:p>
+            <a:pPr algn="ctr"/>
+            <a:r>
+              <a:rPr lang="en-US" dirty="0"/>
+              <a:t>https://</a:t>
+            </a:r>
+            <a:r>
+              <a:rPr lang="en-US" dirty="0" err="1"/>
+              <a:t>github.com</a:t>
+            </a:r>
+            <a:r>
+              <a:rPr lang="en-US" dirty="0"/>
+              <a:t>/</a:t>
+            </a:r>
+            <a:r>
+              <a:rPr lang="en-US" dirty="0" err="1"/>
+              <a:t>ashwineepandey</a:t>
+            </a:r>
+            <a:r>
+              <a:rPr lang="en-US" dirty="0"/>
+              <a:t>/</a:t>
+            </a:r>
+            <a:r>
+              <a:rPr lang="en-US" dirty="0" err="1"/>
+              <a:t>rl</a:t>
+            </a:r>
+            <a:r>
+              <a:rPr lang="en-US" dirty="0"/>
+              <a:t>-</a:t>
+            </a:r>
+            <a:r>
+              <a:rPr lang="en-US" dirty="0" err="1"/>
+              <a:t>sarsa</a:t>
+            </a:r>
+            <a:r>
+              <a:rPr lang="en-US" dirty="0"/>
+              <a:t>-vs-</a:t>
+            </a:r>
+            <a:r>
+              <a:rPr lang="en-US" dirty="0" err="1"/>
+              <a:t>ql</a:t>
+            </a:r>
+            <a:endParaRPr lang="en-US" dirty="0"/>
+          </a:p>
+        </p:txBody>
+      </p:sp>
+    </p:spTree>
+    <p:extLst>
+      <p:ext uri="{BB962C8B-B14F-4D97-AF65-F5344CB8AC3E}">
+        <p14:creationId xmlns:p14="http://schemas.microsoft.com/office/powerpoint/2010/main" val="1689366887"/>
+      </p:ext>
+    </p:extLst>
+  </p:cSld>
+  <p:clrMapOvr>
+    <a:masterClrMapping/>
+  </p:clrMapOvr>
+</p:sld>
+</file>
+
 <file path=ppt/slides/slide17.xml><?xml version="1.0" encoding="utf-8"?>
 <p:sld xmlns:a="http://schemas.openxmlformats.org/drawingml/2006/main" xmlns:r="http://schemas.openxmlformats.org/officeDocument/2006/relationships" xmlns:p="http://schemas.openxmlformats.org/presentationml/2006/main">
   <p:cSld>
@@ -14989,58 +15063,73 @@
             </a:pPr>
             <a:r>
               <a:rPr lang="en-US" dirty="0"/>
-              <a:t>Get in touch: www.ashwineepandey.com</a:t>
-            </a:r>
-          </a:p>
-          <a:p>
-            <a:pPr>
+              <a:t>Get in touch: </a:t>
+            </a:r>
+          </a:p>
+          <a:p>
+            <a:pPr lvl="1">
               <a:buFontTx/>
               <a:buChar char="-"/>
             </a:pPr>
             <a:r>
-              <a:rPr lang="en-US" dirty="0" err="1"/>
-              <a:t>Github</a:t>
-            </a:r>
-            <a:r>
-              <a:rPr lang="en-US" dirty="0"/>
-              <a:t>: https://</a:t>
-            </a:r>
-            <a:r>
-              <a:rPr lang="en-US" dirty="0" err="1"/>
-              <a:t>github.com</a:t>
-            </a:r>
-            <a:r>
-              <a:rPr lang="en-US" dirty="0"/>
-              <a:t>/</a:t>
-            </a:r>
-            <a:r>
-              <a:rPr lang="en-US" dirty="0" err="1"/>
-              <a:t>ashwineepandey</a:t>
-            </a:r>
-            <a:endParaRPr lang="en-US" dirty="0"/>
-          </a:p>
-          <a:p>
-            <a:pPr>
+              <a:rPr lang="en-US" sz="1600" dirty="0"/>
+              <a:t>Website: </a:t>
+            </a:r>
+            <a:r>
+              <a:rPr lang="en-US" sz="1600" dirty="0" err="1"/>
+              <a:t>www.ashwineepandey.com</a:t>
+            </a:r>
+            <a:endParaRPr lang="en-US" sz="1600" dirty="0"/>
+          </a:p>
+          <a:p>
+            <a:pPr lvl="1">
               <a:buFontTx/>
               <a:buChar char="-"/>
             </a:pPr>
             <a:r>
-              <a:rPr lang="en-US" dirty="0"/>
+              <a:rPr lang="en-US" sz="1600" dirty="0" err="1"/>
+              <a:t>Github</a:t>
+            </a:r>
+            <a:r>
+              <a:rPr lang="en-US" sz="1600" dirty="0"/>
+              <a:t>: https://</a:t>
+            </a:r>
+            <a:r>
+              <a:rPr lang="en-US" sz="1600" dirty="0" err="1"/>
+              <a:t>github.com</a:t>
+            </a:r>
+            <a:r>
+              <a:rPr lang="en-US" sz="1600" dirty="0"/>
+              <a:t>/</a:t>
+            </a:r>
+            <a:r>
+              <a:rPr lang="en-US" sz="1600" dirty="0" err="1"/>
+              <a:t>ashwineepandey</a:t>
+            </a:r>
+            <a:endParaRPr lang="en-US" sz="1600" dirty="0"/>
+          </a:p>
+          <a:p>
+            <a:pPr lvl="1">
+              <a:buFontTx/>
+              <a:buChar char="-"/>
+            </a:pPr>
+            <a:r>
+              <a:rPr lang="en-US" sz="1600" dirty="0"/>
               <a:t>LinkedIn: https://</a:t>
             </a:r>
             <a:r>
-              <a:rPr lang="en-US" dirty="0" err="1"/>
+              <a:rPr lang="en-US" sz="1600" dirty="0" err="1"/>
               <a:t>www.linkedin.com</a:t>
             </a:r>
             <a:r>
-              <a:rPr lang="en-US" dirty="0"/>
+              <a:rPr lang="en-US" sz="1600" dirty="0"/>
               <a:t>/in/</a:t>
             </a:r>
             <a:r>
-              <a:rPr lang="en-US" dirty="0" err="1"/>
+              <a:rPr lang="en-US" sz="1600" dirty="0" err="1"/>
               <a:t>ashwineepandey</a:t>
             </a:r>
-            <a:endParaRPr lang="en-US" dirty="0"/>
+            <a:endParaRPr lang="en-US" sz="1600" dirty="0"/>
           </a:p>
         </p:txBody>
       </p:sp>
@@ -15994,13 +16083,13 @@
         </p:nvSpPr>
         <p:spPr>
           <a:xfrm>
-            <a:off x="6428657" y="1124698"/>
-            <a:ext cx="5102352" cy="2927536"/>
+            <a:off x="6428657" y="1124697"/>
+            <a:ext cx="5102352" cy="4859309"/>
           </a:xfrm>
         </p:spPr>
         <p:txBody>
           <a:bodyPr>
-            <a:normAutofit lnSpcReduction="10000"/>
+            <a:normAutofit fontScale="85000" lnSpcReduction="10000"/>
           </a:bodyPr>
           <a:lstStyle/>
           <a:p>
@@ -16012,6 +16101,12 @@
           <a:p>
             <a:r>
               <a:rPr lang="en-US" dirty="0"/>
+              <a:t>It is the science and framework of learning to make decisions from interactions</a:t>
+            </a:r>
+          </a:p>
+          <a:p>
+            <a:r>
+              <a:rPr lang="en-US" dirty="0"/>
               <a:t>Learning to use interactions – active, sequential</a:t>
             </a:r>
           </a:p>
@@ -16035,6 +16130,62 @@
             <a:r>
               <a:rPr lang="en-US" dirty="0"/>
               <a:t> for reward</a:t>
+            </a:r>
+          </a:p>
+          <a:p>
+            <a:r>
+              <a:rPr lang="en-US" dirty="0"/>
+              <a:t>Requires us to think about: </a:t>
+            </a:r>
+          </a:p>
+          <a:p>
+            <a:pPr marL="560070" lvl="1" indent="-285750">
+              <a:buFont typeface="Wingdings" pitchFamily="2" charset="2"/>
+              <a:buChar char="§"/>
+            </a:pPr>
+            <a:r>
+              <a:rPr lang="en-US" dirty="0"/>
+              <a:t>Time</a:t>
+            </a:r>
+          </a:p>
+          <a:p>
+            <a:pPr marL="560070" lvl="1" indent="-285750">
+              <a:buFont typeface="Wingdings" pitchFamily="2" charset="2"/>
+              <a:buChar char="§"/>
+            </a:pPr>
+            <a:r>
+              <a:rPr lang="en-US" dirty="0"/>
+              <a:t>Long-term consequences of actions</a:t>
+            </a:r>
+          </a:p>
+          <a:p>
+            <a:pPr marL="560070" lvl="1" indent="-285750">
+              <a:buFont typeface="Wingdings" pitchFamily="2" charset="2"/>
+              <a:buChar char="§"/>
+            </a:pPr>
+            <a:r>
+              <a:rPr lang="en-US" dirty="0"/>
+              <a:t>Actively gathering experience</a:t>
+            </a:r>
+          </a:p>
+          <a:p>
+            <a:pPr marL="560070" lvl="1" indent="-285750">
+              <a:buFont typeface="Wingdings" pitchFamily="2" charset="2"/>
+              <a:buChar char="§"/>
+            </a:pPr>
+            <a:r>
+              <a:rPr lang="en-US" dirty="0"/>
+              <a:t>Predicting the future</a:t>
+            </a:r>
+          </a:p>
+          <a:p>
+            <a:pPr marL="560070" lvl="1" indent="-285750">
+              <a:buFont typeface="Wingdings" pitchFamily="2" charset="2"/>
+              <a:buChar char="§"/>
+            </a:pPr>
+            <a:r>
+              <a:rPr lang="en-US" dirty="0"/>
+              <a:t>Dealing with uncertainty</a:t>
             </a:r>
           </a:p>
         </p:txBody>
@@ -16053,6 +16204,184 @@
 </file>
 
 <file path=ppt/slides/slide5.xml><?xml version="1.0" encoding="utf-8"?>
+<p:sld xmlns:a="http://schemas.openxmlformats.org/drawingml/2006/main" xmlns:r="http://schemas.openxmlformats.org/officeDocument/2006/relationships" xmlns:p="http://schemas.openxmlformats.org/presentationml/2006/main">
+  <p:cSld>
+    <p:spTree>
+      <p:nvGrpSpPr>
+        <p:cNvPr id="1" name=""/>
+        <p:cNvGrpSpPr/>
+        <p:nvPr/>
+      </p:nvGrpSpPr>
+      <p:grpSpPr>
+        <a:xfrm>
+          <a:off x="0" y="0"/>
+          <a:ext cx="0" cy="0"/>
+          <a:chOff x="0" y="0"/>
+          <a:chExt cx="0" cy="0"/>
+        </a:xfrm>
+      </p:grpSpPr>
+      <p:sp>
+        <p:nvSpPr>
+          <p:cNvPr id="2" name="Title 1">
+            <a:extLst>
+              <a:ext uri="{FF2B5EF4-FFF2-40B4-BE49-F238E27FC236}">
+                <a16:creationId xmlns:a16="http://schemas.microsoft.com/office/drawing/2014/main" id="{59B05E76-7F26-18AB-CC6D-57FACF72A7CA}"/>
+              </a:ext>
+            </a:extLst>
+          </p:cNvPr>
+          <p:cNvSpPr>
+            <a:spLocks noGrp="1"/>
+          </p:cNvSpPr>
+          <p:nvPr>
+            <p:ph type="title"/>
+          </p:nvPr>
+        </p:nvSpPr>
+        <p:spPr>
+          <a:xfrm>
+            <a:off x="835541" y="1124698"/>
+            <a:ext cx="4714867" cy="1314443"/>
+          </a:xfrm>
+        </p:spPr>
+        <p:txBody>
+          <a:bodyPr>
+            <a:normAutofit/>
+          </a:bodyPr>
+          <a:lstStyle/>
+          <a:p>
+            <a:r>
+              <a:rPr lang="en-US" dirty="0"/>
+              <a:t>Key Concepts of RL</a:t>
+            </a:r>
+          </a:p>
+        </p:txBody>
+      </p:sp>
+      <p:sp>
+        <p:nvSpPr>
+          <p:cNvPr id="5" name="Footer Placeholder 4">
+            <a:extLst>
+              <a:ext uri="{FF2B5EF4-FFF2-40B4-BE49-F238E27FC236}">
+                <a16:creationId xmlns:a16="http://schemas.microsoft.com/office/drawing/2014/main" id="{9D3FF22B-087C-ADD0-C834-47651FDDD635}"/>
+              </a:ext>
+            </a:extLst>
+          </p:cNvPr>
+          <p:cNvSpPr>
+            <a:spLocks noGrp="1"/>
+          </p:cNvSpPr>
+          <p:nvPr>
+            <p:ph type="ftr" sz="quarter" idx="11"/>
+          </p:nvPr>
+        </p:nvSpPr>
+        <p:spPr/>
+        <p:txBody>
+          <a:bodyPr/>
+          <a:lstStyle/>
+          <a:p>
+            <a:r>
+              <a:rPr lang="en-US"/>
+              <a:t>Intro to RL | indabax 2022</a:t>
+            </a:r>
+          </a:p>
+        </p:txBody>
+      </p:sp>
+      <p:sp>
+        <p:nvSpPr>
+          <p:cNvPr id="6" name="Slide Number Placeholder 5">
+            <a:extLst>
+              <a:ext uri="{FF2B5EF4-FFF2-40B4-BE49-F238E27FC236}">
+                <a16:creationId xmlns:a16="http://schemas.microsoft.com/office/drawing/2014/main" id="{9618AEDC-E429-5D1E-5661-FF45C592B113}"/>
+              </a:ext>
+            </a:extLst>
+          </p:cNvPr>
+          <p:cNvSpPr>
+            <a:spLocks noGrp="1"/>
+          </p:cNvSpPr>
+          <p:nvPr>
+            <p:ph type="sldNum" sz="quarter" idx="12"/>
+          </p:nvPr>
+        </p:nvSpPr>
+        <p:spPr/>
+        <p:txBody>
+          <a:bodyPr/>
+          <a:lstStyle/>
+          <a:p>
+            <a:fld id="{70C38C08-47C7-4847-B0BE-B9D8DEEB3D1B}" type="slidenum">
+              <a:rPr lang="en-US" smtClean="0"/>
+              <a:t>5</a:t>
+            </a:fld>
+            <a:endParaRPr lang="en-US"/>
+          </a:p>
+        </p:txBody>
+      </p:sp>
+      <p:graphicFrame>
+        <p:nvGraphicFramePr>
+          <p:cNvPr id="34" name="TextBox 32">
+            <a:extLst>
+              <a:ext uri="{FF2B5EF4-FFF2-40B4-BE49-F238E27FC236}">
+                <a16:creationId xmlns:a16="http://schemas.microsoft.com/office/drawing/2014/main" id="{CE747502-33D8-7E5F-E088-58D2CE88D2BC}"/>
+              </a:ext>
+            </a:extLst>
+          </p:cNvPr>
+          <p:cNvGraphicFramePr/>
+          <p:nvPr>
+            <p:extLst>
+              <p:ext uri="{D42A27DB-BD31-4B8C-83A1-F6EECF244321}">
+                <p14:modId xmlns:p14="http://schemas.microsoft.com/office/powerpoint/2010/main" val="1858539951"/>
+              </p:ext>
+            </p:extLst>
+          </p:nvPr>
+        </p:nvGraphicFramePr>
+        <p:xfrm>
+          <a:off x="6138791" y="891605"/>
+          <a:ext cx="5392218" cy="5272127"/>
+        </p:xfrm>
+        <a:graphic>
+          <a:graphicData uri="http://schemas.openxmlformats.org/drawingml/2006/diagram">
+            <dgm:relIds xmlns:dgm="http://schemas.openxmlformats.org/drawingml/2006/diagram" xmlns:r="http://schemas.openxmlformats.org/officeDocument/2006/relationships" r:dm="rId2" r:lo="rId3" r:qs="rId4" r:cs="rId5"/>
+          </a:graphicData>
+        </a:graphic>
+      </p:graphicFrame>
+      <p:graphicFrame>
+        <p:nvGraphicFramePr>
+          <p:cNvPr id="3" name="TextBox 32">
+            <a:extLst>
+              <a:ext uri="{FF2B5EF4-FFF2-40B4-BE49-F238E27FC236}">
+                <a16:creationId xmlns:a16="http://schemas.microsoft.com/office/drawing/2014/main" id="{D71E3DA3-477B-319E-00D4-C3CF5F387ED1}"/>
+              </a:ext>
+            </a:extLst>
+          </p:cNvPr>
+          <p:cNvGraphicFramePr/>
+          <p:nvPr>
+            <p:extLst>
+              <p:ext uri="{D42A27DB-BD31-4B8C-83A1-F6EECF244321}">
+                <p14:modId xmlns:p14="http://schemas.microsoft.com/office/powerpoint/2010/main" val="4015267759"/>
+              </p:ext>
+            </p:extLst>
+          </p:nvPr>
+        </p:nvGraphicFramePr>
+        <p:xfrm>
+          <a:off x="496865" y="2161605"/>
+          <a:ext cx="5392218" cy="4002127"/>
+        </p:xfrm>
+        <a:graphic>
+          <a:graphicData uri="http://schemas.openxmlformats.org/drawingml/2006/diagram">
+            <dgm:relIds xmlns:dgm="http://schemas.openxmlformats.org/drawingml/2006/diagram" xmlns:r="http://schemas.openxmlformats.org/officeDocument/2006/relationships" r:dm="rId7" r:lo="rId8" r:qs="rId9" r:cs="rId10"/>
+          </a:graphicData>
+        </a:graphic>
+      </p:graphicFrame>
+    </p:spTree>
+    <p:extLst>
+      <p:ext uri="{BB962C8B-B14F-4D97-AF65-F5344CB8AC3E}">
+        <p14:creationId xmlns:p14="http://schemas.microsoft.com/office/powerpoint/2010/main" val="1502281891"/>
+      </p:ext>
+    </p:extLst>
+  </p:cSld>
+  <p:clrMapOvr>
+    <a:masterClrMapping/>
+  </p:clrMapOvr>
+</p:sld>
+</file>
+
+<file path=ppt/slides/slide6.xml><?xml version="1.0" encoding="utf-8"?>
 <p:sld xmlns:a="http://schemas.openxmlformats.org/drawingml/2006/main" xmlns:r="http://schemas.openxmlformats.org/officeDocument/2006/relationships" xmlns:p="http://schemas.openxmlformats.org/presentationml/2006/main">
   <p:cSld>
     <p:bg>
@@ -16231,7 +16560,7 @@
           <a:p>
             <a:r>
               <a:rPr lang="en-US" dirty="0"/>
-              <a:t>What is Reinforcement Learning?</a:t>
+              <a:t>What is an Agent?</a:t>
             </a:r>
           </a:p>
         </p:txBody>
@@ -16371,7 +16700,7 @@
                   <a:spcPts val="600"/>
                 </a:spcAft>
               </a:pPr>
-              <a:t>5</a:t>
+              <a:t>6</a:t>
             </a:fld>
             <a:endParaRPr lang="en-US"/>
           </a:p>
@@ -16379,10 +16708,10 @@
       </p:sp>
       <p:pic>
         <p:nvPicPr>
-          <p:cNvPr id="24" name="Picture 23">
+          <p:cNvPr id="3" name="Picture 2">
             <a:extLst>
               <a:ext uri="{FF2B5EF4-FFF2-40B4-BE49-F238E27FC236}">
-                <a16:creationId xmlns:a16="http://schemas.microsoft.com/office/drawing/2014/main" id="{B1A1B869-586E-98B0-F4CD-9DE532AF0843}"/>
+                <a16:creationId xmlns:a16="http://schemas.microsoft.com/office/drawing/2014/main" id="{2B82A868-CF31-B19C-C0D1-7DE29F905BF9}"/>
               </a:ext>
             </a:extLst>
           </p:cNvPr>
@@ -16399,8 +16728,8 @@
         </p:blipFill>
         <p:spPr>
           <a:xfrm>
-            <a:off x="6247808" y="4457700"/>
-            <a:ext cx="5080000" cy="1333500"/>
+            <a:off x="6900333" y="955799"/>
+            <a:ext cx="1143881" cy="1144123"/>
           </a:xfrm>
           <a:prstGeom prst="rect">
             <a:avLst/>
@@ -16409,10 +16738,10 @@
       </p:pic>
       <p:sp>
         <p:nvSpPr>
-          <p:cNvPr id="27" name="Content Placeholder 2">
+          <p:cNvPr id="7" name="Content Placeholder 2">
             <a:extLst>
               <a:ext uri="{FF2B5EF4-FFF2-40B4-BE49-F238E27FC236}">
-                <a16:creationId xmlns:a16="http://schemas.microsoft.com/office/drawing/2014/main" id="{8295E942-FC23-EE4E-A291-0F52A80690D1}"/>
+                <a16:creationId xmlns:a16="http://schemas.microsoft.com/office/drawing/2014/main" id="{0EA5E203-5BA5-7B46-B642-FE13C030B6AC}"/>
               </a:ext>
             </a:extLst>
           </p:cNvPr>
@@ -16425,233 +16754,120 @@
         </p:nvSpPr>
         <p:spPr>
           <a:xfrm>
-            <a:off x="914400" y="2863664"/>
-            <a:ext cx="9016409" cy="2927536"/>
+            <a:off x="912628" y="2402603"/>
+            <a:ext cx="9016409" cy="3817222"/>
           </a:xfrm>
         </p:spPr>
         <p:txBody>
-          <a:bodyPr>
+          <a:bodyPr numCol="3">
             <a:normAutofit/>
           </a:bodyPr>
           <a:lstStyle/>
           <a:p>
             <a:r>
               <a:rPr lang="en-US" dirty="0"/>
-              <a:t>Think about decision making from first principles</a:t>
+              <a:t>Agent state</a:t>
             </a:r>
           </a:p>
           <a:p>
             <a:r>
               <a:rPr lang="en-US" dirty="0"/>
-              <a:t>Learning to use interactions – active, sequential</a:t>
+              <a:t>Policy</a:t>
             </a:r>
           </a:p>
           <a:p>
             <a:r>
               <a:rPr lang="en-US" dirty="0"/>
-              <a:t>Goal oriented</a:t>
+              <a:t>Value function</a:t>
             </a:r>
           </a:p>
           <a:p>
             <a:r>
               <a:rPr lang="en-US" dirty="0"/>
-              <a:t>Does not require prior examples</a:t>
-            </a:r>
-          </a:p>
-          <a:p>
-            <a:r>
-              <a:rPr lang="en-US" dirty="0" err="1"/>
-              <a:t>Optimising</a:t>
-            </a:r>
+              <a:t>Model</a:t>
+            </a:r>
+          </a:p>
+          <a:p>
+            <a:endParaRPr lang="en-US" dirty="0"/>
+          </a:p>
+          <a:p>
+            <a:endParaRPr lang="en-US" dirty="0"/>
+          </a:p>
+          <a:p>
+            <a:endParaRPr lang="en-US" dirty="0"/>
+          </a:p>
+          <a:p>
             <a:r>
               <a:rPr lang="en-US" dirty="0"/>
-              <a:t> for reward</a:t>
-            </a:r>
+              <a:t>Types of Agents</a:t>
+            </a:r>
+          </a:p>
+          <a:p>
+            <a:pPr marL="560070" lvl="1" indent="-285750">
+              <a:buFont typeface="Arial" panose="020B0604020202020204" pitchFamily="34" charset="0"/>
+              <a:buChar char="•"/>
+            </a:pPr>
+            <a:r>
+              <a:rPr lang="en-US" dirty="0"/>
+              <a:t>Value based</a:t>
+            </a:r>
+          </a:p>
+          <a:p>
+            <a:pPr marL="560070" lvl="1" indent="-285750">
+              <a:buFont typeface="Arial" panose="020B0604020202020204" pitchFamily="34" charset="0"/>
+              <a:buChar char="•"/>
+            </a:pPr>
+            <a:r>
+              <a:rPr lang="en-US" dirty="0"/>
+              <a:t>Policy based</a:t>
+            </a:r>
+          </a:p>
+          <a:p>
+            <a:pPr marL="560070" lvl="1" indent="-285750">
+              <a:buFont typeface="Arial" panose="020B0604020202020204" pitchFamily="34" charset="0"/>
+              <a:buChar char="•"/>
+            </a:pPr>
+            <a:r>
+              <a:rPr lang="en-US" dirty="0"/>
+              <a:t>Actor Critic</a:t>
+            </a:r>
+          </a:p>
+          <a:p>
+            <a:pPr marL="560070" lvl="1" indent="-285750">
+              <a:buFont typeface="Arial" panose="020B0604020202020204" pitchFamily="34" charset="0"/>
+              <a:buChar char="•"/>
+            </a:pPr>
+            <a:r>
+              <a:rPr lang="en-US" dirty="0"/>
+              <a:t>Model Free</a:t>
+            </a:r>
+          </a:p>
+          <a:p>
+            <a:pPr marL="560070" lvl="1" indent="-285750">
+              <a:buFont typeface="Arial" panose="020B0604020202020204" pitchFamily="34" charset="0"/>
+              <a:buChar char="•"/>
+            </a:pPr>
+            <a:r>
+              <a:rPr lang="en-US" dirty="0"/>
+              <a:t>Model based</a:t>
+            </a:r>
+          </a:p>
+          <a:p>
+            <a:pPr marL="560070" lvl="1" indent="-285750">
+              <a:buFont typeface="Arial" panose="020B0604020202020204" pitchFamily="34" charset="0"/>
+              <a:buChar char="•"/>
+            </a:pPr>
+            <a:endParaRPr lang="en-US" dirty="0"/>
+          </a:p>
+          <a:p>
+            <a:endParaRPr lang="en-US" dirty="0"/>
           </a:p>
         </p:txBody>
       </p:sp>
     </p:spTree>
     <p:extLst>
       <p:ext uri="{BB962C8B-B14F-4D97-AF65-F5344CB8AC3E}">
-        <p14:creationId xmlns:p14="http://schemas.microsoft.com/office/powerpoint/2010/main" val="2331188882"/>
-      </p:ext>
-    </p:extLst>
-  </p:cSld>
-  <p:clrMapOvr>
-    <a:masterClrMapping/>
-  </p:clrMapOvr>
-</p:sld>
-</file>
-
-<file path=ppt/slides/slide6.xml><?xml version="1.0" encoding="utf-8"?>
-<p:sld xmlns:a="http://schemas.openxmlformats.org/drawingml/2006/main" xmlns:r="http://schemas.openxmlformats.org/officeDocument/2006/relationships" xmlns:p="http://schemas.openxmlformats.org/presentationml/2006/main">
-  <p:cSld>
-    <p:spTree>
-      <p:nvGrpSpPr>
-        <p:cNvPr id="1" name=""/>
-        <p:cNvGrpSpPr/>
-        <p:nvPr/>
-      </p:nvGrpSpPr>
-      <p:grpSpPr>
-        <a:xfrm>
-          <a:off x="0" y="0"/>
-          <a:ext cx="0" cy="0"/>
-          <a:chOff x="0" y="0"/>
-          <a:chExt cx="0" cy="0"/>
-        </a:xfrm>
-      </p:grpSpPr>
-      <p:sp>
-        <p:nvSpPr>
-          <p:cNvPr id="2" name="Title 1">
-            <a:extLst>
-              <a:ext uri="{FF2B5EF4-FFF2-40B4-BE49-F238E27FC236}">
-                <a16:creationId xmlns:a16="http://schemas.microsoft.com/office/drawing/2014/main" id="{59B05E76-7F26-18AB-CC6D-57FACF72A7CA}"/>
-              </a:ext>
-            </a:extLst>
-          </p:cNvPr>
-          <p:cNvSpPr>
-            <a:spLocks noGrp="1"/>
-          </p:cNvSpPr>
-          <p:nvPr>
-            <p:ph type="title"/>
-          </p:nvPr>
-        </p:nvSpPr>
-        <p:spPr>
-          <a:xfrm>
-            <a:off x="835541" y="1124698"/>
-            <a:ext cx="4714867" cy="1314443"/>
-          </a:xfrm>
-        </p:spPr>
-        <p:txBody>
-          <a:bodyPr>
-            <a:normAutofit/>
-          </a:bodyPr>
-          <a:lstStyle/>
-          <a:p>
-            <a:r>
-              <a:rPr lang="en-US" dirty="0"/>
-              <a:t>Key Concepts of RL</a:t>
-            </a:r>
-          </a:p>
-        </p:txBody>
-      </p:sp>
-      <p:sp>
-        <p:nvSpPr>
-          <p:cNvPr id="5" name="Footer Placeholder 4">
-            <a:extLst>
-              <a:ext uri="{FF2B5EF4-FFF2-40B4-BE49-F238E27FC236}">
-                <a16:creationId xmlns:a16="http://schemas.microsoft.com/office/drawing/2014/main" id="{9D3FF22B-087C-ADD0-C834-47651FDDD635}"/>
-              </a:ext>
-            </a:extLst>
-          </p:cNvPr>
-          <p:cNvSpPr>
-            <a:spLocks noGrp="1"/>
-          </p:cNvSpPr>
-          <p:nvPr>
-            <p:ph type="ftr" sz="quarter" idx="11"/>
-          </p:nvPr>
-        </p:nvSpPr>
-        <p:spPr/>
-        <p:txBody>
-          <a:bodyPr/>
-          <a:lstStyle/>
-          <a:p>
-            <a:r>
-              <a:rPr lang="en-US"/>
-              <a:t>Intro to RL | indabax 2022</a:t>
-            </a:r>
-          </a:p>
-        </p:txBody>
-      </p:sp>
-      <p:sp>
-        <p:nvSpPr>
-          <p:cNvPr id="6" name="Slide Number Placeholder 5">
-            <a:extLst>
-              <a:ext uri="{FF2B5EF4-FFF2-40B4-BE49-F238E27FC236}">
-                <a16:creationId xmlns:a16="http://schemas.microsoft.com/office/drawing/2014/main" id="{9618AEDC-E429-5D1E-5661-FF45C592B113}"/>
-              </a:ext>
-            </a:extLst>
-          </p:cNvPr>
-          <p:cNvSpPr>
-            <a:spLocks noGrp="1"/>
-          </p:cNvSpPr>
-          <p:nvPr>
-            <p:ph type="sldNum" sz="quarter" idx="12"/>
-          </p:nvPr>
-        </p:nvSpPr>
-        <p:spPr/>
-        <p:txBody>
-          <a:bodyPr/>
-          <a:lstStyle/>
-          <a:p>
-            <a:fld id="{70C38C08-47C7-4847-B0BE-B9D8DEEB3D1B}" type="slidenum">
-              <a:rPr lang="en-US" smtClean="0"/>
-              <a:t>6</a:t>
-            </a:fld>
-            <a:endParaRPr lang="en-US"/>
-          </a:p>
-        </p:txBody>
-      </p:sp>
-      <p:graphicFrame>
-        <p:nvGraphicFramePr>
-          <p:cNvPr id="34" name="TextBox 32">
-            <a:extLst>
-              <a:ext uri="{FF2B5EF4-FFF2-40B4-BE49-F238E27FC236}">
-                <a16:creationId xmlns:a16="http://schemas.microsoft.com/office/drawing/2014/main" id="{CE747502-33D8-7E5F-E088-58D2CE88D2BC}"/>
-              </a:ext>
-            </a:extLst>
-          </p:cNvPr>
-          <p:cNvGraphicFramePr/>
-          <p:nvPr>
-            <p:extLst>
-              <p:ext uri="{D42A27DB-BD31-4B8C-83A1-F6EECF244321}">
-                <p14:modId xmlns:p14="http://schemas.microsoft.com/office/powerpoint/2010/main" val="2694590312"/>
-              </p:ext>
-            </p:extLst>
-          </p:nvPr>
-        </p:nvGraphicFramePr>
-        <p:xfrm>
-          <a:off x="6138791" y="891605"/>
-          <a:ext cx="5392218" cy="5272127"/>
-        </p:xfrm>
-        <a:graphic>
-          <a:graphicData uri="http://schemas.openxmlformats.org/drawingml/2006/diagram">
-            <dgm:relIds xmlns:dgm="http://schemas.openxmlformats.org/drawingml/2006/diagram" xmlns:r="http://schemas.openxmlformats.org/officeDocument/2006/relationships" r:dm="rId2" r:lo="rId3" r:qs="rId4" r:cs="rId5"/>
-          </a:graphicData>
-        </a:graphic>
-      </p:graphicFrame>
-      <p:graphicFrame>
-        <p:nvGraphicFramePr>
-          <p:cNvPr id="3" name="TextBox 32">
-            <a:extLst>
-              <a:ext uri="{FF2B5EF4-FFF2-40B4-BE49-F238E27FC236}">
-                <a16:creationId xmlns:a16="http://schemas.microsoft.com/office/drawing/2014/main" id="{D71E3DA3-477B-319E-00D4-C3CF5F387ED1}"/>
-              </a:ext>
-            </a:extLst>
-          </p:cNvPr>
-          <p:cNvGraphicFramePr/>
-          <p:nvPr>
-            <p:extLst>
-              <p:ext uri="{D42A27DB-BD31-4B8C-83A1-F6EECF244321}">
-                <p14:modId xmlns:p14="http://schemas.microsoft.com/office/powerpoint/2010/main" val="4015267759"/>
-              </p:ext>
-            </p:extLst>
-          </p:nvPr>
-        </p:nvGraphicFramePr>
-        <p:xfrm>
-          <a:off x="496865" y="2161605"/>
-          <a:ext cx="5392218" cy="4002127"/>
-        </p:xfrm>
-        <a:graphic>
-          <a:graphicData uri="http://schemas.openxmlformats.org/drawingml/2006/diagram">
-            <dgm:relIds xmlns:dgm="http://schemas.openxmlformats.org/drawingml/2006/diagram" xmlns:r="http://schemas.openxmlformats.org/officeDocument/2006/relationships" r:dm="rId7" r:lo="rId8" r:qs="rId9" r:cs="rId10"/>
-          </a:graphicData>
-        </a:graphic>
-      </p:graphicFrame>
-    </p:spTree>
-    <p:extLst>
-      <p:ext uri="{BB962C8B-B14F-4D97-AF65-F5344CB8AC3E}">
-        <p14:creationId xmlns:p14="http://schemas.microsoft.com/office/powerpoint/2010/main" val="1502281891"/>
+        <p14:creationId xmlns:p14="http://schemas.microsoft.com/office/powerpoint/2010/main" val="3930137309"/>
       </p:ext>
     </p:extLst>
   </p:cSld>
@@ -16840,7 +17056,7 @@
           <a:p>
             <a:r>
               <a:rPr lang="en-US" dirty="0"/>
-              <a:t>What is an Agent?</a:t>
+              <a:t>Exploration vs Exploitation</a:t>
             </a:r>
           </a:p>
         </p:txBody>
@@ -16986,42 +17202,12 @@
           </a:p>
         </p:txBody>
       </p:sp>
-      <p:pic>
-        <p:nvPicPr>
-          <p:cNvPr id="3" name="Picture 2">
-            <a:extLst>
-              <a:ext uri="{FF2B5EF4-FFF2-40B4-BE49-F238E27FC236}">
-                <a16:creationId xmlns:a16="http://schemas.microsoft.com/office/drawing/2014/main" id="{2B82A868-CF31-B19C-C0D1-7DE29F905BF9}"/>
-              </a:ext>
-            </a:extLst>
-          </p:cNvPr>
-          <p:cNvPicPr>
-            <a:picLocks noChangeAspect="1"/>
-          </p:cNvPicPr>
-          <p:nvPr/>
-        </p:nvPicPr>
-        <p:blipFill>
-          <a:blip r:embed="rId2"/>
-          <a:stretch>
-            <a:fillRect/>
-          </a:stretch>
-        </p:blipFill>
-        <p:spPr>
-          <a:xfrm>
-            <a:off x="6900333" y="955799"/>
-            <a:ext cx="1143881" cy="1144123"/>
-          </a:xfrm>
-          <a:prstGeom prst="rect">
-            <a:avLst/>
-          </a:prstGeom>
-        </p:spPr>
-      </p:pic>
       <p:sp>
         <p:nvSpPr>
-          <p:cNvPr id="7" name="Content Placeholder 2">
+          <p:cNvPr id="9" name="Content Placeholder 2">
             <a:extLst>
               <a:ext uri="{FF2B5EF4-FFF2-40B4-BE49-F238E27FC236}">
-                <a16:creationId xmlns:a16="http://schemas.microsoft.com/office/drawing/2014/main" id="{0EA5E203-5BA5-7B46-B642-FE13C030B6AC}"/>
+                <a16:creationId xmlns:a16="http://schemas.microsoft.com/office/drawing/2014/main" id="{501F06FE-E961-6695-CBA4-C2EFFED9D22E}"/>
               </a:ext>
             </a:extLst>
           </p:cNvPr>
@@ -17035,110 +17221,14 @@
         <p:spPr>
           <a:xfrm>
             <a:off x="912628" y="2402603"/>
-            <a:ext cx="9016409" cy="3817222"/>
+            <a:ext cx="9016409" cy="2927536"/>
           </a:xfrm>
         </p:spPr>
         <p:txBody>
-          <a:bodyPr numCol="3">
+          <a:bodyPr>
             <a:normAutofit/>
           </a:bodyPr>
           <a:lstStyle/>
-          <a:p>
-            <a:r>
-              <a:rPr lang="en-US" dirty="0"/>
-              <a:t>Agent state</a:t>
-            </a:r>
-          </a:p>
-          <a:p>
-            <a:r>
-              <a:rPr lang="en-US" dirty="0"/>
-              <a:t>Policy</a:t>
-            </a:r>
-          </a:p>
-          <a:p>
-            <a:r>
-              <a:rPr lang="en-US" dirty="0"/>
-              <a:t>Value function</a:t>
-            </a:r>
-          </a:p>
-          <a:p>
-            <a:r>
-              <a:rPr lang="en-US" dirty="0"/>
-              <a:t>Model</a:t>
-            </a:r>
-          </a:p>
-          <a:p>
-            <a:endParaRPr lang="en-US" dirty="0"/>
-          </a:p>
-          <a:p>
-            <a:endParaRPr lang="en-US" dirty="0"/>
-          </a:p>
-          <a:p>
-            <a:endParaRPr lang="en-US" dirty="0"/>
-          </a:p>
-          <a:p>
-            <a:r>
-              <a:rPr lang="en-US" dirty="0"/>
-              <a:t>Types of Agents</a:t>
-            </a:r>
-          </a:p>
-          <a:p>
-            <a:pPr marL="560070" lvl="1" indent="-285750">
-              <a:buFont typeface="Arial" panose="020B0604020202020204" pitchFamily="34" charset="0"/>
-              <a:buChar char="•"/>
-            </a:pPr>
-            <a:r>
-              <a:rPr lang="en-US" dirty="0"/>
-              <a:t>Value based</a:t>
-            </a:r>
-          </a:p>
-          <a:p>
-            <a:pPr marL="560070" lvl="1" indent="-285750">
-              <a:buFont typeface="Arial" panose="020B0604020202020204" pitchFamily="34" charset="0"/>
-              <a:buChar char="•"/>
-            </a:pPr>
-            <a:r>
-              <a:rPr lang="en-US" dirty="0"/>
-              <a:t>Policy based</a:t>
-            </a:r>
-          </a:p>
-          <a:p>
-            <a:pPr marL="560070" lvl="1" indent="-285750">
-              <a:buFont typeface="Arial" panose="020B0604020202020204" pitchFamily="34" charset="0"/>
-              <a:buChar char="•"/>
-            </a:pPr>
-            <a:r>
-              <a:rPr lang="en-US" dirty="0"/>
-              <a:t>Actor Critic</a:t>
-            </a:r>
-          </a:p>
-          <a:p>
-            <a:pPr marL="560070" lvl="1" indent="-285750">
-              <a:buFont typeface="Arial" panose="020B0604020202020204" pitchFamily="34" charset="0"/>
-              <a:buChar char="•"/>
-            </a:pPr>
-            <a:r>
-              <a:rPr lang="en-US" dirty="0"/>
-              <a:t>Model Free</a:t>
-            </a:r>
-          </a:p>
-          <a:p>
-            <a:pPr marL="560070" lvl="1" indent="-285750">
-              <a:buFont typeface="Arial" panose="020B0604020202020204" pitchFamily="34" charset="0"/>
-              <a:buChar char="•"/>
-            </a:pPr>
-            <a:r>
-              <a:rPr lang="en-US" dirty="0"/>
-              <a:t>Model based</a:t>
-            </a:r>
-          </a:p>
-          <a:p>
-            <a:pPr marL="560070" lvl="1" indent="-285750">
-              <a:buFont typeface="Arial" panose="020B0604020202020204" pitchFamily="34" charset="0"/>
-              <a:buChar char="•"/>
-            </a:pPr>
-            <a:endParaRPr lang="en-US" dirty="0"/>
-          </a:p>
           <a:p>
             <a:endParaRPr lang="en-US" dirty="0"/>
           </a:p>
@@ -17147,7 +17237,7 @@
     </p:spTree>
     <p:extLst>
       <p:ext uri="{BB962C8B-B14F-4D97-AF65-F5344CB8AC3E}">
-        <p14:creationId xmlns:p14="http://schemas.microsoft.com/office/powerpoint/2010/main" val="3930137309"/>
+        <p14:creationId xmlns:p14="http://schemas.microsoft.com/office/powerpoint/2010/main" val="3787810117"/>
       </p:ext>
     </p:extLst>
   </p:cSld>
@@ -17182,57 +17272,9 @@
           <a:chExt cx="0" cy="0"/>
         </a:xfrm>
       </p:grpSpPr>
-      <p:cxnSp>
-        <p:nvCxnSpPr>
-          <p:cNvPr id="46" name="Straight Connector 45">
-            <a:extLst>
-              <a:ext uri="{FF2B5EF4-FFF2-40B4-BE49-F238E27FC236}">
-                <a16:creationId xmlns:a16="http://schemas.microsoft.com/office/drawing/2014/main" id="{F209B62C-3402-4623-9A7C-AA048B56F8C3}"/>
-              </a:ext>
-              <a:ext uri="{C183D7F6-B498-43B3-948B-1728B52AA6E4}">
-                <adec:decorative xmlns:adec="http://schemas.microsoft.com/office/drawing/2017/decorative" val="1"/>
-              </a:ext>
-            </a:extLst>
-          </p:cNvPr>
-          <p:cNvCxnSpPr>
-            <a:cxnSpLocks noGrp="1" noRot="1" noChangeAspect="1" noMove="1" noResize="1" noEditPoints="1" noAdjustHandles="1" noChangeArrowheads="1" noChangeShapeType="1"/>
-          </p:cNvCxnSpPr>
-          <p:nvPr>
-            <p:extLst>
-              <p:ext uri="{386F3935-93C4-4BCD-93E2-E3B085C9AB24}">
-                <p16:designElem xmlns:p16="http://schemas.microsoft.com/office/powerpoint/2015/main" val="1"/>
-              </p:ext>
-            </p:extLst>
-          </p:nvPr>
-        </p:nvCxnSpPr>
-        <p:spPr>
-          <a:xfrm>
-            <a:off x="990600" y="1031001"/>
-            <a:ext cx="978862" cy="0"/>
-          </a:xfrm>
-          <a:prstGeom prst="line">
-            <a:avLst/>
-          </a:prstGeom>
-          <a:ln w="76200"/>
-        </p:spPr>
-        <p:style>
-          <a:lnRef idx="1">
-            <a:schemeClr val="accent1"/>
-          </a:lnRef>
-          <a:fillRef idx="0">
-            <a:schemeClr val="accent1"/>
-          </a:fillRef>
-          <a:effectRef idx="0">
-            <a:schemeClr val="accent1"/>
-          </a:effectRef>
-          <a:fontRef idx="minor">
-            <a:schemeClr val="tx1"/>
-          </a:fontRef>
-        </p:style>
-      </p:cxnSp>
       <p:sp useBgFill="1">
         <p:nvSpPr>
-          <p:cNvPr id="48" name="Rectangle 47">
+          <p:cNvPr id="27" name="Rectangle 21">
             <a:extLst>
               <a:ext uri="{FF2B5EF4-FFF2-40B4-BE49-F238E27FC236}">
                 <a16:creationId xmlns:a16="http://schemas.microsoft.com/office/drawing/2014/main" id="{19F9BF86-FE94-4517-B97D-026C7515E589}"/>
@@ -17306,12 +17348,117 @@
           </a:p>
         </p:txBody>
       </p:sp>
+      <p:pic>
+        <p:nvPicPr>
+          <p:cNvPr id="17" name="Picture 3" descr="Triangular abstract background">
+            <a:extLst>
+              <a:ext uri="{FF2B5EF4-FFF2-40B4-BE49-F238E27FC236}">
+                <a16:creationId xmlns:a16="http://schemas.microsoft.com/office/drawing/2014/main" id="{A04F2E58-04DE-AA52-A5EA-0C9D94AA6D59}"/>
+              </a:ext>
+            </a:extLst>
+          </p:cNvPr>
+          <p:cNvPicPr>
+            <a:picLocks noChangeAspect="1"/>
+          </p:cNvPicPr>
+          <p:nvPr/>
+        </p:nvPicPr>
+        <p:blipFill rotWithShape="1">
+          <a:blip r:embed="rId2"/>
+          <a:srcRect t="15730"/>
+          <a:stretch/>
+        </p:blipFill>
+        <p:spPr>
+          <a:xfrm>
+            <a:off x="1" y="10"/>
+            <a:ext cx="12192000" cy="6857990"/>
+          </a:xfrm>
+          <a:prstGeom prst="rect">
+            <a:avLst/>
+          </a:prstGeom>
+        </p:spPr>
+      </p:pic>
+      <p:sp useBgFill="1">
+        <p:nvSpPr>
+          <p:cNvPr id="28" name="Rectangle 23">
+            <a:extLst>
+              <a:ext uri="{FF2B5EF4-FFF2-40B4-BE49-F238E27FC236}">
+                <a16:creationId xmlns:a16="http://schemas.microsoft.com/office/drawing/2014/main" id="{D30DD7D3-2712-4491-B2C2-5FC23330C7CB}"/>
+              </a:ext>
+              <a:ext uri="{C183D7F6-B498-43B3-948B-1728B52AA6E4}">
+                <adec:decorative xmlns:adec="http://schemas.microsoft.com/office/drawing/2017/decorative" val="1"/>
+              </a:ext>
+            </a:extLst>
+          </p:cNvPr>
+          <p:cNvSpPr>
+            <a:spLocks noGrp="1" noRot="1" noChangeAspect="1" noMove="1" noResize="1" noEditPoints="1" noAdjustHandles="1" noChangeArrowheads="1" noChangeShapeType="1" noTextEdit="1"/>
+          </p:cNvSpPr>
+          <p:nvPr>
+            <p:extLst>
+              <p:ext uri="{386F3935-93C4-4BCD-93E2-E3B085C9AB24}">
+                <p16:designElem xmlns:p16="http://schemas.microsoft.com/office/powerpoint/2015/main" val="1"/>
+              </p:ext>
+            </p:extLst>
+          </p:nvPr>
+        </p:nvSpPr>
+        <p:spPr>
+          <a:xfrm>
+            <a:off x="1057051" y="1066800"/>
+            <a:ext cx="5699422" cy="4724400"/>
+          </a:xfrm>
+          <a:prstGeom prst="rect">
+            <a:avLst/>
+          </a:prstGeom>
+          <a:ln w="12700" cap="flat" cmpd="sng" algn="ctr">
+            <a:noFill/>
+            <a:prstDash val="solid"/>
+            <a:miter lim="800000"/>
+          </a:ln>
+          <a:effectLst/>
+          <a:extLst>
+            <a:ext uri="{91240B29-F687-4F45-9708-019B960494DF}">
+              <a14:hiddenLine xmlns:a14="http://schemas.microsoft.com/office/drawing/2010/main" w="12700" cap="flat" cmpd="sng" algn="ctr">
+                <a:solidFill>
+                  <a:schemeClr val="accent1">
+                    <a:shade val="50000"/>
+                  </a:schemeClr>
+                </a:solidFill>
+                <a:prstDash val="solid"/>
+                <a:miter lim="800000"/>
+              </a14:hiddenLine>
+            </a:ext>
+          </a:extLst>
+        </p:spPr>
+        <p:style>
+          <a:lnRef idx="2">
+            <a:schemeClr val="accent1">
+              <a:shade val="50000"/>
+            </a:schemeClr>
+          </a:lnRef>
+          <a:fillRef idx="1">
+            <a:schemeClr val="accent1"/>
+          </a:fillRef>
+          <a:effectRef idx="0">
+            <a:schemeClr val="accent1"/>
+          </a:effectRef>
+          <a:fontRef idx="minor">
+            <a:schemeClr val="lt1"/>
+          </a:fontRef>
+        </p:style>
+        <p:txBody>
+          <a:bodyPr rtlCol="0" anchor="ctr"/>
+          <a:lstStyle/>
+          <a:p>
+            <a:pPr algn="ctr"/>
+            <a:endParaRPr lang="en-US"/>
+          </a:p>
+        </p:txBody>
+      </p:sp>
       <p:sp>
         <p:nvSpPr>
           <p:cNvPr id="2" name="Title 1">
             <a:extLst>
               <a:ext uri="{FF2B5EF4-FFF2-40B4-BE49-F238E27FC236}">
-                <a16:creationId xmlns:a16="http://schemas.microsoft.com/office/drawing/2014/main" id="{59B05E76-7F26-18AB-CC6D-57FACF72A7CA}"/>
+                <a16:creationId xmlns:a16="http://schemas.microsoft.com/office/drawing/2014/main" id="{0562F22D-0AE7-1CD7-46CA-B3597AF2336E}"/>
               </a:ext>
             </a:extLst>
           </p:cNvPr>
@@ -17319,34 +17466,34 @@
             <a:spLocks noGrp="1"/>
           </p:cNvSpPr>
           <p:nvPr>
-            <p:ph type="title"/>
+            <p:ph type="ctrTitle"/>
           </p:nvPr>
         </p:nvSpPr>
         <p:spPr>
           <a:xfrm>
-            <a:off x="912628" y="1371601"/>
-            <a:ext cx="7902188" cy="886968"/>
+            <a:off x="1736256" y="1562101"/>
+            <a:ext cx="4240471" cy="2738530"/>
           </a:xfrm>
         </p:spPr>
         <p:txBody>
-          <a:bodyPr vert="horz" lIns="91440" tIns="45720" rIns="91440" bIns="45720" rtlCol="0" anchor="t">
+          <a:bodyPr anchor="t">
             <a:normAutofit/>
           </a:bodyPr>
           <a:lstStyle/>
           <a:p>
             <a:r>
               <a:rPr lang="en-US" dirty="0"/>
-              <a:t>Bellman Equation</a:t>
+              <a:t>Problem: K-Armed Bandit </a:t>
             </a:r>
           </a:p>
         </p:txBody>
       </p:sp>
       <p:cxnSp>
         <p:nvCxnSpPr>
-          <p:cNvPr id="50" name="Straight Connector 49">
+          <p:cNvPr id="26" name="Straight Connector 25">
             <a:extLst>
               <a:ext uri="{FF2B5EF4-FFF2-40B4-BE49-F238E27FC236}">
-                <a16:creationId xmlns:a16="http://schemas.microsoft.com/office/drawing/2014/main" id="{AA07ED31-6FA0-4967-A8DD-C5388BC17495}"/>
+                <a16:creationId xmlns:a16="http://schemas.microsoft.com/office/drawing/2014/main" id="{FFD0734C-004D-4938-8EA0-2C3867A11A66}"/>
               </a:ext>
               <a:ext uri="{C183D7F6-B498-43B3-948B-1728B52AA6E4}">
                 <adec:decorative xmlns:adec="http://schemas.microsoft.com/office/drawing/2017/decorative" val="1"/>
@@ -17366,8 +17513,8 @@
         </p:nvCxnSpPr>
         <p:spPr>
           <a:xfrm>
-            <a:off x="990600" y="1031001"/>
-            <a:ext cx="978862" cy="0"/>
+            <a:off x="1060419" y="5780876"/>
+            <a:ext cx="5702585" cy="0"/>
           </a:xfrm>
           <a:prstGeom prst="line">
             <a:avLst/>
@@ -17391,148 +17538,81 @@
       </p:cxnSp>
       <p:sp>
         <p:nvSpPr>
-          <p:cNvPr id="5" name="Footer Placeholder 4">
+          <p:cNvPr id="6" name="Snip Diagonal Corner of Rectangle 5">
             <a:extLst>
               <a:ext uri="{FF2B5EF4-FFF2-40B4-BE49-F238E27FC236}">
-                <a16:creationId xmlns:a16="http://schemas.microsoft.com/office/drawing/2014/main" id="{9D3FF22B-087C-ADD0-C834-47651FDDD635}"/>
+                <a16:creationId xmlns:a16="http://schemas.microsoft.com/office/drawing/2014/main" id="{53BD4A6F-1997-44F0-09E9-97625E0368FE}"/>
               </a:ext>
             </a:extLst>
           </p:cNvPr>
-          <p:cNvSpPr>
-            <a:spLocks noGrp="1"/>
-          </p:cNvSpPr>
-          <p:nvPr>
-            <p:ph type="ftr" sz="quarter" idx="11"/>
-          </p:nvPr>
+          <p:cNvSpPr/>
+          <p:nvPr/>
         </p:nvSpPr>
         <p:spPr>
           <a:xfrm>
-            <a:off x="6767622" y="6356350"/>
-            <a:ext cx="4040373" cy="365125"/>
+            <a:off x="1387590" y="4397494"/>
+            <a:ext cx="5038344" cy="898405"/>
           </a:xfrm>
+          <a:prstGeom prst="snip2DiagRect">
+            <a:avLst/>
+          </a:prstGeom>
+          <a:noFill/>
+          <a:ln w="9525" cap="flat" cmpd="sng" algn="ctr">
+            <a:solidFill>
+              <a:schemeClr val="dk1"/>
+            </a:solidFill>
+            <a:prstDash val="solid"/>
+            <a:round/>
+            <a:headEnd type="none" w="med" len="med"/>
+            <a:tailEnd type="none" w="med" len="med"/>
+          </a:ln>
         </p:spPr>
+        <p:style>
+          <a:lnRef idx="0">
+            <a:scrgbClr r="0" g="0" b="0"/>
+          </a:lnRef>
+          <a:fillRef idx="0">
+            <a:scrgbClr r="0" g="0" b="0"/>
+          </a:fillRef>
+          <a:effectRef idx="0">
+            <a:scrgbClr r="0" g="0" b="0"/>
+          </a:effectRef>
+          <a:fontRef idx="minor">
+            <a:schemeClr val="dk1"/>
+          </a:fontRef>
+        </p:style>
         <p:txBody>
-          <a:bodyPr vert="horz" lIns="91440" tIns="45720" rIns="91440" bIns="45720" rtlCol="0" anchor="ctr">
-            <a:normAutofit/>
-          </a:bodyPr>
+          <a:bodyPr rtlCol="0" anchor="ctr"/>
           <a:lstStyle/>
           <a:p>
-            <a:pPr>
-              <a:spcAft>
-                <a:spcPts val="600"/>
-              </a:spcAft>
-            </a:pPr>
-            <a:r>
-              <a:rPr lang="en-US" b="1" kern="1200" cap="all" spc="300" baseline="0">
-                <a:solidFill>
-                  <a:schemeClr val="tx1"/>
-                </a:solidFill>
-                <a:latin typeface="+mn-lt"/>
-                <a:ea typeface="+mn-ea"/>
-                <a:cs typeface="+mn-cs"/>
-              </a:rPr>
-              <a:t>Intro to RL | indabax 2022</a:t>
-            </a:r>
-          </a:p>
-        </p:txBody>
-      </p:sp>
-      <p:sp>
-        <p:nvSpPr>
-          <p:cNvPr id="6" name="Slide Number Placeholder 5">
-            <a:extLst>
-              <a:ext uri="{FF2B5EF4-FFF2-40B4-BE49-F238E27FC236}">
-                <a16:creationId xmlns:a16="http://schemas.microsoft.com/office/drawing/2014/main" id="{9618AEDC-E429-5D1E-5661-FF45C592B113}"/>
-              </a:ext>
-            </a:extLst>
-          </p:cNvPr>
-          <p:cNvSpPr>
-            <a:spLocks noGrp="1"/>
-          </p:cNvSpPr>
-          <p:nvPr>
-            <p:ph type="sldNum" sz="quarter" idx="12"/>
-          </p:nvPr>
-        </p:nvSpPr>
-        <p:spPr>
-          <a:xfrm>
-            <a:off x="10807995" y="6356350"/>
-            <a:ext cx="723014" cy="365125"/>
-          </a:xfrm>
-        </p:spPr>
-        <p:txBody>
-          <a:bodyPr vert="horz" lIns="91440" tIns="45720" rIns="91440" bIns="45720" rtlCol="0" anchor="ctr">
-            <a:normAutofit/>
-          </a:bodyPr>
-          <a:lstStyle/>
-          <a:p>
-            <a:pPr>
-              <a:spcAft>
-                <a:spcPts val="600"/>
-              </a:spcAft>
-            </a:pPr>
-            <a:fld id="{70C38C08-47C7-4847-B0BE-B9D8DEEB3D1B}" type="slidenum">
-              <a:rPr lang="en-US" smtClean="0"/>
-              <a:pPr>
-                <a:spcAft>
-                  <a:spcPts val="600"/>
-                </a:spcAft>
-              </a:pPr>
-              <a:t>8</a:t>
-            </a:fld>
-            <a:endParaRPr lang="en-US"/>
-          </a:p>
-        </p:txBody>
-      </p:sp>
-      <p:sp>
-        <p:nvSpPr>
-          <p:cNvPr id="7" name="Content Placeholder 2">
-            <a:extLst>
-              <a:ext uri="{FF2B5EF4-FFF2-40B4-BE49-F238E27FC236}">
-                <a16:creationId xmlns:a16="http://schemas.microsoft.com/office/drawing/2014/main" id="{0EA5E203-5BA5-7B46-B642-FE13C030B6AC}"/>
-              </a:ext>
-            </a:extLst>
-          </p:cNvPr>
-          <p:cNvSpPr>
-            <a:spLocks noGrp="1"/>
-          </p:cNvSpPr>
-          <p:nvPr>
-            <p:ph idx="1"/>
-          </p:nvPr>
-        </p:nvSpPr>
-        <p:spPr>
-          <a:xfrm>
-            <a:off x="912628" y="2402603"/>
-            <a:ext cx="9016409" cy="2927536"/>
-          </a:xfrm>
-        </p:spPr>
-        <p:txBody>
-          <a:bodyPr>
-            <a:normAutofit/>
-          </a:bodyPr>
-          <a:lstStyle/>
-          <a:p>
+            <a:pPr algn="ctr"/>
             <a:r>
               <a:rPr lang="en-US" dirty="0"/>
-              <a:t>Agent state</a:t>
-            </a:r>
-          </a:p>
-          <a:p>
+              <a:t>https://</a:t>
+            </a:r>
+            <a:r>
+              <a:rPr lang="en-US" dirty="0" err="1"/>
+              <a:t>github.com</a:t>
+            </a:r>
             <a:r>
               <a:rPr lang="en-US" dirty="0"/>
-              <a:t>Policy</a:t>
-            </a:r>
-          </a:p>
-          <a:p>
-            <a:pPr marL="0" indent="0">
-              <a:buNone/>
-            </a:pPr>
-            <a:endParaRPr lang="en-US" dirty="0"/>
+              <a:t>/</a:t>
+            </a:r>
+            <a:r>
+              <a:rPr lang="en-US" dirty="0" err="1"/>
+              <a:t>ashwineepandey</a:t>
+            </a:r>
+            <a:r>
+              <a:rPr lang="en-US" dirty="0"/>
+              <a:t>/talk-indabax-2022</a:t>
+            </a:r>
           </a:p>
         </p:txBody>
       </p:sp>
     </p:spTree>
     <p:extLst>
       <p:ext uri="{BB962C8B-B14F-4D97-AF65-F5344CB8AC3E}">
-        <p14:creationId xmlns:p14="http://schemas.microsoft.com/office/powerpoint/2010/main" val="865847354"/>
+        <p14:creationId xmlns:p14="http://schemas.microsoft.com/office/powerpoint/2010/main" val="3301814851"/>
       </p:ext>
     </p:extLst>
   </p:cSld>
@@ -17721,7 +17801,7 @@
           <a:p>
             <a:r>
               <a:rPr lang="en-US" dirty="0"/>
-              <a:t>What is an Environment?</a:t>
+              <a:t>Experience vs Data</a:t>
             </a:r>
           </a:p>
         </p:txBody>
@@ -17867,36 +17947,6 @@
           </a:p>
         </p:txBody>
       </p:sp>
-      <p:pic>
-        <p:nvPicPr>
-          <p:cNvPr id="7" name="Picture 6">
-            <a:extLst>
-              <a:ext uri="{FF2B5EF4-FFF2-40B4-BE49-F238E27FC236}">
-                <a16:creationId xmlns:a16="http://schemas.microsoft.com/office/drawing/2014/main" id="{622AB1D7-924C-2BC7-89CA-C23ECA4E945D}"/>
-              </a:ext>
-            </a:extLst>
-          </p:cNvPr>
-          <p:cNvPicPr>
-            <a:picLocks noChangeAspect="1"/>
-          </p:cNvPicPr>
-          <p:nvPr/>
-        </p:nvPicPr>
-        <p:blipFill>
-          <a:blip r:embed="rId2"/>
-          <a:stretch>
-            <a:fillRect/>
-          </a:stretch>
-        </p:blipFill>
-        <p:spPr>
-          <a:xfrm>
-            <a:off x="9050867" y="1583016"/>
-            <a:ext cx="1143881" cy="1144123"/>
-          </a:xfrm>
-          <a:prstGeom prst="rect">
-            <a:avLst/>
-          </a:prstGeom>
-        </p:spPr>
-      </p:pic>
       <p:sp>
         <p:nvSpPr>
           <p:cNvPr id="9" name="Content Placeholder 2">
@@ -17925,24 +17975,6 @@
           </a:bodyPr>
           <a:lstStyle/>
           <a:p>
-            <a:r>
-              <a:rPr lang="en-US" dirty="0"/>
-              <a:t>Environment state</a:t>
-            </a:r>
-          </a:p>
-          <a:p>
-            <a:r>
-              <a:rPr lang="en-US" dirty="0"/>
-              <a:t>Fully Observable Environments</a:t>
-            </a:r>
-          </a:p>
-          <a:p>
-            <a:r>
-              <a:rPr lang="en-US" dirty="0"/>
-              <a:t>Partially Observable Environments</a:t>
-            </a:r>
-          </a:p>
-          <a:p>
             <a:endParaRPr lang="en-US" dirty="0"/>
           </a:p>
         </p:txBody>
@@ -17950,7 +17982,7 @@
     </p:spTree>
     <p:extLst>
       <p:ext uri="{BB962C8B-B14F-4D97-AF65-F5344CB8AC3E}">
-        <p14:creationId xmlns:p14="http://schemas.microsoft.com/office/powerpoint/2010/main" val="3346697802"/>
+        <p14:creationId xmlns:p14="http://schemas.microsoft.com/office/powerpoint/2010/main" val="591324005"/>
       </p:ext>
     </p:extLst>
   </p:cSld>
